--- a/docs/presentation/Presentasjon oblig4.pptx
+++ b/docs/presentation/Presentasjon oblig4.pptx
@@ -14,9 +14,6 @@
     <p:sldId id="273" r:id="rId8"/>
     <p:sldId id="270" r:id="rId9"/>
     <p:sldId id="263" r:id="rId10"/>
-    <p:sldId id="267" r:id="rId11"/>
-    <p:sldId id="268" r:id="rId12"/>
-    <p:sldId id="269" r:id="rId13"/>
   </p:sldIdLst>
   <p:sldSz cx="9144000" cy="6858000" type="screen4x3"/>
   <p:notesSz cx="6858000" cy="9144000"/>
@@ -6896,3413 +6893,6 @@
 </p:sld>
 </file>
 
-<file path=ppt/slides/slide10.xml><?xml version="1.0" encoding="utf-8"?>
-<p:sld xmlns:a="http://schemas.openxmlformats.org/drawingml/2006/main" xmlns:r="http://schemas.openxmlformats.org/officeDocument/2006/relationships" xmlns:p="http://schemas.openxmlformats.org/presentationml/2006/main">
-  <p:cSld>
-    <p:bg>
-      <p:bgPr>
-        <a:blipFill>
-          <a:blip r:embed="rId2"/>
-          <a:stretch>
-            <a:fillRect/>
-          </a:stretch>
-        </a:blipFill>
-        <a:effectLst/>
-      </p:bgPr>
-    </p:bg>
-    <p:spTree>
-      <p:nvGrpSpPr>
-        <p:cNvPr id="1" name=""/>
-        <p:cNvGrpSpPr/>
-        <p:nvPr/>
-      </p:nvGrpSpPr>
-      <p:grpSpPr>
-        <a:xfrm>
-          <a:off x="0" y="0"/>
-          <a:ext cx="0" cy="0"/>
-          <a:chOff x="0" y="0"/>
-          <a:chExt cx="0" cy="0"/>
-        </a:xfrm>
-      </p:grpSpPr>
-      <p:pic>
-        <p:nvPicPr>
-          <p:cNvPr id="187" name="Imagen 5"/>
-          <p:cNvPicPr/>
-          <p:nvPr/>
-        </p:nvPicPr>
-        <p:blipFill>
-          <a:blip r:embed="rId3"/>
-          <a:stretch/>
-        </p:blipFill>
-        <p:spPr>
-          <a:xfrm>
-            <a:off x="3354480" y="5965920"/>
-            <a:ext cx="761760" cy="718920"/>
-          </a:xfrm>
-          <a:prstGeom prst="rect">
-            <a:avLst/>
-          </a:prstGeom>
-          <a:ln>
-            <a:noFill/>
-          </a:ln>
-        </p:spPr>
-      </p:pic>
-      <p:sp>
-        <p:nvSpPr>
-          <p:cNvPr id="188" name="CustomShape 1"/>
-          <p:cNvSpPr/>
-          <p:nvPr/>
-        </p:nvSpPr>
-        <p:spPr>
-          <a:xfrm>
-            <a:off x="398520" y="260280"/>
-            <a:ext cx="7413480" cy="863280"/>
-          </a:xfrm>
-          <a:prstGeom prst="rect">
-            <a:avLst/>
-          </a:prstGeom>
-          <a:noFill/>
-          <a:ln>
-            <a:noFill/>
-          </a:ln>
-        </p:spPr>
-        <p:style>
-          <a:lnRef idx="0">
-            <a:scrgbClr r="0" g="0" b="0"/>
-          </a:lnRef>
-          <a:fillRef idx="0">
-            <a:scrgbClr r="0" g="0" b="0"/>
-          </a:fillRef>
-          <a:effectRef idx="0">
-            <a:scrgbClr r="0" g="0" b="0"/>
-          </a:effectRef>
-          <a:fontRef idx="minor"/>
-        </p:style>
-        <p:txBody>
-          <a:bodyPr lIns="90000" tIns="45000" rIns="90000" bIns="45000" anchor="ctr"/>
-          <a:lstStyle/>
-          <a:p>
-            <a:pPr marL="0" marR="0" lvl="0" indent="0" algn="l" defTabSz="914400" rtl="0" eaLnBrk="1" fontAlgn="auto" latinLnBrk="0" hangingPunct="1">
-              <a:lnSpc>
-                <a:spcPts val="2032"/>
-              </a:lnSpc>
-              <a:spcBef>
-                <a:spcPts val="0"/>
-              </a:spcBef>
-              <a:spcAft>
-                <a:spcPts val="0"/>
-              </a:spcAft>
-              <a:buClrTx/>
-              <a:buSzTx/>
-              <a:buFontTx/>
-              <a:buNone/>
-              <a:tabLst/>
-              <a:defRPr/>
-            </a:pPr>
-            <a:r>
-              <a:rPr kumimoji="0" lang="en-US" sz="4930" b="1" i="0" u="none" strike="noStrike" kern="1200" cap="none" spc="-1" normalizeH="0" baseline="0" noProof="0">
-                <a:ln>
-                  <a:noFill/>
-                </a:ln>
-                <a:solidFill>
-                  <a:srgbClr val="404040"/>
-                </a:solidFill>
-                <a:effectLst/>
-                <a:uLnTx/>
-                <a:uFill>
-                  <a:solidFill>
-                    <a:srgbClr val="FFFFFF"/>
-                  </a:solidFill>
-                </a:uFill>
-                <a:latin typeface="Rockwell"/>
-              </a:rPr>
-              <a:t>THE GOOD</a:t>
-            </a:r>
-            <a:r>
-              <a:rPr kumimoji="0" lang="en-US" sz="2800" b="1" i="0" u="none" strike="noStrike" kern="1200" cap="none" spc="-1" normalizeH="0" baseline="0" noProof="0">
-                <a:ln>
-                  <a:noFill/>
-                </a:ln>
-                <a:solidFill>
-                  <a:srgbClr val="404040"/>
-                </a:solidFill>
-                <a:effectLst/>
-                <a:uLnTx/>
-                <a:uFill>
-                  <a:solidFill>
-                    <a:srgbClr val="FFFFFF"/>
-                  </a:solidFill>
-                </a:uFill>
-                <a:latin typeface="Rockwell"/>
-              </a:rPr>
-              <a:t>,</a:t>
-            </a:r>
-            <a:r>
-              <a:rPr kumimoji="0" lang="en-US" sz="4930" b="1" i="0" u="none" strike="noStrike" kern="1200" cap="none" spc="-1" normalizeH="0" baseline="0" noProof="0">
-                <a:ln>
-                  <a:noFill/>
-                </a:ln>
-                <a:solidFill>
-                  <a:srgbClr val="404040"/>
-                </a:solidFill>
-                <a:effectLst/>
-                <a:uLnTx/>
-                <a:uFill>
-                  <a:solidFill>
-                    <a:srgbClr val="FFFFFF"/>
-                  </a:solidFill>
-                </a:uFill>
-                <a:latin typeface="Rockwell"/>
-              </a:rPr>
-              <a:t> THE BAD</a:t>
-            </a:r>
-            <a:endParaRPr kumimoji="0" lang="en-US" sz="1800" b="0" i="0" u="none" strike="noStrike" kern="1200" cap="none" spc="-1" normalizeH="0" baseline="0" noProof="0">
-              <a:ln>
-                <a:noFill/>
-              </a:ln>
-              <a:solidFill>
-                <a:srgbClr val="000000"/>
-              </a:solidFill>
-              <a:effectLst/>
-              <a:uLnTx/>
-              <a:uFill>
-                <a:solidFill>
-                  <a:srgbClr val="FFFFFF"/>
-                </a:solidFill>
-              </a:uFill>
-              <a:latin typeface="Arial"/>
-            </a:endParaRPr>
-          </a:p>
-        </p:txBody>
-      </p:sp>
-      <p:sp>
-        <p:nvSpPr>
-          <p:cNvPr id="189" name="CustomShape 2"/>
-          <p:cNvSpPr/>
-          <p:nvPr/>
-        </p:nvSpPr>
-        <p:spPr>
-          <a:xfrm>
-            <a:off x="395280" y="736560"/>
-            <a:ext cx="7056720" cy="863280"/>
-          </a:xfrm>
-          <a:prstGeom prst="rect">
-            <a:avLst/>
-          </a:prstGeom>
-          <a:noFill/>
-          <a:ln>
-            <a:noFill/>
-          </a:ln>
-        </p:spPr>
-        <p:style>
-          <a:lnRef idx="0">
-            <a:scrgbClr r="0" g="0" b="0"/>
-          </a:lnRef>
-          <a:fillRef idx="0">
-            <a:scrgbClr r="0" g="0" b="0"/>
-          </a:fillRef>
-          <a:effectRef idx="0">
-            <a:scrgbClr r="0" g="0" b="0"/>
-          </a:effectRef>
-          <a:fontRef idx="minor"/>
-        </p:style>
-        <p:txBody>
-          <a:bodyPr lIns="90000" tIns="45000" rIns="90000" bIns="45000" anchor="ctr"/>
-          <a:lstStyle/>
-          <a:p>
-            <a:pPr marL="0" marR="0" lvl="0" indent="0" algn="l" defTabSz="914400" rtl="0" eaLnBrk="1" fontAlgn="auto" latinLnBrk="0" hangingPunct="1">
-              <a:lnSpc>
-                <a:spcPts val="2032"/>
-              </a:lnSpc>
-              <a:spcBef>
-                <a:spcPts val="0"/>
-              </a:spcBef>
-              <a:spcAft>
-                <a:spcPts val="0"/>
-              </a:spcAft>
-              <a:buClrTx/>
-              <a:buSzTx/>
-              <a:buFontTx/>
-              <a:buNone/>
-              <a:tabLst/>
-              <a:defRPr/>
-            </a:pPr>
-            <a:r>
-              <a:rPr kumimoji="0" lang="en-US" sz="3600" b="1" i="0" u="none" strike="noStrike" kern="1200" cap="none" spc="-1" normalizeH="0" baseline="0" noProof="0">
-                <a:ln>
-                  <a:noFill/>
-                </a:ln>
-                <a:solidFill>
-                  <a:srgbClr val="404040"/>
-                </a:solidFill>
-                <a:effectLst/>
-                <a:uLnTx/>
-                <a:uFill>
-                  <a:solidFill>
-                    <a:srgbClr val="FFFFFF"/>
-                  </a:solidFill>
-                </a:uFill>
-                <a:latin typeface="Rockwell"/>
-              </a:rPr>
-              <a:t>THE </a:t>
-            </a:r>
-            <a:r>
-              <a:rPr kumimoji="0" lang="en-US" sz="3600" b="1" i="0" u="none" strike="noStrike" kern="1200" cap="none" spc="-1" normalizeH="0" baseline="0" noProof="0">
-                <a:ln>
-                  <a:noFill/>
-                </a:ln>
-                <a:solidFill>
-                  <a:srgbClr val="FFC000"/>
-                </a:solidFill>
-                <a:effectLst/>
-                <a:uLnTx/>
-                <a:uFill>
-                  <a:solidFill>
-                    <a:srgbClr val="FFFFFF"/>
-                  </a:solidFill>
-                </a:uFill>
-                <a:latin typeface="Rockwell"/>
-              </a:rPr>
-              <a:t>UGLY</a:t>
-            </a:r>
-            <a:endParaRPr kumimoji="0" lang="en-US" sz="1800" b="0" i="0" u="none" strike="noStrike" kern="1200" cap="none" spc="-1" normalizeH="0" baseline="0" noProof="0">
-              <a:ln>
-                <a:noFill/>
-              </a:ln>
-              <a:solidFill>
-                <a:srgbClr val="000000"/>
-              </a:solidFill>
-              <a:effectLst/>
-              <a:uLnTx/>
-              <a:uFill>
-                <a:solidFill>
-                  <a:srgbClr val="FFFFFF"/>
-                </a:solidFill>
-              </a:uFill>
-              <a:latin typeface="Arial"/>
-            </a:endParaRPr>
-          </a:p>
-        </p:txBody>
-      </p:sp>
-      <p:sp>
-        <p:nvSpPr>
-          <p:cNvPr id="190" name="CustomShape 3"/>
-          <p:cNvSpPr/>
-          <p:nvPr/>
-        </p:nvSpPr>
-        <p:spPr>
-          <a:xfrm>
-            <a:off x="395280" y="1298520"/>
-            <a:ext cx="4519080" cy="474480"/>
-          </a:xfrm>
-          <a:prstGeom prst="rect">
-            <a:avLst/>
-          </a:prstGeom>
-          <a:noFill/>
-          <a:ln>
-            <a:noFill/>
-          </a:ln>
-        </p:spPr>
-        <p:style>
-          <a:lnRef idx="0">
-            <a:scrgbClr r="0" g="0" b="0"/>
-          </a:lnRef>
-          <a:fillRef idx="0">
-            <a:scrgbClr r="0" g="0" b="0"/>
-          </a:fillRef>
-          <a:effectRef idx="0">
-            <a:scrgbClr r="0" g="0" b="0"/>
-          </a:effectRef>
-          <a:fontRef idx="minor"/>
-        </p:style>
-        <p:txBody>
-          <a:bodyPr lIns="90000" tIns="45000" rIns="90000" bIns="45000" anchor="ctr"/>
-          <a:lstStyle/>
-          <a:p>
-            <a:pPr marL="0" marR="0" lvl="0" indent="0" algn="l" defTabSz="914400" rtl="0" eaLnBrk="1" fontAlgn="auto" latinLnBrk="0" hangingPunct="1">
-              <a:lnSpc>
-                <a:spcPts val="2032"/>
-              </a:lnSpc>
-              <a:spcBef>
-                <a:spcPts val="0"/>
-              </a:spcBef>
-              <a:spcAft>
-                <a:spcPts val="0"/>
-              </a:spcAft>
-              <a:buClrTx/>
-              <a:buSzTx/>
-              <a:buFontTx/>
-              <a:buNone/>
-              <a:tabLst/>
-              <a:defRPr/>
-            </a:pPr>
-            <a:r>
-              <a:rPr kumimoji="0" lang="en-US" sz="1600" b="1" i="0" u="none" strike="noStrike" kern="1200" cap="none" spc="-1" normalizeH="0" baseline="0" noProof="0">
-                <a:ln>
-                  <a:noFill/>
-                </a:ln>
-                <a:solidFill>
-                  <a:srgbClr val="404040"/>
-                </a:solidFill>
-                <a:effectLst/>
-                <a:uLnTx/>
-                <a:uFill>
-                  <a:solidFill>
-                    <a:srgbClr val="FFFFFF"/>
-                  </a:solidFill>
-                </a:uFill>
-                <a:latin typeface="Rockwell"/>
-              </a:rPr>
-              <a:t>Our good and bad moments</a:t>
-            </a:r>
-            <a:endParaRPr kumimoji="0" lang="en-US" sz="1800" b="0" i="0" u="none" strike="noStrike" kern="1200" cap="none" spc="-1" normalizeH="0" baseline="0" noProof="0">
-              <a:ln>
-                <a:noFill/>
-              </a:ln>
-              <a:solidFill>
-                <a:srgbClr val="000000"/>
-              </a:solidFill>
-              <a:effectLst/>
-              <a:uLnTx/>
-              <a:uFill>
-                <a:solidFill>
-                  <a:srgbClr val="FFFFFF"/>
-                </a:solidFill>
-              </a:uFill>
-              <a:latin typeface="Arial"/>
-            </a:endParaRPr>
-          </a:p>
-        </p:txBody>
-      </p:sp>
-      <p:pic>
-        <p:nvPicPr>
-          <p:cNvPr id="191" name="27 Imagen"/>
-          <p:cNvPicPr/>
-          <p:nvPr/>
-        </p:nvPicPr>
-        <p:blipFill>
-          <a:blip r:embed="rId4"/>
-          <a:stretch/>
-        </p:blipFill>
-        <p:spPr>
-          <a:xfrm>
-            <a:off x="4167360" y="6170760"/>
-            <a:ext cx="363240" cy="302760"/>
-          </a:xfrm>
-          <a:prstGeom prst="rect">
-            <a:avLst/>
-          </a:prstGeom>
-          <a:ln>
-            <a:noFill/>
-          </a:ln>
-        </p:spPr>
-      </p:pic>
-      <p:pic>
-        <p:nvPicPr>
-          <p:cNvPr id="192" name="28 Imagen"/>
-          <p:cNvPicPr/>
-          <p:nvPr/>
-        </p:nvPicPr>
-        <p:blipFill>
-          <a:blip r:embed="rId4"/>
-          <a:stretch/>
-        </p:blipFill>
-        <p:spPr>
-          <a:xfrm>
-            <a:off x="4716016" y="6170760"/>
-            <a:ext cx="363240" cy="302760"/>
-          </a:xfrm>
-          <a:prstGeom prst="rect">
-            <a:avLst/>
-          </a:prstGeom>
-          <a:ln>
-            <a:noFill/>
-          </a:ln>
-        </p:spPr>
-      </p:pic>
-      <p:sp>
-        <p:nvSpPr>
-          <p:cNvPr id="193" name="CustomShape 4"/>
-          <p:cNvSpPr/>
-          <p:nvPr/>
-        </p:nvSpPr>
-        <p:spPr>
-          <a:xfrm>
-            <a:off x="4193640" y="6181560"/>
-            <a:ext cx="286200" cy="272880"/>
-          </a:xfrm>
-          <a:prstGeom prst="rect">
-            <a:avLst/>
-          </a:prstGeom>
-          <a:noFill/>
-          <a:ln>
-            <a:noFill/>
-          </a:ln>
-        </p:spPr>
-        <p:style>
-          <a:lnRef idx="0">
-            <a:scrgbClr r="0" g="0" b="0"/>
-          </a:lnRef>
-          <a:fillRef idx="0">
-            <a:scrgbClr r="0" g="0" b="0"/>
-          </a:fillRef>
-          <a:effectRef idx="0">
-            <a:scrgbClr r="0" g="0" b="0"/>
-          </a:effectRef>
-          <a:fontRef idx="minor"/>
-        </p:style>
-        <p:txBody>
-          <a:bodyPr wrap="none" lIns="90000" tIns="45000" rIns="90000" bIns="45000"/>
-          <a:lstStyle/>
-          <a:p>
-            <a:pPr marL="0" marR="0" lvl="0" indent="0" algn="l" defTabSz="914400" rtl="0" eaLnBrk="1" fontAlgn="auto" latinLnBrk="0" hangingPunct="1">
-              <a:lnSpc>
-                <a:spcPct val="100000"/>
-              </a:lnSpc>
-              <a:spcBef>
-                <a:spcPts val="0"/>
-              </a:spcBef>
-              <a:spcAft>
-                <a:spcPts val="0"/>
-              </a:spcAft>
-              <a:buClrTx/>
-              <a:buSzTx/>
-              <a:buFontTx/>
-              <a:buNone/>
-              <a:tabLst/>
-              <a:defRPr/>
-            </a:pPr>
-            <a:r>
-              <a:rPr lang="en-US" sz="1200" b="1" spc="-1" dirty="0">
-                <a:solidFill>
-                  <a:srgbClr val="FFC000"/>
-                </a:solidFill>
-                <a:uFill>
-                  <a:solidFill>
-                    <a:srgbClr val="FFFFFF"/>
-                  </a:solidFill>
-                </a:uFill>
-                <a:latin typeface="Calibri"/>
-              </a:rPr>
-              <a:t>8</a:t>
-            </a:r>
-            <a:endParaRPr kumimoji="0" lang="en-US" sz="1800" b="0" i="0" u="none" strike="noStrike" kern="1200" cap="none" spc="-1" normalizeH="0" baseline="0" noProof="0" dirty="0">
-              <a:ln>
-                <a:noFill/>
-              </a:ln>
-              <a:solidFill>
-                <a:srgbClr val="000000"/>
-              </a:solidFill>
-              <a:effectLst/>
-              <a:uLnTx/>
-              <a:uFill>
-                <a:solidFill>
-                  <a:srgbClr val="FFFFFF"/>
-                </a:solidFill>
-              </a:uFill>
-              <a:latin typeface="Arial"/>
-            </a:endParaRPr>
-          </a:p>
-        </p:txBody>
-      </p:sp>
-      <p:sp>
-        <p:nvSpPr>
-          <p:cNvPr id="194" name="CustomShape 5"/>
-          <p:cNvSpPr/>
-          <p:nvPr/>
-        </p:nvSpPr>
-        <p:spPr>
-          <a:xfrm>
-            <a:off x="4449240" y="6181560"/>
-            <a:ext cx="351720" cy="272880"/>
-          </a:xfrm>
-          <a:prstGeom prst="rect">
-            <a:avLst/>
-          </a:prstGeom>
-          <a:noFill/>
-          <a:ln>
-            <a:noFill/>
-          </a:ln>
-        </p:spPr>
-        <p:style>
-          <a:lnRef idx="0">
-            <a:scrgbClr r="0" g="0" b="0"/>
-          </a:lnRef>
-          <a:fillRef idx="0">
-            <a:scrgbClr r="0" g="0" b="0"/>
-          </a:fillRef>
-          <a:effectRef idx="0">
-            <a:scrgbClr r="0" g="0" b="0"/>
-          </a:effectRef>
-          <a:fontRef idx="minor"/>
-        </p:style>
-        <p:txBody>
-          <a:bodyPr wrap="none" lIns="90000" tIns="45000" rIns="90000" bIns="45000"/>
-          <a:lstStyle/>
-          <a:p>
-            <a:pPr marL="0" marR="0" lvl="0" indent="0" algn="l" defTabSz="914400" rtl="0" eaLnBrk="1" fontAlgn="auto" latinLnBrk="0" hangingPunct="1">
-              <a:lnSpc>
-                <a:spcPct val="100000"/>
-              </a:lnSpc>
-              <a:spcBef>
-                <a:spcPts val="0"/>
-              </a:spcBef>
-              <a:spcAft>
-                <a:spcPts val="0"/>
-              </a:spcAft>
-              <a:buClrTx/>
-              <a:buSzTx/>
-              <a:buFontTx/>
-              <a:buNone/>
-              <a:tabLst/>
-              <a:defRPr/>
-            </a:pPr>
-            <a:r>
-              <a:rPr kumimoji="0" lang="en-US" sz="1200" b="1" i="1" u="none" strike="noStrike" kern="1200" cap="none" spc="-1" normalizeH="0" baseline="0" noProof="0">
-                <a:ln>
-                  <a:noFill/>
-                </a:ln>
-                <a:solidFill>
-                  <a:srgbClr val="A6A6A6"/>
-                </a:solidFill>
-                <a:effectLst/>
-                <a:uLnTx/>
-                <a:uFill>
-                  <a:solidFill>
-                    <a:srgbClr val="FFFFFF"/>
-                  </a:solidFill>
-                </a:uFill>
-                <a:latin typeface="Calibri"/>
-              </a:rPr>
-              <a:t>of</a:t>
-            </a:r>
-            <a:endParaRPr kumimoji="0" lang="en-US" sz="1800" b="0" i="0" u="none" strike="noStrike" kern="1200" cap="none" spc="-1" normalizeH="0" baseline="0" noProof="0">
-              <a:ln>
-                <a:noFill/>
-              </a:ln>
-              <a:solidFill>
-                <a:srgbClr val="000000"/>
-              </a:solidFill>
-              <a:effectLst/>
-              <a:uLnTx/>
-              <a:uFill>
-                <a:solidFill>
-                  <a:srgbClr val="FFFFFF"/>
-                </a:solidFill>
-              </a:uFill>
-              <a:latin typeface="Arial"/>
-            </a:endParaRPr>
-          </a:p>
-        </p:txBody>
-      </p:sp>
-      <p:sp>
-        <p:nvSpPr>
-          <p:cNvPr id="195" name="CustomShape 6"/>
-          <p:cNvSpPr/>
-          <p:nvPr/>
-        </p:nvSpPr>
-        <p:spPr>
-          <a:xfrm>
-            <a:off x="4776480" y="6181560"/>
-            <a:ext cx="286200" cy="272880"/>
-          </a:xfrm>
-          <a:prstGeom prst="rect">
-            <a:avLst/>
-          </a:prstGeom>
-          <a:noFill/>
-          <a:ln>
-            <a:noFill/>
-          </a:ln>
-        </p:spPr>
-        <p:style>
-          <a:lnRef idx="0">
-            <a:scrgbClr r="0" g="0" b="0"/>
-          </a:lnRef>
-          <a:fillRef idx="0">
-            <a:scrgbClr r="0" g="0" b="0"/>
-          </a:fillRef>
-          <a:effectRef idx="0">
-            <a:scrgbClr r="0" g="0" b="0"/>
-          </a:effectRef>
-          <a:fontRef idx="minor"/>
-        </p:style>
-        <p:txBody>
-          <a:bodyPr wrap="none" lIns="90000" tIns="45000" rIns="90000" bIns="45000"/>
-          <a:lstStyle/>
-          <a:p>
-            <a:pPr marL="0" marR="0" lvl="0" indent="0" algn="l" defTabSz="914400" rtl="0" eaLnBrk="1" fontAlgn="auto" latinLnBrk="0" hangingPunct="1">
-              <a:lnSpc>
-                <a:spcPct val="100000"/>
-              </a:lnSpc>
-              <a:spcBef>
-                <a:spcPts val="0"/>
-              </a:spcBef>
-              <a:spcAft>
-                <a:spcPts val="0"/>
-              </a:spcAft>
-              <a:buClrTx/>
-              <a:buSzTx/>
-              <a:buFontTx/>
-              <a:buNone/>
-              <a:tabLst/>
-              <a:defRPr/>
-            </a:pPr>
-            <a:r>
-              <a:rPr lang="en-US" sz="1200" b="1" spc="-1" dirty="0">
-                <a:solidFill>
-                  <a:srgbClr val="808080"/>
-                </a:solidFill>
-                <a:uFill>
-                  <a:solidFill>
-                    <a:srgbClr val="FFFFFF"/>
-                  </a:solidFill>
-                </a:uFill>
-                <a:latin typeface="Calibri"/>
-              </a:rPr>
-              <a:t>9</a:t>
-            </a:r>
-            <a:endParaRPr kumimoji="0" lang="en-US" sz="1800" b="0" i="0" u="none" strike="noStrike" kern="1200" cap="none" spc="-1" normalizeH="0" baseline="0" noProof="0" dirty="0">
-              <a:ln>
-                <a:noFill/>
-              </a:ln>
-              <a:solidFill>
-                <a:srgbClr val="000000"/>
-              </a:solidFill>
-              <a:effectLst/>
-              <a:uLnTx/>
-              <a:uFill>
-                <a:solidFill>
-                  <a:srgbClr val="FFFFFF"/>
-                </a:solidFill>
-              </a:uFill>
-              <a:latin typeface="Arial"/>
-            </a:endParaRPr>
-          </a:p>
-        </p:txBody>
-      </p:sp>
-      <p:pic>
-        <p:nvPicPr>
-          <p:cNvPr id="196" name="Imagen 5"/>
-          <p:cNvPicPr/>
-          <p:nvPr/>
-        </p:nvPicPr>
-        <p:blipFill>
-          <a:blip r:embed="rId5"/>
-          <a:stretch/>
-        </p:blipFill>
-        <p:spPr>
-          <a:xfrm>
-            <a:off x="5127480" y="5983200"/>
-            <a:ext cx="763200" cy="720360"/>
-          </a:xfrm>
-          <a:prstGeom prst="rect">
-            <a:avLst/>
-          </a:prstGeom>
-          <a:ln>
-            <a:noFill/>
-          </a:ln>
-        </p:spPr>
-      </p:pic>
-      <p:pic>
-        <p:nvPicPr>
-          <p:cNvPr id="197" name="Imagen 6"/>
-          <p:cNvPicPr/>
-          <p:nvPr/>
-        </p:nvPicPr>
-        <p:blipFill>
-          <a:blip r:embed="rId6"/>
-          <a:stretch/>
-        </p:blipFill>
-        <p:spPr>
-          <a:xfrm>
-            <a:off x="5124600" y="6251400"/>
-            <a:ext cx="177480" cy="175680"/>
-          </a:xfrm>
-          <a:prstGeom prst="rect">
-            <a:avLst/>
-          </a:prstGeom>
-          <a:ln>
-            <a:noFill/>
-          </a:ln>
-        </p:spPr>
-      </p:pic>
-      <p:pic>
-        <p:nvPicPr>
-          <p:cNvPr id="198" name="Imagen 6"/>
-          <p:cNvPicPr/>
-          <p:nvPr/>
-        </p:nvPicPr>
-        <p:blipFill>
-          <a:blip r:embed="rId7"/>
-          <a:stretch/>
-        </p:blipFill>
-        <p:spPr>
-          <a:xfrm>
-            <a:off x="3933720" y="6251400"/>
-            <a:ext cx="175680" cy="175680"/>
-          </a:xfrm>
-          <a:prstGeom prst="rect">
-            <a:avLst/>
-          </a:prstGeom>
-          <a:ln>
-            <a:noFill/>
-          </a:ln>
-        </p:spPr>
-      </p:pic>
-      <p:pic>
-        <p:nvPicPr>
-          <p:cNvPr id="199" name="Imagen 5"/>
-          <p:cNvPicPr/>
-          <p:nvPr/>
-        </p:nvPicPr>
-        <p:blipFill>
-          <a:blip r:embed="rId8"/>
-          <a:stretch/>
-        </p:blipFill>
-        <p:spPr>
-          <a:xfrm>
-            <a:off x="1649520" y="5756400"/>
-            <a:ext cx="1193400" cy="1128240"/>
-          </a:xfrm>
-          <a:prstGeom prst="rect">
-            <a:avLst/>
-          </a:prstGeom>
-          <a:ln>
-            <a:noFill/>
-          </a:ln>
-        </p:spPr>
-      </p:pic>
-      <p:sp>
-        <p:nvSpPr>
-          <p:cNvPr id="200" name="CustomShape 7"/>
-          <p:cNvSpPr/>
-          <p:nvPr/>
-        </p:nvSpPr>
-        <p:spPr>
-          <a:xfrm>
-            <a:off x="441360" y="3749040"/>
-            <a:ext cx="3338552" cy="1523520"/>
-          </a:xfrm>
-          <a:prstGeom prst="rect">
-            <a:avLst/>
-          </a:prstGeom>
-          <a:noFill/>
-          <a:ln>
-            <a:noFill/>
-          </a:ln>
-        </p:spPr>
-        <p:style>
-          <a:lnRef idx="0">
-            <a:scrgbClr r="0" g="0" b="0"/>
-          </a:lnRef>
-          <a:fillRef idx="0">
-            <a:scrgbClr r="0" g="0" b="0"/>
-          </a:fillRef>
-          <a:effectRef idx="0">
-            <a:scrgbClr r="0" g="0" b="0"/>
-          </a:effectRef>
-          <a:fontRef idx="minor"/>
-        </p:style>
-        <p:txBody>
-          <a:bodyPr lIns="90000" tIns="45000" rIns="90000" bIns="45000"/>
-          <a:lstStyle/>
-          <a:p>
-            <a:pPr marL="216000" marR="0" lvl="0" indent="-216000" algn="l" defTabSz="914400" rtl="0" eaLnBrk="1" fontAlgn="auto" latinLnBrk="0" hangingPunct="1">
-              <a:lnSpc>
-                <a:spcPct val="120000"/>
-              </a:lnSpc>
-              <a:spcBef>
-                <a:spcPts val="0"/>
-              </a:spcBef>
-              <a:spcAft>
-                <a:spcPts val="0"/>
-              </a:spcAft>
-              <a:buClr>
-                <a:srgbClr val="5F5F5F"/>
-              </a:buClr>
-              <a:buSzPct val="45000"/>
-              <a:buFont typeface="Wingdings" charset="2"/>
-              <a:buChar char=""/>
-              <a:tabLst/>
-              <a:defRPr/>
-            </a:pPr>
-            <a:r>
-              <a:rPr kumimoji="0" lang="en-US" sz="1200" b="0" i="0" u="none" strike="noStrike" kern="1200" cap="none" spc="-1" normalizeH="0" baseline="0" noProof="0" dirty="0">
-                <a:ln>
-                  <a:noFill/>
-                </a:ln>
-                <a:solidFill>
-                  <a:srgbClr val="5F5F5F"/>
-                </a:solidFill>
-                <a:effectLst/>
-                <a:uLnTx/>
-                <a:uFill>
-                  <a:solidFill>
-                    <a:srgbClr val="FFFFFF"/>
-                  </a:solidFill>
-                </a:uFill>
-                <a:latin typeface="Calibri"/>
-              </a:rPr>
-              <a:t>Quick to get organized, assigning roles</a:t>
-            </a:r>
-            <a:endParaRPr kumimoji="0" lang="en-US" sz="1800" b="0" i="0" u="none" strike="noStrike" kern="1200" cap="none" spc="-1" normalizeH="0" baseline="0" noProof="0" dirty="0">
-              <a:ln>
-                <a:noFill/>
-              </a:ln>
-              <a:solidFill>
-                <a:srgbClr val="000000"/>
-              </a:solidFill>
-              <a:effectLst/>
-              <a:uLnTx/>
-              <a:uFill>
-                <a:solidFill>
-                  <a:srgbClr val="FFFFFF"/>
-                </a:solidFill>
-              </a:uFill>
-              <a:latin typeface="Arial"/>
-            </a:endParaRPr>
-          </a:p>
-          <a:p>
-            <a:pPr marL="216000" marR="0" lvl="0" indent="-216000" algn="just" defTabSz="914400" rtl="0" eaLnBrk="1" fontAlgn="auto" latinLnBrk="0" hangingPunct="1">
-              <a:lnSpc>
-                <a:spcPct val="120000"/>
-              </a:lnSpc>
-              <a:spcBef>
-                <a:spcPts val="0"/>
-              </a:spcBef>
-              <a:spcAft>
-                <a:spcPts val="0"/>
-              </a:spcAft>
-              <a:buClr>
-                <a:srgbClr val="5F5F5F"/>
-              </a:buClr>
-              <a:buSzPct val="45000"/>
-              <a:buFont typeface="Wingdings" charset="2"/>
-              <a:buChar char=""/>
-              <a:tabLst/>
-              <a:defRPr/>
-            </a:pPr>
-            <a:r>
-              <a:rPr kumimoji="0" lang="en-US" sz="1200" b="0" i="0" u="none" strike="noStrike" kern="1200" cap="none" spc="-1" normalizeH="0" baseline="0" noProof="0" dirty="0">
-                <a:ln>
-                  <a:noFill/>
-                </a:ln>
-                <a:solidFill>
-                  <a:srgbClr val="5F5F5F"/>
-                </a:solidFill>
-                <a:effectLst/>
-                <a:uLnTx/>
-                <a:uFill>
-                  <a:solidFill>
-                    <a:srgbClr val="FFFFFF"/>
-                  </a:solidFill>
-                </a:uFill>
-                <a:latin typeface="Calibri"/>
-              </a:rPr>
-              <a:t>High team spirit</a:t>
-            </a:r>
-            <a:endParaRPr kumimoji="0" lang="en-US" sz="1800" b="0" i="0" u="none" strike="noStrike" kern="1200" cap="none" spc="-1" normalizeH="0" baseline="0" noProof="0" dirty="0">
-              <a:ln>
-                <a:noFill/>
-              </a:ln>
-              <a:solidFill>
-                <a:srgbClr val="000000"/>
-              </a:solidFill>
-              <a:effectLst/>
-              <a:uLnTx/>
-              <a:uFill>
-                <a:solidFill>
-                  <a:srgbClr val="FFFFFF"/>
-                </a:solidFill>
-              </a:uFill>
-              <a:latin typeface="Arial"/>
-            </a:endParaRPr>
-          </a:p>
-          <a:p>
-            <a:pPr marL="216000" marR="0" lvl="0" indent="-216000" algn="l" defTabSz="914400" rtl="0" eaLnBrk="1" fontAlgn="auto" latinLnBrk="0" hangingPunct="1">
-              <a:lnSpc>
-                <a:spcPct val="120000"/>
-              </a:lnSpc>
-              <a:spcBef>
-                <a:spcPts val="0"/>
-              </a:spcBef>
-              <a:spcAft>
-                <a:spcPts val="0"/>
-              </a:spcAft>
-              <a:buClr>
-                <a:srgbClr val="5F5F5F"/>
-              </a:buClr>
-              <a:buSzPct val="45000"/>
-              <a:buFont typeface="Wingdings" charset="2"/>
-              <a:buChar char=""/>
-              <a:tabLst/>
-              <a:defRPr/>
-            </a:pPr>
-            <a:r>
-              <a:rPr kumimoji="0" lang="en-US" sz="1200" b="0" i="0" u="none" strike="noStrike" kern="1200" cap="none" spc="-1" normalizeH="0" baseline="0" noProof="0" dirty="0">
-                <a:ln>
-                  <a:noFill/>
-                </a:ln>
-                <a:solidFill>
-                  <a:srgbClr val="5F5F5F"/>
-                </a:solidFill>
-                <a:effectLst/>
-                <a:uLnTx/>
-                <a:uFill>
-                  <a:solidFill>
-                    <a:srgbClr val="FFFFFF"/>
-                  </a:solidFill>
-                </a:uFill>
-                <a:latin typeface="Calibri"/>
-              </a:rPr>
-              <a:t>Good overall team competence</a:t>
-            </a:r>
-          </a:p>
-          <a:p>
-            <a:pPr marL="216000" marR="0" lvl="0" indent="-216000" algn="l" defTabSz="914400" rtl="0" eaLnBrk="1" fontAlgn="auto" latinLnBrk="0" hangingPunct="1">
-              <a:lnSpc>
-                <a:spcPct val="120000"/>
-              </a:lnSpc>
-              <a:spcBef>
-                <a:spcPts val="0"/>
-              </a:spcBef>
-              <a:spcAft>
-                <a:spcPts val="0"/>
-              </a:spcAft>
-              <a:buClr>
-                <a:srgbClr val="5F5F5F"/>
-              </a:buClr>
-              <a:buSzPct val="45000"/>
-              <a:buFont typeface="Wingdings" charset="2"/>
-              <a:buChar char=""/>
-              <a:tabLst/>
-              <a:defRPr/>
-            </a:pPr>
-            <a:r>
-              <a:rPr lang="en-US" sz="1200" spc="-1" dirty="0">
-                <a:solidFill>
-                  <a:srgbClr val="5F5F5F"/>
-                </a:solidFill>
-                <a:uFill>
-                  <a:solidFill>
-                    <a:srgbClr val="FFFFFF"/>
-                  </a:solidFill>
-                </a:uFill>
-                <a:latin typeface="Calibri"/>
-              </a:rPr>
-              <a:t>Frequent communication</a:t>
-            </a:r>
-            <a:endParaRPr kumimoji="0" lang="en-US" sz="1800" b="0" i="0" u="none" strike="noStrike" kern="1200" cap="none" spc="-1" normalizeH="0" baseline="0" noProof="0" dirty="0">
-              <a:ln>
-                <a:noFill/>
-              </a:ln>
-              <a:solidFill>
-                <a:srgbClr val="000000"/>
-              </a:solidFill>
-              <a:effectLst/>
-              <a:uLnTx/>
-              <a:uFill>
-                <a:solidFill>
-                  <a:srgbClr val="FFFFFF"/>
-                </a:solidFill>
-              </a:uFill>
-              <a:latin typeface="Arial"/>
-            </a:endParaRPr>
-          </a:p>
-        </p:txBody>
-      </p:sp>
-      <p:sp>
-        <p:nvSpPr>
-          <p:cNvPr id="201" name="CustomShape 8"/>
-          <p:cNvSpPr/>
-          <p:nvPr/>
-        </p:nvSpPr>
-        <p:spPr>
-          <a:xfrm>
-            <a:off x="441360" y="3316320"/>
-            <a:ext cx="2426760" cy="350640"/>
-          </a:xfrm>
-          <a:prstGeom prst="rect">
-            <a:avLst/>
-          </a:prstGeom>
-          <a:noFill/>
-          <a:ln>
-            <a:noFill/>
-          </a:ln>
-        </p:spPr>
-        <p:style>
-          <a:lnRef idx="0">
-            <a:scrgbClr r="0" g="0" b="0"/>
-          </a:lnRef>
-          <a:fillRef idx="0">
-            <a:scrgbClr r="0" g="0" b="0"/>
-          </a:fillRef>
-          <a:effectRef idx="0">
-            <a:scrgbClr r="0" g="0" b="0"/>
-          </a:effectRef>
-          <a:fontRef idx="minor"/>
-        </p:style>
-        <p:txBody>
-          <a:bodyPr lIns="90000" tIns="45000" rIns="90000" bIns="45000"/>
-          <a:lstStyle/>
-          <a:p>
-            <a:pPr marL="0" marR="0" lvl="0" indent="0" algn="l" defTabSz="914400" rtl="0" eaLnBrk="1" fontAlgn="auto" latinLnBrk="0" hangingPunct="1">
-              <a:lnSpc>
-                <a:spcPct val="120000"/>
-              </a:lnSpc>
-              <a:spcBef>
-                <a:spcPts val="0"/>
-              </a:spcBef>
-              <a:spcAft>
-                <a:spcPts val="0"/>
-              </a:spcAft>
-              <a:buClrTx/>
-              <a:buSzTx/>
-              <a:buFontTx/>
-              <a:buNone/>
-              <a:tabLst/>
-              <a:defRPr/>
-            </a:pPr>
-            <a:r>
-              <a:rPr kumimoji="0" lang="en-US" sz="1400" b="1" i="0" u="none" strike="noStrike" kern="1200" cap="none" spc="-1" normalizeH="0" baseline="0" noProof="0">
-                <a:ln>
-                  <a:noFill/>
-                </a:ln>
-                <a:solidFill>
-                  <a:srgbClr val="5F5F5F"/>
-                </a:solidFill>
-                <a:effectLst/>
-                <a:uLnTx/>
-                <a:uFill>
-                  <a:solidFill>
-                    <a:srgbClr val="FFFFFF"/>
-                  </a:solidFill>
-                </a:uFill>
-                <a:latin typeface="Rockwell"/>
-              </a:rPr>
-              <a:t>The Good</a:t>
-            </a:r>
-            <a:endParaRPr kumimoji="0" lang="en-US" sz="1800" b="0" i="0" u="none" strike="noStrike" kern="1200" cap="none" spc="-1" normalizeH="0" baseline="0" noProof="0">
-              <a:ln>
-                <a:noFill/>
-              </a:ln>
-              <a:solidFill>
-                <a:srgbClr val="000000"/>
-              </a:solidFill>
-              <a:effectLst/>
-              <a:uLnTx/>
-              <a:uFill>
-                <a:solidFill>
-                  <a:srgbClr val="FFFFFF"/>
-                </a:solidFill>
-              </a:uFill>
-              <a:latin typeface="Arial"/>
-            </a:endParaRPr>
-          </a:p>
-        </p:txBody>
-      </p:sp>
-      <p:pic>
-        <p:nvPicPr>
-          <p:cNvPr id="202" name="Bilde 201"/>
-          <p:cNvPicPr/>
-          <p:nvPr/>
-        </p:nvPicPr>
-        <p:blipFill>
-          <a:blip r:embed="rId9"/>
-          <a:stretch/>
-        </p:blipFill>
-        <p:spPr>
-          <a:xfrm>
-            <a:off x="546480" y="1920240"/>
-            <a:ext cx="1373760" cy="1348920"/>
-          </a:xfrm>
-          <a:prstGeom prst="rect">
-            <a:avLst/>
-          </a:prstGeom>
-          <a:ln>
-            <a:noFill/>
-          </a:ln>
-        </p:spPr>
-      </p:pic>
-    </p:spTree>
-    <p:extLst>
-      <p:ext uri="{BB962C8B-B14F-4D97-AF65-F5344CB8AC3E}">
-        <p14:creationId xmlns:p14="http://schemas.microsoft.com/office/powerpoint/2010/main" val="4128302923"/>
-      </p:ext>
-    </p:extLst>
-  </p:cSld>
-  <p:clrMapOvr>
-    <a:masterClrMapping/>
-  </p:clrMapOvr>
-  <p:timing>
-    <p:tnLst>
-      <p:par>
-        <p:cTn id="1" dur="indefinite" restart="never" nodeType="tmRoot">
-          <p:childTnLst>
-            <p:seq>
-              <p:cTn id="2" nodeType="mainSeq">
-                <p:childTnLst>
-                  <p:par>
-                    <p:cTn id="3" fill="freeze">
-                      <p:stCondLst>
-                        <p:cond delay="0"/>
-                      </p:stCondLst>
-                      <p:childTnLst>
-                        <p:par>
-                          <p:cTn id="4" fill="freeze">
-                            <p:stCondLst>
-                              <p:cond delay="0"/>
-                            </p:stCondLst>
-                            <p:childTnLst>
-                              <p:par>
-                                <p:cTn id="5" presetID="29" presetClass="entr" fill="hold" nodeType="withEffect">
-                                  <p:stCondLst>
-                                    <p:cond delay="0"/>
-                                  </p:stCondLst>
-                                  <p:childTnLst>
-                                    <p:set>
-                                      <p:cBhvr>
-                                        <p:cTn id="6" dur="1" fill="hold">
-                                          <p:stCondLst>
-                                            <p:cond delay="0"/>
-                                          </p:stCondLst>
-                                        </p:cTn>
-                                        <p:tgtEl>
-                                          <p:spTgt spid="189"/>
-                                        </p:tgtEl>
-                                        <p:attrNameLst>
-                                          <p:attrName>style.visibility</p:attrName>
-                                        </p:attrNameLst>
-                                      </p:cBhvr>
-                                      <p:to>
-                                        <p:strVal val="visible"/>
-                                      </p:to>
-                                    </p:set>
-                                    <p:anim calcmode="lin" valueType="num">
-                                      <p:cBhvr additive="repl">
-                                        <p:cTn id="7" dur="1000" fill="hold"/>
-                                        <p:tgtEl>
-                                          <p:spTgt spid="189"/>
-                                        </p:tgtEl>
-                                        <p:attrNameLst>
-                                          <p:attrName>ppt_x</p:attrName>
-                                        </p:attrNameLst>
-                                      </p:cBhvr>
-                                      <p:tavLst>
-                                        <p:tav tm="0">
-                                          <p:val>
-                                            <p:strVal val="#ppt_x-.2"/>
-                                          </p:val>
-                                        </p:tav>
-                                        <p:tav tm="100000">
-                                          <p:val>
-                                            <p:strVal val="#ppt_x"/>
-                                          </p:val>
-                                        </p:tav>
-                                      </p:tavLst>
-                                    </p:anim>
-                                    <p:anim calcmode="lin" valueType="num">
-                                      <p:cBhvr additive="repl">
-                                        <p:cTn id="8" dur="1000" fill="hold"/>
-                                        <p:tgtEl>
-                                          <p:spTgt spid="189"/>
-                                        </p:tgtEl>
-                                        <p:attrNameLst>
-                                          <p:attrName>ppt_y</p:attrName>
-                                        </p:attrNameLst>
-                                      </p:cBhvr>
-                                      <p:tavLst>
-                                        <p:tav tm="0">
-                                          <p:val>
-                                            <p:strVal val="#ppt_y"/>
-                                          </p:val>
-                                        </p:tav>
-                                        <p:tav tm="100000">
-                                          <p:val>
-                                            <p:strVal val="#ppt_y"/>
-                                          </p:val>
-                                        </p:tav>
-                                      </p:tavLst>
-                                    </p:anim>
-                                    <p:animEffect transition="out" filter="wipe(right)">
-                                      <p:cBhvr additive="repl">
-                                        <p:cTn id="9" dur="1000"/>
-                                        <p:tgtEl>
-                                          <p:spTgt spid="189"/>
-                                        </p:tgtEl>
-                                      </p:cBhvr>
-                                    </p:animEffect>
-                                  </p:childTnLst>
-                                </p:cTn>
-                              </p:par>
-                              <p:par>
-                                <p:cTn id="10" presetID="29" presetClass="entr" fill="hold" nodeType="withEffect">
-                                  <p:stCondLst>
-                                    <p:cond delay="0"/>
-                                  </p:stCondLst>
-                                  <p:childTnLst>
-                                    <p:set>
-                                      <p:cBhvr>
-                                        <p:cTn id="11" dur="1" fill="hold">
-                                          <p:stCondLst>
-                                            <p:cond delay="0"/>
-                                          </p:stCondLst>
-                                        </p:cTn>
-                                        <p:tgtEl>
-                                          <p:spTgt spid="188"/>
-                                        </p:tgtEl>
-                                        <p:attrNameLst>
-                                          <p:attrName>style.visibility</p:attrName>
-                                        </p:attrNameLst>
-                                      </p:cBhvr>
-                                      <p:to>
-                                        <p:strVal val="visible"/>
-                                      </p:to>
-                                    </p:set>
-                                    <p:anim calcmode="lin" valueType="num">
-                                      <p:cBhvr additive="repl">
-                                        <p:cTn id="12" dur="1000" fill="hold"/>
-                                        <p:tgtEl>
-                                          <p:spTgt spid="188"/>
-                                        </p:tgtEl>
-                                        <p:attrNameLst>
-                                          <p:attrName>ppt_x</p:attrName>
-                                        </p:attrNameLst>
-                                      </p:cBhvr>
-                                      <p:tavLst>
-                                        <p:tav tm="0">
-                                          <p:val>
-                                            <p:strVal val="#ppt_x-.2"/>
-                                          </p:val>
-                                        </p:tav>
-                                        <p:tav tm="100000">
-                                          <p:val>
-                                            <p:strVal val="#ppt_x"/>
-                                          </p:val>
-                                        </p:tav>
-                                      </p:tavLst>
-                                    </p:anim>
-                                    <p:anim calcmode="lin" valueType="num">
-                                      <p:cBhvr additive="repl">
-                                        <p:cTn id="13" dur="1000" fill="hold"/>
-                                        <p:tgtEl>
-                                          <p:spTgt spid="188"/>
-                                        </p:tgtEl>
-                                        <p:attrNameLst>
-                                          <p:attrName>ppt_y</p:attrName>
-                                        </p:attrNameLst>
-                                      </p:cBhvr>
-                                      <p:tavLst>
-                                        <p:tav tm="0">
-                                          <p:val>
-                                            <p:strVal val="#ppt_y"/>
-                                          </p:val>
-                                        </p:tav>
-                                        <p:tav tm="100000">
-                                          <p:val>
-                                            <p:strVal val="#ppt_y"/>
-                                          </p:val>
-                                        </p:tav>
-                                      </p:tavLst>
-                                    </p:anim>
-                                    <p:animEffect transition="out" filter="wipe(right)">
-                                      <p:cBhvr additive="repl">
-                                        <p:cTn id="14" dur="1000"/>
-                                        <p:tgtEl>
-                                          <p:spTgt spid="188"/>
-                                        </p:tgtEl>
-                                      </p:cBhvr>
-                                    </p:animEffect>
-                                  </p:childTnLst>
-                                </p:cTn>
-                              </p:par>
-                            </p:childTnLst>
-                          </p:cTn>
-                        </p:par>
-                        <p:par>
-                          <p:cTn id="15" fill="freeze">
-                            <p:stCondLst>
-                              <p:cond delay="1000"/>
-                            </p:stCondLst>
-                            <p:childTnLst>
-                              <p:par>
-                                <p:cTn id="16" presetID="10" presetClass="entr" fill="hold" nodeType="afterEffect">
-                                  <p:stCondLst>
-                                    <p:cond delay="0"/>
-                                  </p:stCondLst>
-                                  <p:childTnLst>
-                                    <p:set>
-                                      <p:cBhvr>
-                                        <p:cTn id="17" dur="1" fill="hold">
-                                          <p:stCondLst>
-                                            <p:cond delay="0"/>
-                                          </p:stCondLst>
-                                        </p:cTn>
-                                        <p:tgtEl>
-                                          <p:spTgt spid="190"/>
-                                        </p:tgtEl>
-                                        <p:attrNameLst>
-                                          <p:attrName>style.visibility</p:attrName>
-                                        </p:attrNameLst>
-                                      </p:cBhvr>
-                                      <p:to>
-                                        <p:strVal val="visible"/>
-                                      </p:to>
-                                    </p:set>
-                                    <p:animEffect transition="in" filter="fade">
-                                      <p:cBhvr additive="repl">
-                                        <p:cTn id="18" dur="2000"/>
-                                        <p:tgtEl>
-                                          <p:spTgt spid="190"/>
-                                        </p:tgtEl>
-                                      </p:cBhvr>
-                                    </p:animEffect>
-                                  </p:childTnLst>
-                                </p:cTn>
-                              </p:par>
-                              <p:par>
-                                <p:cTn id="19" presetID="10" presetClass="entr" fill="hold" nodeType="withEffect">
-                                  <p:stCondLst>
-                                    <p:cond delay="0"/>
-                                  </p:stCondLst>
-                                  <p:childTnLst>
-                                    <p:set>
-                                      <p:cBhvr>
-                                        <p:cTn id="20" dur="1" fill="hold">
-                                          <p:stCondLst>
-                                            <p:cond delay="0"/>
-                                          </p:stCondLst>
-                                        </p:cTn>
-                                        <p:tgtEl>
-                                          <p:spTgt spid="201"/>
-                                        </p:tgtEl>
-                                        <p:attrNameLst>
-                                          <p:attrName>style.visibility</p:attrName>
-                                        </p:attrNameLst>
-                                      </p:cBhvr>
-                                      <p:to>
-                                        <p:strVal val="visible"/>
-                                      </p:to>
-                                    </p:set>
-                                    <p:animEffect transition="in" filter="fade">
-                                      <p:cBhvr additive="repl">
-                                        <p:cTn id="21" dur="2000"/>
-                                        <p:tgtEl>
-                                          <p:spTgt spid="201"/>
-                                        </p:tgtEl>
-                                      </p:cBhvr>
-                                    </p:animEffect>
-                                  </p:childTnLst>
-                                </p:cTn>
-                              </p:par>
-                              <p:par>
-                                <p:cTn id="22" presetID="10" presetClass="entr" fill="hold" nodeType="withEffect">
-                                  <p:stCondLst>
-                                    <p:cond delay="0"/>
-                                  </p:stCondLst>
-                                  <p:childTnLst>
-                                    <p:set>
-                                      <p:cBhvr>
-                                        <p:cTn id="23" dur="1" fill="hold">
-                                          <p:stCondLst>
-                                            <p:cond delay="0"/>
-                                          </p:stCondLst>
-                                        </p:cTn>
-                                        <p:tgtEl>
-                                          <p:spTgt spid="200"/>
-                                        </p:tgtEl>
-                                        <p:attrNameLst>
-                                          <p:attrName>style.visibility</p:attrName>
-                                        </p:attrNameLst>
-                                      </p:cBhvr>
-                                      <p:to>
-                                        <p:strVal val="visible"/>
-                                      </p:to>
-                                    </p:set>
-                                    <p:animEffect transition="in" filter="fade">
-                                      <p:cBhvr additive="repl">
-                                        <p:cTn id="24" dur="2000"/>
-                                        <p:tgtEl>
-                                          <p:spTgt spid="200"/>
-                                        </p:tgtEl>
-                                      </p:cBhvr>
-                                    </p:animEffect>
-                                  </p:childTnLst>
-                                </p:cTn>
-                              </p:par>
-                            </p:childTnLst>
-                          </p:cTn>
-                        </p:par>
-                      </p:childTnLst>
-                    </p:cTn>
-                  </p:par>
-                </p:childTnLst>
-              </p:cTn>
-              <p:prevCondLst>
-                <p:cond evt="onPrev" delay="0">
-                  <p:tgtEl>
-                    <p:sldTgt/>
-                  </p:tgtEl>
-                </p:cond>
-              </p:prevCondLst>
-              <p:nextCondLst>
-                <p:cond evt="onNext" delay="0">
-                  <p:tgtEl>
-                    <p:sldTgt/>
-                  </p:tgtEl>
-                </p:cond>
-              </p:nextCondLst>
-            </p:seq>
-          </p:childTnLst>
-        </p:cTn>
-      </p:par>
-    </p:tnLst>
-  </p:timing>
-</p:sld>
-</file>
-
-<file path=ppt/slides/slide11.xml><?xml version="1.0" encoding="utf-8"?>
-<p:sld xmlns:a="http://schemas.openxmlformats.org/drawingml/2006/main" xmlns:r="http://schemas.openxmlformats.org/officeDocument/2006/relationships" xmlns:p="http://schemas.openxmlformats.org/presentationml/2006/main">
-  <p:cSld>
-    <p:bg>
-      <p:bgPr>
-        <a:blipFill>
-          <a:blip r:embed="rId2"/>
-          <a:stretch>
-            <a:fillRect/>
-          </a:stretch>
-        </a:blipFill>
-        <a:effectLst/>
-      </p:bgPr>
-    </p:bg>
-    <p:spTree>
-      <p:nvGrpSpPr>
-        <p:cNvPr id="1" name=""/>
-        <p:cNvGrpSpPr/>
-        <p:nvPr/>
-      </p:nvGrpSpPr>
-      <p:grpSpPr>
-        <a:xfrm>
-          <a:off x="0" y="0"/>
-          <a:ext cx="0" cy="0"/>
-          <a:chOff x="0" y="0"/>
-          <a:chExt cx="0" cy="0"/>
-        </a:xfrm>
-      </p:grpSpPr>
-      <p:pic>
-        <p:nvPicPr>
-          <p:cNvPr id="203" name="Imagen 5"/>
-          <p:cNvPicPr/>
-          <p:nvPr/>
-        </p:nvPicPr>
-        <p:blipFill>
-          <a:blip r:embed="rId3"/>
-          <a:stretch/>
-        </p:blipFill>
-        <p:spPr>
-          <a:xfrm>
-            <a:off x="3354480" y="5965920"/>
-            <a:ext cx="761760" cy="718920"/>
-          </a:xfrm>
-          <a:prstGeom prst="rect">
-            <a:avLst/>
-          </a:prstGeom>
-          <a:ln>
-            <a:noFill/>
-          </a:ln>
-        </p:spPr>
-      </p:pic>
-      <p:sp>
-        <p:nvSpPr>
-          <p:cNvPr id="204" name="CustomShape 1"/>
-          <p:cNvSpPr/>
-          <p:nvPr/>
-        </p:nvSpPr>
-        <p:spPr>
-          <a:xfrm>
-            <a:off x="398520" y="260280"/>
-            <a:ext cx="7413480" cy="863280"/>
-          </a:xfrm>
-          <a:prstGeom prst="rect">
-            <a:avLst/>
-          </a:prstGeom>
-          <a:noFill/>
-          <a:ln>
-            <a:noFill/>
-          </a:ln>
-        </p:spPr>
-        <p:style>
-          <a:lnRef idx="0">
-            <a:scrgbClr r="0" g="0" b="0"/>
-          </a:lnRef>
-          <a:fillRef idx="0">
-            <a:scrgbClr r="0" g="0" b="0"/>
-          </a:fillRef>
-          <a:effectRef idx="0">
-            <a:scrgbClr r="0" g="0" b="0"/>
-          </a:effectRef>
-          <a:fontRef idx="minor"/>
-        </p:style>
-        <p:txBody>
-          <a:bodyPr lIns="90000" tIns="45000" rIns="90000" bIns="45000" anchor="ctr"/>
-          <a:lstStyle/>
-          <a:p>
-            <a:pPr marL="0" marR="0" lvl="0" indent="0" algn="l" defTabSz="914400" rtl="0" eaLnBrk="1" fontAlgn="auto" latinLnBrk="0" hangingPunct="1">
-              <a:lnSpc>
-                <a:spcPts val="2032"/>
-              </a:lnSpc>
-              <a:spcBef>
-                <a:spcPts val="0"/>
-              </a:spcBef>
-              <a:spcAft>
-                <a:spcPts val="0"/>
-              </a:spcAft>
-              <a:buClrTx/>
-              <a:buSzTx/>
-              <a:buFontTx/>
-              <a:buNone/>
-              <a:tabLst/>
-              <a:defRPr/>
-            </a:pPr>
-            <a:r>
-              <a:rPr kumimoji="0" lang="en-US" sz="4930" b="1" i="0" u="none" strike="noStrike" kern="1200" cap="none" spc="-1" normalizeH="0" baseline="0" noProof="0">
-                <a:ln>
-                  <a:noFill/>
-                </a:ln>
-                <a:solidFill>
-                  <a:srgbClr val="404040"/>
-                </a:solidFill>
-                <a:effectLst/>
-                <a:uLnTx/>
-                <a:uFill>
-                  <a:solidFill>
-                    <a:srgbClr val="FFFFFF"/>
-                  </a:solidFill>
-                </a:uFill>
-                <a:latin typeface="Rockwell"/>
-              </a:rPr>
-              <a:t>THE GOOD</a:t>
-            </a:r>
-            <a:r>
-              <a:rPr kumimoji="0" lang="en-US" sz="2800" b="1" i="0" u="none" strike="noStrike" kern="1200" cap="none" spc="-1" normalizeH="0" baseline="0" noProof="0">
-                <a:ln>
-                  <a:noFill/>
-                </a:ln>
-                <a:solidFill>
-                  <a:srgbClr val="404040"/>
-                </a:solidFill>
-                <a:effectLst/>
-                <a:uLnTx/>
-                <a:uFill>
-                  <a:solidFill>
-                    <a:srgbClr val="FFFFFF"/>
-                  </a:solidFill>
-                </a:uFill>
-                <a:latin typeface="Rockwell"/>
-              </a:rPr>
-              <a:t>,</a:t>
-            </a:r>
-            <a:r>
-              <a:rPr kumimoji="0" lang="en-US" sz="4930" b="1" i="0" u="none" strike="noStrike" kern="1200" cap="none" spc="-1" normalizeH="0" baseline="0" noProof="0">
-                <a:ln>
-                  <a:noFill/>
-                </a:ln>
-                <a:solidFill>
-                  <a:srgbClr val="404040"/>
-                </a:solidFill>
-                <a:effectLst/>
-                <a:uLnTx/>
-                <a:uFill>
-                  <a:solidFill>
-                    <a:srgbClr val="FFFFFF"/>
-                  </a:solidFill>
-                </a:uFill>
-                <a:latin typeface="Rockwell"/>
-              </a:rPr>
-              <a:t> THE BAD</a:t>
-            </a:r>
-            <a:endParaRPr kumimoji="0" lang="en-US" sz="1800" b="0" i="0" u="none" strike="noStrike" kern="1200" cap="none" spc="-1" normalizeH="0" baseline="0" noProof="0">
-              <a:ln>
-                <a:noFill/>
-              </a:ln>
-              <a:solidFill>
-                <a:srgbClr val="000000"/>
-              </a:solidFill>
-              <a:effectLst/>
-              <a:uLnTx/>
-              <a:uFill>
-                <a:solidFill>
-                  <a:srgbClr val="FFFFFF"/>
-                </a:solidFill>
-              </a:uFill>
-              <a:latin typeface="Arial"/>
-            </a:endParaRPr>
-          </a:p>
-        </p:txBody>
-      </p:sp>
-      <p:sp>
-        <p:nvSpPr>
-          <p:cNvPr id="205" name="Line 2"/>
-          <p:cNvSpPr/>
-          <p:nvPr/>
-        </p:nvSpPr>
-        <p:spPr>
-          <a:xfrm>
-            <a:off x="4473720" y="2103120"/>
-            <a:ext cx="360" cy="3017880"/>
-          </a:xfrm>
-          <a:prstGeom prst="line">
-            <a:avLst/>
-          </a:prstGeom>
-          <a:ln w="9360">
-            <a:solidFill>
-              <a:srgbClr val="D9D9D9"/>
-            </a:solidFill>
-            <a:round/>
-          </a:ln>
-        </p:spPr>
-        <p:style>
-          <a:lnRef idx="0">
-            <a:scrgbClr r="0" g="0" b="0"/>
-          </a:lnRef>
-          <a:fillRef idx="0">
-            <a:scrgbClr r="0" g="0" b="0"/>
-          </a:fillRef>
-          <a:effectRef idx="0">
-            <a:scrgbClr r="0" g="0" b="0"/>
-          </a:effectRef>
-          <a:fontRef idx="minor"/>
-        </p:style>
-      </p:sp>
-      <p:sp>
-        <p:nvSpPr>
-          <p:cNvPr id="206" name="Line 3"/>
-          <p:cNvSpPr/>
-          <p:nvPr/>
-        </p:nvSpPr>
-        <p:spPr>
-          <a:xfrm>
-            <a:off x="4480200" y="2103120"/>
-            <a:ext cx="360" cy="3017880"/>
-          </a:xfrm>
-          <a:prstGeom prst="line">
-            <a:avLst/>
-          </a:prstGeom>
-          <a:ln w="9360">
-            <a:solidFill>
-              <a:srgbClr val="FFFFFF"/>
-            </a:solidFill>
-            <a:round/>
-          </a:ln>
-        </p:spPr>
-        <p:style>
-          <a:lnRef idx="0">
-            <a:scrgbClr r="0" g="0" b="0"/>
-          </a:lnRef>
-          <a:fillRef idx="0">
-            <a:scrgbClr r="0" g="0" b="0"/>
-          </a:fillRef>
-          <a:effectRef idx="0">
-            <a:scrgbClr r="0" g="0" b="0"/>
-          </a:effectRef>
-          <a:fontRef idx="minor"/>
-        </p:style>
-      </p:sp>
-      <p:sp>
-        <p:nvSpPr>
-          <p:cNvPr id="207" name="CustomShape 4"/>
-          <p:cNvSpPr/>
-          <p:nvPr/>
-        </p:nvSpPr>
-        <p:spPr>
-          <a:xfrm>
-            <a:off x="395280" y="736560"/>
-            <a:ext cx="7056720" cy="863280"/>
-          </a:xfrm>
-          <a:prstGeom prst="rect">
-            <a:avLst/>
-          </a:prstGeom>
-          <a:noFill/>
-          <a:ln>
-            <a:noFill/>
-          </a:ln>
-        </p:spPr>
-        <p:style>
-          <a:lnRef idx="0">
-            <a:scrgbClr r="0" g="0" b="0"/>
-          </a:lnRef>
-          <a:fillRef idx="0">
-            <a:scrgbClr r="0" g="0" b="0"/>
-          </a:fillRef>
-          <a:effectRef idx="0">
-            <a:scrgbClr r="0" g="0" b="0"/>
-          </a:effectRef>
-          <a:fontRef idx="minor"/>
-        </p:style>
-        <p:txBody>
-          <a:bodyPr lIns="90000" tIns="45000" rIns="90000" bIns="45000" anchor="ctr"/>
-          <a:lstStyle/>
-          <a:p>
-            <a:pPr marL="0" marR="0" lvl="0" indent="0" algn="l" defTabSz="914400" rtl="0" eaLnBrk="1" fontAlgn="auto" latinLnBrk="0" hangingPunct="1">
-              <a:lnSpc>
-                <a:spcPts val="2032"/>
-              </a:lnSpc>
-              <a:spcBef>
-                <a:spcPts val="0"/>
-              </a:spcBef>
-              <a:spcAft>
-                <a:spcPts val="0"/>
-              </a:spcAft>
-              <a:buClrTx/>
-              <a:buSzTx/>
-              <a:buFontTx/>
-              <a:buNone/>
-              <a:tabLst/>
-              <a:defRPr/>
-            </a:pPr>
-            <a:r>
-              <a:rPr kumimoji="0" lang="en-US" sz="3600" b="1" i="0" u="none" strike="noStrike" kern="1200" cap="none" spc="-1" normalizeH="0" baseline="0" noProof="0">
-                <a:ln>
-                  <a:noFill/>
-                </a:ln>
-                <a:solidFill>
-                  <a:srgbClr val="404040"/>
-                </a:solidFill>
-                <a:effectLst/>
-                <a:uLnTx/>
-                <a:uFill>
-                  <a:solidFill>
-                    <a:srgbClr val="FFFFFF"/>
-                  </a:solidFill>
-                </a:uFill>
-                <a:latin typeface="Rockwell"/>
-              </a:rPr>
-              <a:t>THE </a:t>
-            </a:r>
-            <a:r>
-              <a:rPr kumimoji="0" lang="en-US" sz="3600" b="1" i="0" u="none" strike="noStrike" kern="1200" cap="none" spc="-1" normalizeH="0" baseline="0" noProof="0">
-                <a:ln>
-                  <a:noFill/>
-                </a:ln>
-                <a:solidFill>
-                  <a:srgbClr val="FFC000"/>
-                </a:solidFill>
-                <a:effectLst/>
-                <a:uLnTx/>
-                <a:uFill>
-                  <a:solidFill>
-                    <a:srgbClr val="FFFFFF"/>
-                  </a:solidFill>
-                </a:uFill>
-                <a:latin typeface="Rockwell"/>
-              </a:rPr>
-              <a:t>UGLY</a:t>
-            </a:r>
-            <a:endParaRPr kumimoji="0" lang="en-US" sz="1800" b="0" i="0" u="none" strike="noStrike" kern="1200" cap="none" spc="-1" normalizeH="0" baseline="0" noProof="0">
-              <a:ln>
-                <a:noFill/>
-              </a:ln>
-              <a:solidFill>
-                <a:srgbClr val="000000"/>
-              </a:solidFill>
-              <a:effectLst/>
-              <a:uLnTx/>
-              <a:uFill>
-                <a:solidFill>
-                  <a:srgbClr val="FFFFFF"/>
-                </a:solidFill>
-              </a:uFill>
-              <a:latin typeface="Arial"/>
-            </a:endParaRPr>
-          </a:p>
-        </p:txBody>
-      </p:sp>
-      <p:sp>
-        <p:nvSpPr>
-          <p:cNvPr id="208" name="CustomShape 5"/>
-          <p:cNvSpPr/>
-          <p:nvPr/>
-        </p:nvSpPr>
-        <p:spPr>
-          <a:xfrm>
-            <a:off x="395280" y="1298520"/>
-            <a:ext cx="4519080" cy="474480"/>
-          </a:xfrm>
-          <a:prstGeom prst="rect">
-            <a:avLst/>
-          </a:prstGeom>
-          <a:noFill/>
-          <a:ln>
-            <a:noFill/>
-          </a:ln>
-        </p:spPr>
-        <p:style>
-          <a:lnRef idx="0">
-            <a:scrgbClr r="0" g="0" b="0"/>
-          </a:lnRef>
-          <a:fillRef idx="0">
-            <a:scrgbClr r="0" g="0" b="0"/>
-          </a:fillRef>
-          <a:effectRef idx="0">
-            <a:scrgbClr r="0" g="0" b="0"/>
-          </a:effectRef>
-          <a:fontRef idx="minor"/>
-        </p:style>
-        <p:txBody>
-          <a:bodyPr lIns="90000" tIns="45000" rIns="90000" bIns="45000" anchor="ctr"/>
-          <a:lstStyle/>
-          <a:p>
-            <a:pPr marL="0" marR="0" lvl="0" indent="0" algn="l" defTabSz="914400" rtl="0" eaLnBrk="1" fontAlgn="auto" latinLnBrk="0" hangingPunct="1">
-              <a:lnSpc>
-                <a:spcPts val="2032"/>
-              </a:lnSpc>
-              <a:spcBef>
-                <a:spcPts val="0"/>
-              </a:spcBef>
-              <a:spcAft>
-                <a:spcPts val="0"/>
-              </a:spcAft>
-              <a:buClrTx/>
-              <a:buSzTx/>
-              <a:buFontTx/>
-              <a:buNone/>
-              <a:tabLst/>
-              <a:defRPr/>
-            </a:pPr>
-            <a:r>
-              <a:rPr kumimoji="0" lang="en-US" sz="1600" b="1" i="0" u="none" strike="noStrike" kern="1200" cap="none" spc="-1" normalizeH="0" baseline="0" noProof="0">
-                <a:ln>
-                  <a:noFill/>
-                </a:ln>
-                <a:solidFill>
-                  <a:srgbClr val="404040"/>
-                </a:solidFill>
-                <a:effectLst/>
-                <a:uLnTx/>
-                <a:uFill>
-                  <a:solidFill>
-                    <a:srgbClr val="FFFFFF"/>
-                  </a:solidFill>
-                </a:uFill>
-                <a:latin typeface="Rockwell"/>
-              </a:rPr>
-              <a:t>Our good and bad moments</a:t>
-            </a:r>
-            <a:endParaRPr kumimoji="0" lang="en-US" sz="1800" b="0" i="0" u="none" strike="noStrike" kern="1200" cap="none" spc="-1" normalizeH="0" baseline="0" noProof="0">
-              <a:ln>
-                <a:noFill/>
-              </a:ln>
-              <a:solidFill>
-                <a:srgbClr val="000000"/>
-              </a:solidFill>
-              <a:effectLst/>
-              <a:uLnTx/>
-              <a:uFill>
-                <a:solidFill>
-                  <a:srgbClr val="FFFFFF"/>
-                </a:solidFill>
-              </a:uFill>
-              <a:latin typeface="Arial"/>
-            </a:endParaRPr>
-          </a:p>
-        </p:txBody>
-      </p:sp>
-      <p:pic>
-        <p:nvPicPr>
-          <p:cNvPr id="209" name="27 Imagen"/>
-          <p:cNvPicPr/>
-          <p:nvPr/>
-        </p:nvPicPr>
-        <p:blipFill>
-          <a:blip r:embed="rId4"/>
-          <a:stretch/>
-        </p:blipFill>
-        <p:spPr>
-          <a:xfrm>
-            <a:off x="4167360" y="6170760"/>
-            <a:ext cx="363240" cy="302760"/>
-          </a:xfrm>
-          <a:prstGeom prst="rect">
-            <a:avLst/>
-          </a:prstGeom>
-          <a:ln>
-            <a:noFill/>
-          </a:ln>
-        </p:spPr>
-      </p:pic>
-      <p:pic>
-        <p:nvPicPr>
-          <p:cNvPr id="210" name="28 Imagen"/>
-          <p:cNvPicPr/>
-          <p:nvPr/>
-        </p:nvPicPr>
-        <p:blipFill>
-          <a:blip r:embed="rId4"/>
-          <a:stretch/>
-        </p:blipFill>
-        <p:spPr>
-          <a:xfrm>
-            <a:off x="4741920" y="6170760"/>
-            <a:ext cx="363240" cy="302760"/>
-          </a:xfrm>
-          <a:prstGeom prst="rect">
-            <a:avLst/>
-          </a:prstGeom>
-          <a:ln>
-            <a:noFill/>
-          </a:ln>
-        </p:spPr>
-      </p:pic>
-      <p:sp>
-        <p:nvSpPr>
-          <p:cNvPr id="211" name="CustomShape 6"/>
-          <p:cNvSpPr/>
-          <p:nvPr/>
-        </p:nvSpPr>
-        <p:spPr>
-          <a:xfrm>
-            <a:off x="4193640" y="6181560"/>
-            <a:ext cx="286200" cy="272880"/>
-          </a:xfrm>
-          <a:prstGeom prst="rect">
-            <a:avLst/>
-          </a:prstGeom>
-          <a:noFill/>
-          <a:ln>
-            <a:noFill/>
-          </a:ln>
-        </p:spPr>
-        <p:style>
-          <a:lnRef idx="0">
-            <a:scrgbClr r="0" g="0" b="0"/>
-          </a:lnRef>
-          <a:fillRef idx="0">
-            <a:scrgbClr r="0" g="0" b="0"/>
-          </a:fillRef>
-          <a:effectRef idx="0">
-            <a:scrgbClr r="0" g="0" b="0"/>
-          </a:effectRef>
-          <a:fontRef idx="minor"/>
-        </p:style>
-        <p:txBody>
-          <a:bodyPr wrap="none" lIns="90000" tIns="45000" rIns="90000" bIns="45000"/>
-          <a:lstStyle/>
-          <a:p>
-            <a:pPr marL="0" marR="0" lvl="0" indent="0" algn="l" defTabSz="914400" rtl="0" eaLnBrk="1" fontAlgn="auto" latinLnBrk="0" hangingPunct="1">
-              <a:lnSpc>
-                <a:spcPct val="100000"/>
-              </a:lnSpc>
-              <a:spcBef>
-                <a:spcPts val="0"/>
-              </a:spcBef>
-              <a:spcAft>
-                <a:spcPts val="0"/>
-              </a:spcAft>
-              <a:buClrTx/>
-              <a:buSzTx/>
-              <a:buFontTx/>
-              <a:buNone/>
-              <a:tabLst/>
-              <a:defRPr/>
-            </a:pPr>
-            <a:r>
-              <a:rPr lang="en-US" sz="1200" b="1" spc="-1" dirty="0">
-                <a:solidFill>
-                  <a:srgbClr val="FFC000"/>
-                </a:solidFill>
-                <a:uFill>
-                  <a:solidFill>
-                    <a:srgbClr val="FFFFFF"/>
-                  </a:solidFill>
-                </a:uFill>
-                <a:latin typeface="Calibri"/>
-              </a:rPr>
-              <a:t>7</a:t>
-            </a:r>
-            <a:endParaRPr kumimoji="0" lang="en-US" sz="1800" b="0" i="0" u="none" strike="noStrike" kern="1200" cap="none" spc="-1" normalizeH="0" baseline="0" noProof="0" dirty="0">
-              <a:ln>
-                <a:noFill/>
-              </a:ln>
-              <a:solidFill>
-                <a:srgbClr val="000000"/>
-              </a:solidFill>
-              <a:effectLst/>
-              <a:uLnTx/>
-              <a:uFill>
-                <a:solidFill>
-                  <a:srgbClr val="FFFFFF"/>
-                </a:solidFill>
-              </a:uFill>
-              <a:latin typeface="Arial"/>
-            </a:endParaRPr>
-          </a:p>
-        </p:txBody>
-      </p:sp>
-      <p:sp>
-        <p:nvSpPr>
-          <p:cNvPr id="212" name="CustomShape 7"/>
-          <p:cNvSpPr/>
-          <p:nvPr/>
-        </p:nvSpPr>
-        <p:spPr>
-          <a:xfrm>
-            <a:off x="4449240" y="6181560"/>
-            <a:ext cx="351720" cy="272880"/>
-          </a:xfrm>
-          <a:prstGeom prst="rect">
-            <a:avLst/>
-          </a:prstGeom>
-          <a:noFill/>
-          <a:ln>
-            <a:noFill/>
-          </a:ln>
-        </p:spPr>
-        <p:style>
-          <a:lnRef idx="0">
-            <a:scrgbClr r="0" g="0" b="0"/>
-          </a:lnRef>
-          <a:fillRef idx="0">
-            <a:scrgbClr r="0" g="0" b="0"/>
-          </a:fillRef>
-          <a:effectRef idx="0">
-            <a:scrgbClr r="0" g="0" b="0"/>
-          </a:effectRef>
-          <a:fontRef idx="minor"/>
-        </p:style>
-        <p:txBody>
-          <a:bodyPr wrap="none" lIns="90000" tIns="45000" rIns="90000" bIns="45000"/>
-          <a:lstStyle/>
-          <a:p>
-            <a:pPr marL="0" marR="0" lvl="0" indent="0" algn="l" defTabSz="914400" rtl="0" eaLnBrk="1" fontAlgn="auto" latinLnBrk="0" hangingPunct="1">
-              <a:lnSpc>
-                <a:spcPct val="100000"/>
-              </a:lnSpc>
-              <a:spcBef>
-                <a:spcPts val="0"/>
-              </a:spcBef>
-              <a:spcAft>
-                <a:spcPts val="0"/>
-              </a:spcAft>
-              <a:buClrTx/>
-              <a:buSzTx/>
-              <a:buFontTx/>
-              <a:buNone/>
-              <a:tabLst/>
-              <a:defRPr/>
-            </a:pPr>
-            <a:r>
-              <a:rPr kumimoji="0" lang="en-US" sz="1200" b="1" i="1" u="none" strike="noStrike" kern="1200" cap="none" spc="-1" normalizeH="0" baseline="0" noProof="0">
-                <a:ln>
-                  <a:noFill/>
-                </a:ln>
-                <a:solidFill>
-                  <a:srgbClr val="A6A6A6"/>
-                </a:solidFill>
-                <a:effectLst/>
-                <a:uLnTx/>
-                <a:uFill>
-                  <a:solidFill>
-                    <a:srgbClr val="FFFFFF"/>
-                  </a:solidFill>
-                </a:uFill>
-                <a:latin typeface="Calibri"/>
-              </a:rPr>
-              <a:t>of</a:t>
-            </a:r>
-            <a:endParaRPr kumimoji="0" lang="en-US" sz="1800" b="0" i="0" u="none" strike="noStrike" kern="1200" cap="none" spc="-1" normalizeH="0" baseline="0" noProof="0">
-              <a:ln>
-                <a:noFill/>
-              </a:ln>
-              <a:solidFill>
-                <a:srgbClr val="000000"/>
-              </a:solidFill>
-              <a:effectLst/>
-              <a:uLnTx/>
-              <a:uFill>
-                <a:solidFill>
-                  <a:srgbClr val="FFFFFF"/>
-                </a:solidFill>
-              </a:uFill>
-              <a:latin typeface="Arial"/>
-            </a:endParaRPr>
-          </a:p>
-        </p:txBody>
-      </p:sp>
-      <p:sp>
-        <p:nvSpPr>
-          <p:cNvPr id="213" name="CustomShape 8"/>
-          <p:cNvSpPr/>
-          <p:nvPr/>
-        </p:nvSpPr>
-        <p:spPr>
-          <a:xfrm>
-            <a:off x="4776480" y="6181560"/>
-            <a:ext cx="286200" cy="272880"/>
-          </a:xfrm>
-          <a:prstGeom prst="rect">
-            <a:avLst/>
-          </a:prstGeom>
-          <a:noFill/>
-          <a:ln>
-            <a:noFill/>
-          </a:ln>
-        </p:spPr>
-        <p:style>
-          <a:lnRef idx="0">
-            <a:scrgbClr r="0" g="0" b="0"/>
-          </a:lnRef>
-          <a:fillRef idx="0">
-            <a:scrgbClr r="0" g="0" b="0"/>
-          </a:fillRef>
-          <a:effectRef idx="0">
-            <a:scrgbClr r="0" g="0" b="0"/>
-          </a:effectRef>
-          <a:fontRef idx="minor"/>
-        </p:style>
-        <p:txBody>
-          <a:bodyPr wrap="none" lIns="90000" tIns="45000" rIns="90000" bIns="45000"/>
-          <a:lstStyle/>
-          <a:p>
-            <a:pPr marL="0" marR="0" lvl="0" indent="0" algn="l" defTabSz="914400" rtl="0" eaLnBrk="1" fontAlgn="auto" latinLnBrk="0" hangingPunct="1">
-              <a:lnSpc>
-                <a:spcPct val="100000"/>
-              </a:lnSpc>
-              <a:spcBef>
-                <a:spcPts val="0"/>
-              </a:spcBef>
-              <a:spcAft>
-                <a:spcPts val="0"/>
-              </a:spcAft>
-              <a:buClrTx/>
-              <a:buSzTx/>
-              <a:buFontTx/>
-              <a:buNone/>
-              <a:tabLst/>
-              <a:defRPr/>
-            </a:pPr>
-            <a:r>
-              <a:rPr kumimoji="0" lang="en-US" sz="1200" b="1" i="0" u="none" strike="noStrike" kern="1200" cap="none" spc="-1" normalizeH="0" baseline="0" noProof="0">
-                <a:ln>
-                  <a:noFill/>
-                </a:ln>
-                <a:solidFill>
-                  <a:srgbClr val="808080"/>
-                </a:solidFill>
-                <a:effectLst/>
-                <a:uLnTx/>
-                <a:uFill>
-                  <a:solidFill>
-                    <a:srgbClr val="FFFFFF"/>
-                  </a:solidFill>
-                </a:uFill>
-                <a:latin typeface="Calibri"/>
-              </a:rPr>
-              <a:t>8</a:t>
-            </a:r>
-            <a:endParaRPr kumimoji="0" lang="en-US" sz="1800" b="0" i="0" u="none" strike="noStrike" kern="1200" cap="none" spc="-1" normalizeH="0" baseline="0" noProof="0">
-              <a:ln>
-                <a:noFill/>
-              </a:ln>
-              <a:solidFill>
-                <a:srgbClr val="000000"/>
-              </a:solidFill>
-              <a:effectLst/>
-              <a:uLnTx/>
-              <a:uFill>
-                <a:solidFill>
-                  <a:srgbClr val="FFFFFF"/>
-                </a:solidFill>
-              </a:uFill>
-              <a:latin typeface="Arial"/>
-            </a:endParaRPr>
-          </a:p>
-        </p:txBody>
-      </p:sp>
-      <p:pic>
-        <p:nvPicPr>
-          <p:cNvPr id="214" name="Imagen 5"/>
-          <p:cNvPicPr/>
-          <p:nvPr/>
-        </p:nvPicPr>
-        <p:blipFill>
-          <a:blip r:embed="rId5"/>
-          <a:stretch/>
-        </p:blipFill>
-        <p:spPr>
-          <a:xfrm>
-            <a:off x="5127480" y="5983200"/>
-            <a:ext cx="763200" cy="720360"/>
-          </a:xfrm>
-          <a:prstGeom prst="rect">
-            <a:avLst/>
-          </a:prstGeom>
-          <a:ln>
-            <a:noFill/>
-          </a:ln>
-        </p:spPr>
-      </p:pic>
-      <p:pic>
-        <p:nvPicPr>
-          <p:cNvPr id="215" name="Imagen 6"/>
-          <p:cNvPicPr/>
-          <p:nvPr/>
-        </p:nvPicPr>
-        <p:blipFill>
-          <a:blip r:embed="rId6"/>
-          <a:stretch/>
-        </p:blipFill>
-        <p:spPr>
-          <a:xfrm>
-            <a:off x="5124600" y="6251400"/>
-            <a:ext cx="177480" cy="175680"/>
-          </a:xfrm>
-          <a:prstGeom prst="rect">
-            <a:avLst/>
-          </a:prstGeom>
-          <a:ln>
-            <a:noFill/>
-          </a:ln>
-        </p:spPr>
-      </p:pic>
-      <p:pic>
-        <p:nvPicPr>
-          <p:cNvPr id="216" name="Imagen 6"/>
-          <p:cNvPicPr/>
-          <p:nvPr/>
-        </p:nvPicPr>
-        <p:blipFill>
-          <a:blip r:embed="rId7"/>
-          <a:stretch/>
-        </p:blipFill>
-        <p:spPr>
-          <a:xfrm>
-            <a:off x="3933720" y="6251400"/>
-            <a:ext cx="175680" cy="175680"/>
-          </a:xfrm>
-          <a:prstGeom prst="rect">
-            <a:avLst/>
-          </a:prstGeom>
-          <a:ln>
-            <a:noFill/>
-          </a:ln>
-        </p:spPr>
-      </p:pic>
-      <p:pic>
-        <p:nvPicPr>
-          <p:cNvPr id="217" name="Imagen 5"/>
-          <p:cNvPicPr/>
-          <p:nvPr/>
-        </p:nvPicPr>
-        <p:blipFill>
-          <a:blip r:embed="rId8"/>
-          <a:stretch/>
-        </p:blipFill>
-        <p:spPr>
-          <a:xfrm>
-            <a:off x="1649520" y="5756400"/>
-            <a:ext cx="1193400" cy="1128240"/>
-          </a:xfrm>
-          <a:prstGeom prst="rect">
-            <a:avLst/>
-          </a:prstGeom>
-          <a:ln>
-            <a:noFill/>
-          </a:ln>
-        </p:spPr>
-      </p:pic>
-      <p:sp>
-        <p:nvSpPr>
-          <p:cNvPr id="219" name="CustomShape 10"/>
-          <p:cNvSpPr/>
-          <p:nvPr/>
-        </p:nvSpPr>
-        <p:spPr>
-          <a:xfrm>
-            <a:off x="441360" y="3316320"/>
-            <a:ext cx="2426760" cy="350640"/>
-          </a:xfrm>
-          <a:prstGeom prst="rect">
-            <a:avLst/>
-          </a:prstGeom>
-          <a:noFill/>
-          <a:ln>
-            <a:noFill/>
-          </a:ln>
-        </p:spPr>
-        <p:style>
-          <a:lnRef idx="0">
-            <a:scrgbClr r="0" g="0" b="0"/>
-          </a:lnRef>
-          <a:fillRef idx="0">
-            <a:scrgbClr r="0" g="0" b="0"/>
-          </a:fillRef>
-          <a:effectRef idx="0">
-            <a:scrgbClr r="0" g="0" b="0"/>
-          </a:effectRef>
-          <a:fontRef idx="minor"/>
-        </p:style>
-        <p:txBody>
-          <a:bodyPr lIns="90000" tIns="45000" rIns="90000" bIns="45000"/>
-          <a:lstStyle/>
-          <a:p>
-            <a:pPr marL="0" marR="0" lvl="0" indent="0" algn="l" defTabSz="914400" rtl="0" eaLnBrk="1" fontAlgn="auto" latinLnBrk="0" hangingPunct="1">
-              <a:lnSpc>
-                <a:spcPct val="120000"/>
-              </a:lnSpc>
-              <a:spcBef>
-                <a:spcPts val="0"/>
-              </a:spcBef>
-              <a:spcAft>
-                <a:spcPts val="0"/>
-              </a:spcAft>
-              <a:buClrTx/>
-              <a:buSzTx/>
-              <a:buFontTx/>
-              <a:buNone/>
-              <a:tabLst/>
-              <a:defRPr/>
-            </a:pPr>
-            <a:r>
-              <a:rPr kumimoji="0" lang="en-US" sz="1400" b="1" i="0" u="none" strike="noStrike" kern="1200" cap="none" spc="-1" normalizeH="0" baseline="0" noProof="0">
-                <a:ln>
-                  <a:noFill/>
-                </a:ln>
-                <a:solidFill>
-                  <a:srgbClr val="5F5F5F"/>
-                </a:solidFill>
-                <a:effectLst/>
-                <a:uLnTx/>
-                <a:uFill>
-                  <a:solidFill>
-                    <a:srgbClr val="FFFFFF"/>
-                  </a:solidFill>
-                </a:uFill>
-                <a:latin typeface="Rockwell"/>
-              </a:rPr>
-              <a:t>The Good</a:t>
-            </a:r>
-            <a:endParaRPr kumimoji="0" lang="en-US" sz="1800" b="0" i="0" u="none" strike="noStrike" kern="1200" cap="none" spc="-1" normalizeH="0" baseline="0" noProof="0">
-              <a:ln>
-                <a:noFill/>
-              </a:ln>
-              <a:solidFill>
-                <a:srgbClr val="000000"/>
-              </a:solidFill>
-              <a:effectLst/>
-              <a:uLnTx/>
-              <a:uFill>
-                <a:solidFill>
-                  <a:srgbClr val="FFFFFF"/>
-                </a:solidFill>
-              </a:uFill>
-              <a:latin typeface="Arial"/>
-            </a:endParaRPr>
-          </a:p>
-        </p:txBody>
-      </p:sp>
-      <p:sp>
-        <p:nvSpPr>
-          <p:cNvPr id="220" name="CustomShape 11"/>
-          <p:cNvSpPr/>
-          <p:nvPr/>
-        </p:nvSpPr>
-        <p:spPr>
-          <a:xfrm>
-            <a:off x="4937760" y="3688560"/>
-            <a:ext cx="2426760" cy="1523520"/>
-          </a:xfrm>
-          <a:prstGeom prst="rect">
-            <a:avLst/>
-          </a:prstGeom>
-          <a:noFill/>
-          <a:ln>
-            <a:noFill/>
-          </a:ln>
-        </p:spPr>
-        <p:style>
-          <a:lnRef idx="0">
-            <a:scrgbClr r="0" g="0" b="0"/>
-          </a:lnRef>
-          <a:fillRef idx="0">
-            <a:scrgbClr r="0" g="0" b="0"/>
-          </a:fillRef>
-          <a:effectRef idx="0">
-            <a:scrgbClr r="0" g="0" b="0"/>
-          </a:effectRef>
-          <a:fontRef idx="minor"/>
-        </p:style>
-        <p:txBody>
-          <a:bodyPr lIns="90000" tIns="45000" rIns="90000" bIns="45000"/>
-          <a:lstStyle/>
-          <a:p>
-            <a:pPr marL="216000" marR="0" lvl="0" indent="-216000" algn="l" defTabSz="914400" rtl="0" eaLnBrk="1" fontAlgn="auto" latinLnBrk="0" hangingPunct="1">
-              <a:lnSpc>
-                <a:spcPct val="120000"/>
-              </a:lnSpc>
-              <a:spcBef>
-                <a:spcPts val="0"/>
-              </a:spcBef>
-              <a:spcAft>
-                <a:spcPts val="0"/>
-              </a:spcAft>
-              <a:buClr>
-                <a:srgbClr val="5F5F5F"/>
-              </a:buClr>
-              <a:buSzPct val="45000"/>
-              <a:buFont typeface="Wingdings" charset="2"/>
-              <a:buChar char=""/>
-              <a:tabLst/>
-              <a:defRPr/>
-            </a:pPr>
-            <a:r>
-              <a:rPr kumimoji="0" lang="en-US" sz="1200" b="0" i="0" u="none" strike="noStrike" kern="1200" cap="none" spc="-1" normalizeH="0" baseline="0" noProof="0" dirty="0">
-                <a:ln>
-                  <a:noFill/>
-                </a:ln>
-                <a:solidFill>
-                  <a:srgbClr val="5F5F5F"/>
-                </a:solidFill>
-                <a:effectLst/>
-                <a:uLnTx/>
-                <a:uFill>
-                  <a:solidFill>
-                    <a:srgbClr val="FFFFFF"/>
-                  </a:solidFill>
-                </a:uFill>
-                <a:latin typeface="Calibri"/>
-              </a:rPr>
-              <a:t>Hard to keep focused</a:t>
-            </a:r>
-          </a:p>
-          <a:p>
-            <a:pPr marL="216000" marR="0" lvl="0" indent="-216000" algn="l" defTabSz="914400" rtl="0" eaLnBrk="1" fontAlgn="auto" latinLnBrk="0" hangingPunct="1">
-              <a:lnSpc>
-                <a:spcPct val="120000"/>
-              </a:lnSpc>
-              <a:spcBef>
-                <a:spcPts val="0"/>
-              </a:spcBef>
-              <a:spcAft>
-                <a:spcPts val="0"/>
-              </a:spcAft>
-              <a:buClr>
-                <a:srgbClr val="5F5F5F"/>
-              </a:buClr>
-              <a:buSzPct val="45000"/>
-              <a:buFont typeface="Wingdings" charset="2"/>
-              <a:buChar char=""/>
-              <a:tabLst/>
-              <a:defRPr/>
-            </a:pPr>
-            <a:r>
-              <a:rPr lang="en-US" sz="1200" spc="-1" dirty="0">
-                <a:solidFill>
-                  <a:srgbClr val="5F5F5F"/>
-                </a:solidFill>
-                <a:uFill>
-                  <a:solidFill>
-                    <a:srgbClr val="FFFFFF"/>
-                  </a:solidFill>
-                </a:uFill>
-                <a:latin typeface="Calibri"/>
-              </a:rPr>
-              <a:t>Overkill time use on UI and AI</a:t>
-            </a:r>
-          </a:p>
-          <a:p>
-            <a:pPr marL="216000" marR="0" lvl="0" indent="-216000" algn="l" defTabSz="914400" rtl="0" eaLnBrk="1" fontAlgn="auto" latinLnBrk="0" hangingPunct="1">
-              <a:lnSpc>
-                <a:spcPct val="120000"/>
-              </a:lnSpc>
-              <a:spcBef>
-                <a:spcPts val="0"/>
-              </a:spcBef>
-              <a:spcAft>
-                <a:spcPts val="0"/>
-              </a:spcAft>
-              <a:buClr>
-                <a:srgbClr val="5F5F5F"/>
-              </a:buClr>
-              <a:buSzPct val="45000"/>
-              <a:buFont typeface="Wingdings" charset="2"/>
-              <a:buChar char=""/>
-              <a:tabLst/>
-              <a:defRPr/>
-            </a:pPr>
-            <a:r>
-              <a:rPr lang="en-US" sz="1200" spc="-1" dirty="0">
-                <a:solidFill>
-                  <a:srgbClr val="5F5F5F"/>
-                </a:solidFill>
-                <a:uFill>
-                  <a:solidFill>
-                    <a:srgbClr val="FFFFFF"/>
-                  </a:solidFill>
-                </a:uFill>
-                <a:latin typeface="Calibri"/>
-              </a:rPr>
-              <a:t>Maven issues</a:t>
-            </a:r>
-          </a:p>
-          <a:p>
-            <a:pPr marL="216000" marR="0" lvl="0" indent="-216000" algn="l" defTabSz="914400" rtl="0" eaLnBrk="1" fontAlgn="auto" latinLnBrk="0" hangingPunct="1">
-              <a:lnSpc>
-                <a:spcPct val="120000"/>
-              </a:lnSpc>
-              <a:spcBef>
-                <a:spcPts val="0"/>
-              </a:spcBef>
-              <a:spcAft>
-                <a:spcPts val="0"/>
-              </a:spcAft>
-              <a:buClr>
-                <a:srgbClr val="5F5F5F"/>
-              </a:buClr>
-              <a:buSzPct val="45000"/>
-              <a:buFont typeface="Wingdings" charset="2"/>
-              <a:buChar char=""/>
-              <a:tabLst/>
-              <a:defRPr/>
-            </a:pPr>
-            <a:endParaRPr lang="en-US" sz="1200" spc="-1" dirty="0">
-              <a:solidFill>
-                <a:srgbClr val="5F5F5F"/>
-              </a:solidFill>
-              <a:uFill>
-                <a:solidFill>
-                  <a:srgbClr val="FFFFFF"/>
-                </a:solidFill>
-              </a:uFill>
-              <a:latin typeface="Calibri"/>
-            </a:endParaRPr>
-          </a:p>
-          <a:p>
-            <a:pPr marL="216000" marR="0" lvl="0" indent="-216000" algn="l" defTabSz="914400" rtl="0" eaLnBrk="1" fontAlgn="auto" latinLnBrk="0" hangingPunct="1">
-              <a:lnSpc>
-                <a:spcPct val="120000"/>
-              </a:lnSpc>
-              <a:spcBef>
-                <a:spcPts val="0"/>
-              </a:spcBef>
-              <a:spcAft>
-                <a:spcPts val="0"/>
-              </a:spcAft>
-              <a:buClr>
-                <a:srgbClr val="5F5F5F"/>
-              </a:buClr>
-              <a:buSzPct val="45000"/>
-              <a:buFont typeface="Wingdings" charset="2"/>
-              <a:buChar char=""/>
-              <a:tabLst/>
-              <a:defRPr/>
-            </a:pPr>
-            <a:endParaRPr kumimoji="0" lang="en-US" sz="1800" b="0" i="0" u="none" strike="noStrike" kern="1200" cap="none" spc="-1" normalizeH="0" baseline="0" noProof="0" dirty="0">
-              <a:ln>
-                <a:noFill/>
-              </a:ln>
-              <a:solidFill>
-                <a:srgbClr val="000000"/>
-              </a:solidFill>
-              <a:effectLst/>
-              <a:uLnTx/>
-              <a:uFill>
-                <a:solidFill>
-                  <a:srgbClr val="FFFFFF"/>
-                </a:solidFill>
-              </a:uFill>
-              <a:latin typeface="Arial"/>
-            </a:endParaRPr>
-          </a:p>
-        </p:txBody>
-      </p:sp>
-      <p:sp>
-        <p:nvSpPr>
-          <p:cNvPr id="221" name="CustomShape 12"/>
-          <p:cNvSpPr/>
-          <p:nvPr/>
-        </p:nvSpPr>
-        <p:spPr>
-          <a:xfrm>
-            <a:off x="4937760" y="3291840"/>
-            <a:ext cx="2426760" cy="350640"/>
-          </a:xfrm>
-          <a:prstGeom prst="rect">
-            <a:avLst/>
-          </a:prstGeom>
-          <a:noFill/>
-          <a:ln>
-            <a:noFill/>
-          </a:ln>
-        </p:spPr>
-        <p:style>
-          <a:lnRef idx="0">
-            <a:scrgbClr r="0" g="0" b="0"/>
-          </a:lnRef>
-          <a:fillRef idx="0">
-            <a:scrgbClr r="0" g="0" b="0"/>
-          </a:fillRef>
-          <a:effectRef idx="0">
-            <a:scrgbClr r="0" g="0" b="0"/>
-          </a:effectRef>
-          <a:fontRef idx="minor"/>
-        </p:style>
-        <p:txBody>
-          <a:bodyPr lIns="90000" tIns="45000" rIns="90000" bIns="45000"/>
-          <a:lstStyle/>
-          <a:p>
-            <a:pPr marL="0" marR="0" lvl="0" indent="0" algn="l" defTabSz="914400" rtl="0" eaLnBrk="1" fontAlgn="auto" latinLnBrk="0" hangingPunct="1">
-              <a:lnSpc>
-                <a:spcPct val="120000"/>
-              </a:lnSpc>
-              <a:spcBef>
-                <a:spcPts val="0"/>
-              </a:spcBef>
-              <a:spcAft>
-                <a:spcPts val="0"/>
-              </a:spcAft>
-              <a:buClrTx/>
-              <a:buSzTx/>
-              <a:buFontTx/>
-              <a:buNone/>
-              <a:tabLst/>
-              <a:defRPr/>
-            </a:pPr>
-            <a:r>
-              <a:rPr kumimoji="0" lang="en-US" sz="1400" b="1" i="0" u="none" strike="noStrike" kern="1200" cap="none" spc="-1" normalizeH="0" baseline="0" noProof="0">
-                <a:ln>
-                  <a:noFill/>
-                </a:ln>
-                <a:solidFill>
-                  <a:srgbClr val="5F5F5F"/>
-                </a:solidFill>
-                <a:effectLst/>
-                <a:uLnTx/>
-                <a:uFill>
-                  <a:solidFill>
-                    <a:srgbClr val="FFFFFF"/>
-                  </a:solidFill>
-                </a:uFill>
-                <a:latin typeface="Rockwell"/>
-              </a:rPr>
-              <a:t>The Bad</a:t>
-            </a:r>
-            <a:endParaRPr kumimoji="0" lang="en-US" sz="1800" b="0" i="0" u="none" strike="noStrike" kern="1200" cap="none" spc="-1" normalizeH="0" baseline="0" noProof="0">
-              <a:ln>
-                <a:noFill/>
-              </a:ln>
-              <a:solidFill>
-                <a:srgbClr val="000000"/>
-              </a:solidFill>
-              <a:effectLst/>
-              <a:uLnTx/>
-              <a:uFill>
-                <a:solidFill>
-                  <a:srgbClr val="FFFFFF"/>
-                </a:solidFill>
-              </a:uFill>
-              <a:latin typeface="Arial"/>
-            </a:endParaRPr>
-          </a:p>
-        </p:txBody>
-      </p:sp>
-      <p:pic>
-        <p:nvPicPr>
-          <p:cNvPr id="222" name="Bilde 221"/>
-          <p:cNvPicPr/>
-          <p:nvPr/>
-        </p:nvPicPr>
-        <p:blipFill>
-          <a:blip r:embed="rId9"/>
-          <a:stretch/>
-        </p:blipFill>
-        <p:spPr>
-          <a:xfrm>
-            <a:off x="546480" y="1920240"/>
-            <a:ext cx="1373760" cy="1348920"/>
-          </a:xfrm>
-          <a:prstGeom prst="rect">
-            <a:avLst/>
-          </a:prstGeom>
-          <a:ln>
-            <a:noFill/>
-          </a:ln>
-        </p:spPr>
-      </p:pic>
-      <p:pic>
-        <p:nvPicPr>
-          <p:cNvPr id="223" name="Bilde 222"/>
-          <p:cNvPicPr/>
-          <p:nvPr/>
-        </p:nvPicPr>
-        <p:blipFill>
-          <a:blip r:embed="rId10"/>
-          <a:stretch/>
-        </p:blipFill>
-        <p:spPr>
-          <a:xfrm>
-            <a:off x="5007960" y="1990440"/>
-            <a:ext cx="1301400" cy="1301400"/>
-          </a:xfrm>
-          <a:prstGeom prst="rect">
-            <a:avLst/>
-          </a:prstGeom>
-          <a:ln>
-            <a:noFill/>
-          </a:ln>
-        </p:spPr>
-      </p:pic>
-      <p:sp>
-        <p:nvSpPr>
-          <p:cNvPr id="23" name="CustomShape 7">
-            <a:extLst>
-              <a:ext uri="{FF2B5EF4-FFF2-40B4-BE49-F238E27FC236}">
-                <a16:creationId xmlns:a16="http://schemas.microsoft.com/office/drawing/2014/main" id="{77A4E5D6-1A49-4CF9-AF4A-2EDEB5927786}"/>
-              </a:ext>
-            </a:extLst>
-          </p:cNvPr>
-          <p:cNvSpPr/>
-          <p:nvPr/>
-        </p:nvSpPr>
-        <p:spPr>
-          <a:xfrm>
-            <a:off x="396808" y="3760971"/>
-            <a:ext cx="3338552" cy="1523520"/>
-          </a:xfrm>
-          <a:prstGeom prst="rect">
-            <a:avLst/>
-          </a:prstGeom>
-          <a:noFill/>
-          <a:ln>
-            <a:noFill/>
-          </a:ln>
-        </p:spPr>
-        <p:style>
-          <a:lnRef idx="0">
-            <a:scrgbClr r="0" g="0" b="0"/>
-          </a:lnRef>
-          <a:fillRef idx="0">
-            <a:scrgbClr r="0" g="0" b="0"/>
-          </a:fillRef>
-          <a:effectRef idx="0">
-            <a:scrgbClr r="0" g="0" b="0"/>
-          </a:effectRef>
-          <a:fontRef idx="minor"/>
-        </p:style>
-        <p:txBody>
-          <a:bodyPr lIns="90000" tIns="45000" rIns="90000" bIns="45000"/>
-          <a:lstStyle/>
-          <a:p>
-            <a:pPr marL="216000" marR="0" lvl="0" indent="-216000" algn="l" defTabSz="914400" rtl="0" eaLnBrk="1" fontAlgn="auto" latinLnBrk="0" hangingPunct="1">
-              <a:lnSpc>
-                <a:spcPct val="120000"/>
-              </a:lnSpc>
-              <a:spcBef>
-                <a:spcPts val="0"/>
-              </a:spcBef>
-              <a:spcAft>
-                <a:spcPts val="0"/>
-              </a:spcAft>
-              <a:buClr>
-                <a:srgbClr val="5F5F5F"/>
-              </a:buClr>
-              <a:buSzPct val="45000"/>
-              <a:buFont typeface="Wingdings" charset="2"/>
-              <a:buChar char=""/>
-              <a:tabLst/>
-              <a:defRPr/>
-            </a:pPr>
-            <a:r>
-              <a:rPr kumimoji="0" lang="en-US" sz="1200" b="0" i="0" u="none" strike="noStrike" kern="1200" cap="none" spc="-1" normalizeH="0" baseline="0" noProof="0" dirty="0">
-                <a:ln>
-                  <a:noFill/>
-                </a:ln>
-                <a:solidFill>
-                  <a:srgbClr val="5F5F5F"/>
-                </a:solidFill>
-                <a:effectLst/>
-                <a:uLnTx/>
-                <a:uFill>
-                  <a:solidFill>
-                    <a:srgbClr val="FFFFFF"/>
-                  </a:solidFill>
-                </a:uFill>
-                <a:latin typeface="Calibri"/>
-              </a:rPr>
-              <a:t>Quick to get organized, assigning roles</a:t>
-            </a:r>
-            <a:endParaRPr kumimoji="0" lang="en-US" sz="1800" b="0" i="0" u="none" strike="noStrike" kern="1200" cap="none" spc="-1" normalizeH="0" baseline="0" noProof="0" dirty="0">
-              <a:ln>
-                <a:noFill/>
-              </a:ln>
-              <a:solidFill>
-                <a:srgbClr val="000000"/>
-              </a:solidFill>
-              <a:effectLst/>
-              <a:uLnTx/>
-              <a:uFill>
-                <a:solidFill>
-                  <a:srgbClr val="FFFFFF"/>
-                </a:solidFill>
-              </a:uFill>
-              <a:latin typeface="Arial"/>
-            </a:endParaRPr>
-          </a:p>
-          <a:p>
-            <a:pPr marL="216000" marR="0" lvl="0" indent="-216000" algn="just" defTabSz="914400" rtl="0" eaLnBrk="1" fontAlgn="auto" latinLnBrk="0" hangingPunct="1">
-              <a:lnSpc>
-                <a:spcPct val="120000"/>
-              </a:lnSpc>
-              <a:spcBef>
-                <a:spcPts val="0"/>
-              </a:spcBef>
-              <a:spcAft>
-                <a:spcPts val="0"/>
-              </a:spcAft>
-              <a:buClr>
-                <a:srgbClr val="5F5F5F"/>
-              </a:buClr>
-              <a:buSzPct val="45000"/>
-              <a:buFont typeface="Wingdings" charset="2"/>
-              <a:buChar char=""/>
-              <a:tabLst/>
-              <a:defRPr/>
-            </a:pPr>
-            <a:r>
-              <a:rPr kumimoji="0" lang="en-US" sz="1200" b="0" i="0" u="none" strike="noStrike" kern="1200" cap="none" spc="-1" normalizeH="0" baseline="0" noProof="0" dirty="0">
-                <a:ln>
-                  <a:noFill/>
-                </a:ln>
-                <a:solidFill>
-                  <a:srgbClr val="5F5F5F"/>
-                </a:solidFill>
-                <a:effectLst/>
-                <a:uLnTx/>
-                <a:uFill>
-                  <a:solidFill>
-                    <a:srgbClr val="FFFFFF"/>
-                  </a:solidFill>
-                </a:uFill>
-                <a:latin typeface="Calibri"/>
-              </a:rPr>
-              <a:t>High team spirit</a:t>
-            </a:r>
-            <a:endParaRPr kumimoji="0" lang="en-US" sz="1800" b="0" i="0" u="none" strike="noStrike" kern="1200" cap="none" spc="-1" normalizeH="0" baseline="0" noProof="0" dirty="0">
-              <a:ln>
-                <a:noFill/>
-              </a:ln>
-              <a:solidFill>
-                <a:srgbClr val="000000"/>
-              </a:solidFill>
-              <a:effectLst/>
-              <a:uLnTx/>
-              <a:uFill>
-                <a:solidFill>
-                  <a:srgbClr val="FFFFFF"/>
-                </a:solidFill>
-              </a:uFill>
-              <a:latin typeface="Arial"/>
-            </a:endParaRPr>
-          </a:p>
-          <a:p>
-            <a:pPr marL="216000" marR="0" lvl="0" indent="-216000" algn="l" defTabSz="914400" rtl="0" eaLnBrk="1" fontAlgn="auto" latinLnBrk="0" hangingPunct="1">
-              <a:lnSpc>
-                <a:spcPct val="120000"/>
-              </a:lnSpc>
-              <a:spcBef>
-                <a:spcPts val="0"/>
-              </a:spcBef>
-              <a:spcAft>
-                <a:spcPts val="0"/>
-              </a:spcAft>
-              <a:buClr>
-                <a:srgbClr val="5F5F5F"/>
-              </a:buClr>
-              <a:buSzPct val="45000"/>
-              <a:buFont typeface="Wingdings" charset="2"/>
-              <a:buChar char=""/>
-              <a:tabLst/>
-              <a:defRPr/>
-            </a:pPr>
-            <a:r>
-              <a:rPr kumimoji="0" lang="en-US" sz="1200" b="0" i="0" u="none" strike="noStrike" kern="1200" cap="none" spc="-1" normalizeH="0" baseline="0" noProof="0" dirty="0">
-                <a:ln>
-                  <a:noFill/>
-                </a:ln>
-                <a:solidFill>
-                  <a:srgbClr val="5F5F5F"/>
-                </a:solidFill>
-                <a:effectLst/>
-                <a:uLnTx/>
-                <a:uFill>
-                  <a:solidFill>
-                    <a:srgbClr val="FFFFFF"/>
-                  </a:solidFill>
-                </a:uFill>
-                <a:latin typeface="Calibri"/>
-              </a:rPr>
-              <a:t>Good overall team competence</a:t>
-            </a:r>
-          </a:p>
-          <a:p>
-            <a:pPr marL="216000" marR="0" lvl="0" indent="-216000" algn="l" defTabSz="914400" rtl="0" eaLnBrk="1" fontAlgn="auto" latinLnBrk="0" hangingPunct="1">
-              <a:lnSpc>
-                <a:spcPct val="120000"/>
-              </a:lnSpc>
-              <a:spcBef>
-                <a:spcPts val="0"/>
-              </a:spcBef>
-              <a:spcAft>
-                <a:spcPts val="0"/>
-              </a:spcAft>
-              <a:buClr>
-                <a:srgbClr val="5F5F5F"/>
-              </a:buClr>
-              <a:buSzPct val="45000"/>
-              <a:buFont typeface="Wingdings" charset="2"/>
-              <a:buChar char=""/>
-              <a:tabLst/>
-              <a:defRPr/>
-            </a:pPr>
-            <a:r>
-              <a:rPr lang="en-US" sz="1200" spc="-1" dirty="0">
-                <a:solidFill>
-                  <a:srgbClr val="5F5F5F"/>
-                </a:solidFill>
-                <a:uFill>
-                  <a:solidFill>
-                    <a:srgbClr val="FFFFFF"/>
-                  </a:solidFill>
-                </a:uFill>
-                <a:latin typeface="Calibri"/>
-              </a:rPr>
-              <a:t>Frequent communication</a:t>
-            </a:r>
-            <a:endParaRPr kumimoji="0" lang="en-US" sz="1800" b="0" i="0" u="none" strike="noStrike" kern="1200" cap="none" spc="-1" normalizeH="0" baseline="0" noProof="0" dirty="0">
-              <a:ln>
-                <a:noFill/>
-              </a:ln>
-              <a:solidFill>
-                <a:srgbClr val="000000"/>
-              </a:solidFill>
-              <a:effectLst/>
-              <a:uLnTx/>
-              <a:uFill>
-                <a:solidFill>
-                  <a:srgbClr val="FFFFFF"/>
-                </a:solidFill>
-              </a:uFill>
-              <a:latin typeface="Arial"/>
-            </a:endParaRPr>
-          </a:p>
-        </p:txBody>
-      </p:sp>
-    </p:spTree>
-    <p:extLst>
-      <p:ext uri="{BB962C8B-B14F-4D97-AF65-F5344CB8AC3E}">
-        <p14:creationId xmlns:p14="http://schemas.microsoft.com/office/powerpoint/2010/main" val="1424156353"/>
-      </p:ext>
-    </p:extLst>
-  </p:cSld>
-  <p:clrMapOvr>
-    <a:masterClrMapping/>
-  </p:clrMapOvr>
-  <p:timing>
-    <p:tnLst>
-      <p:par>
-        <p:cTn id="1" dur="indefinite" restart="never" nodeType="tmRoot">
-          <p:childTnLst>
-            <p:seq>
-              <p:cTn id="2" nodeType="mainSeq">
-                <p:childTnLst>
-                  <p:par>
-                    <p:cTn id="3" fill="freeze">
-                      <p:stCondLst>
-                        <p:cond delay="0"/>
-                      </p:stCondLst>
-                      <p:childTnLst>
-                        <p:par>
-                          <p:cTn id="4" fill="freeze">
-                            <p:stCondLst>
-                              <p:cond delay="0"/>
-                            </p:stCondLst>
-                            <p:childTnLst>
-                              <p:par>
-                                <p:cTn id="5" presetID="29" presetClass="entr" fill="hold" nodeType="withEffect">
-                                  <p:stCondLst>
-                                    <p:cond delay="0"/>
-                                  </p:stCondLst>
-                                  <p:childTnLst>
-                                    <p:set>
-                                      <p:cBhvr>
-                                        <p:cTn id="6" dur="1" fill="hold">
-                                          <p:stCondLst>
-                                            <p:cond delay="0"/>
-                                          </p:stCondLst>
-                                        </p:cTn>
-                                        <p:tgtEl>
-                                          <p:spTgt spid="207"/>
-                                        </p:tgtEl>
-                                        <p:attrNameLst>
-                                          <p:attrName>style.visibility</p:attrName>
-                                        </p:attrNameLst>
-                                      </p:cBhvr>
-                                      <p:to>
-                                        <p:strVal val="visible"/>
-                                      </p:to>
-                                    </p:set>
-                                    <p:anim calcmode="lin" valueType="num">
-                                      <p:cBhvr additive="repl">
-                                        <p:cTn id="7" dur="1000" fill="hold"/>
-                                        <p:tgtEl>
-                                          <p:spTgt spid="207"/>
-                                        </p:tgtEl>
-                                        <p:attrNameLst>
-                                          <p:attrName>ppt_x</p:attrName>
-                                        </p:attrNameLst>
-                                      </p:cBhvr>
-                                      <p:tavLst>
-                                        <p:tav tm="0">
-                                          <p:val>
-                                            <p:strVal val="#ppt_x-.2"/>
-                                          </p:val>
-                                        </p:tav>
-                                        <p:tav tm="100000">
-                                          <p:val>
-                                            <p:strVal val="#ppt_x"/>
-                                          </p:val>
-                                        </p:tav>
-                                      </p:tavLst>
-                                    </p:anim>
-                                    <p:anim calcmode="lin" valueType="num">
-                                      <p:cBhvr additive="repl">
-                                        <p:cTn id="8" dur="1000" fill="hold"/>
-                                        <p:tgtEl>
-                                          <p:spTgt spid="207"/>
-                                        </p:tgtEl>
-                                        <p:attrNameLst>
-                                          <p:attrName>ppt_y</p:attrName>
-                                        </p:attrNameLst>
-                                      </p:cBhvr>
-                                      <p:tavLst>
-                                        <p:tav tm="0">
-                                          <p:val>
-                                            <p:strVal val="#ppt_y"/>
-                                          </p:val>
-                                        </p:tav>
-                                        <p:tav tm="100000">
-                                          <p:val>
-                                            <p:strVal val="#ppt_y"/>
-                                          </p:val>
-                                        </p:tav>
-                                      </p:tavLst>
-                                    </p:anim>
-                                    <p:animEffect transition="out" filter="wipe(right)">
-                                      <p:cBhvr additive="repl">
-                                        <p:cTn id="9" dur="1000"/>
-                                        <p:tgtEl>
-                                          <p:spTgt spid="207"/>
-                                        </p:tgtEl>
-                                      </p:cBhvr>
-                                    </p:animEffect>
-                                  </p:childTnLst>
-                                </p:cTn>
-                              </p:par>
-                              <p:par>
-                                <p:cTn id="10" presetID="29" presetClass="entr" fill="hold" nodeType="withEffect">
-                                  <p:stCondLst>
-                                    <p:cond delay="0"/>
-                                  </p:stCondLst>
-                                  <p:childTnLst>
-                                    <p:set>
-                                      <p:cBhvr>
-                                        <p:cTn id="11" dur="1" fill="hold">
-                                          <p:stCondLst>
-                                            <p:cond delay="0"/>
-                                          </p:stCondLst>
-                                        </p:cTn>
-                                        <p:tgtEl>
-                                          <p:spTgt spid="204"/>
-                                        </p:tgtEl>
-                                        <p:attrNameLst>
-                                          <p:attrName>style.visibility</p:attrName>
-                                        </p:attrNameLst>
-                                      </p:cBhvr>
-                                      <p:to>
-                                        <p:strVal val="visible"/>
-                                      </p:to>
-                                    </p:set>
-                                    <p:anim calcmode="lin" valueType="num">
-                                      <p:cBhvr additive="repl">
-                                        <p:cTn id="12" dur="1000" fill="hold"/>
-                                        <p:tgtEl>
-                                          <p:spTgt spid="204"/>
-                                        </p:tgtEl>
-                                        <p:attrNameLst>
-                                          <p:attrName>ppt_x</p:attrName>
-                                        </p:attrNameLst>
-                                      </p:cBhvr>
-                                      <p:tavLst>
-                                        <p:tav tm="0">
-                                          <p:val>
-                                            <p:strVal val="#ppt_x-.2"/>
-                                          </p:val>
-                                        </p:tav>
-                                        <p:tav tm="100000">
-                                          <p:val>
-                                            <p:strVal val="#ppt_x"/>
-                                          </p:val>
-                                        </p:tav>
-                                      </p:tavLst>
-                                    </p:anim>
-                                    <p:anim calcmode="lin" valueType="num">
-                                      <p:cBhvr additive="repl">
-                                        <p:cTn id="13" dur="1000" fill="hold"/>
-                                        <p:tgtEl>
-                                          <p:spTgt spid="204"/>
-                                        </p:tgtEl>
-                                        <p:attrNameLst>
-                                          <p:attrName>ppt_y</p:attrName>
-                                        </p:attrNameLst>
-                                      </p:cBhvr>
-                                      <p:tavLst>
-                                        <p:tav tm="0">
-                                          <p:val>
-                                            <p:strVal val="#ppt_y"/>
-                                          </p:val>
-                                        </p:tav>
-                                        <p:tav tm="100000">
-                                          <p:val>
-                                            <p:strVal val="#ppt_y"/>
-                                          </p:val>
-                                        </p:tav>
-                                      </p:tavLst>
-                                    </p:anim>
-                                    <p:animEffect transition="out" filter="wipe(right)">
-                                      <p:cBhvr additive="repl">
-                                        <p:cTn id="14" dur="1000"/>
-                                        <p:tgtEl>
-                                          <p:spTgt spid="204"/>
-                                        </p:tgtEl>
-                                      </p:cBhvr>
-                                    </p:animEffect>
-                                  </p:childTnLst>
-                                </p:cTn>
-                              </p:par>
-                            </p:childTnLst>
-                          </p:cTn>
-                        </p:par>
-                        <p:par>
-                          <p:cTn id="15" fill="freeze">
-                            <p:stCondLst>
-                              <p:cond delay="1000"/>
-                            </p:stCondLst>
-                            <p:childTnLst>
-                              <p:par>
-                                <p:cTn id="16" presetID="10" presetClass="entr" fill="hold" nodeType="afterEffect">
-                                  <p:stCondLst>
-                                    <p:cond delay="0"/>
-                                  </p:stCondLst>
-                                  <p:childTnLst>
-                                    <p:set>
-                                      <p:cBhvr>
-                                        <p:cTn id="17" dur="1" fill="hold">
-                                          <p:stCondLst>
-                                            <p:cond delay="0"/>
-                                          </p:stCondLst>
-                                        </p:cTn>
-                                        <p:tgtEl>
-                                          <p:spTgt spid="208"/>
-                                        </p:tgtEl>
-                                        <p:attrNameLst>
-                                          <p:attrName>style.visibility</p:attrName>
-                                        </p:attrNameLst>
-                                      </p:cBhvr>
-                                      <p:to>
-                                        <p:strVal val="visible"/>
-                                      </p:to>
-                                    </p:set>
-                                    <p:animEffect transition="in" filter="fade">
-                                      <p:cBhvr additive="repl">
-                                        <p:cTn id="18" dur="2000"/>
-                                        <p:tgtEl>
-                                          <p:spTgt spid="208"/>
-                                        </p:tgtEl>
-                                      </p:cBhvr>
-                                    </p:animEffect>
-                                  </p:childTnLst>
-                                </p:cTn>
-                              </p:par>
-                              <p:par>
-                                <p:cTn id="19" presetID="10" presetClass="entr" fill="hold" nodeType="withEffect">
-                                  <p:stCondLst>
-                                    <p:cond delay="0"/>
-                                  </p:stCondLst>
-                                  <p:childTnLst>
-                                    <p:set>
-                                      <p:cBhvr>
-                                        <p:cTn id="20" dur="1" fill="hold">
-                                          <p:stCondLst>
-                                            <p:cond delay="0"/>
-                                          </p:stCondLst>
-                                        </p:cTn>
-                                        <p:tgtEl>
-                                          <p:spTgt spid="219"/>
-                                        </p:tgtEl>
-                                        <p:attrNameLst>
-                                          <p:attrName>style.visibility</p:attrName>
-                                        </p:attrNameLst>
-                                      </p:cBhvr>
-                                      <p:to>
-                                        <p:strVal val="visible"/>
-                                      </p:to>
-                                    </p:set>
-                                    <p:animEffect transition="in" filter="fade">
-                                      <p:cBhvr additive="repl">
-                                        <p:cTn id="21" dur="2000"/>
-                                        <p:tgtEl>
-                                          <p:spTgt spid="219"/>
-                                        </p:tgtEl>
-                                      </p:cBhvr>
-                                    </p:animEffect>
-                                  </p:childTnLst>
-                                </p:cTn>
-                              </p:par>
-                              <p:par>
-                                <p:cTn id="22" presetID="10" presetClass="entr" fill="hold" nodeType="withEffect">
-                                  <p:stCondLst>
-                                    <p:cond delay="0"/>
-                                  </p:stCondLst>
-                                  <p:childTnLst>
-                                    <p:set>
-                                      <p:cBhvr>
-                                        <p:cTn id="23" dur="1" fill="hold">
-                                          <p:stCondLst>
-                                            <p:cond delay="0"/>
-                                          </p:stCondLst>
-                                        </p:cTn>
-                                        <p:tgtEl>
-                                          <p:spTgt spid="220"/>
-                                        </p:tgtEl>
-                                        <p:attrNameLst>
-                                          <p:attrName>style.visibility</p:attrName>
-                                        </p:attrNameLst>
-                                      </p:cBhvr>
-                                      <p:to>
-                                        <p:strVal val="visible"/>
-                                      </p:to>
-                                    </p:set>
-                                    <p:animEffect transition="in" filter="fade">
-                                      <p:cBhvr additive="repl">
-                                        <p:cTn id="24" dur="2000"/>
-                                        <p:tgtEl>
-                                          <p:spTgt spid="220"/>
-                                        </p:tgtEl>
-                                      </p:cBhvr>
-                                    </p:animEffect>
-                                  </p:childTnLst>
-                                </p:cTn>
-                              </p:par>
-                              <p:par>
-                                <p:cTn id="25" presetID="10" presetClass="entr" fill="hold" nodeType="withEffect">
-                                  <p:stCondLst>
-                                    <p:cond delay="0"/>
-                                  </p:stCondLst>
-                                  <p:childTnLst>
-                                    <p:set>
-                                      <p:cBhvr>
-                                        <p:cTn id="26" dur="1" fill="hold">
-                                          <p:stCondLst>
-                                            <p:cond delay="0"/>
-                                          </p:stCondLst>
-                                        </p:cTn>
-                                        <p:tgtEl>
-                                          <p:spTgt spid="221"/>
-                                        </p:tgtEl>
-                                        <p:attrNameLst>
-                                          <p:attrName>style.visibility</p:attrName>
-                                        </p:attrNameLst>
-                                      </p:cBhvr>
-                                      <p:to>
-                                        <p:strVal val="visible"/>
-                                      </p:to>
-                                    </p:set>
-                                    <p:animEffect transition="in" filter="fade">
-                                      <p:cBhvr additive="repl">
-                                        <p:cTn id="27" dur="2000"/>
-                                        <p:tgtEl>
-                                          <p:spTgt spid="221"/>
-                                        </p:tgtEl>
-                                      </p:cBhvr>
-                                    </p:animEffect>
-                                  </p:childTnLst>
-                                </p:cTn>
-                              </p:par>
-                              <p:par>
-                                <p:cTn id="28" presetID="10" presetClass="entr" fill="hold" nodeType="withEffect">
-                                  <p:stCondLst>
-                                    <p:cond delay="0"/>
-                                  </p:stCondLst>
-                                  <p:childTnLst>
-                                    <p:set>
-                                      <p:cBhvr>
-                                        <p:cTn id="29" dur="1" fill="hold">
-                                          <p:stCondLst>
-                                            <p:cond delay="0"/>
-                                          </p:stCondLst>
-                                        </p:cTn>
-                                        <p:tgtEl>
-                                          <p:spTgt spid="23"/>
-                                        </p:tgtEl>
-                                        <p:attrNameLst>
-                                          <p:attrName>style.visibility</p:attrName>
-                                        </p:attrNameLst>
-                                      </p:cBhvr>
-                                      <p:to>
-                                        <p:strVal val="visible"/>
-                                      </p:to>
-                                    </p:set>
-                                    <p:animEffect transition="in" filter="fade">
-                                      <p:cBhvr additive="repl">
-                                        <p:cTn id="30" dur="2000"/>
-                                        <p:tgtEl>
-                                          <p:spTgt spid="23"/>
-                                        </p:tgtEl>
-                                      </p:cBhvr>
-                                    </p:animEffect>
-                                  </p:childTnLst>
-                                </p:cTn>
-                              </p:par>
-                            </p:childTnLst>
-                          </p:cTn>
-                        </p:par>
-                      </p:childTnLst>
-                    </p:cTn>
-                  </p:par>
-                </p:childTnLst>
-              </p:cTn>
-              <p:prevCondLst>
-                <p:cond evt="onPrev" delay="0">
-                  <p:tgtEl>
-                    <p:sldTgt/>
-                  </p:tgtEl>
-                </p:cond>
-              </p:prevCondLst>
-              <p:nextCondLst>
-                <p:cond evt="onNext" delay="0">
-                  <p:tgtEl>
-                    <p:sldTgt/>
-                  </p:tgtEl>
-                </p:cond>
-              </p:nextCondLst>
-            </p:seq>
-          </p:childTnLst>
-        </p:cTn>
-      </p:par>
-    </p:tnLst>
-  </p:timing>
-</p:sld>
-</file>
-
 <file path=ppt/slides/slide2.xml><?xml version="1.0" encoding="utf-8"?>
 <p:sld xmlns:a="http://schemas.openxmlformats.org/drawingml/2006/main" xmlns:r="http://schemas.openxmlformats.org/officeDocument/2006/relationships" xmlns:p="http://schemas.openxmlformats.org/presentationml/2006/main">
   <p:cSld>
@@ -10563,7 +7153,7 @@
         </p:nvSpPr>
         <p:spPr>
           <a:xfrm>
-            <a:off x="4913313" y="3817938"/>
+            <a:off x="4896270" y="3861048"/>
             <a:ext cx="2663825" cy="474662"/>
           </a:xfrm>
           <a:prstGeom prst="rect">
@@ -11278,7 +7868,7 @@
                 </a:uFill>
                 <a:latin typeface="Calibri"/>
               </a:rPr>
-              <a:t> – Test manager</a:t>
+              <a:t> – Code</a:t>
             </a:r>
             <a:endParaRPr lang="en-US" sz="2400" b="0" strike="noStrike" spc="-1" dirty="0">
               <a:solidFill>
@@ -11382,21 +7972,7 @@
                 </a:uFill>
                 <a:latin typeface="Calibri"/>
               </a:rPr>
-              <a:t>Code</a:t>
-            </a:r>
-            <a:r>
-              <a:rPr lang="en-US" b="0" strike="noStrike" spc="-1" dirty="0">
-                <a:solidFill>
-                  <a:srgbClr val="808080"/>
-                </a:solidFill>
-                <a:uFill>
-                  <a:solidFill>
-                    <a:srgbClr val="FFFFFF"/>
-                  </a:solidFill>
-                </a:uFill>
-                <a:latin typeface="Calibri"/>
-              </a:rPr>
-              <a:t>r</a:t>
+              <a:t>SQL</a:t>
             </a:r>
             <a:endParaRPr lang="en-US" sz="2400" b="0" strike="noStrike" spc="-1" dirty="0">
               <a:solidFill>
@@ -11500,7 +8076,7 @@
                 </a:uFill>
                 <a:latin typeface="Calibri"/>
               </a:rPr>
-              <a:t> – Meeting lead, AI and Version control</a:t>
+              <a:t> – AI &amp; Version control</a:t>
             </a:r>
           </a:p>
           <a:p>
@@ -11541,18 +8117,46 @@
                 </a:uFill>
                 <a:latin typeface="Calibri"/>
               </a:rPr>
-              <a:t>egard – documentation manager</a:t>
+              <a:t>egard – Documentation</a:t>
             </a:r>
-            <a:endParaRPr lang="en-US" sz="2400" b="0" strike="noStrike" spc="-1" dirty="0">
+            <a:r>
+              <a:rPr lang="en-US" spc="-1" dirty="0">
+                <a:solidFill>
+                  <a:srgbClr val="808080"/>
+                </a:solidFill>
+                <a:uFill>
+                  <a:solidFill>
+                    <a:srgbClr val="FFFFFF"/>
+                  </a:solidFill>
+                </a:uFill>
+                <a:latin typeface="Calibri"/>
+              </a:rPr>
+              <a:t> &amp;</a:t>
+            </a:r>
+            <a:r>
+              <a:rPr lang="en-US" b="0" strike="noStrike" spc="-1" dirty="0">
+                <a:solidFill>
+                  <a:srgbClr val="808080"/>
+                </a:solidFill>
+                <a:uFill>
+                  <a:solidFill>
+                    <a:srgbClr val="FFFFFF"/>
+                  </a:solidFill>
+                </a:uFill>
+                <a:latin typeface="Calibri"/>
+              </a:rPr>
+              <a:t> UI</a:t>
+            </a:r>
+            <a:endParaRPr lang="en-US" spc="-1" dirty="0">
               <a:solidFill>
-                <a:srgbClr val="000000"/>
+                <a:srgbClr val="808080"/>
               </a:solidFill>
               <a:uFill>
                 <a:solidFill>
                   <a:srgbClr val="FFFFFF"/>
                 </a:solidFill>
               </a:uFill>
-              <a:latin typeface="Arial"/>
+              <a:latin typeface="Calibri"/>
             </a:endParaRPr>
           </a:p>
           <a:p>
@@ -11579,7 +8183,7 @@
                 </a:uFill>
                 <a:latin typeface="Calibri"/>
               </a:rPr>
-              <a:t>Robin E – Test manager</a:t>
+              <a:t>Robin E – Sound</a:t>
             </a:r>
             <a:endParaRPr lang="en-US" sz="2400" b="0" strike="noStrike" spc="-1" dirty="0">
               <a:solidFill>
@@ -11631,7 +8235,7 @@
                 </a:uFill>
                 <a:latin typeface="Calibri"/>
               </a:rPr>
-              <a:t>GUI</a:t>
+              <a:t>UI</a:t>
             </a:r>
             <a:endParaRPr lang="en-US" sz="2400" b="0" strike="noStrike" spc="-1" dirty="0">
               <a:solidFill>
@@ -19784,1584 +16388,6 @@
     </p:tnLst>
     <p:bldLst>
       <p:bldP spid="4" grpId="0"/>
-    </p:bldLst>
-  </p:timing>
-</p:sld>
-</file>
-
-<file path=ppt/slides/slide9.xml><?xml version="1.0" encoding="utf-8"?>
-<p:sld xmlns:a="http://schemas.openxmlformats.org/drawingml/2006/main" xmlns:r="http://schemas.openxmlformats.org/officeDocument/2006/relationships" xmlns:p="http://schemas.openxmlformats.org/presentationml/2006/main">
-  <p:cSld>
-    <p:bg>
-      <p:bgPr>
-        <a:blipFill dpi="0" rotWithShape="0">
-          <a:blip r:embed="rId2"/>
-          <a:srcRect/>
-          <a:stretch>
-            <a:fillRect/>
-          </a:stretch>
-        </a:blipFill>
-        <a:effectLst/>
-      </p:bgPr>
-    </p:bg>
-    <p:spTree>
-      <p:nvGrpSpPr>
-        <p:cNvPr id="1" name=""/>
-        <p:cNvGrpSpPr/>
-        <p:nvPr/>
-      </p:nvGrpSpPr>
-      <p:grpSpPr>
-        <a:xfrm>
-          <a:off x="0" y="0"/>
-          <a:ext cx="0" cy="0"/>
-          <a:chOff x="0" y="0"/>
-          <a:chExt cx="0" cy="0"/>
-        </a:xfrm>
-      </p:grpSpPr>
-      <p:pic>
-        <p:nvPicPr>
-          <p:cNvPr id="14338" name="Imagen 5" descr="C:\Users\Design\Documents\Edu\Product Launch\shadown.png"/>
-          <p:cNvPicPr>
-            <a:picLocks noChangeAspect="1" noChangeArrowheads="1"/>
-          </p:cNvPicPr>
-          <p:nvPr/>
-        </p:nvPicPr>
-        <p:blipFill>
-          <a:blip r:embed="rId3">
-            <a:extLst>
-              <a:ext uri="{28A0092B-C50C-407E-A947-70E740481C1C}">
-                <a14:useLocalDpi xmlns:a14="http://schemas.microsoft.com/office/drawing/2010/main" val="0"/>
-              </a:ext>
-            </a:extLst>
-          </a:blip>
-          <a:srcRect/>
-          <a:stretch>
-            <a:fillRect/>
-          </a:stretch>
-        </p:blipFill>
-        <p:spPr bwMode="auto">
-          <a:xfrm>
-            <a:off x="3354388" y="5965825"/>
-            <a:ext cx="762000" cy="719138"/>
-          </a:xfrm>
-          <a:prstGeom prst="rect">
-            <a:avLst/>
-          </a:prstGeom>
-          <a:noFill/>
-          <a:ln>
-            <a:noFill/>
-          </a:ln>
-          <a:extLst>
-            <a:ext uri="{909E8E84-426E-40DD-AFC4-6F175D3DCCD1}">
-              <a14:hiddenFill xmlns:a14="http://schemas.microsoft.com/office/drawing/2010/main">
-                <a:solidFill>
-                  <a:srgbClr val="FFFFFF"/>
-                </a:solidFill>
-              </a14:hiddenFill>
-            </a:ext>
-            <a:ext uri="{91240B29-F687-4F45-9708-019B960494DF}">
-              <a14:hiddenLine xmlns:a14="http://schemas.microsoft.com/office/drawing/2010/main" w="9525">
-                <a:solidFill>
-                  <a:srgbClr val="000000"/>
-                </a:solidFill>
-                <a:miter lim="800000"/>
-                <a:headEnd/>
-                <a:tailEnd/>
-              </a14:hiddenLine>
-            </a:ext>
-          </a:extLst>
-        </p:spPr>
-      </p:pic>
-      <p:sp>
-        <p:nvSpPr>
-          <p:cNvPr id="7" name="1 Título"/>
-          <p:cNvSpPr txBox="1">
-            <a:spLocks/>
-          </p:cNvSpPr>
-          <p:nvPr/>
-        </p:nvSpPr>
-        <p:spPr>
-          <a:xfrm>
-            <a:off x="398462" y="260350"/>
-            <a:ext cx="5829721" cy="863600"/>
-          </a:xfrm>
-          <a:prstGeom prst="rect">
-            <a:avLst/>
-          </a:prstGeom>
-        </p:spPr>
-        <p:txBody>
-          <a:bodyPr anchor="ctr"/>
-          <a:lstStyle>
-            <a:lvl1pPr algn="ctr" defTabSz="914400" rtl="0" eaLnBrk="1" latinLnBrk="0" hangingPunct="1">
-              <a:spcBef>
-                <a:spcPct val="0"/>
-              </a:spcBef>
-              <a:buNone/>
-              <a:defRPr sz="4400" kern="1200">
-                <a:solidFill>
-                  <a:schemeClr val="tx1"/>
-                </a:solidFill>
-                <a:latin typeface="+mj-lt"/>
-                <a:ea typeface="+mj-ea"/>
-                <a:cs typeface="+mj-cs"/>
-              </a:defRPr>
-            </a:lvl1pPr>
-          </a:lstStyle>
-          <a:p>
-            <a:pPr algn="l" fontAlgn="auto">
-              <a:lnSpc>
-                <a:spcPts val="5760"/>
-              </a:lnSpc>
-              <a:spcBef>
-                <a:spcPts val="0"/>
-              </a:spcBef>
-              <a:spcAft>
-                <a:spcPts val="0"/>
-              </a:spcAft>
-              <a:defRPr/>
-            </a:pPr>
-            <a:r>
-              <a:rPr lang="es-HN" sz="4930" b="1" dirty="0">
-                <a:solidFill>
-                  <a:schemeClr val="tx1">
-                    <a:lumMod val="75000"/>
-                    <a:lumOff val="25000"/>
-                  </a:schemeClr>
-                </a:solidFill>
-                <a:latin typeface="Rockwell" pitchFamily="18" charset="0"/>
-              </a:rPr>
-              <a:t>PROCESS</a:t>
-            </a:r>
-            <a:endParaRPr lang="es-HN" sz="4930" b="1" dirty="0">
-              <a:solidFill>
-                <a:srgbClr val="FFC000"/>
-              </a:solidFill>
-              <a:latin typeface="Rockwell" pitchFamily="18" charset="0"/>
-            </a:endParaRPr>
-          </a:p>
-        </p:txBody>
-      </p:sp>
-      <p:grpSp>
-        <p:nvGrpSpPr>
-          <p:cNvPr id="14340" name="13 Grupo"/>
-          <p:cNvGrpSpPr>
-            <a:grpSpLocks/>
-          </p:cNvGrpSpPr>
-          <p:nvPr/>
-        </p:nvGrpSpPr>
-        <p:grpSpPr bwMode="auto">
-          <a:xfrm>
-            <a:off x="4618038" y="2276475"/>
-            <a:ext cx="6350" cy="3017838"/>
-            <a:chOff x="4276603" y="1491264"/>
-            <a:chExt cx="319" cy="3377896"/>
-          </a:xfrm>
-        </p:grpSpPr>
-        <p:cxnSp>
-          <p:nvCxnSpPr>
-            <p:cNvPr id="10" name="9 Conector recto"/>
-            <p:cNvCxnSpPr/>
-            <p:nvPr/>
-          </p:nvCxnSpPr>
-          <p:spPr>
-            <a:xfrm>
-              <a:off x="4276603" y="1491264"/>
-              <a:ext cx="0" cy="3377896"/>
-            </a:xfrm>
-            <a:prstGeom prst="line">
-              <a:avLst/>
-            </a:prstGeom>
-            <a:ln>
-              <a:solidFill>
-                <a:schemeClr val="bg1">
-                  <a:lumMod val="85000"/>
-                </a:schemeClr>
-              </a:solidFill>
-            </a:ln>
-          </p:spPr>
-          <p:style>
-            <a:lnRef idx="1">
-              <a:schemeClr val="dk1"/>
-            </a:lnRef>
-            <a:fillRef idx="0">
-              <a:schemeClr val="dk1"/>
-            </a:fillRef>
-            <a:effectRef idx="0">
-              <a:schemeClr val="dk1"/>
-            </a:effectRef>
-            <a:fontRef idx="minor">
-              <a:schemeClr val="tx1"/>
-            </a:fontRef>
-          </p:style>
-        </p:cxnSp>
-        <p:cxnSp>
-          <p:nvCxnSpPr>
-            <p:cNvPr id="11" name="10 Conector recto"/>
-            <p:cNvCxnSpPr/>
-            <p:nvPr/>
-          </p:nvCxnSpPr>
-          <p:spPr>
-            <a:xfrm>
-              <a:off x="4276922" y="1491264"/>
-              <a:ext cx="0" cy="3377896"/>
-            </a:xfrm>
-            <a:prstGeom prst="line">
-              <a:avLst/>
-            </a:prstGeom>
-            <a:ln>
-              <a:solidFill>
-                <a:schemeClr val="bg1"/>
-              </a:solidFill>
-            </a:ln>
-          </p:spPr>
-          <p:style>
-            <a:lnRef idx="1">
-              <a:schemeClr val="dk1"/>
-            </a:lnRef>
-            <a:fillRef idx="0">
-              <a:schemeClr val="dk1"/>
-            </a:fillRef>
-            <a:effectRef idx="0">
-              <a:schemeClr val="dk1"/>
-            </a:effectRef>
-            <a:fontRef idx="minor">
-              <a:schemeClr val="tx1"/>
-            </a:fontRef>
-          </p:style>
-        </p:cxnSp>
-      </p:grpSp>
-      <p:sp>
-        <p:nvSpPr>
-          <p:cNvPr id="20" name="1 Título"/>
-          <p:cNvSpPr txBox="1">
-            <a:spLocks/>
-          </p:cNvSpPr>
-          <p:nvPr/>
-        </p:nvSpPr>
-        <p:spPr>
-          <a:xfrm>
-            <a:off x="395288" y="736600"/>
-            <a:ext cx="4524375" cy="863600"/>
-          </a:xfrm>
-          <a:prstGeom prst="rect">
-            <a:avLst/>
-          </a:prstGeom>
-        </p:spPr>
-        <p:txBody>
-          <a:bodyPr anchor="ctr"/>
-          <a:lstStyle>
-            <a:lvl1pPr algn="ctr" defTabSz="914400" rtl="0" eaLnBrk="1" latinLnBrk="0" hangingPunct="1">
-              <a:spcBef>
-                <a:spcPct val="0"/>
-              </a:spcBef>
-              <a:buNone/>
-              <a:defRPr sz="4400" kern="1200">
-                <a:solidFill>
-                  <a:schemeClr val="tx1"/>
-                </a:solidFill>
-                <a:latin typeface="+mj-lt"/>
-                <a:ea typeface="+mj-ea"/>
-                <a:cs typeface="+mj-cs"/>
-              </a:defRPr>
-            </a:lvl1pPr>
-          </a:lstStyle>
-          <a:p>
-            <a:pPr algn="l" fontAlgn="auto">
-              <a:lnSpc>
-                <a:spcPts val="5760"/>
-              </a:lnSpc>
-              <a:spcBef>
-                <a:spcPts val="0"/>
-              </a:spcBef>
-              <a:spcAft>
-                <a:spcPts val="0"/>
-              </a:spcAft>
-              <a:defRPr/>
-            </a:pPr>
-            <a:r>
-              <a:rPr lang="es-HN" b="1" dirty="0">
-                <a:solidFill>
-                  <a:schemeClr val="tx1">
-                    <a:lumMod val="75000"/>
-                    <a:lumOff val="25000"/>
-                  </a:schemeClr>
-                </a:solidFill>
-                <a:latin typeface="Rockwell" pitchFamily="18" charset="0"/>
-              </a:rPr>
-              <a:t>AND </a:t>
-            </a:r>
-            <a:r>
-              <a:rPr lang="es-HN" b="1" dirty="0">
-                <a:solidFill>
-                  <a:srgbClr val="FFC000"/>
-                </a:solidFill>
-                <a:latin typeface="Rockwell" pitchFamily="18" charset="0"/>
-              </a:rPr>
-              <a:t>TOOLS</a:t>
-            </a:r>
-          </a:p>
-        </p:txBody>
-      </p:sp>
-      <p:sp>
-        <p:nvSpPr>
-          <p:cNvPr id="24" name="1 Título"/>
-          <p:cNvSpPr txBox="1">
-            <a:spLocks/>
-          </p:cNvSpPr>
-          <p:nvPr/>
-        </p:nvSpPr>
-        <p:spPr>
-          <a:xfrm>
-            <a:off x="395288" y="1298575"/>
-            <a:ext cx="4519612" cy="474663"/>
-          </a:xfrm>
-          <a:prstGeom prst="rect">
-            <a:avLst/>
-          </a:prstGeom>
-        </p:spPr>
-        <p:txBody>
-          <a:bodyPr anchor="ctr"/>
-          <a:lstStyle>
-            <a:lvl1pPr algn="ctr" defTabSz="914400" rtl="0" eaLnBrk="1" latinLnBrk="0" hangingPunct="1">
-              <a:spcBef>
-                <a:spcPct val="0"/>
-              </a:spcBef>
-              <a:buNone/>
-              <a:defRPr sz="4400" kern="1200">
-                <a:solidFill>
-                  <a:schemeClr val="tx1"/>
-                </a:solidFill>
-                <a:latin typeface="+mj-lt"/>
-                <a:ea typeface="+mj-ea"/>
-                <a:cs typeface="+mj-cs"/>
-              </a:defRPr>
-            </a:lvl1pPr>
-          </a:lstStyle>
-          <a:p>
-            <a:pPr algn="l" fontAlgn="auto">
-              <a:lnSpc>
-                <a:spcPts val="5760"/>
-              </a:lnSpc>
-              <a:spcBef>
-                <a:spcPts val="0"/>
-              </a:spcBef>
-              <a:spcAft>
-                <a:spcPts val="0"/>
-              </a:spcAft>
-              <a:defRPr/>
-            </a:pPr>
-            <a:r>
-              <a:rPr lang="es-HN" sz="1600" b="1" dirty="0">
-                <a:solidFill>
-                  <a:schemeClr val="tx1">
-                    <a:lumMod val="75000"/>
-                    <a:lumOff val="25000"/>
-                  </a:schemeClr>
-                </a:solidFill>
-                <a:latin typeface="Rockwell" pitchFamily="18" charset="0"/>
-              </a:rPr>
-              <a:t>HOW WE WORKED</a:t>
-            </a:r>
-            <a:endParaRPr lang="es-HN" sz="1600" b="1" dirty="0">
-              <a:solidFill>
-                <a:srgbClr val="FFC000"/>
-              </a:solidFill>
-              <a:latin typeface="Rockwell" pitchFamily="18" charset="0"/>
-            </a:endParaRPr>
-          </a:p>
-        </p:txBody>
-      </p:sp>
-      <p:sp>
-        <p:nvSpPr>
-          <p:cNvPr id="26" name="1 Título"/>
-          <p:cNvSpPr txBox="1">
-            <a:spLocks/>
-          </p:cNvSpPr>
-          <p:nvPr/>
-        </p:nvSpPr>
-        <p:spPr>
-          <a:xfrm>
-            <a:off x="4913313" y="3817938"/>
-            <a:ext cx="2663825" cy="474662"/>
-          </a:xfrm>
-          <a:prstGeom prst="rect">
-            <a:avLst/>
-          </a:prstGeom>
-        </p:spPr>
-        <p:txBody>
-          <a:bodyPr anchor="ctr"/>
-          <a:lstStyle>
-            <a:lvl1pPr algn="ctr" defTabSz="914400" rtl="0" eaLnBrk="1" latinLnBrk="0" hangingPunct="1">
-              <a:spcBef>
-                <a:spcPct val="0"/>
-              </a:spcBef>
-              <a:buNone/>
-              <a:defRPr sz="4400" kern="1200">
-                <a:solidFill>
-                  <a:schemeClr val="tx1"/>
-                </a:solidFill>
-                <a:latin typeface="+mj-lt"/>
-                <a:ea typeface="+mj-ea"/>
-                <a:cs typeface="+mj-cs"/>
-              </a:defRPr>
-            </a:lvl1pPr>
-          </a:lstStyle>
-          <a:p>
-            <a:pPr algn="l" fontAlgn="auto">
-              <a:spcBef>
-                <a:spcPts val="0"/>
-              </a:spcBef>
-              <a:spcAft>
-                <a:spcPts val="0"/>
-              </a:spcAft>
-              <a:defRPr/>
-            </a:pPr>
-            <a:endParaRPr lang="es-HN" sz="1050" b="1" dirty="0">
-              <a:solidFill>
-                <a:srgbClr val="FFC000"/>
-              </a:solidFill>
-              <a:latin typeface="Rockwell" pitchFamily="18" charset="0"/>
-            </a:endParaRPr>
-          </a:p>
-        </p:txBody>
-      </p:sp>
-      <p:pic>
-        <p:nvPicPr>
-          <p:cNvPr id="14348" name="27 Imagen"/>
-          <p:cNvPicPr>
-            <a:picLocks noChangeAspect="1"/>
-          </p:cNvPicPr>
-          <p:nvPr/>
-        </p:nvPicPr>
-        <p:blipFill>
-          <a:blip r:embed="rId4">
-            <a:extLst>
-              <a:ext uri="{28A0092B-C50C-407E-A947-70E740481C1C}">
-                <a14:useLocalDpi xmlns:a14="http://schemas.microsoft.com/office/drawing/2010/main" val="0"/>
-              </a:ext>
-            </a:extLst>
-          </a:blip>
-          <a:srcRect/>
-          <a:stretch>
-            <a:fillRect/>
-          </a:stretch>
-        </p:blipFill>
-        <p:spPr bwMode="auto">
-          <a:xfrm>
-            <a:off x="4167188" y="6170613"/>
-            <a:ext cx="363537" cy="303212"/>
-          </a:xfrm>
-          <a:prstGeom prst="rect">
-            <a:avLst/>
-          </a:prstGeom>
-          <a:noFill/>
-          <a:ln>
-            <a:noFill/>
-          </a:ln>
-          <a:extLst>
-            <a:ext uri="{909E8E84-426E-40DD-AFC4-6F175D3DCCD1}">
-              <a14:hiddenFill xmlns:a14="http://schemas.microsoft.com/office/drawing/2010/main">
-                <a:solidFill>
-                  <a:srgbClr val="FFFFFF"/>
-                </a:solidFill>
-              </a14:hiddenFill>
-            </a:ext>
-            <a:ext uri="{91240B29-F687-4F45-9708-019B960494DF}">
-              <a14:hiddenLine xmlns:a14="http://schemas.microsoft.com/office/drawing/2010/main" w="9525">
-                <a:solidFill>
-                  <a:srgbClr val="000000"/>
-                </a:solidFill>
-                <a:miter lim="800000"/>
-                <a:headEnd/>
-                <a:tailEnd/>
-              </a14:hiddenLine>
-            </a:ext>
-          </a:extLst>
-        </p:spPr>
-      </p:pic>
-      <p:pic>
-        <p:nvPicPr>
-          <p:cNvPr id="14349" name="28 Imagen"/>
-          <p:cNvPicPr>
-            <a:picLocks noChangeAspect="1"/>
-          </p:cNvPicPr>
-          <p:nvPr/>
-        </p:nvPicPr>
-        <p:blipFill>
-          <a:blip r:embed="rId4">
-            <a:extLst>
-              <a:ext uri="{28A0092B-C50C-407E-A947-70E740481C1C}">
-                <a14:useLocalDpi xmlns:a14="http://schemas.microsoft.com/office/drawing/2010/main" val="0"/>
-              </a:ext>
-            </a:extLst>
-          </a:blip>
-          <a:srcRect/>
-          <a:stretch>
-            <a:fillRect/>
-          </a:stretch>
-        </p:blipFill>
-        <p:spPr bwMode="auto">
-          <a:xfrm>
-            <a:off x="4741863" y="6170613"/>
-            <a:ext cx="363537" cy="303212"/>
-          </a:xfrm>
-          <a:prstGeom prst="rect">
-            <a:avLst/>
-          </a:prstGeom>
-          <a:noFill/>
-          <a:ln>
-            <a:noFill/>
-          </a:ln>
-          <a:extLst>
-            <a:ext uri="{909E8E84-426E-40DD-AFC4-6F175D3DCCD1}">
-              <a14:hiddenFill xmlns:a14="http://schemas.microsoft.com/office/drawing/2010/main">
-                <a:solidFill>
-                  <a:srgbClr val="FFFFFF"/>
-                </a:solidFill>
-              </a14:hiddenFill>
-            </a:ext>
-            <a:ext uri="{91240B29-F687-4F45-9708-019B960494DF}">
-              <a14:hiddenLine xmlns:a14="http://schemas.microsoft.com/office/drawing/2010/main" w="9525">
-                <a:solidFill>
-                  <a:srgbClr val="000000"/>
-                </a:solidFill>
-                <a:miter lim="800000"/>
-                <a:headEnd/>
-                <a:tailEnd/>
-              </a14:hiddenLine>
-            </a:ext>
-          </a:extLst>
-        </p:spPr>
-      </p:pic>
-      <p:sp>
-        <p:nvSpPr>
-          <p:cNvPr id="14350" name="29 CuadroTexto"/>
-          <p:cNvSpPr txBox="1">
-            <a:spLocks noChangeArrowheads="1"/>
-          </p:cNvSpPr>
-          <p:nvPr/>
-        </p:nvSpPr>
-        <p:spPr bwMode="auto">
-          <a:xfrm>
-            <a:off x="4205288" y="6181725"/>
-            <a:ext cx="263214" cy="276999"/>
-          </a:xfrm>
-          <a:prstGeom prst="rect">
-            <a:avLst/>
-          </a:prstGeom>
-          <a:noFill/>
-          <a:ln>
-            <a:noFill/>
-          </a:ln>
-          <a:extLst>
-            <a:ext uri="{909E8E84-426E-40DD-AFC4-6F175D3DCCD1}">
-              <a14:hiddenFill xmlns:a14="http://schemas.microsoft.com/office/drawing/2010/main">
-                <a:solidFill>
-                  <a:srgbClr val="FFFFFF"/>
-                </a:solidFill>
-              </a14:hiddenFill>
-            </a:ext>
-            <a:ext uri="{91240B29-F687-4F45-9708-019B960494DF}">
-              <a14:hiddenLine xmlns:a14="http://schemas.microsoft.com/office/drawing/2010/main" w="9525">
-                <a:solidFill>
-                  <a:srgbClr val="000000"/>
-                </a:solidFill>
-                <a:miter lim="800000"/>
-                <a:headEnd/>
-                <a:tailEnd/>
-              </a14:hiddenLine>
-            </a:ext>
-          </a:extLst>
-        </p:spPr>
-        <p:txBody>
-          <a:bodyPr wrap="none">
-            <a:spAutoFit/>
-          </a:bodyPr>
-          <a:lstStyle>
-            <a:lvl1pPr>
-              <a:defRPr>
-                <a:solidFill>
-                  <a:schemeClr val="tx1"/>
-                </a:solidFill>
-                <a:latin typeface="Calibri" pitchFamily="34" charset="0"/>
-              </a:defRPr>
-            </a:lvl1pPr>
-            <a:lvl2pPr marL="742950" indent="-285750">
-              <a:defRPr>
-                <a:solidFill>
-                  <a:schemeClr val="tx1"/>
-                </a:solidFill>
-                <a:latin typeface="Calibri" pitchFamily="34" charset="0"/>
-              </a:defRPr>
-            </a:lvl2pPr>
-            <a:lvl3pPr marL="1143000" indent="-228600">
-              <a:defRPr>
-                <a:solidFill>
-                  <a:schemeClr val="tx1"/>
-                </a:solidFill>
-                <a:latin typeface="Calibri" pitchFamily="34" charset="0"/>
-              </a:defRPr>
-            </a:lvl3pPr>
-            <a:lvl4pPr marL="1600200" indent="-228600">
-              <a:defRPr>
-                <a:solidFill>
-                  <a:schemeClr val="tx1"/>
-                </a:solidFill>
-                <a:latin typeface="Calibri" pitchFamily="34" charset="0"/>
-              </a:defRPr>
-            </a:lvl4pPr>
-            <a:lvl5pPr marL="2057400" indent="-228600">
-              <a:defRPr>
-                <a:solidFill>
-                  <a:schemeClr val="tx1"/>
-                </a:solidFill>
-                <a:latin typeface="Calibri" pitchFamily="34" charset="0"/>
-              </a:defRPr>
-            </a:lvl5pPr>
-            <a:lvl6pPr marL="2514600" indent="-228600" fontAlgn="base">
-              <a:spcBef>
-                <a:spcPct val="0"/>
-              </a:spcBef>
-              <a:spcAft>
-                <a:spcPct val="0"/>
-              </a:spcAft>
-              <a:defRPr>
-                <a:solidFill>
-                  <a:schemeClr val="tx1"/>
-                </a:solidFill>
-                <a:latin typeface="Calibri" pitchFamily="34" charset="0"/>
-              </a:defRPr>
-            </a:lvl6pPr>
-            <a:lvl7pPr marL="2971800" indent="-228600" fontAlgn="base">
-              <a:spcBef>
-                <a:spcPct val="0"/>
-              </a:spcBef>
-              <a:spcAft>
-                <a:spcPct val="0"/>
-              </a:spcAft>
-              <a:defRPr>
-                <a:solidFill>
-                  <a:schemeClr val="tx1"/>
-                </a:solidFill>
-                <a:latin typeface="Calibri" pitchFamily="34" charset="0"/>
-              </a:defRPr>
-            </a:lvl7pPr>
-            <a:lvl8pPr marL="3429000" indent="-228600" fontAlgn="base">
-              <a:spcBef>
-                <a:spcPct val="0"/>
-              </a:spcBef>
-              <a:spcAft>
-                <a:spcPct val="0"/>
-              </a:spcAft>
-              <a:defRPr>
-                <a:solidFill>
-                  <a:schemeClr val="tx1"/>
-                </a:solidFill>
-                <a:latin typeface="Calibri" pitchFamily="34" charset="0"/>
-              </a:defRPr>
-            </a:lvl8pPr>
-            <a:lvl9pPr marL="3886200" indent="-228600" fontAlgn="base">
-              <a:spcBef>
-                <a:spcPct val="0"/>
-              </a:spcBef>
-              <a:spcAft>
-                <a:spcPct val="0"/>
-              </a:spcAft>
-              <a:defRPr>
-                <a:solidFill>
-                  <a:schemeClr val="tx1"/>
-                </a:solidFill>
-                <a:latin typeface="Calibri" pitchFamily="34" charset="0"/>
-              </a:defRPr>
-            </a:lvl9pPr>
-          </a:lstStyle>
-          <a:p>
-            <a:r>
-              <a:rPr lang="es-HN" sz="1200" b="1" dirty="0">
-                <a:solidFill>
-                  <a:srgbClr val="FFC000"/>
-                </a:solidFill>
-              </a:rPr>
-              <a:t>7</a:t>
-            </a:r>
-            <a:endParaRPr lang="es-ES" sz="1200" b="1" dirty="0">
-              <a:solidFill>
-                <a:srgbClr val="FFC000"/>
-              </a:solidFill>
-            </a:endParaRPr>
-          </a:p>
-        </p:txBody>
-      </p:sp>
-      <p:sp>
-        <p:nvSpPr>
-          <p:cNvPr id="31" name="30 CuadroTexto"/>
-          <p:cNvSpPr txBox="1"/>
-          <p:nvPr/>
-        </p:nvSpPr>
-        <p:spPr>
-          <a:xfrm>
-            <a:off x="4467225" y="6181725"/>
-            <a:ext cx="315913" cy="277813"/>
-          </a:xfrm>
-          <a:prstGeom prst="rect">
-            <a:avLst/>
-          </a:prstGeom>
-          <a:noFill/>
-        </p:spPr>
-        <p:txBody>
-          <a:bodyPr wrap="none">
-            <a:spAutoFit/>
-          </a:bodyPr>
-          <a:lstStyle/>
-          <a:p>
-            <a:pPr fontAlgn="auto">
-              <a:spcBef>
-                <a:spcPts val="0"/>
-              </a:spcBef>
-              <a:spcAft>
-                <a:spcPts val="0"/>
-              </a:spcAft>
-              <a:defRPr/>
-            </a:pPr>
-            <a:r>
-              <a:rPr lang="es-HN" sz="1200" b="1" i="1" dirty="0">
-                <a:solidFill>
-                  <a:schemeClr val="bg1">
-                    <a:lumMod val="65000"/>
-                  </a:schemeClr>
-                </a:solidFill>
-                <a:latin typeface="+mn-lt"/>
-              </a:rPr>
-              <a:t>of</a:t>
-            </a:r>
-            <a:endParaRPr lang="es-ES" sz="1200" b="1" i="1" dirty="0">
-              <a:solidFill>
-                <a:schemeClr val="bg1">
-                  <a:lumMod val="65000"/>
-                </a:schemeClr>
-              </a:solidFill>
-              <a:latin typeface="+mn-lt"/>
-            </a:endParaRPr>
-          </a:p>
-        </p:txBody>
-      </p:sp>
-      <p:sp>
-        <p:nvSpPr>
-          <p:cNvPr id="32" name="31 CuadroTexto"/>
-          <p:cNvSpPr txBox="1"/>
-          <p:nvPr/>
-        </p:nvSpPr>
-        <p:spPr>
-          <a:xfrm>
-            <a:off x="4787900" y="6181725"/>
-            <a:ext cx="263214" cy="276999"/>
-          </a:xfrm>
-          <a:prstGeom prst="rect">
-            <a:avLst/>
-          </a:prstGeom>
-          <a:noFill/>
-        </p:spPr>
-        <p:txBody>
-          <a:bodyPr wrap="none">
-            <a:spAutoFit/>
-          </a:bodyPr>
-          <a:lstStyle/>
-          <a:p>
-            <a:pPr fontAlgn="auto">
-              <a:spcBef>
-                <a:spcPts val="0"/>
-              </a:spcBef>
-              <a:spcAft>
-                <a:spcPts val="0"/>
-              </a:spcAft>
-              <a:defRPr/>
-            </a:pPr>
-            <a:r>
-              <a:rPr lang="es-ES" sz="1200" b="1" dirty="0">
-                <a:solidFill>
-                  <a:schemeClr val="bg1">
-                    <a:lumMod val="50000"/>
-                  </a:schemeClr>
-                </a:solidFill>
-                <a:latin typeface="+mn-lt"/>
-              </a:rPr>
-              <a:t>9</a:t>
-            </a:r>
-          </a:p>
-        </p:txBody>
-      </p:sp>
-      <p:pic>
-        <p:nvPicPr>
-          <p:cNvPr id="14353" name="Imagen 5" descr="C:\Users\Design\Documents\Edu\Product Launch\shadown.png"/>
-          <p:cNvPicPr>
-            <a:picLocks noChangeAspect="1" noChangeArrowheads="1"/>
-          </p:cNvPicPr>
-          <p:nvPr/>
-        </p:nvPicPr>
-        <p:blipFill>
-          <a:blip r:embed="rId5">
-            <a:extLst>
-              <a:ext uri="{28A0092B-C50C-407E-A947-70E740481C1C}">
-                <a14:useLocalDpi xmlns:a14="http://schemas.microsoft.com/office/drawing/2010/main" val="0"/>
-              </a:ext>
-            </a:extLst>
-          </a:blip>
-          <a:srcRect/>
-          <a:stretch>
-            <a:fillRect/>
-          </a:stretch>
-        </p:blipFill>
-        <p:spPr bwMode="auto">
-          <a:xfrm>
-            <a:off x="5127625" y="5983288"/>
-            <a:ext cx="763588" cy="720725"/>
-          </a:xfrm>
-          <a:prstGeom prst="rect">
-            <a:avLst/>
-          </a:prstGeom>
-          <a:noFill/>
-          <a:ln>
-            <a:noFill/>
-          </a:ln>
-          <a:extLst>
-            <a:ext uri="{909E8E84-426E-40DD-AFC4-6F175D3DCCD1}">
-              <a14:hiddenFill xmlns:a14="http://schemas.microsoft.com/office/drawing/2010/main">
-                <a:solidFill>
-                  <a:srgbClr val="FFFFFF"/>
-                </a:solidFill>
-              </a14:hiddenFill>
-            </a:ext>
-            <a:ext uri="{91240B29-F687-4F45-9708-019B960494DF}">
-              <a14:hiddenLine xmlns:a14="http://schemas.microsoft.com/office/drawing/2010/main" w="9525">
-                <a:solidFill>
-                  <a:srgbClr val="000000"/>
-                </a:solidFill>
-                <a:miter lim="800000"/>
-                <a:headEnd/>
-                <a:tailEnd/>
-              </a14:hiddenLine>
-            </a:ext>
-          </a:extLst>
-        </p:spPr>
-      </p:pic>
-      <p:pic>
-        <p:nvPicPr>
-          <p:cNvPr id="14354" name="Imagen 6" descr="C:\Users\Design\Documents\Edu\Product Launch\btns.png">
-            <a:hlinkClick r:id="" action="ppaction://hlinkshowjump?jump=nextslide"/>
-          </p:cNvPr>
-          <p:cNvPicPr>
-            <a:picLocks noChangeAspect="1" noChangeArrowheads="1"/>
-          </p:cNvPicPr>
-          <p:nvPr/>
-        </p:nvPicPr>
-        <p:blipFill>
-          <a:blip r:embed="rId6" cstate="print">
-            <a:extLst>
-              <a:ext uri="{28A0092B-C50C-407E-A947-70E740481C1C}">
-                <a14:useLocalDpi xmlns:a14="http://schemas.microsoft.com/office/drawing/2010/main" val="0"/>
-              </a:ext>
-            </a:extLst>
-          </a:blip>
-          <a:srcRect/>
-          <a:stretch>
-            <a:fillRect/>
-          </a:stretch>
-        </p:blipFill>
-        <p:spPr bwMode="auto">
-          <a:xfrm>
-            <a:off x="5124450" y="6251575"/>
-            <a:ext cx="177800" cy="176213"/>
-          </a:xfrm>
-          <a:prstGeom prst="rect">
-            <a:avLst/>
-          </a:prstGeom>
-          <a:noFill/>
-          <a:ln>
-            <a:noFill/>
-          </a:ln>
-          <a:extLst>
-            <a:ext uri="{909E8E84-426E-40DD-AFC4-6F175D3DCCD1}">
-              <a14:hiddenFill xmlns:a14="http://schemas.microsoft.com/office/drawing/2010/main">
-                <a:solidFill>
-                  <a:srgbClr val="FFFFFF"/>
-                </a:solidFill>
-              </a14:hiddenFill>
-            </a:ext>
-            <a:ext uri="{91240B29-F687-4F45-9708-019B960494DF}">
-              <a14:hiddenLine xmlns:a14="http://schemas.microsoft.com/office/drawing/2010/main" w="9525">
-                <a:solidFill>
-                  <a:srgbClr val="000000"/>
-                </a:solidFill>
-                <a:miter lim="800000"/>
-                <a:headEnd/>
-                <a:tailEnd/>
-              </a14:hiddenLine>
-            </a:ext>
-          </a:extLst>
-        </p:spPr>
-      </p:pic>
-      <p:pic>
-        <p:nvPicPr>
-          <p:cNvPr id="14355" name="Imagen 6" descr="C:\Users\Design\Documents\Edu\Product Launch\btns.png">
-            <a:hlinkClick r:id="" action="ppaction://hlinkshowjump?jump=previousslide"/>
-          </p:cNvPr>
-          <p:cNvPicPr>
-            <a:picLocks noChangeAspect="1" noChangeArrowheads="1"/>
-          </p:cNvPicPr>
-          <p:nvPr/>
-        </p:nvPicPr>
-        <p:blipFill>
-          <a:blip r:embed="rId7" cstate="print">
-            <a:extLst>
-              <a:ext uri="{28A0092B-C50C-407E-A947-70E740481C1C}">
-                <a14:useLocalDpi xmlns:a14="http://schemas.microsoft.com/office/drawing/2010/main" val="0"/>
-              </a:ext>
-            </a:extLst>
-          </a:blip>
-          <a:srcRect/>
-          <a:stretch>
-            <a:fillRect/>
-          </a:stretch>
-        </p:blipFill>
-        <p:spPr bwMode="auto">
-          <a:xfrm>
-            <a:off x="3933825" y="6251575"/>
-            <a:ext cx="176213" cy="176213"/>
-          </a:xfrm>
-          <a:prstGeom prst="rect">
-            <a:avLst/>
-          </a:prstGeom>
-          <a:noFill/>
-          <a:ln>
-            <a:noFill/>
-          </a:ln>
-          <a:extLst>
-            <a:ext uri="{909E8E84-426E-40DD-AFC4-6F175D3DCCD1}">
-              <a14:hiddenFill xmlns:a14="http://schemas.microsoft.com/office/drawing/2010/main">
-                <a:solidFill>
-                  <a:srgbClr val="FFFFFF"/>
-                </a:solidFill>
-              </a14:hiddenFill>
-            </a:ext>
-            <a:ext uri="{91240B29-F687-4F45-9708-019B960494DF}">
-              <a14:hiddenLine xmlns:a14="http://schemas.microsoft.com/office/drawing/2010/main" w="9525">
-                <a:solidFill>
-                  <a:srgbClr val="000000"/>
-                </a:solidFill>
-                <a:miter lim="800000"/>
-                <a:headEnd/>
-                <a:tailEnd/>
-              </a14:hiddenLine>
-            </a:ext>
-          </a:extLst>
-        </p:spPr>
-      </p:pic>
-      <p:pic>
-        <p:nvPicPr>
-          <p:cNvPr id="14356" name="Imagen 5" descr="C:\Users\Design\Documents\Edu\Product Launch\shadown.png"/>
-          <p:cNvPicPr>
-            <a:picLocks noChangeAspect="1" noChangeArrowheads="1"/>
-          </p:cNvPicPr>
-          <p:nvPr/>
-        </p:nvPicPr>
-        <p:blipFill>
-          <a:blip r:embed="rId8">
-            <a:extLst>
-              <a:ext uri="{28A0092B-C50C-407E-A947-70E740481C1C}">
-                <a14:useLocalDpi xmlns:a14="http://schemas.microsoft.com/office/drawing/2010/main" val="0"/>
-              </a:ext>
-            </a:extLst>
-          </a:blip>
-          <a:srcRect/>
-          <a:stretch>
-            <a:fillRect/>
-          </a:stretch>
-        </p:blipFill>
-        <p:spPr bwMode="auto">
-          <a:xfrm>
-            <a:off x="1649413" y="5756275"/>
-            <a:ext cx="1193800" cy="1128713"/>
-          </a:xfrm>
-          <a:prstGeom prst="rect">
-            <a:avLst/>
-          </a:prstGeom>
-          <a:noFill/>
-          <a:ln>
-            <a:noFill/>
-          </a:ln>
-          <a:extLst>
-            <a:ext uri="{909E8E84-426E-40DD-AFC4-6F175D3DCCD1}">
-              <a14:hiddenFill xmlns:a14="http://schemas.microsoft.com/office/drawing/2010/main">
-                <a:solidFill>
-                  <a:srgbClr val="FFFFFF"/>
-                </a:solidFill>
-              </a14:hiddenFill>
-            </a:ext>
-            <a:ext uri="{91240B29-F687-4F45-9708-019B960494DF}">
-              <a14:hiddenLine xmlns:a14="http://schemas.microsoft.com/office/drawing/2010/main" w="9525">
-                <a:solidFill>
-                  <a:srgbClr val="000000"/>
-                </a:solidFill>
-                <a:miter lim="800000"/>
-                <a:headEnd/>
-                <a:tailEnd/>
-              </a14:hiddenLine>
-            </a:ext>
-          </a:extLst>
-        </p:spPr>
-      </p:pic>
-      <p:sp>
-        <p:nvSpPr>
-          <p:cNvPr id="21" name="CustomShape 6">
-            <a:extLst>
-              <a:ext uri="{FF2B5EF4-FFF2-40B4-BE49-F238E27FC236}">
-                <a16:creationId xmlns:a16="http://schemas.microsoft.com/office/drawing/2014/main" id="{C4EC9EAF-C043-450D-8841-E8D670593A4E}"/>
-              </a:ext>
-            </a:extLst>
-          </p:cNvPr>
-          <p:cNvSpPr/>
-          <p:nvPr/>
-        </p:nvSpPr>
-        <p:spPr>
-          <a:xfrm>
-            <a:off x="546258" y="2382022"/>
-            <a:ext cx="8143560" cy="2238840"/>
-          </a:xfrm>
-          <a:prstGeom prst="rect">
-            <a:avLst/>
-          </a:prstGeom>
-          <a:noFill/>
-          <a:ln>
-            <a:noFill/>
-          </a:ln>
-        </p:spPr>
-        <p:style>
-          <a:lnRef idx="0">
-            <a:scrgbClr r="0" g="0" b="0"/>
-          </a:lnRef>
-          <a:fillRef idx="0">
-            <a:scrgbClr r="0" g="0" b="0"/>
-          </a:fillRef>
-          <a:effectRef idx="0">
-            <a:scrgbClr r="0" g="0" b="0"/>
-          </a:effectRef>
-          <a:fontRef idx="minor"/>
-        </p:style>
-        <p:txBody>
-          <a:bodyPr lIns="0" tIns="0" rIns="0" bIns="0"/>
-          <a:lstStyle/>
-          <a:p>
-            <a:pPr marL="216000" indent="-216000" algn="just">
-              <a:lnSpc>
-                <a:spcPct val="100000"/>
-              </a:lnSpc>
-              <a:buClr>
-                <a:srgbClr val="808080"/>
-              </a:buClr>
-              <a:buSzPct val="45000"/>
-              <a:buFont typeface="Wingdings" charset="2"/>
-              <a:buChar char=""/>
-            </a:pPr>
-            <a:r>
-              <a:rPr lang="en-US" sz="2400" b="0" strike="noStrike" spc="-1" dirty="0">
-                <a:solidFill>
-                  <a:srgbClr val="808080"/>
-                </a:solidFill>
-                <a:uFill>
-                  <a:solidFill>
-                    <a:srgbClr val="FFFFFF"/>
-                  </a:solidFill>
-                </a:uFill>
-                <a:latin typeface="Calibri"/>
-              </a:rPr>
-              <a:t>Gitlab</a:t>
-            </a:r>
-          </a:p>
-          <a:p>
-            <a:pPr marL="216000" indent="-216000" algn="just">
-              <a:lnSpc>
-                <a:spcPct val="100000"/>
-              </a:lnSpc>
-              <a:buClr>
-                <a:srgbClr val="808080"/>
-              </a:buClr>
-              <a:buSzPct val="45000"/>
-              <a:buFont typeface="Wingdings" charset="2"/>
-              <a:buChar char=""/>
-            </a:pPr>
-            <a:r>
-              <a:rPr lang="en-US" sz="2400" b="0" strike="noStrike" spc="-1" dirty="0">
-                <a:solidFill>
-                  <a:srgbClr val="808080"/>
-                </a:solidFill>
-                <a:uFill>
-                  <a:solidFill>
-                    <a:srgbClr val="FFFFFF"/>
-                  </a:solidFill>
-                </a:uFill>
-                <a:latin typeface="Calibri"/>
-              </a:rPr>
-              <a:t>SCRUM</a:t>
-            </a:r>
-          </a:p>
-          <a:p>
-            <a:pPr marL="216000" indent="-216000" algn="just">
-              <a:lnSpc>
-                <a:spcPct val="100000"/>
-              </a:lnSpc>
-              <a:buClr>
-                <a:srgbClr val="808080"/>
-              </a:buClr>
-              <a:buSzPct val="45000"/>
-              <a:buFont typeface="Wingdings" charset="2"/>
-              <a:buChar char=""/>
-            </a:pPr>
-            <a:r>
-              <a:rPr lang="en-US" sz="2400" spc="-1" dirty="0">
-                <a:solidFill>
-                  <a:srgbClr val="808080"/>
-                </a:solidFill>
-                <a:uFill>
-                  <a:solidFill>
-                    <a:srgbClr val="FFFFFF"/>
-                  </a:solidFill>
-                </a:uFill>
-                <a:latin typeface="Calibri"/>
-              </a:rPr>
-              <a:t>LIBGDX</a:t>
-            </a:r>
-          </a:p>
-          <a:p>
-            <a:pPr marL="216000" indent="-216000" algn="just">
-              <a:lnSpc>
-                <a:spcPct val="100000"/>
-              </a:lnSpc>
-              <a:buClr>
-                <a:srgbClr val="808080"/>
-              </a:buClr>
-              <a:buSzPct val="45000"/>
-              <a:buFont typeface="Wingdings" charset="2"/>
-              <a:buChar char=""/>
-            </a:pPr>
-            <a:r>
-              <a:rPr lang="en-US" sz="2400" b="0" strike="noStrike" spc="-1" dirty="0">
-                <a:solidFill>
-                  <a:srgbClr val="808080"/>
-                </a:solidFill>
-                <a:uFill>
-                  <a:solidFill>
-                    <a:srgbClr val="FFFFFF"/>
-                  </a:solidFill>
-                </a:uFill>
-                <a:latin typeface="Calibri"/>
-              </a:rPr>
-              <a:t>Maven</a:t>
-            </a:r>
-          </a:p>
-          <a:p>
-            <a:pPr marL="216000" indent="-216000" algn="just">
-              <a:lnSpc>
-                <a:spcPct val="100000"/>
-              </a:lnSpc>
-              <a:buClr>
-                <a:srgbClr val="808080"/>
-              </a:buClr>
-              <a:buSzPct val="45000"/>
-              <a:buFont typeface="Wingdings" charset="2"/>
-              <a:buChar char=""/>
-            </a:pPr>
-            <a:r>
-              <a:rPr lang="en-US" sz="2400" spc="-1" dirty="0">
-                <a:solidFill>
-                  <a:srgbClr val="808080"/>
-                </a:solidFill>
-                <a:uFill>
-                  <a:solidFill>
-                    <a:srgbClr val="FFFFFF"/>
-                  </a:solidFill>
-                </a:uFill>
-                <a:latin typeface="Calibri"/>
-              </a:rPr>
-              <a:t>Junit</a:t>
-            </a:r>
-          </a:p>
-          <a:p>
-            <a:pPr marL="216000" indent="-216000" algn="just">
-              <a:lnSpc>
-                <a:spcPct val="100000"/>
-              </a:lnSpc>
-              <a:buClr>
-                <a:srgbClr val="808080"/>
-              </a:buClr>
-              <a:buSzPct val="45000"/>
-              <a:buFont typeface="Wingdings" charset="2"/>
-              <a:buChar char=""/>
-            </a:pPr>
-            <a:r>
-              <a:rPr lang="en-US" sz="2400" b="0" strike="noStrike" spc="-1" dirty="0" err="1">
-                <a:solidFill>
-                  <a:srgbClr val="808080"/>
-                </a:solidFill>
-                <a:uFill>
-                  <a:solidFill>
-                    <a:srgbClr val="FFFFFF"/>
-                  </a:solidFill>
-                </a:uFill>
-                <a:latin typeface="Calibri"/>
-              </a:rPr>
-              <a:t>JavaDoc</a:t>
-            </a:r>
-            <a:endParaRPr lang="en-US" sz="3200" b="0" strike="noStrike" spc="-1" dirty="0">
-              <a:solidFill>
-                <a:srgbClr val="000000"/>
-              </a:solidFill>
-              <a:uFill>
-                <a:solidFill>
-                  <a:srgbClr val="FFFFFF"/>
-                </a:solidFill>
-              </a:uFill>
-              <a:latin typeface="Arial"/>
-            </a:endParaRPr>
-          </a:p>
-        </p:txBody>
-      </p:sp>
-    </p:spTree>
-    <p:extLst>
-      <p:ext uri="{BB962C8B-B14F-4D97-AF65-F5344CB8AC3E}">
-        <p14:creationId xmlns:p14="http://schemas.microsoft.com/office/powerpoint/2010/main" val="863893951"/>
-      </p:ext>
-    </p:extLst>
-  </p:cSld>
-  <p:clrMapOvr>
-    <a:masterClrMapping/>
-  </p:clrMapOvr>
-  <p:timing>
-    <p:tnLst>
-      <p:par>
-        <p:cTn id="1" dur="indefinite" restart="never" nodeType="tmRoot">
-          <p:childTnLst>
-            <p:seq concurrent="1" nextAc="seek">
-              <p:cTn id="2" dur="indefinite" nodeType="mainSeq">
-                <p:childTnLst>
-                  <p:par>
-                    <p:cTn id="3" fill="hold" nodeType="clickPar">
-                      <p:stCondLst>
-                        <p:cond delay="indefinite"/>
-                        <p:cond evt="onBegin" delay="0">
-                          <p:tn val="2"/>
-                        </p:cond>
-                      </p:stCondLst>
-                      <p:childTnLst>
-                        <p:par>
-                          <p:cTn id="4" fill="hold" nodeType="withGroup">
-                            <p:stCondLst>
-                              <p:cond delay="0"/>
-                            </p:stCondLst>
-                            <p:childTnLst>
-                              <p:par>
-                                <p:cTn id="5" presetID="29" presetClass="entr" presetSubtype="0" fill="hold" grpId="0" nodeType="withEffect">
-                                  <p:stCondLst>
-                                    <p:cond delay="0"/>
-                                  </p:stCondLst>
-                                  <p:childTnLst>
-                                    <p:set>
-                                      <p:cBhvr>
-                                        <p:cTn id="6" dur="1" fill="hold">
-                                          <p:stCondLst>
-                                            <p:cond delay="0"/>
-                                          </p:stCondLst>
-                                        </p:cTn>
-                                        <p:tgtEl>
-                                          <p:spTgt spid="20"/>
-                                        </p:tgtEl>
-                                        <p:attrNameLst>
-                                          <p:attrName>style.visibility</p:attrName>
-                                        </p:attrNameLst>
-                                      </p:cBhvr>
-                                      <p:to>
-                                        <p:strVal val="visible"/>
-                                      </p:to>
-                                    </p:set>
-                                    <p:anim calcmode="lin" valueType="num">
-                                      <p:cBhvr>
-                                        <p:cTn id="7" dur="1000" fill="hold"/>
-                                        <p:tgtEl>
-                                          <p:spTgt spid="20"/>
-                                        </p:tgtEl>
-                                        <p:attrNameLst>
-                                          <p:attrName>ppt_x</p:attrName>
-                                        </p:attrNameLst>
-                                      </p:cBhvr>
-                                      <p:tavLst>
-                                        <p:tav tm="0">
-                                          <p:val>
-                                            <p:strVal val="#ppt_x-.2"/>
-                                          </p:val>
-                                        </p:tav>
-                                        <p:tav tm="100000">
-                                          <p:val>
-                                            <p:strVal val="#ppt_x"/>
-                                          </p:val>
-                                        </p:tav>
-                                      </p:tavLst>
-                                    </p:anim>
-                                    <p:anim calcmode="lin" valueType="num">
-                                      <p:cBhvr>
-                                        <p:cTn id="8" dur="1000" fill="hold"/>
-                                        <p:tgtEl>
-                                          <p:spTgt spid="20"/>
-                                        </p:tgtEl>
-                                        <p:attrNameLst>
-                                          <p:attrName>ppt_y</p:attrName>
-                                        </p:attrNameLst>
-                                      </p:cBhvr>
-                                      <p:tavLst>
-                                        <p:tav tm="0">
-                                          <p:val>
-                                            <p:strVal val="#ppt_y"/>
-                                          </p:val>
-                                        </p:tav>
-                                        <p:tav tm="100000">
-                                          <p:val>
-                                            <p:strVal val="#ppt_y"/>
-                                          </p:val>
-                                        </p:tav>
-                                      </p:tavLst>
-                                    </p:anim>
-                                    <p:animEffect transition="in" filter="wipe(right)" prLst="gradientSize: 0.1">
-                                      <p:cBhvr>
-                                        <p:cTn id="9" dur="1000"/>
-                                        <p:tgtEl>
-                                          <p:spTgt spid="20"/>
-                                        </p:tgtEl>
-                                      </p:cBhvr>
-                                    </p:animEffect>
-                                  </p:childTnLst>
-                                </p:cTn>
-                              </p:par>
-                              <p:par>
-                                <p:cTn id="10" presetID="29" presetClass="entr" presetSubtype="0" fill="hold" grpId="0" nodeType="withEffect">
-                                  <p:stCondLst>
-                                    <p:cond delay="0"/>
-                                  </p:stCondLst>
-                                  <p:childTnLst>
-                                    <p:set>
-                                      <p:cBhvr>
-                                        <p:cTn id="11" dur="1" fill="hold">
-                                          <p:stCondLst>
-                                            <p:cond delay="0"/>
-                                          </p:stCondLst>
-                                        </p:cTn>
-                                        <p:tgtEl>
-                                          <p:spTgt spid="7"/>
-                                        </p:tgtEl>
-                                        <p:attrNameLst>
-                                          <p:attrName>style.visibility</p:attrName>
-                                        </p:attrNameLst>
-                                      </p:cBhvr>
-                                      <p:to>
-                                        <p:strVal val="visible"/>
-                                      </p:to>
-                                    </p:set>
-                                    <p:anim calcmode="lin" valueType="num">
-                                      <p:cBhvr>
-                                        <p:cTn id="12" dur="1000" fill="hold"/>
-                                        <p:tgtEl>
-                                          <p:spTgt spid="7"/>
-                                        </p:tgtEl>
-                                        <p:attrNameLst>
-                                          <p:attrName>ppt_x</p:attrName>
-                                        </p:attrNameLst>
-                                      </p:cBhvr>
-                                      <p:tavLst>
-                                        <p:tav tm="0">
-                                          <p:val>
-                                            <p:strVal val="#ppt_x-.2"/>
-                                          </p:val>
-                                        </p:tav>
-                                        <p:tav tm="100000">
-                                          <p:val>
-                                            <p:strVal val="#ppt_x"/>
-                                          </p:val>
-                                        </p:tav>
-                                      </p:tavLst>
-                                    </p:anim>
-                                    <p:anim calcmode="lin" valueType="num">
-                                      <p:cBhvr>
-                                        <p:cTn id="13" dur="1000" fill="hold"/>
-                                        <p:tgtEl>
-                                          <p:spTgt spid="7"/>
-                                        </p:tgtEl>
-                                        <p:attrNameLst>
-                                          <p:attrName>ppt_y</p:attrName>
-                                        </p:attrNameLst>
-                                      </p:cBhvr>
-                                      <p:tavLst>
-                                        <p:tav tm="0">
-                                          <p:val>
-                                            <p:strVal val="#ppt_y"/>
-                                          </p:val>
-                                        </p:tav>
-                                        <p:tav tm="100000">
-                                          <p:val>
-                                            <p:strVal val="#ppt_y"/>
-                                          </p:val>
-                                        </p:tav>
-                                      </p:tavLst>
-                                    </p:anim>
-                                    <p:animEffect transition="in" filter="wipe(right)" prLst="gradientSize: 0.1">
-                                      <p:cBhvr>
-                                        <p:cTn id="14" dur="1000"/>
-                                        <p:tgtEl>
-                                          <p:spTgt spid="7"/>
-                                        </p:tgtEl>
-                                      </p:cBhvr>
-                                    </p:animEffect>
-                                  </p:childTnLst>
-                                </p:cTn>
-                              </p:par>
-                              <p:par>
-                                <p:cTn id="15" presetID="10" presetClass="entr" presetSubtype="0" fill="hold" grpId="0" nodeType="withEffect">
-                                  <p:stCondLst>
-                                    <p:cond delay="0"/>
-                                  </p:stCondLst>
-                                  <p:childTnLst>
-                                    <p:set>
-                                      <p:cBhvr>
-                                        <p:cTn id="16" dur="1" fill="hold">
-                                          <p:stCondLst>
-                                            <p:cond delay="0"/>
-                                          </p:stCondLst>
-                                        </p:cTn>
-                                        <p:tgtEl>
-                                          <p:spTgt spid="24"/>
-                                        </p:tgtEl>
-                                        <p:attrNameLst>
-                                          <p:attrName>style.visibility</p:attrName>
-                                        </p:attrNameLst>
-                                      </p:cBhvr>
-                                      <p:to>
-                                        <p:strVal val="visible"/>
-                                      </p:to>
-                                    </p:set>
-                                    <p:animEffect transition="in" filter="fade">
-                                      <p:cBhvr>
-                                        <p:cTn id="17" dur="2000"/>
-                                        <p:tgtEl>
-                                          <p:spTgt spid="24"/>
-                                        </p:tgtEl>
-                                      </p:cBhvr>
-                                    </p:animEffect>
-                                  </p:childTnLst>
-                                </p:cTn>
-                              </p:par>
-                              <p:par>
-                                <p:cTn id="18" presetID="10" presetClass="entr" presetSubtype="0" fill="hold" grpId="0" nodeType="withEffect" nodePh="1">
-                                  <p:stCondLst>
-                                    <p:cond delay="0"/>
-                                  </p:stCondLst>
-                                  <p:endCondLst>
-                                    <p:cond evt="begin" delay="0">
-                                      <p:tn val="18"/>
-                                    </p:cond>
-                                  </p:endCondLst>
-                                  <p:childTnLst>
-                                    <p:set>
-                                      <p:cBhvr>
-                                        <p:cTn id="19" dur="1" fill="hold">
-                                          <p:stCondLst>
-                                            <p:cond delay="0"/>
-                                          </p:stCondLst>
-                                        </p:cTn>
-                                        <p:tgtEl>
-                                          <p:spTgt spid="26"/>
-                                        </p:tgtEl>
-                                        <p:attrNameLst>
-                                          <p:attrName>style.visibility</p:attrName>
-                                        </p:attrNameLst>
-                                      </p:cBhvr>
-                                      <p:to>
-                                        <p:strVal val="visible"/>
-                                      </p:to>
-                                    </p:set>
-                                    <p:animEffect transition="in" filter="fade">
-                                      <p:cBhvr>
-                                        <p:cTn id="20" dur="2000"/>
-                                        <p:tgtEl>
-                                          <p:spTgt spid="26"/>
-                                        </p:tgtEl>
-                                      </p:cBhvr>
-                                    </p:animEffect>
-                                  </p:childTnLst>
-                                </p:cTn>
-                              </p:par>
-                              <p:par>
-                                <p:cTn id="21" presetID="10" presetClass="entr" fill="hold" nodeType="withEffect">
-                                  <p:stCondLst>
-                                    <p:cond delay="0"/>
-                                  </p:stCondLst>
-                                  <p:childTnLst>
-                                    <p:set>
-                                      <p:cBhvr>
-                                        <p:cTn id="22" dur="1" fill="hold">
-                                          <p:stCondLst>
-                                            <p:cond delay="0"/>
-                                          </p:stCondLst>
-                                        </p:cTn>
-                                        <p:tgtEl>
-                                          <p:spTgt spid="21"/>
-                                        </p:tgtEl>
-                                        <p:attrNameLst>
-                                          <p:attrName>style.visibility</p:attrName>
-                                        </p:attrNameLst>
-                                      </p:cBhvr>
-                                      <p:to>
-                                        <p:strVal val="visible"/>
-                                      </p:to>
-                                    </p:set>
-                                    <p:animEffect transition="in" filter="fade">
-                                      <p:cBhvr additive="repl">
-                                        <p:cTn id="23" dur="2000"/>
-                                        <p:tgtEl>
-                                          <p:spTgt spid="21"/>
-                                        </p:tgtEl>
-                                      </p:cBhvr>
-                                    </p:animEffect>
-                                  </p:childTnLst>
-                                </p:cTn>
-                              </p:par>
-                            </p:childTnLst>
-                          </p:cTn>
-                        </p:par>
-                      </p:childTnLst>
-                    </p:cTn>
-                  </p:par>
-                </p:childTnLst>
-              </p:cTn>
-              <p:prevCondLst>
-                <p:cond evt="onPrev" delay="0">
-                  <p:tgtEl>
-                    <p:sldTgt/>
-                  </p:tgtEl>
-                </p:cond>
-              </p:prevCondLst>
-              <p:nextCondLst>
-                <p:cond evt="onNext" delay="0">
-                  <p:tgtEl>
-                    <p:sldTgt/>
-                  </p:tgtEl>
-                </p:cond>
-              </p:nextCondLst>
-            </p:seq>
-          </p:childTnLst>
-        </p:cTn>
-      </p:par>
-    </p:tnLst>
-    <p:bldLst>
-      <p:bldP spid="7" grpId="0"/>
-      <p:bldP spid="20" grpId="0"/>
-      <p:bldP spid="24" grpId="0"/>
-      <p:bldP spid="26" grpId="0"/>
     </p:bldLst>
   </p:timing>
 </p:sld>

--- a/docs/presentation/Presentasjon oblig4.pptx
+++ b/docs/presentation/Presentasjon oblig4.pptx
@@ -8611,7 +8611,7 @@
                 </a:solidFill>
                 <a:latin typeface="Rockwell" pitchFamily="18" charset="0"/>
               </a:rPr>
-              <a:t>RESULTATER &amp;</a:t>
+              <a:t>RESULTS &amp;</a:t>
             </a:r>
             <a:endParaRPr lang="es-HN" sz="4930" b="1" dirty="0">
               <a:solidFill>
@@ -8766,7 +8766,7 @@
                 </a:solidFill>
                 <a:latin typeface="Rockwell" pitchFamily="18" charset="0"/>
               </a:rPr>
-              <a:t>UTFORDRINGER</a:t>
+              <a:t>CHALLENGES</a:t>
             </a:r>
           </a:p>
         </p:txBody>
@@ -9582,6 +9582,228 @@
               <a:buChar char=""/>
             </a:pPr>
             <a:endParaRPr lang="en-US" sz="1800" b="0" strike="noStrike" spc="-1" dirty="0">
+              <a:solidFill>
+                <a:srgbClr val="000000"/>
+              </a:solidFill>
+              <a:uFill>
+                <a:solidFill>
+                  <a:srgbClr val="FFFFFF"/>
+                </a:solidFill>
+              </a:uFill>
+              <a:latin typeface="Arial"/>
+            </a:endParaRPr>
+          </a:p>
+        </p:txBody>
+      </p:sp>
+      <p:sp>
+        <p:nvSpPr>
+          <p:cNvPr id="22" name="CustomShape 6">
+            <a:extLst>
+              <a:ext uri="{FF2B5EF4-FFF2-40B4-BE49-F238E27FC236}">
+                <a16:creationId xmlns:a16="http://schemas.microsoft.com/office/drawing/2014/main" id="{58309304-4AF7-445F-BCF0-EAC7BCF03BC6}"/>
+              </a:ext>
+            </a:extLst>
+          </p:cNvPr>
+          <p:cNvSpPr/>
+          <p:nvPr/>
+        </p:nvSpPr>
+        <p:spPr>
+          <a:xfrm>
+            <a:off x="698658" y="2534422"/>
+            <a:ext cx="8143560" cy="2238840"/>
+          </a:xfrm>
+          <a:prstGeom prst="rect">
+            <a:avLst/>
+          </a:prstGeom>
+          <a:noFill/>
+          <a:ln>
+            <a:noFill/>
+          </a:ln>
+        </p:spPr>
+        <p:style>
+          <a:lnRef idx="0">
+            <a:scrgbClr r="0" g="0" b="0"/>
+          </a:lnRef>
+          <a:fillRef idx="0">
+            <a:scrgbClr r="0" g="0" b="0"/>
+          </a:fillRef>
+          <a:effectRef idx="0">
+            <a:scrgbClr r="0" g="0" b="0"/>
+          </a:effectRef>
+          <a:fontRef idx="minor"/>
+        </p:style>
+        <p:txBody>
+          <a:bodyPr lIns="0" tIns="0" rIns="0" bIns="0"/>
+          <a:lstStyle/>
+          <a:p>
+            <a:pPr marL="216000" indent="-216000" algn="just">
+              <a:lnSpc>
+                <a:spcPct val="100000"/>
+              </a:lnSpc>
+              <a:buClr>
+                <a:srgbClr val="808080"/>
+              </a:buClr>
+              <a:buSzPct val="45000"/>
+              <a:buFont typeface="Wingdings" charset="2"/>
+              <a:buChar char=""/>
+            </a:pPr>
+            <a:r>
+              <a:rPr lang="en-US" spc="-1" dirty="0">
+                <a:solidFill>
+                  <a:srgbClr val="808080"/>
+                </a:solidFill>
+                <a:uFill>
+                  <a:solidFill>
+                    <a:srgbClr val="FFFFFF"/>
+                  </a:solidFill>
+                </a:uFill>
+                <a:latin typeface="Calibri"/>
+              </a:rPr>
+              <a:t>From Maven to Gradle</a:t>
+            </a:r>
+          </a:p>
+          <a:p>
+            <a:pPr marL="216000" indent="-216000" algn="just">
+              <a:lnSpc>
+                <a:spcPct val="100000"/>
+              </a:lnSpc>
+              <a:buClr>
+                <a:srgbClr val="808080"/>
+              </a:buClr>
+              <a:buSzPct val="45000"/>
+              <a:buFont typeface="Wingdings" charset="2"/>
+              <a:buChar char=""/>
+            </a:pPr>
+            <a:r>
+              <a:rPr lang="en-US" spc="-1" dirty="0">
+                <a:solidFill>
+                  <a:srgbClr val="808080"/>
+                </a:solidFill>
+                <a:uFill>
+                  <a:solidFill>
+                    <a:srgbClr val="FFFFFF"/>
+                  </a:solidFill>
+                </a:uFill>
+                <a:latin typeface="Calibri"/>
+              </a:rPr>
+              <a:t>Improved use of issues</a:t>
+            </a:r>
+          </a:p>
+          <a:p>
+            <a:pPr marL="216000" indent="-216000" algn="just">
+              <a:lnSpc>
+                <a:spcPct val="100000"/>
+              </a:lnSpc>
+              <a:buClr>
+                <a:srgbClr val="808080"/>
+              </a:buClr>
+              <a:buSzPct val="45000"/>
+              <a:buFont typeface="Wingdings" charset="2"/>
+              <a:buChar char=""/>
+            </a:pPr>
+            <a:endParaRPr lang="en-US" spc="-1" dirty="0">
+              <a:solidFill>
+                <a:srgbClr val="808080"/>
+              </a:solidFill>
+              <a:uFill>
+                <a:solidFill>
+                  <a:srgbClr val="FFFFFF"/>
+                </a:solidFill>
+              </a:uFill>
+              <a:latin typeface="Calibri"/>
+            </a:endParaRPr>
+          </a:p>
+          <a:p>
+            <a:pPr marL="216000" indent="-216000" algn="just">
+              <a:lnSpc>
+                <a:spcPct val="100000"/>
+              </a:lnSpc>
+              <a:buClr>
+                <a:srgbClr val="808080"/>
+              </a:buClr>
+              <a:buSzPct val="45000"/>
+              <a:buFont typeface="Wingdings" charset="2"/>
+              <a:buChar char=""/>
+            </a:pPr>
+            <a:endParaRPr lang="en-US" spc="-1" dirty="0">
+              <a:solidFill>
+                <a:srgbClr val="808080"/>
+              </a:solidFill>
+              <a:uFill>
+                <a:solidFill>
+                  <a:srgbClr val="FFFFFF"/>
+                </a:solidFill>
+              </a:uFill>
+              <a:latin typeface="Calibri"/>
+            </a:endParaRPr>
+          </a:p>
+          <a:p>
+            <a:pPr marL="216000" indent="-216000" algn="just">
+              <a:lnSpc>
+                <a:spcPct val="100000"/>
+              </a:lnSpc>
+              <a:buClr>
+                <a:srgbClr val="808080"/>
+              </a:buClr>
+              <a:buSzPct val="45000"/>
+              <a:buFont typeface="Wingdings" charset="2"/>
+              <a:buChar char=""/>
+            </a:pPr>
+            <a:r>
+              <a:rPr lang="en-US" spc="-1" dirty="0">
+                <a:solidFill>
+                  <a:srgbClr val="808080"/>
+                </a:solidFill>
+                <a:uFill>
+                  <a:solidFill>
+                    <a:srgbClr val="FFFFFF"/>
+                  </a:solidFill>
+                </a:uFill>
+                <a:latin typeface="Calibri"/>
+              </a:rPr>
+              <a:t>UI competence</a:t>
+            </a:r>
+          </a:p>
+          <a:p>
+            <a:pPr marL="216000" indent="-216000" algn="just">
+              <a:lnSpc>
+                <a:spcPct val="100000"/>
+              </a:lnSpc>
+              <a:buClr>
+                <a:srgbClr val="808080"/>
+              </a:buClr>
+              <a:buSzPct val="45000"/>
+              <a:buFont typeface="Wingdings" charset="2"/>
+              <a:buChar char=""/>
+            </a:pPr>
+            <a:r>
+              <a:rPr lang="en-US" spc="-1" dirty="0">
+                <a:solidFill>
+                  <a:srgbClr val="808080"/>
+                </a:solidFill>
+                <a:uFill>
+                  <a:solidFill>
+                    <a:srgbClr val="FFFFFF"/>
+                  </a:solidFill>
+                </a:uFill>
+                <a:latin typeface="Calibri"/>
+              </a:rPr>
+              <a:t>Role entrenchment</a:t>
+            </a:r>
+          </a:p>
+          <a:p>
+            <a:pPr marL="216000" indent="-216000" algn="just">
+              <a:lnSpc>
+                <a:spcPct val="100000"/>
+              </a:lnSpc>
+              <a:buClr>
+                <a:srgbClr val="808080"/>
+              </a:buClr>
+              <a:buSzPct val="45000"/>
+              <a:buFont typeface="Wingdings" charset="2"/>
+              <a:buChar char=""/>
+            </a:pPr>
+            <a:endParaRPr lang="en-US" sz="2400" b="0" strike="noStrike" spc="-1" dirty="0">
               <a:solidFill>
                 <a:srgbClr val="000000"/>
               </a:solidFill>
@@ -9939,6 +10161,41 @@
                                         <p:cTn id="26" dur="2000"/>
                                         <p:tgtEl>
                                           <p:spTgt spid="21"/>
+                                        </p:tgtEl>
+                                      </p:cBhvr>
+                                    </p:animEffect>
+                                  </p:childTnLst>
+                                </p:cTn>
+                              </p:par>
+                              <p:par>
+                                <p:cTn id="27" presetID="10" presetClass="entr" fill="hold" nodeType="withEffect">
+                                  <p:stCondLst>
+                                    <p:cond delay="0"/>
+                                  </p:stCondLst>
+                                  <p:childTnLst>
+                                    <p:set>
+                                      <p:cBhvr>
+                                        <p:cTn id="28" dur="1" fill="hold">
+                                          <p:stCondLst>
+                                            <p:cond delay="0"/>
+                                          </p:stCondLst>
+                                        </p:cTn>
+                                        <p:tgtEl>
+                                          <p:spTgt spid="22"/>
+                                        </p:tgtEl>
+                                        <p:attrNameLst>
+                                          <p:attrName>style.visibility</p:attrName>
+                                        </p:attrNameLst>
+                                      </p:cBhvr>
+                                      <p:to>
+                                        <p:strVal val="visible"/>
+                                      </p:to>
+                                    </p:set>
+                                    <p:animEffect transition="in" filter="fade">
+                                      <p:cBhvr additive="repl">
+                                        <p:cTn id="29" dur="2000"/>
+                                        <p:tgtEl>
+                                          <p:spTgt spid="22"/>
                                         </p:tgtEl>
                                       </p:cBhvr>
                                     </p:animEffect>
@@ -14146,7 +14403,7 @@
               <a:defRPr/>
             </a:pPr>
             <a:r>
-              <a:rPr kumimoji="0" lang="en-US" sz="3600" b="1" i="0" u="none" strike="noStrike" kern="1200" cap="none" spc="-1" normalizeH="0" baseline="0" noProof="0">
+              <a:rPr kumimoji="0" lang="en-US" sz="3600" b="1" i="0" u="none" strike="noStrike" kern="1200" cap="none" spc="-1" normalizeH="0" baseline="0" noProof="0" dirty="0">
                 <a:ln>
                   <a:noFill/>
                 </a:ln>
@@ -14162,9 +14419,9 @@
                 </a:uFill>
                 <a:latin typeface="Rockwell"/>
               </a:rPr>
-              <a:t>SUMMARY</a:t>
+              <a:t>Next Iteration</a:t>
             </a:r>
-            <a:endParaRPr kumimoji="0" lang="en-US" sz="1800" b="0" i="0" u="none" strike="noStrike" kern="1200" cap="none" spc="-1" normalizeH="0" baseline="0" noProof="0">
+            <a:endParaRPr kumimoji="0" lang="en-US" sz="1800" b="0" i="0" u="none" strike="noStrike" kern="1200" cap="none" spc="-1" normalizeH="0" baseline="0" noProof="0" dirty="0">
               <a:ln>
                 <a:noFill/>
               </a:ln>
@@ -14235,26 +14492,7 @@
               <a:tabLst/>
               <a:defRPr/>
             </a:pPr>
-            <a:r>
-              <a:rPr kumimoji="0" lang="en-US" sz="1600" b="1" i="0" u="none" strike="noStrike" kern="1200" cap="none" spc="-1" normalizeH="0" baseline="0" noProof="0">
-                <a:ln>
-                  <a:noFill/>
-                </a:ln>
-                <a:solidFill>
-                  <a:srgbClr val="404040"/>
-                </a:solidFill>
-                <a:effectLst/>
-                <a:uLnTx/>
-                <a:uFill>
-                  <a:solidFill>
-                    <a:srgbClr val="FFFFFF"/>
-                  </a:solidFill>
-                </a:uFill>
-                <a:latin typeface="Rockwell"/>
-              </a:rPr>
-              <a:t>Results of this project</a:t>
-            </a:r>
-            <a:endParaRPr kumimoji="0" lang="en-US" sz="1800" b="0" i="0" u="none" strike="noStrike" kern="1200" cap="none" spc="-1" normalizeH="0" baseline="0" noProof="0">
+            <a:endParaRPr kumimoji="0" lang="en-US" sz="1800" b="0" i="0" u="none" strike="noStrike" kern="1200" cap="none" spc="-1" normalizeH="0" baseline="0" noProof="0" dirty="0">
               <a:ln>
                 <a:noFill/>
               </a:ln>
@@ -14781,15 +15019,10 @@
               <a:defRPr/>
             </a:pPr>
             <a:r>
-              <a:rPr kumimoji="0" lang="en-US" sz="1200" b="0" i="0" u="none" strike="noStrike" kern="1200" cap="none" spc="-1" normalizeH="0" baseline="0" noProof="0" dirty="0">
-                <a:ln>
-                  <a:noFill/>
-                </a:ln>
+              <a:rPr lang="en-US" sz="1200" spc="-1" noProof="0" dirty="0">
                 <a:solidFill>
                   <a:srgbClr val="808080"/>
                 </a:solidFill>
-                <a:effectLst/>
-                <a:uLnTx/>
                 <a:uFill>
                   <a:solidFill>
                     <a:srgbClr val="FFFFFF"/>
@@ -14797,24 +15030,8 @@
                 </a:uFill>
                 <a:latin typeface="Calibri"/>
               </a:rPr>
-              <a:t>Meeting/communication organization</a:t>
+              <a:t>Get better at the tools we are using</a:t>
             </a:r>
-            <a:endParaRPr kumimoji="0" lang="en-US" sz="1800" b="0" i="0" u="none" strike="noStrike" kern="1200" cap="none" spc="-1" normalizeH="0" baseline="0" noProof="0" dirty="0">
-              <a:ln>
-                <a:noFill/>
-              </a:ln>
-              <a:solidFill>
-                <a:srgbClr val="000000"/>
-              </a:solidFill>
-              <a:effectLst/>
-              <a:uLnTx/>
-              <a:uFill>
-                <a:solidFill>
-                  <a:srgbClr val="FFFFFF"/>
-                </a:solidFill>
-              </a:uFill>
-              <a:latin typeface="Arial"/>
-            </a:endParaRPr>
           </a:p>
           <a:p>
             <a:pPr marL="216000" marR="0" lvl="0" indent="-216000" algn="just" defTabSz="914400" rtl="0" eaLnBrk="1" fontAlgn="auto" latinLnBrk="0" hangingPunct="1">
@@ -14837,7 +15054,7 @@
               <a:defRPr/>
             </a:pPr>
             <a:r>
-              <a:rPr kumimoji="0" lang="en-US" sz="1200" b="0" i="0" u="none" strike="noStrike" kern="1200" cap="none" spc="-1" normalizeH="0" baseline="0" noProof="0" dirty="0">
+              <a:rPr kumimoji="0" lang="en-US" sz="1200" b="0" i="0" u="none" strike="noStrike" kern="1200" cap="none" spc="-1" normalizeH="0" baseline="0" dirty="0">
                 <a:ln>
                   <a:noFill/>
                 </a:ln>
@@ -14853,47 +15070,10 @@
                 </a:uFill>
                 <a:latin typeface="Calibri"/>
               </a:rPr>
-              <a:t>Role distribution</a:t>
+              <a:t>Shift away from role-based</a:t>
             </a:r>
-            <a:endParaRPr kumimoji="0" lang="en-US" sz="1800" b="0" i="0" u="none" strike="noStrike" kern="1200" cap="none" spc="-1" normalizeH="0" baseline="0" noProof="0" dirty="0">
-              <a:ln>
-                <a:noFill/>
-              </a:ln>
-              <a:solidFill>
-                <a:srgbClr val="000000"/>
-              </a:solidFill>
-              <a:effectLst/>
-              <a:uLnTx/>
-              <a:uFill>
-                <a:solidFill>
-                  <a:srgbClr val="FFFFFF"/>
-                </a:solidFill>
-              </a:uFill>
-              <a:latin typeface="Arial"/>
-            </a:endParaRPr>
-          </a:p>
-          <a:p>
-            <a:pPr marL="216000" marR="0" lvl="0" indent="-216000" algn="just" defTabSz="914400" rtl="0" eaLnBrk="1" fontAlgn="auto" latinLnBrk="0" hangingPunct="1">
-              <a:lnSpc>
-                <a:spcPct val="120000"/>
-              </a:lnSpc>
-              <a:spcBef>
-                <a:spcPts val="0"/>
-              </a:spcBef>
-              <a:spcAft>
-                <a:spcPts val="0"/>
-              </a:spcAft>
-              <a:buClr>
-                <a:srgbClr val="808080"/>
-              </a:buClr>
-              <a:buSzPct val="45000"/>
-              <a:buFont typeface="Wingdings" charset="2"/>
-              <a:buChar char=""/>
-              <a:tabLst/>
-              <a:defRPr/>
-            </a:pPr>
             <a:r>
-              <a:rPr kumimoji="0" lang="en-US" sz="1200" b="0" i="0" u="none" strike="noStrike" kern="1200" cap="none" spc="-1" normalizeH="0" baseline="0" noProof="0" dirty="0">
+              <a:rPr kumimoji="0" lang="en-US" sz="1200" b="0" i="0" u="none" strike="noStrike" kern="1200" cap="none" spc="-1" normalizeH="0" dirty="0">
                 <a:ln>
                   <a:noFill/>
                 </a:ln>
@@ -14909,119 +15089,7 @@
                 </a:uFill>
                 <a:latin typeface="Calibri"/>
               </a:rPr>
-              <a:t>Tools for later iterations chosen</a:t>
-            </a:r>
-            <a:endParaRPr kumimoji="0" lang="en-US" sz="1800" b="0" i="0" u="none" strike="noStrike" kern="1200" cap="none" spc="-1" normalizeH="0" baseline="0" noProof="0" dirty="0">
-              <a:ln>
-                <a:noFill/>
-              </a:ln>
-              <a:solidFill>
-                <a:srgbClr val="000000"/>
-              </a:solidFill>
-              <a:effectLst/>
-              <a:uLnTx/>
-              <a:uFill>
-                <a:solidFill>
-                  <a:srgbClr val="FFFFFF"/>
-                </a:solidFill>
-              </a:uFill>
-              <a:latin typeface="Arial"/>
-            </a:endParaRPr>
-          </a:p>
-          <a:p>
-            <a:pPr marL="216000" marR="0" lvl="0" indent="-216000" algn="just" defTabSz="914400" rtl="0" eaLnBrk="1" fontAlgn="auto" latinLnBrk="0" hangingPunct="1">
-              <a:lnSpc>
-                <a:spcPct val="120000"/>
-              </a:lnSpc>
-              <a:spcBef>
-                <a:spcPts val="0"/>
-              </a:spcBef>
-              <a:spcAft>
-                <a:spcPts val="0"/>
-              </a:spcAft>
-              <a:buClr>
-                <a:srgbClr val="808080"/>
-              </a:buClr>
-              <a:buSzPct val="45000"/>
-              <a:buFont typeface="Wingdings" charset="2"/>
-              <a:buChar char=""/>
-              <a:tabLst/>
-              <a:defRPr/>
-            </a:pPr>
-            <a:r>
-              <a:rPr kumimoji="0" lang="en-US" sz="1200" b="0" i="0" u="none" strike="noStrike" kern="1200" cap="none" spc="-1" normalizeH="0" baseline="0" noProof="0" dirty="0">
-                <a:ln>
-                  <a:noFill/>
-                </a:ln>
-                <a:solidFill>
-                  <a:srgbClr val="808080"/>
-                </a:solidFill>
-                <a:effectLst/>
-                <a:uLnTx/>
-                <a:uFill>
-                  <a:solidFill>
-                    <a:srgbClr val="FFFFFF"/>
-                  </a:solidFill>
-                </a:uFill>
-                <a:latin typeface="Calibri"/>
-              </a:rPr>
-              <a:t>General project plan</a:t>
-            </a:r>
-            <a:endParaRPr kumimoji="0" lang="en-US" sz="1800" b="0" i="0" u="none" strike="noStrike" kern="1200" cap="none" spc="-1" normalizeH="0" baseline="0" noProof="0" dirty="0">
-              <a:ln>
-                <a:noFill/>
-              </a:ln>
-              <a:solidFill>
-                <a:srgbClr val="000000"/>
-              </a:solidFill>
-              <a:effectLst/>
-              <a:uLnTx/>
-              <a:uFill>
-                <a:solidFill>
-                  <a:srgbClr val="FFFFFF"/>
-                </a:solidFill>
-              </a:uFill>
-              <a:latin typeface="Arial"/>
-            </a:endParaRPr>
-          </a:p>
-          <a:p>
-            <a:pPr marL="216000" marR="0" lvl="0" indent="-216000" algn="just" defTabSz="914400" rtl="0" eaLnBrk="1" fontAlgn="auto" latinLnBrk="0" hangingPunct="1">
-              <a:lnSpc>
-                <a:spcPct val="120000"/>
-              </a:lnSpc>
-              <a:spcBef>
-                <a:spcPts val="0"/>
-              </a:spcBef>
-              <a:spcAft>
-                <a:spcPts val="0"/>
-              </a:spcAft>
-              <a:buClr>
-                <a:srgbClr val="808080"/>
-              </a:buClr>
-              <a:buSzPct val="45000"/>
-              <a:buFont typeface="Wingdings" charset="2"/>
-              <a:buChar char=""/>
-              <a:tabLst/>
-              <a:defRPr/>
-            </a:pPr>
-            <a:r>
-              <a:rPr kumimoji="0" lang="en-US" sz="1200" b="0" i="0" u="none" strike="noStrike" kern="1200" cap="none" spc="-1" normalizeH="0" baseline="0" noProof="0" dirty="0">
-                <a:ln>
-                  <a:noFill/>
-                </a:ln>
-                <a:solidFill>
-                  <a:srgbClr val="808080"/>
-                </a:solidFill>
-                <a:effectLst/>
-                <a:uLnTx/>
-                <a:uFill>
-                  <a:solidFill>
-                    <a:srgbClr val="FFFFFF"/>
-                  </a:solidFill>
-                </a:uFill>
-                <a:latin typeface="Calibri"/>
-              </a:rPr>
-              <a:t>Deliverables</a:t>
+              <a:t> system</a:t>
             </a:r>
             <a:endParaRPr kumimoji="0" lang="en-US" sz="1800" b="0" i="0" u="none" strike="noStrike" kern="1200" cap="none" spc="-1" normalizeH="0" baseline="0" noProof="0" dirty="0">
               <a:ln>
@@ -15065,651 +15133,6 @@
           </a:ln>
         </p:spPr>
       </p:pic>
-      <p:sp>
-        <p:nvSpPr>
-          <p:cNvPr id="300" name="CustomShape 10"/>
-          <p:cNvSpPr/>
-          <p:nvPr/>
-        </p:nvSpPr>
-        <p:spPr>
-          <a:xfrm>
-            <a:off x="484200" y="3292920"/>
-            <a:ext cx="4519080" cy="474480"/>
-          </a:xfrm>
-          <a:prstGeom prst="rect">
-            <a:avLst/>
-          </a:prstGeom>
-          <a:noFill/>
-          <a:ln>
-            <a:noFill/>
-          </a:ln>
-        </p:spPr>
-        <p:style>
-          <a:lnRef idx="0">
-            <a:scrgbClr r="0" g="0" b="0"/>
-          </a:lnRef>
-          <a:fillRef idx="0">
-            <a:scrgbClr r="0" g="0" b="0"/>
-          </a:fillRef>
-          <a:effectRef idx="0">
-            <a:scrgbClr r="0" g="0" b="0"/>
-          </a:effectRef>
-          <a:fontRef idx="minor"/>
-        </p:style>
-        <p:txBody>
-          <a:bodyPr lIns="90000" tIns="45000" rIns="90000" bIns="45000" anchor="ctr"/>
-          <a:lstStyle/>
-          <a:p>
-            <a:pPr marL="0" marR="0" lvl="0" indent="0" algn="l" defTabSz="914400" rtl="0" eaLnBrk="1" fontAlgn="auto" latinLnBrk="0" hangingPunct="1">
-              <a:lnSpc>
-                <a:spcPts val="2032"/>
-              </a:lnSpc>
-              <a:spcBef>
-                <a:spcPts val="0"/>
-              </a:spcBef>
-              <a:spcAft>
-                <a:spcPts val="0"/>
-              </a:spcAft>
-              <a:buClrTx/>
-              <a:buSzTx/>
-              <a:buFontTx/>
-              <a:buNone/>
-              <a:tabLst/>
-              <a:defRPr/>
-            </a:pPr>
-            <a:r>
-              <a:rPr kumimoji="0" lang="en-US" sz="1600" b="1" i="0" u="none" strike="noStrike" kern="1200" cap="none" spc="-1" normalizeH="0" baseline="0" noProof="0">
-                <a:ln>
-                  <a:noFill/>
-                </a:ln>
-                <a:solidFill>
-                  <a:srgbClr val="404040"/>
-                </a:solidFill>
-                <a:effectLst/>
-                <a:uLnTx/>
-                <a:uFill>
-                  <a:solidFill>
-                    <a:srgbClr val="FFFFFF"/>
-                  </a:solidFill>
-                </a:uFill>
-                <a:latin typeface="Rockwell"/>
-              </a:rPr>
-              <a:t>In retrospect...</a:t>
-            </a:r>
-            <a:endParaRPr kumimoji="0" lang="en-US" sz="1800" b="0" i="0" u="none" strike="noStrike" kern="1200" cap="none" spc="-1" normalizeH="0" baseline="0" noProof="0">
-              <a:ln>
-                <a:noFill/>
-              </a:ln>
-              <a:solidFill>
-                <a:srgbClr val="000000"/>
-              </a:solidFill>
-              <a:effectLst/>
-              <a:uLnTx/>
-              <a:uFill>
-                <a:solidFill>
-                  <a:srgbClr val="FFFFFF"/>
-                </a:solidFill>
-              </a:uFill>
-              <a:latin typeface="Arial"/>
-            </a:endParaRPr>
-          </a:p>
-        </p:txBody>
-      </p:sp>
-      <p:sp>
-        <p:nvSpPr>
-          <p:cNvPr id="301" name="CustomShape 11"/>
-          <p:cNvSpPr/>
-          <p:nvPr/>
-        </p:nvSpPr>
-        <p:spPr>
-          <a:xfrm>
-            <a:off x="477720" y="3974040"/>
-            <a:ext cx="3553920" cy="1512360"/>
-          </a:xfrm>
-          <a:prstGeom prst="rect">
-            <a:avLst/>
-          </a:prstGeom>
-          <a:noFill/>
-          <a:ln>
-            <a:noFill/>
-          </a:ln>
-        </p:spPr>
-        <p:style>
-          <a:lnRef idx="0">
-            <a:scrgbClr r="0" g="0" b="0"/>
-          </a:lnRef>
-          <a:fillRef idx="0">
-            <a:scrgbClr r="0" g="0" b="0"/>
-          </a:fillRef>
-          <a:effectRef idx="0">
-            <a:scrgbClr r="0" g="0" b="0"/>
-          </a:effectRef>
-          <a:fontRef idx="minor"/>
-        </p:style>
-        <p:txBody>
-          <a:bodyPr lIns="90000" tIns="45000" rIns="90000" bIns="45000"/>
-          <a:lstStyle/>
-          <a:p>
-            <a:pPr marL="216000" marR="0" lvl="0" indent="-216000" algn="just" defTabSz="914400" rtl="0" eaLnBrk="1" fontAlgn="auto" latinLnBrk="0" hangingPunct="1">
-              <a:lnSpc>
-                <a:spcPct val="120000"/>
-              </a:lnSpc>
-              <a:spcBef>
-                <a:spcPts val="0"/>
-              </a:spcBef>
-              <a:spcAft>
-                <a:spcPts val="0"/>
-              </a:spcAft>
-              <a:buClr>
-                <a:srgbClr val="808080"/>
-              </a:buClr>
-              <a:buSzPct val="45000"/>
-              <a:buFont typeface="Wingdings" charset="2"/>
-              <a:buChar char=""/>
-              <a:tabLst/>
-              <a:defRPr/>
-            </a:pPr>
-            <a:r>
-              <a:rPr kumimoji="0" lang="en-US" sz="1200" b="0" i="0" u="none" strike="noStrike" kern="1200" cap="none" spc="-1" normalizeH="0" baseline="0" noProof="0" dirty="0">
-                <a:ln>
-                  <a:noFill/>
-                </a:ln>
-                <a:solidFill>
-                  <a:srgbClr val="808080"/>
-                </a:solidFill>
-                <a:effectLst/>
-                <a:uLnTx/>
-                <a:uFill>
-                  <a:solidFill>
-                    <a:srgbClr val="FFFFFF"/>
-                  </a:solidFill>
-                </a:uFill>
-                <a:latin typeface="Calibri"/>
-              </a:rPr>
-              <a:t>Minutes “Meeting review” section</a:t>
-            </a:r>
-            <a:endParaRPr kumimoji="0" lang="en-US" sz="1800" b="0" i="0" u="none" strike="noStrike" kern="1200" cap="none" spc="-1" normalizeH="0" baseline="0" noProof="0" dirty="0">
-              <a:ln>
-                <a:noFill/>
-              </a:ln>
-              <a:solidFill>
-                <a:srgbClr val="000000"/>
-              </a:solidFill>
-              <a:effectLst/>
-              <a:uLnTx/>
-              <a:uFill>
-                <a:solidFill>
-                  <a:srgbClr val="FFFFFF"/>
-                </a:solidFill>
-              </a:uFill>
-              <a:latin typeface="Arial"/>
-            </a:endParaRPr>
-          </a:p>
-          <a:p>
-            <a:pPr marL="432000" marR="0" lvl="1" indent="-216000" algn="just" defTabSz="914400" rtl="0" eaLnBrk="1" fontAlgn="auto" latinLnBrk="0" hangingPunct="1">
-              <a:lnSpc>
-                <a:spcPct val="120000"/>
-              </a:lnSpc>
-              <a:spcBef>
-                <a:spcPts val="0"/>
-              </a:spcBef>
-              <a:spcAft>
-                <a:spcPts val="0"/>
-              </a:spcAft>
-              <a:buClr>
-                <a:srgbClr val="000000"/>
-              </a:buClr>
-              <a:buSzPct val="45000"/>
-              <a:buFont typeface="Wingdings" charset="2"/>
-              <a:buChar char=""/>
-              <a:tabLst/>
-              <a:defRPr/>
-            </a:pPr>
-            <a:r>
-              <a:rPr kumimoji="0" lang="en-US" sz="1200" b="0" i="0" u="none" strike="noStrike" kern="1200" cap="none" spc="-1" normalizeH="0" baseline="0" noProof="0" dirty="0">
-                <a:ln>
-                  <a:noFill/>
-                </a:ln>
-                <a:solidFill>
-                  <a:srgbClr val="808080"/>
-                </a:solidFill>
-                <a:effectLst/>
-                <a:uLnTx/>
-                <a:uFill>
-                  <a:solidFill>
-                    <a:srgbClr val="FFFFFF"/>
-                  </a:solidFill>
-                </a:uFill>
-                <a:latin typeface="Calibri"/>
-              </a:rPr>
-              <a:t>Recurring: focus</a:t>
-            </a:r>
-            <a:endParaRPr kumimoji="0" lang="en-US" sz="1800" b="0" i="0" u="none" strike="noStrike" kern="1200" cap="none" spc="-1" normalizeH="0" baseline="0" noProof="0" dirty="0">
-              <a:ln>
-                <a:noFill/>
-              </a:ln>
-              <a:solidFill>
-                <a:srgbClr val="000000"/>
-              </a:solidFill>
-              <a:effectLst/>
-              <a:uLnTx/>
-              <a:uFill>
-                <a:solidFill>
-                  <a:srgbClr val="FFFFFF"/>
-                </a:solidFill>
-              </a:uFill>
-              <a:latin typeface="Arial"/>
-            </a:endParaRPr>
-          </a:p>
-          <a:p>
-            <a:pPr marL="216000" marR="0" lvl="0" indent="-216000" algn="l" defTabSz="914400" rtl="0" eaLnBrk="1" fontAlgn="auto" latinLnBrk="0" hangingPunct="1">
-              <a:lnSpc>
-                <a:spcPct val="120000"/>
-              </a:lnSpc>
-              <a:spcBef>
-                <a:spcPts val="0"/>
-              </a:spcBef>
-              <a:spcAft>
-                <a:spcPts val="0"/>
-              </a:spcAft>
-              <a:buClr>
-                <a:srgbClr val="808080"/>
-              </a:buClr>
-              <a:buSzPct val="45000"/>
-              <a:buFont typeface="Wingdings" charset="2"/>
-              <a:buChar char=""/>
-              <a:tabLst/>
-              <a:defRPr/>
-            </a:pPr>
-            <a:r>
-              <a:rPr kumimoji="0" lang="en-US" sz="1200" b="0" i="0" u="none" strike="noStrike" kern="1200" cap="none" spc="-1" normalizeH="0" baseline="0" noProof="0" dirty="0">
-                <a:ln>
-                  <a:noFill/>
-                </a:ln>
-                <a:solidFill>
-                  <a:srgbClr val="808080"/>
-                </a:solidFill>
-                <a:effectLst/>
-                <a:uLnTx/>
-                <a:uFill>
-                  <a:solidFill>
-                    <a:srgbClr val="FFFFFF"/>
-                  </a:solidFill>
-                </a:uFill>
-                <a:latin typeface="Calibri"/>
-              </a:rPr>
-              <a:t>Meeting discussion transition:
-wide → narrow</a:t>
-            </a:r>
-            <a:endParaRPr kumimoji="0" lang="en-US" sz="1800" b="0" i="0" u="none" strike="noStrike" kern="1200" cap="none" spc="-1" normalizeH="0" baseline="0" noProof="0" dirty="0">
-              <a:ln>
-                <a:noFill/>
-              </a:ln>
-              <a:solidFill>
-                <a:srgbClr val="000000"/>
-              </a:solidFill>
-              <a:effectLst/>
-              <a:uLnTx/>
-              <a:uFill>
-                <a:solidFill>
-                  <a:srgbClr val="FFFFFF"/>
-                </a:solidFill>
-              </a:uFill>
-              <a:latin typeface="Arial"/>
-            </a:endParaRPr>
-          </a:p>
-          <a:p>
-            <a:pPr marL="216000" marR="0" lvl="0" indent="-216000" algn="l" defTabSz="914400" rtl="0" eaLnBrk="1" fontAlgn="auto" latinLnBrk="0" hangingPunct="1">
-              <a:lnSpc>
-                <a:spcPct val="120000"/>
-              </a:lnSpc>
-              <a:spcBef>
-                <a:spcPts val="0"/>
-              </a:spcBef>
-              <a:spcAft>
-                <a:spcPts val="0"/>
-              </a:spcAft>
-              <a:buClr>
-                <a:srgbClr val="808080"/>
-              </a:buClr>
-              <a:buSzPct val="45000"/>
-              <a:buFont typeface="Wingdings" charset="2"/>
-              <a:buChar char=""/>
-              <a:tabLst/>
-              <a:defRPr/>
-            </a:pPr>
-            <a:r>
-              <a:rPr kumimoji="0" lang="en-US" sz="1200" b="0" i="0" u="none" strike="noStrike" kern="1200" cap="none" spc="-1" normalizeH="0" baseline="0" noProof="0" dirty="0">
-                <a:ln>
-                  <a:noFill/>
-                </a:ln>
-                <a:solidFill>
-                  <a:srgbClr val="808080"/>
-                </a:solidFill>
-                <a:effectLst/>
-                <a:uLnTx/>
-                <a:uFill>
-                  <a:solidFill>
-                    <a:srgbClr val="FFFFFF"/>
-                  </a:solidFill>
-                </a:uFill>
-                <a:latin typeface="Calibri"/>
-              </a:rPr>
-              <a:t>Deliverables: abstract → concrete</a:t>
-            </a:r>
-            <a:endParaRPr kumimoji="0" lang="en-US" sz="1800" b="0" i="0" u="none" strike="noStrike" kern="1200" cap="none" spc="-1" normalizeH="0" baseline="0" noProof="0" dirty="0">
-              <a:ln>
-                <a:noFill/>
-              </a:ln>
-              <a:solidFill>
-                <a:srgbClr val="000000"/>
-              </a:solidFill>
-              <a:effectLst/>
-              <a:uLnTx/>
-              <a:uFill>
-                <a:solidFill>
-                  <a:srgbClr val="FFFFFF"/>
-                </a:solidFill>
-              </a:uFill>
-              <a:latin typeface="Arial"/>
-            </a:endParaRPr>
-          </a:p>
-        </p:txBody>
-      </p:sp>
-      <p:sp>
-        <p:nvSpPr>
-          <p:cNvPr id="302" name="CustomShape 12"/>
-          <p:cNvSpPr/>
-          <p:nvPr/>
-        </p:nvSpPr>
-        <p:spPr>
-          <a:xfrm>
-            <a:off x="4669920" y="3291840"/>
-            <a:ext cx="4519080" cy="474480"/>
-          </a:xfrm>
-          <a:prstGeom prst="rect">
-            <a:avLst/>
-          </a:prstGeom>
-          <a:noFill/>
-          <a:ln>
-            <a:noFill/>
-          </a:ln>
-        </p:spPr>
-        <p:style>
-          <a:lnRef idx="0">
-            <a:scrgbClr r="0" g="0" b="0"/>
-          </a:lnRef>
-          <a:fillRef idx="0">
-            <a:scrgbClr r="0" g="0" b="0"/>
-          </a:fillRef>
-          <a:effectRef idx="0">
-            <a:scrgbClr r="0" g="0" b="0"/>
-          </a:effectRef>
-          <a:fontRef idx="minor"/>
-        </p:style>
-        <p:txBody>
-          <a:bodyPr lIns="90000" tIns="45000" rIns="90000" bIns="45000" anchor="ctr"/>
-          <a:lstStyle/>
-          <a:p>
-            <a:pPr marL="0" marR="0" lvl="0" indent="0" algn="l" defTabSz="914400" rtl="0" eaLnBrk="1" fontAlgn="auto" latinLnBrk="0" hangingPunct="1">
-              <a:lnSpc>
-                <a:spcPts val="2032"/>
-              </a:lnSpc>
-              <a:spcBef>
-                <a:spcPts val="0"/>
-              </a:spcBef>
-              <a:spcAft>
-                <a:spcPts val="0"/>
-              </a:spcAft>
-              <a:buClrTx/>
-              <a:buSzTx/>
-              <a:buFontTx/>
-              <a:buNone/>
-              <a:tabLst/>
-              <a:defRPr/>
-            </a:pPr>
-            <a:r>
-              <a:rPr kumimoji="0" lang="en-US" sz="1600" b="1" i="0" u="none" strike="noStrike" kern="1200" cap="none" spc="-1" normalizeH="0" baseline="0" noProof="0">
-                <a:ln>
-                  <a:noFill/>
-                </a:ln>
-                <a:solidFill>
-                  <a:srgbClr val="404040"/>
-                </a:solidFill>
-                <a:effectLst/>
-                <a:uLnTx/>
-                <a:uFill>
-                  <a:solidFill>
-                    <a:srgbClr val="FFFFFF"/>
-                  </a:solidFill>
-                </a:uFill>
-                <a:latin typeface="Rockwell"/>
-              </a:rPr>
-              <a:t>In conclusion:</a:t>
-            </a:r>
-            <a:endParaRPr kumimoji="0" lang="en-US" sz="1800" b="0" i="0" u="none" strike="noStrike" kern="1200" cap="none" spc="-1" normalizeH="0" baseline="0" noProof="0">
-              <a:ln>
-                <a:noFill/>
-              </a:ln>
-              <a:solidFill>
-                <a:srgbClr val="000000"/>
-              </a:solidFill>
-              <a:effectLst/>
-              <a:uLnTx/>
-              <a:uFill>
-                <a:solidFill>
-                  <a:srgbClr val="FFFFFF"/>
-                </a:solidFill>
-              </a:uFill>
-              <a:latin typeface="Arial"/>
-            </a:endParaRPr>
-          </a:p>
-        </p:txBody>
-      </p:sp>
-      <p:sp>
-        <p:nvSpPr>
-          <p:cNvPr id="303" name="CustomShape 13"/>
-          <p:cNvSpPr/>
-          <p:nvPr/>
-        </p:nvSpPr>
-        <p:spPr>
-          <a:xfrm>
-            <a:off x="4663440" y="3972960"/>
-            <a:ext cx="3553920" cy="1512360"/>
-          </a:xfrm>
-          <a:prstGeom prst="rect">
-            <a:avLst/>
-          </a:prstGeom>
-          <a:noFill/>
-          <a:ln>
-            <a:noFill/>
-          </a:ln>
-        </p:spPr>
-        <p:style>
-          <a:lnRef idx="0">
-            <a:scrgbClr r="0" g="0" b="0"/>
-          </a:lnRef>
-          <a:fillRef idx="0">
-            <a:scrgbClr r="0" g="0" b="0"/>
-          </a:fillRef>
-          <a:effectRef idx="0">
-            <a:scrgbClr r="0" g="0" b="0"/>
-          </a:effectRef>
-          <a:fontRef idx="minor"/>
-        </p:style>
-        <p:txBody>
-          <a:bodyPr lIns="90000" tIns="45000" rIns="90000" bIns="45000"/>
-          <a:lstStyle/>
-          <a:p>
-            <a:pPr marL="216000" marR="0" lvl="0" indent="-216000" algn="l" defTabSz="914400" rtl="0" eaLnBrk="1" fontAlgn="auto" latinLnBrk="0" hangingPunct="1">
-              <a:lnSpc>
-                <a:spcPct val="120000"/>
-              </a:lnSpc>
-              <a:spcBef>
-                <a:spcPts val="0"/>
-              </a:spcBef>
-              <a:spcAft>
-                <a:spcPts val="0"/>
-              </a:spcAft>
-              <a:buClr>
-                <a:srgbClr val="808080"/>
-              </a:buClr>
-              <a:buSzPct val="45000"/>
-              <a:buFont typeface="Wingdings" charset="2"/>
-              <a:buChar char=""/>
-              <a:tabLst/>
-              <a:defRPr/>
-            </a:pPr>
-            <a:r>
-              <a:rPr kumimoji="0" lang="en-US" sz="1200" b="0" i="0" u="none" strike="noStrike" kern="1200" cap="none" spc="-1" normalizeH="0" baseline="0" noProof="0">
-                <a:ln>
-                  <a:noFill/>
-                </a:ln>
-                <a:solidFill>
-                  <a:srgbClr val="808080"/>
-                </a:solidFill>
-                <a:effectLst/>
-                <a:uLnTx/>
-                <a:uFill>
-                  <a:solidFill>
-                    <a:srgbClr val="FFFFFF"/>
-                  </a:solidFill>
-                </a:uFill>
-                <a:latin typeface="Calibri"/>
-              </a:rPr>
-              <a:t>Group has largely been experimenting</a:t>
-            </a:r>
-            <a:endParaRPr kumimoji="0" lang="en-US" sz="1800" b="0" i="0" u="none" strike="noStrike" kern="1200" cap="none" spc="-1" normalizeH="0" baseline="0" noProof="0">
-              <a:ln>
-                <a:noFill/>
-              </a:ln>
-              <a:solidFill>
-                <a:srgbClr val="000000"/>
-              </a:solidFill>
-              <a:effectLst/>
-              <a:uLnTx/>
-              <a:uFill>
-                <a:solidFill>
-                  <a:srgbClr val="FFFFFF"/>
-                </a:solidFill>
-              </a:uFill>
-              <a:latin typeface="Arial"/>
-            </a:endParaRPr>
-          </a:p>
-          <a:p>
-            <a:pPr marL="216000" marR="0" lvl="0" indent="-216000" algn="l" defTabSz="914400" rtl="0" eaLnBrk="1" fontAlgn="auto" latinLnBrk="0" hangingPunct="1">
-              <a:lnSpc>
-                <a:spcPct val="120000"/>
-              </a:lnSpc>
-              <a:spcBef>
-                <a:spcPts val="0"/>
-              </a:spcBef>
-              <a:spcAft>
-                <a:spcPts val="0"/>
-              </a:spcAft>
-              <a:buClr>
-                <a:srgbClr val="808080"/>
-              </a:buClr>
-              <a:buSzPct val="45000"/>
-              <a:buFont typeface="Wingdings" charset="2"/>
-              <a:buChar char=""/>
-              <a:tabLst/>
-              <a:defRPr/>
-            </a:pPr>
-            <a:r>
-              <a:rPr kumimoji="0" lang="en-US" sz="1200" b="0" i="0" u="none" strike="noStrike" kern="1200" cap="none" spc="-1" normalizeH="0" baseline="0" noProof="0">
-                <a:ln>
-                  <a:noFill/>
-                </a:ln>
-                <a:solidFill>
-                  <a:srgbClr val="808080"/>
-                </a:solidFill>
-                <a:effectLst/>
-                <a:uLnTx/>
-                <a:uFill>
-                  <a:solidFill>
-                    <a:srgbClr val="FFFFFF"/>
-                  </a:solidFill>
-                </a:uFill>
-                <a:latin typeface="Calibri"/>
-              </a:rPr>
-              <a:t>Process has changed a lot in a short space of time</a:t>
-            </a:r>
-            <a:endParaRPr kumimoji="0" lang="en-US" sz="1800" b="0" i="0" u="none" strike="noStrike" kern="1200" cap="none" spc="-1" normalizeH="0" baseline="0" noProof="0">
-              <a:ln>
-                <a:noFill/>
-              </a:ln>
-              <a:solidFill>
-                <a:srgbClr val="000000"/>
-              </a:solidFill>
-              <a:effectLst/>
-              <a:uLnTx/>
-              <a:uFill>
-                <a:solidFill>
-                  <a:srgbClr val="FFFFFF"/>
-                </a:solidFill>
-              </a:uFill>
-              <a:latin typeface="Arial"/>
-            </a:endParaRPr>
-          </a:p>
-          <a:p>
-            <a:pPr marL="216000" marR="0" lvl="0" indent="-216000" algn="l" defTabSz="914400" rtl="0" eaLnBrk="1" fontAlgn="auto" latinLnBrk="0" hangingPunct="1">
-              <a:lnSpc>
-                <a:spcPct val="120000"/>
-              </a:lnSpc>
-              <a:spcBef>
-                <a:spcPts val="0"/>
-              </a:spcBef>
-              <a:spcAft>
-                <a:spcPts val="0"/>
-              </a:spcAft>
-              <a:buClr>
-                <a:srgbClr val="808080"/>
-              </a:buClr>
-              <a:buSzPct val="45000"/>
-              <a:buFont typeface="Wingdings" charset="2"/>
-              <a:buChar char=""/>
-              <a:tabLst/>
-              <a:defRPr/>
-            </a:pPr>
-            <a:r>
-              <a:rPr kumimoji="0" lang="en-US" sz="1200" b="1" i="0" u="none" strike="noStrike" kern="1200" cap="none" spc="-1" normalizeH="0" baseline="0" noProof="0">
-                <a:ln>
-                  <a:noFill/>
-                </a:ln>
-                <a:solidFill>
-                  <a:srgbClr val="808080"/>
-                </a:solidFill>
-                <a:effectLst/>
-                <a:uLnTx/>
-                <a:uFill>
-                  <a:solidFill>
-                    <a:srgbClr val="FFFFFF"/>
-                  </a:solidFill>
-                </a:uFill>
-                <a:latin typeface="Calibri"/>
-              </a:rPr>
-              <a:t>This is a starting point</a:t>
-            </a:r>
-            <a:endParaRPr kumimoji="0" lang="en-US" sz="1800" b="0" i="0" u="none" strike="noStrike" kern="1200" cap="none" spc="-1" normalizeH="0" baseline="0" noProof="0">
-              <a:ln>
-                <a:noFill/>
-              </a:ln>
-              <a:solidFill>
-                <a:srgbClr val="000000"/>
-              </a:solidFill>
-              <a:effectLst/>
-              <a:uLnTx/>
-              <a:uFill>
-                <a:solidFill>
-                  <a:srgbClr val="FFFFFF"/>
-                </a:solidFill>
-              </a:uFill>
-              <a:latin typeface="Arial"/>
-            </a:endParaRPr>
-          </a:p>
-        </p:txBody>
-      </p:sp>
     </p:spTree>
     <p:extLst>
       <p:ext uri="{BB962C8B-B14F-4D97-AF65-F5344CB8AC3E}">

--- a/docs/presentation/Presentasjon oblig4.pptx
+++ b/docs/presentation/Presentasjon oblig4.pptx
@@ -11,9 +11,10 @@
     <p:sldId id="266" r:id="rId5"/>
     <p:sldId id="271" r:id="rId6"/>
     <p:sldId id="272" r:id="rId7"/>
-    <p:sldId id="273" r:id="rId8"/>
-    <p:sldId id="270" r:id="rId9"/>
-    <p:sldId id="263" r:id="rId10"/>
+    <p:sldId id="274" r:id="rId8"/>
+    <p:sldId id="273" r:id="rId9"/>
+    <p:sldId id="270" r:id="rId10"/>
+    <p:sldId id="263" r:id="rId11"/>
   </p:sldIdLst>
   <p:sldSz cx="9144000" cy="6858000" type="screen4x3"/>
   <p:notesSz cx="6858000" cy="9144000"/>
@@ -350,7 +351,7 @@
               <a:pPr>
                 <a:defRPr/>
               </a:pPr>
-              <a:t>19/04/2018</a:t>
+              <a:t>20/04/2018</a:t>
             </a:fld>
             <a:endParaRPr lang="es-ES" dirty="0"/>
           </a:p>
@@ -545,7 +546,7 @@
               <a:pPr>
                 <a:defRPr/>
               </a:pPr>
-              <a:t>19/04/2018</a:t>
+              <a:t>20/04/2018</a:t>
             </a:fld>
             <a:endParaRPr lang="es-ES" dirty="0"/>
           </a:p>
@@ -750,7 +751,7 @@
               <a:pPr>
                 <a:defRPr/>
               </a:pPr>
-              <a:t>19/04/2018</a:t>
+              <a:t>20/04/2018</a:t>
             </a:fld>
             <a:endParaRPr lang="es-ES" dirty="0"/>
           </a:p>
@@ -1816,7 +1817,7 @@
               <a:pPr>
                 <a:defRPr/>
               </a:pPr>
-              <a:t>19/04/2018</a:t>
+              <a:t>20/04/2018</a:t>
             </a:fld>
             <a:endParaRPr lang="es-ES" dirty="0"/>
           </a:p>
@@ -2809,7 +2810,7 @@
               <a:pPr>
                 <a:defRPr/>
               </a:pPr>
-              <a:t>19/04/2018</a:t>
+              <a:t>20/04/2018</a:t>
             </a:fld>
             <a:endParaRPr lang="es-ES" dirty="0"/>
           </a:p>
@@ -3121,7 +3122,7 @@
               <a:pPr>
                 <a:defRPr/>
               </a:pPr>
-              <a:t>19/04/2018</a:t>
+              <a:t>20/04/2018</a:t>
             </a:fld>
             <a:endParaRPr lang="es-ES" dirty="0"/>
           </a:p>
@@ -3567,7 +3568,7 @@
               <a:pPr>
                 <a:defRPr/>
               </a:pPr>
-              <a:t>19/04/2018</a:t>
+              <a:t>20/04/2018</a:t>
             </a:fld>
             <a:endParaRPr lang="es-ES" dirty="0"/>
           </a:p>
@@ -3711,7 +3712,7 @@
               <a:pPr>
                 <a:defRPr/>
               </a:pPr>
-              <a:t>19/04/2018</a:t>
+              <a:t>20/04/2018</a:t>
             </a:fld>
             <a:endParaRPr lang="es-ES" dirty="0"/>
           </a:p>
@@ -3833,7 +3834,7 @@
               <a:pPr>
                 <a:defRPr/>
               </a:pPr>
-              <a:t>19/04/2018</a:t>
+              <a:t>20/04/2018</a:t>
             </a:fld>
             <a:endParaRPr lang="es-ES" dirty="0"/>
           </a:p>
@@ -4135,7 +4136,7 @@
               <a:pPr>
                 <a:defRPr/>
               </a:pPr>
-              <a:t>19/04/2018</a:t>
+              <a:t>20/04/2018</a:t>
             </a:fld>
             <a:endParaRPr lang="es-ES" dirty="0"/>
           </a:p>
@@ -4417,7 +4418,7 @@
               <a:pPr>
                 <a:defRPr/>
               </a:pPr>
-              <a:t>19/04/2018</a:t>
+              <a:t>20/04/2018</a:t>
             </a:fld>
             <a:endParaRPr lang="es-ES" dirty="0"/>
           </a:p>
@@ -4709,7 +4710,7 @@
               <a:pPr>
                 <a:defRPr/>
               </a:pPr>
-              <a:t>19/04/2018</a:t>
+              <a:t>20/04/2018</a:t>
             </a:fld>
             <a:endParaRPr lang="es-ES" dirty="0"/>
           </a:p>
@@ -11290,18 +11291,6 @@
               </a:spcAft>
               <a:defRPr/>
             </a:pPr>
-            <a:r>
-              <a:rPr lang="es-HN" sz="4930" b="1" dirty="0">
-                <a:solidFill>
-                  <a:schemeClr val="tx1">
-                    <a:lumMod val="75000"/>
-                    <a:lumOff val="25000"/>
-                  </a:schemeClr>
-                </a:solidFill>
-                <a:latin typeface="Rockwell" pitchFamily="18" charset="0"/>
-              </a:rPr>
-              <a:t>Legg inn design og fremhev endringer fra forrige oblig</a:t>
-            </a:r>
             <a:endParaRPr lang="es-HN" sz="4930" b="1" dirty="0">
               <a:solidFill>
                 <a:srgbClr val="FFC000"/>
@@ -11311,6 +11300,36 @@
           </a:p>
         </p:txBody>
       </p:sp>
+      <p:pic>
+        <p:nvPicPr>
+          <p:cNvPr id="2" name="Bilde 1">
+            <a:extLst>
+              <a:ext uri="{FF2B5EF4-FFF2-40B4-BE49-F238E27FC236}">
+                <a16:creationId xmlns:a16="http://schemas.microsoft.com/office/drawing/2014/main" id="{1A1AB84D-04FD-4E14-A74A-ADC9C19EC330}"/>
+              </a:ext>
+            </a:extLst>
+          </p:cNvPr>
+          <p:cNvPicPr>
+            <a:picLocks noChangeAspect="1"/>
+          </p:cNvPicPr>
+          <p:nvPr/>
+        </p:nvPicPr>
+        <p:blipFill>
+          <a:blip r:embed="rId9"/>
+          <a:stretch>
+            <a:fillRect/>
+          </a:stretch>
+        </p:blipFill>
+        <p:spPr>
+          <a:xfrm>
+            <a:off x="0" y="565654"/>
+            <a:ext cx="9144000" cy="5726691"/>
+          </a:xfrm>
+          <a:prstGeom prst="rect">
+            <a:avLst/>
+          </a:prstGeom>
+        </p:spPr>
+      </p:pic>
     </p:spTree>
     <p:extLst>
       <p:ext uri="{BB962C8B-B14F-4D97-AF65-F5344CB8AC3E}">
@@ -11500,10 +11519,15 @@
                                 </p:cTn>
                               </p:par>
                               <p:par>
-                                <p:cTn id="17" presetID="29" presetClass="entr" presetSubtype="0" fill="hold" grpId="0" nodeType="withEffect">
+                                <p:cTn id="17" presetID="29" presetClass="entr" presetSubtype="0" fill="hold" grpId="0" nodeType="withEffect" nodePh="1">
                                   <p:stCondLst>
                                     <p:cond delay="0"/>
                                   </p:stCondLst>
+                                  <p:endCondLst>
+                                    <p:cond evt="begin" delay="0">
+                                      <p:tn val="17"/>
+                                    </p:cond>
+                                  </p:endCondLst>
                                   <p:childTnLst>
                                     <p:set>
                                       <p:cBhvr>
@@ -12613,6 +12637,36 @@
           </a:p>
         </p:txBody>
       </p:sp>
+      <p:pic>
+        <p:nvPicPr>
+          <p:cNvPr id="2" name="Bilde 1">
+            <a:extLst>
+              <a:ext uri="{FF2B5EF4-FFF2-40B4-BE49-F238E27FC236}">
+                <a16:creationId xmlns:a16="http://schemas.microsoft.com/office/drawing/2014/main" id="{A164626F-54F8-4449-A28A-A42E11554335}"/>
+              </a:ext>
+            </a:extLst>
+          </p:cNvPr>
+          <p:cNvPicPr>
+            <a:picLocks noChangeAspect="1"/>
+          </p:cNvPicPr>
+          <p:nvPr/>
+        </p:nvPicPr>
+        <p:blipFill>
+          <a:blip r:embed="rId9"/>
+          <a:stretch>
+            <a:fillRect/>
+          </a:stretch>
+        </p:blipFill>
+        <p:spPr>
+          <a:xfrm>
+            <a:off x="0" y="567440"/>
+            <a:ext cx="9144000" cy="5723119"/>
+          </a:xfrm>
+          <a:prstGeom prst="rect">
+            <a:avLst/>
+          </a:prstGeom>
+        </p:spPr>
+      </p:pic>
     </p:spTree>
     <p:extLst>
       <p:ext uri="{BB962C8B-B14F-4D97-AF65-F5344CB8AC3E}">
@@ -13426,13 +13480,18 @@
           </a:lstStyle>
           <a:p>
             <a:r>
-              <a:rPr lang="es-ES" sz="1200" b="1" dirty="0">
+              <a:rPr lang="es-HN" sz="1200" b="1" dirty="0">
                 <a:solidFill>
                   <a:srgbClr val="FFC000"/>
                 </a:solidFill>
               </a:rPr>
-              <a:t>6</a:t>
+              <a:t>5</a:t>
             </a:r>
+            <a:endParaRPr lang="es-ES" sz="1200" b="1" dirty="0">
+              <a:solidFill>
+                <a:srgbClr val="FFC000"/>
+              </a:solidFill>
+            </a:endParaRPr>
           </a:p>
         </p:txBody>
       </p:sp>
@@ -13529,7 +13588,7 @@
                 </a:solidFill>
                 <a:latin typeface="+mn-lt"/>
               </a:rPr>
-              <a:t>9</a:t>
+              <a:t>8</a:t>
             </a:r>
             <a:endParaRPr lang="es-ES" sz="1200" b="1" dirty="0">
               <a:solidFill>
@@ -13828,6 +13887,1251 @@
           </a:p>
         </p:txBody>
       </p:sp>
+      <p:pic>
+        <p:nvPicPr>
+          <p:cNvPr id="2" name="Bilde 1">
+            <a:extLst>
+              <a:ext uri="{FF2B5EF4-FFF2-40B4-BE49-F238E27FC236}">
+                <a16:creationId xmlns:a16="http://schemas.microsoft.com/office/drawing/2014/main" id="{42B15F6D-749E-4FB4-8859-23F0AFF4C9F7}"/>
+              </a:ext>
+            </a:extLst>
+          </p:cNvPr>
+          <p:cNvPicPr>
+            <a:picLocks noChangeAspect="1"/>
+          </p:cNvPicPr>
+          <p:nvPr/>
+        </p:nvPicPr>
+        <p:blipFill>
+          <a:blip r:embed="rId9"/>
+          <a:stretch>
+            <a:fillRect/>
+          </a:stretch>
+        </p:blipFill>
+        <p:spPr>
+          <a:xfrm>
+            <a:off x="0" y="552359"/>
+            <a:ext cx="9144000" cy="5753282"/>
+          </a:xfrm>
+          <a:prstGeom prst="rect">
+            <a:avLst/>
+          </a:prstGeom>
+        </p:spPr>
+      </p:pic>
+    </p:spTree>
+    <p:extLst>
+      <p:ext uri="{BB962C8B-B14F-4D97-AF65-F5344CB8AC3E}">
+        <p14:creationId xmlns:p14="http://schemas.microsoft.com/office/powerpoint/2010/main" val="3226816333"/>
+      </p:ext>
+    </p:extLst>
+  </p:cSld>
+  <p:clrMapOvr>
+    <a:masterClrMapping/>
+  </p:clrMapOvr>
+  <p:timing>
+    <p:tnLst>
+      <p:par>
+        <p:cTn id="1" dur="indefinite" restart="never" nodeType="tmRoot">
+          <p:childTnLst>
+            <p:seq concurrent="1" nextAc="seek">
+              <p:cTn id="2" dur="indefinite" nodeType="mainSeq">
+                <p:childTnLst>
+                  <p:par>
+                    <p:cTn id="3" fill="hold" nodeType="clickPar">
+                      <p:stCondLst>
+                        <p:cond delay="indefinite"/>
+                        <p:cond evt="onBegin" delay="0">
+                          <p:tn val="2"/>
+                        </p:cond>
+                      </p:stCondLst>
+                      <p:childTnLst>
+                        <p:par>
+                          <p:cTn id="4" fill="hold" nodeType="withGroup">
+                            <p:stCondLst>
+                              <p:cond delay="0"/>
+                            </p:stCondLst>
+                            <p:childTnLst>
+                              <p:par>
+                                <p:cTn id="5" presetID="10" presetClass="entr" presetSubtype="0" fill="hold" grpId="0" nodeType="withEffect" nodePh="1">
+                                  <p:stCondLst>
+                                    <p:cond delay="0"/>
+                                  </p:stCondLst>
+                                  <p:endCondLst>
+                                    <p:cond evt="begin" delay="0">
+                                      <p:tn val="5"/>
+                                    </p:cond>
+                                  </p:endCondLst>
+                                  <p:childTnLst>
+                                    <p:set>
+                                      <p:cBhvr>
+                                        <p:cTn id="6" dur="1" fill="hold">
+                                          <p:stCondLst>
+                                            <p:cond delay="0"/>
+                                          </p:stCondLst>
+                                        </p:cTn>
+                                        <p:tgtEl>
+                                          <p:spTgt spid="24"/>
+                                        </p:tgtEl>
+                                        <p:attrNameLst>
+                                          <p:attrName>style.visibility</p:attrName>
+                                        </p:attrNameLst>
+                                      </p:cBhvr>
+                                      <p:to>
+                                        <p:strVal val="visible"/>
+                                      </p:to>
+                                    </p:set>
+                                    <p:animEffect transition="in" filter="fade">
+                                      <p:cBhvr>
+                                        <p:cTn id="7" dur="2000"/>
+                                        <p:tgtEl>
+                                          <p:spTgt spid="24"/>
+                                        </p:tgtEl>
+                                      </p:cBhvr>
+                                    </p:animEffect>
+                                  </p:childTnLst>
+                                </p:cTn>
+                              </p:par>
+                              <p:par>
+                                <p:cTn id="8" presetID="10" presetClass="entr" presetSubtype="0" fill="hold" grpId="0" nodeType="withEffect" nodePh="1">
+                                  <p:stCondLst>
+                                    <p:cond delay="0"/>
+                                  </p:stCondLst>
+                                  <p:endCondLst>
+                                    <p:cond evt="begin" delay="0">
+                                      <p:tn val="8"/>
+                                    </p:cond>
+                                  </p:endCondLst>
+                                  <p:childTnLst>
+                                    <p:set>
+                                      <p:cBhvr>
+                                        <p:cTn id="9" dur="1" fill="hold">
+                                          <p:stCondLst>
+                                            <p:cond delay="0"/>
+                                          </p:stCondLst>
+                                        </p:cTn>
+                                        <p:tgtEl>
+                                          <p:spTgt spid="26"/>
+                                        </p:tgtEl>
+                                        <p:attrNameLst>
+                                          <p:attrName>style.visibility</p:attrName>
+                                        </p:attrNameLst>
+                                      </p:cBhvr>
+                                      <p:to>
+                                        <p:strVal val="visible"/>
+                                      </p:to>
+                                    </p:set>
+                                    <p:animEffect transition="in" filter="fade">
+                                      <p:cBhvr>
+                                        <p:cTn id="10" dur="2000"/>
+                                        <p:tgtEl>
+                                          <p:spTgt spid="26"/>
+                                        </p:tgtEl>
+                                      </p:cBhvr>
+                                    </p:animEffect>
+                                  </p:childTnLst>
+                                </p:cTn>
+                              </p:par>
+                              <p:par>
+                                <p:cTn id="11" presetID="10" presetClass="entr" presetSubtype="0" fill="hold" grpId="0" nodeType="withEffect" nodePh="1">
+                                  <p:stCondLst>
+                                    <p:cond delay="0"/>
+                                  </p:stCondLst>
+                                  <p:endCondLst>
+                                    <p:cond evt="begin" delay="0">
+                                      <p:tn val="11"/>
+                                    </p:cond>
+                                  </p:endCondLst>
+                                  <p:childTnLst>
+                                    <p:set>
+                                      <p:cBhvr>
+                                        <p:cTn id="12" dur="1" fill="hold">
+                                          <p:stCondLst>
+                                            <p:cond delay="0"/>
+                                          </p:stCondLst>
+                                        </p:cTn>
+                                        <p:tgtEl>
+                                          <p:spTgt spid="27"/>
+                                        </p:tgtEl>
+                                        <p:attrNameLst>
+                                          <p:attrName>style.visibility</p:attrName>
+                                        </p:attrNameLst>
+                                      </p:cBhvr>
+                                      <p:to>
+                                        <p:strVal val="visible"/>
+                                      </p:to>
+                                    </p:set>
+                                    <p:animEffect transition="in" filter="fade">
+                                      <p:cBhvr>
+                                        <p:cTn id="13" dur="2000"/>
+                                        <p:tgtEl>
+                                          <p:spTgt spid="27"/>
+                                        </p:tgtEl>
+                                      </p:cBhvr>
+                                    </p:animEffect>
+                                  </p:childTnLst>
+                                </p:cTn>
+                              </p:par>
+                              <p:par>
+                                <p:cTn id="14" presetID="10" presetClass="entr" fill="hold" nodeType="withEffect">
+                                  <p:stCondLst>
+                                    <p:cond delay="0"/>
+                                  </p:stCondLst>
+                                  <p:childTnLst>
+                                    <p:set>
+                                      <p:cBhvr>
+                                        <p:cTn id="15" dur="1" fill="hold">
+                                          <p:stCondLst>
+                                            <p:cond delay="0"/>
+                                          </p:stCondLst>
+                                        </p:cTn>
+                                        <p:tgtEl>
+                                          <p:spTgt spid="21"/>
+                                        </p:tgtEl>
+                                        <p:attrNameLst>
+                                          <p:attrName>style.visibility</p:attrName>
+                                        </p:attrNameLst>
+                                      </p:cBhvr>
+                                      <p:to>
+                                        <p:strVal val="visible"/>
+                                      </p:to>
+                                    </p:set>
+                                    <p:animEffect transition="in" filter="fade">
+                                      <p:cBhvr additive="repl">
+                                        <p:cTn id="16" dur="2000"/>
+                                        <p:tgtEl>
+                                          <p:spTgt spid="21"/>
+                                        </p:tgtEl>
+                                      </p:cBhvr>
+                                    </p:animEffect>
+                                  </p:childTnLst>
+                                </p:cTn>
+                              </p:par>
+                            </p:childTnLst>
+                          </p:cTn>
+                        </p:par>
+                      </p:childTnLst>
+                    </p:cTn>
+                  </p:par>
+                </p:childTnLst>
+              </p:cTn>
+              <p:prevCondLst>
+                <p:cond evt="onPrev" delay="0">
+                  <p:tgtEl>
+                    <p:sldTgt/>
+                  </p:tgtEl>
+                </p:cond>
+              </p:prevCondLst>
+              <p:nextCondLst>
+                <p:cond evt="onNext" delay="0">
+                  <p:tgtEl>
+                    <p:sldTgt/>
+                  </p:tgtEl>
+                </p:cond>
+              </p:nextCondLst>
+            </p:seq>
+          </p:childTnLst>
+        </p:cTn>
+      </p:par>
+    </p:tnLst>
+    <p:bldLst>
+      <p:bldP spid="24" grpId="0"/>
+      <p:bldP spid="26" grpId="0"/>
+      <p:bldP spid="27" grpId="0"/>
+    </p:bldLst>
+  </p:timing>
+</p:sld>
+</file>
+
+<file path=ppt/slides/slide7.xml><?xml version="1.0" encoding="utf-8"?>
+<p:sld xmlns:a="http://schemas.openxmlformats.org/drawingml/2006/main" xmlns:r="http://schemas.openxmlformats.org/officeDocument/2006/relationships" xmlns:p="http://schemas.openxmlformats.org/presentationml/2006/main">
+  <p:cSld>
+    <p:bg>
+      <p:bgPr>
+        <a:blipFill dpi="0" rotWithShape="0">
+          <a:blip r:embed="rId2"/>
+          <a:srcRect/>
+          <a:stretch>
+            <a:fillRect/>
+          </a:stretch>
+        </a:blipFill>
+        <a:effectLst/>
+      </p:bgPr>
+    </p:bg>
+    <p:spTree>
+      <p:nvGrpSpPr>
+        <p:cNvPr id="1" name=""/>
+        <p:cNvGrpSpPr/>
+        <p:nvPr/>
+      </p:nvGrpSpPr>
+      <p:grpSpPr>
+        <a:xfrm>
+          <a:off x="0" y="0"/>
+          <a:ext cx="0" cy="0"/>
+          <a:chOff x="0" y="0"/>
+          <a:chExt cx="0" cy="0"/>
+        </a:xfrm>
+      </p:grpSpPr>
+      <p:pic>
+        <p:nvPicPr>
+          <p:cNvPr id="14338" name="Imagen 5" descr="C:\Users\Design\Documents\Edu\Product Launch\shadown.png"/>
+          <p:cNvPicPr>
+            <a:picLocks noChangeAspect="1" noChangeArrowheads="1"/>
+          </p:cNvPicPr>
+          <p:nvPr/>
+        </p:nvPicPr>
+        <p:blipFill>
+          <a:blip r:embed="rId3">
+            <a:extLst>
+              <a:ext uri="{28A0092B-C50C-407E-A947-70E740481C1C}">
+                <a14:useLocalDpi xmlns:a14="http://schemas.microsoft.com/office/drawing/2010/main" val="0"/>
+              </a:ext>
+            </a:extLst>
+          </a:blip>
+          <a:srcRect/>
+          <a:stretch>
+            <a:fillRect/>
+          </a:stretch>
+        </p:blipFill>
+        <p:spPr bwMode="auto">
+          <a:xfrm>
+            <a:off x="3354388" y="5965825"/>
+            <a:ext cx="762000" cy="719138"/>
+          </a:xfrm>
+          <a:prstGeom prst="rect">
+            <a:avLst/>
+          </a:prstGeom>
+          <a:noFill/>
+          <a:ln>
+            <a:noFill/>
+          </a:ln>
+          <a:extLst>
+            <a:ext uri="{909E8E84-426E-40DD-AFC4-6F175D3DCCD1}">
+              <a14:hiddenFill xmlns:a14="http://schemas.microsoft.com/office/drawing/2010/main">
+                <a:solidFill>
+                  <a:srgbClr val="FFFFFF"/>
+                </a:solidFill>
+              </a14:hiddenFill>
+            </a:ext>
+            <a:ext uri="{91240B29-F687-4F45-9708-019B960494DF}">
+              <a14:hiddenLine xmlns:a14="http://schemas.microsoft.com/office/drawing/2010/main" w="9525">
+                <a:solidFill>
+                  <a:srgbClr val="000000"/>
+                </a:solidFill>
+                <a:miter lim="800000"/>
+                <a:headEnd/>
+                <a:tailEnd/>
+              </a14:hiddenLine>
+            </a:ext>
+          </a:extLst>
+        </p:spPr>
+      </p:pic>
+      <p:grpSp>
+        <p:nvGrpSpPr>
+          <p:cNvPr id="14340" name="13 Grupo"/>
+          <p:cNvGrpSpPr>
+            <a:grpSpLocks/>
+          </p:cNvGrpSpPr>
+          <p:nvPr/>
+        </p:nvGrpSpPr>
+        <p:grpSpPr bwMode="auto">
+          <a:xfrm>
+            <a:off x="4618038" y="2276475"/>
+            <a:ext cx="6350" cy="3017838"/>
+            <a:chOff x="4276603" y="1491264"/>
+            <a:chExt cx="319" cy="3377896"/>
+          </a:xfrm>
+        </p:grpSpPr>
+        <p:cxnSp>
+          <p:nvCxnSpPr>
+            <p:cNvPr id="10" name="9 Conector recto"/>
+            <p:cNvCxnSpPr/>
+            <p:nvPr/>
+          </p:nvCxnSpPr>
+          <p:spPr>
+            <a:xfrm>
+              <a:off x="4276603" y="1491264"/>
+              <a:ext cx="0" cy="3377896"/>
+            </a:xfrm>
+            <a:prstGeom prst="line">
+              <a:avLst/>
+            </a:prstGeom>
+            <a:ln>
+              <a:solidFill>
+                <a:schemeClr val="bg1">
+                  <a:lumMod val="85000"/>
+                </a:schemeClr>
+              </a:solidFill>
+            </a:ln>
+          </p:spPr>
+          <p:style>
+            <a:lnRef idx="1">
+              <a:schemeClr val="dk1"/>
+            </a:lnRef>
+            <a:fillRef idx="0">
+              <a:schemeClr val="dk1"/>
+            </a:fillRef>
+            <a:effectRef idx="0">
+              <a:schemeClr val="dk1"/>
+            </a:effectRef>
+            <a:fontRef idx="minor">
+              <a:schemeClr val="tx1"/>
+            </a:fontRef>
+          </p:style>
+        </p:cxnSp>
+        <p:cxnSp>
+          <p:nvCxnSpPr>
+            <p:cNvPr id="11" name="10 Conector recto"/>
+            <p:cNvCxnSpPr/>
+            <p:nvPr/>
+          </p:nvCxnSpPr>
+          <p:spPr>
+            <a:xfrm>
+              <a:off x="4276922" y="1491264"/>
+              <a:ext cx="0" cy="3377896"/>
+            </a:xfrm>
+            <a:prstGeom prst="line">
+              <a:avLst/>
+            </a:prstGeom>
+            <a:ln>
+              <a:solidFill>
+                <a:schemeClr val="bg1"/>
+              </a:solidFill>
+            </a:ln>
+          </p:spPr>
+          <p:style>
+            <a:lnRef idx="1">
+              <a:schemeClr val="dk1"/>
+            </a:lnRef>
+            <a:fillRef idx="0">
+              <a:schemeClr val="dk1"/>
+            </a:fillRef>
+            <a:effectRef idx="0">
+              <a:schemeClr val="dk1"/>
+            </a:effectRef>
+            <a:fontRef idx="minor">
+              <a:schemeClr val="tx1"/>
+            </a:fontRef>
+          </p:style>
+        </p:cxnSp>
+      </p:grpSp>
+      <p:sp>
+        <p:nvSpPr>
+          <p:cNvPr id="24" name="1 Título"/>
+          <p:cNvSpPr txBox="1">
+            <a:spLocks/>
+          </p:cNvSpPr>
+          <p:nvPr/>
+        </p:nvSpPr>
+        <p:spPr>
+          <a:xfrm>
+            <a:off x="395288" y="1298575"/>
+            <a:ext cx="4519612" cy="474663"/>
+          </a:xfrm>
+          <a:prstGeom prst="rect">
+            <a:avLst/>
+          </a:prstGeom>
+        </p:spPr>
+        <p:txBody>
+          <a:bodyPr anchor="ctr"/>
+          <a:lstStyle>
+            <a:lvl1pPr algn="ctr" defTabSz="914400" rtl="0" eaLnBrk="1" latinLnBrk="0" hangingPunct="1">
+              <a:spcBef>
+                <a:spcPct val="0"/>
+              </a:spcBef>
+              <a:buNone/>
+              <a:defRPr sz="4400" kern="1200">
+                <a:solidFill>
+                  <a:schemeClr val="tx1"/>
+                </a:solidFill>
+                <a:latin typeface="+mj-lt"/>
+                <a:ea typeface="+mj-ea"/>
+                <a:cs typeface="+mj-cs"/>
+              </a:defRPr>
+            </a:lvl1pPr>
+          </a:lstStyle>
+          <a:p>
+            <a:pPr algn="l" fontAlgn="auto">
+              <a:lnSpc>
+                <a:spcPts val="5760"/>
+              </a:lnSpc>
+              <a:spcBef>
+                <a:spcPts val="0"/>
+              </a:spcBef>
+              <a:spcAft>
+                <a:spcPts val="0"/>
+              </a:spcAft>
+              <a:defRPr/>
+            </a:pPr>
+            <a:endParaRPr lang="es-HN" sz="1600" b="1" dirty="0">
+              <a:solidFill>
+                <a:srgbClr val="FFC000"/>
+              </a:solidFill>
+              <a:latin typeface="Rockwell" pitchFamily="18" charset="0"/>
+            </a:endParaRPr>
+          </a:p>
+        </p:txBody>
+      </p:sp>
+      <p:sp>
+        <p:nvSpPr>
+          <p:cNvPr id="26" name="1 Título"/>
+          <p:cNvSpPr txBox="1">
+            <a:spLocks/>
+          </p:cNvSpPr>
+          <p:nvPr/>
+        </p:nvSpPr>
+        <p:spPr>
+          <a:xfrm>
+            <a:off x="4913313" y="3817938"/>
+            <a:ext cx="2663825" cy="474662"/>
+          </a:xfrm>
+          <a:prstGeom prst="rect">
+            <a:avLst/>
+          </a:prstGeom>
+        </p:spPr>
+        <p:txBody>
+          <a:bodyPr anchor="ctr"/>
+          <a:lstStyle>
+            <a:lvl1pPr algn="ctr" defTabSz="914400" rtl="0" eaLnBrk="1" latinLnBrk="0" hangingPunct="1">
+              <a:spcBef>
+                <a:spcPct val="0"/>
+              </a:spcBef>
+              <a:buNone/>
+              <a:defRPr sz="4400" kern="1200">
+                <a:solidFill>
+                  <a:schemeClr val="tx1"/>
+                </a:solidFill>
+                <a:latin typeface="+mj-lt"/>
+                <a:ea typeface="+mj-ea"/>
+                <a:cs typeface="+mj-cs"/>
+              </a:defRPr>
+            </a:lvl1pPr>
+          </a:lstStyle>
+          <a:p>
+            <a:pPr algn="l" fontAlgn="auto">
+              <a:spcBef>
+                <a:spcPts val="0"/>
+              </a:spcBef>
+              <a:spcAft>
+                <a:spcPts val="0"/>
+              </a:spcAft>
+              <a:defRPr/>
+            </a:pPr>
+            <a:endParaRPr lang="es-HN" sz="1050" b="1" dirty="0">
+              <a:solidFill>
+                <a:srgbClr val="FFC000"/>
+              </a:solidFill>
+              <a:latin typeface="Rockwell" pitchFamily="18" charset="0"/>
+            </a:endParaRPr>
+          </a:p>
+        </p:txBody>
+      </p:sp>
+      <p:sp>
+        <p:nvSpPr>
+          <p:cNvPr id="27" name="1 Título"/>
+          <p:cNvSpPr txBox="1">
+            <a:spLocks/>
+          </p:cNvSpPr>
+          <p:nvPr/>
+        </p:nvSpPr>
+        <p:spPr>
+          <a:xfrm>
+            <a:off x="317500" y="2059930"/>
+            <a:ext cx="2663825" cy="474663"/>
+          </a:xfrm>
+          <a:prstGeom prst="rect">
+            <a:avLst/>
+          </a:prstGeom>
+        </p:spPr>
+        <p:txBody>
+          <a:bodyPr anchor="ctr"/>
+          <a:lstStyle>
+            <a:lvl1pPr algn="ctr" defTabSz="914400" rtl="0" eaLnBrk="1" latinLnBrk="0" hangingPunct="1">
+              <a:spcBef>
+                <a:spcPct val="0"/>
+              </a:spcBef>
+              <a:buNone/>
+              <a:defRPr sz="4400" kern="1200">
+                <a:solidFill>
+                  <a:schemeClr val="tx1"/>
+                </a:solidFill>
+                <a:latin typeface="+mj-lt"/>
+                <a:ea typeface="+mj-ea"/>
+                <a:cs typeface="+mj-cs"/>
+              </a:defRPr>
+            </a:lvl1pPr>
+          </a:lstStyle>
+          <a:p>
+            <a:pPr algn="l" fontAlgn="auto">
+              <a:spcBef>
+                <a:spcPts val="0"/>
+              </a:spcBef>
+              <a:spcAft>
+                <a:spcPts val="0"/>
+              </a:spcAft>
+              <a:defRPr/>
+            </a:pPr>
+            <a:endParaRPr lang="es-HN" sz="1950" b="1" dirty="0">
+              <a:solidFill>
+                <a:srgbClr val="FFC000"/>
+              </a:solidFill>
+              <a:latin typeface="Rockwell" pitchFamily="18" charset="0"/>
+            </a:endParaRPr>
+          </a:p>
+        </p:txBody>
+      </p:sp>
+      <p:pic>
+        <p:nvPicPr>
+          <p:cNvPr id="14348" name="27 Imagen"/>
+          <p:cNvPicPr>
+            <a:picLocks noChangeAspect="1"/>
+          </p:cNvPicPr>
+          <p:nvPr/>
+        </p:nvPicPr>
+        <p:blipFill>
+          <a:blip r:embed="rId4">
+            <a:extLst>
+              <a:ext uri="{28A0092B-C50C-407E-A947-70E740481C1C}">
+                <a14:useLocalDpi xmlns:a14="http://schemas.microsoft.com/office/drawing/2010/main" val="0"/>
+              </a:ext>
+            </a:extLst>
+          </a:blip>
+          <a:srcRect/>
+          <a:stretch>
+            <a:fillRect/>
+          </a:stretch>
+        </p:blipFill>
+        <p:spPr bwMode="auto">
+          <a:xfrm>
+            <a:off x="4167188" y="6170613"/>
+            <a:ext cx="363537" cy="303212"/>
+          </a:xfrm>
+          <a:prstGeom prst="rect">
+            <a:avLst/>
+          </a:prstGeom>
+          <a:noFill/>
+          <a:ln>
+            <a:noFill/>
+          </a:ln>
+          <a:extLst>
+            <a:ext uri="{909E8E84-426E-40DD-AFC4-6F175D3DCCD1}">
+              <a14:hiddenFill xmlns:a14="http://schemas.microsoft.com/office/drawing/2010/main">
+                <a:solidFill>
+                  <a:srgbClr val="FFFFFF"/>
+                </a:solidFill>
+              </a14:hiddenFill>
+            </a:ext>
+            <a:ext uri="{91240B29-F687-4F45-9708-019B960494DF}">
+              <a14:hiddenLine xmlns:a14="http://schemas.microsoft.com/office/drawing/2010/main" w="9525">
+                <a:solidFill>
+                  <a:srgbClr val="000000"/>
+                </a:solidFill>
+                <a:miter lim="800000"/>
+                <a:headEnd/>
+                <a:tailEnd/>
+              </a14:hiddenLine>
+            </a:ext>
+          </a:extLst>
+        </p:spPr>
+      </p:pic>
+      <p:pic>
+        <p:nvPicPr>
+          <p:cNvPr id="14349" name="28 Imagen"/>
+          <p:cNvPicPr>
+            <a:picLocks noChangeAspect="1"/>
+          </p:cNvPicPr>
+          <p:nvPr/>
+        </p:nvPicPr>
+        <p:blipFill>
+          <a:blip r:embed="rId4">
+            <a:extLst>
+              <a:ext uri="{28A0092B-C50C-407E-A947-70E740481C1C}">
+                <a14:useLocalDpi xmlns:a14="http://schemas.microsoft.com/office/drawing/2010/main" val="0"/>
+              </a:ext>
+            </a:extLst>
+          </a:blip>
+          <a:srcRect/>
+          <a:stretch>
+            <a:fillRect/>
+          </a:stretch>
+        </p:blipFill>
+        <p:spPr bwMode="auto">
+          <a:xfrm>
+            <a:off x="4741863" y="6170613"/>
+            <a:ext cx="363537" cy="303212"/>
+          </a:xfrm>
+          <a:prstGeom prst="rect">
+            <a:avLst/>
+          </a:prstGeom>
+          <a:noFill/>
+          <a:ln>
+            <a:noFill/>
+          </a:ln>
+          <a:extLst>
+            <a:ext uri="{909E8E84-426E-40DD-AFC4-6F175D3DCCD1}">
+              <a14:hiddenFill xmlns:a14="http://schemas.microsoft.com/office/drawing/2010/main">
+                <a:solidFill>
+                  <a:srgbClr val="FFFFFF"/>
+                </a:solidFill>
+              </a14:hiddenFill>
+            </a:ext>
+            <a:ext uri="{91240B29-F687-4F45-9708-019B960494DF}">
+              <a14:hiddenLine xmlns:a14="http://schemas.microsoft.com/office/drawing/2010/main" w="9525">
+                <a:solidFill>
+                  <a:srgbClr val="000000"/>
+                </a:solidFill>
+                <a:miter lim="800000"/>
+                <a:headEnd/>
+                <a:tailEnd/>
+              </a14:hiddenLine>
+            </a:ext>
+          </a:extLst>
+        </p:spPr>
+      </p:pic>
+      <p:sp>
+        <p:nvSpPr>
+          <p:cNvPr id="14350" name="29 CuadroTexto"/>
+          <p:cNvSpPr txBox="1">
+            <a:spLocks noChangeArrowheads="1"/>
+          </p:cNvSpPr>
+          <p:nvPr/>
+        </p:nvSpPr>
+        <p:spPr bwMode="auto">
+          <a:xfrm>
+            <a:off x="4211960" y="6181725"/>
+            <a:ext cx="263214" cy="276999"/>
+          </a:xfrm>
+          <a:prstGeom prst="rect">
+            <a:avLst/>
+          </a:prstGeom>
+          <a:noFill/>
+          <a:ln>
+            <a:noFill/>
+          </a:ln>
+          <a:extLst>
+            <a:ext uri="{909E8E84-426E-40DD-AFC4-6F175D3DCCD1}">
+              <a14:hiddenFill xmlns:a14="http://schemas.microsoft.com/office/drawing/2010/main">
+                <a:solidFill>
+                  <a:srgbClr val="FFFFFF"/>
+                </a:solidFill>
+              </a14:hiddenFill>
+            </a:ext>
+            <a:ext uri="{91240B29-F687-4F45-9708-019B960494DF}">
+              <a14:hiddenLine xmlns:a14="http://schemas.microsoft.com/office/drawing/2010/main" w="9525">
+                <a:solidFill>
+                  <a:srgbClr val="000000"/>
+                </a:solidFill>
+                <a:miter lim="800000"/>
+                <a:headEnd/>
+                <a:tailEnd/>
+              </a14:hiddenLine>
+            </a:ext>
+          </a:extLst>
+        </p:spPr>
+        <p:txBody>
+          <a:bodyPr wrap="none">
+            <a:spAutoFit/>
+          </a:bodyPr>
+          <a:lstStyle>
+            <a:lvl1pPr>
+              <a:defRPr>
+                <a:solidFill>
+                  <a:schemeClr val="tx1"/>
+                </a:solidFill>
+                <a:latin typeface="Calibri" pitchFamily="34" charset="0"/>
+              </a:defRPr>
+            </a:lvl1pPr>
+            <a:lvl2pPr marL="742950" indent="-285750">
+              <a:defRPr>
+                <a:solidFill>
+                  <a:schemeClr val="tx1"/>
+                </a:solidFill>
+                <a:latin typeface="Calibri" pitchFamily="34" charset="0"/>
+              </a:defRPr>
+            </a:lvl2pPr>
+            <a:lvl3pPr marL="1143000" indent="-228600">
+              <a:defRPr>
+                <a:solidFill>
+                  <a:schemeClr val="tx1"/>
+                </a:solidFill>
+                <a:latin typeface="Calibri" pitchFamily="34" charset="0"/>
+              </a:defRPr>
+            </a:lvl3pPr>
+            <a:lvl4pPr marL="1600200" indent="-228600">
+              <a:defRPr>
+                <a:solidFill>
+                  <a:schemeClr val="tx1"/>
+                </a:solidFill>
+                <a:latin typeface="Calibri" pitchFamily="34" charset="0"/>
+              </a:defRPr>
+            </a:lvl4pPr>
+            <a:lvl5pPr marL="2057400" indent="-228600">
+              <a:defRPr>
+                <a:solidFill>
+                  <a:schemeClr val="tx1"/>
+                </a:solidFill>
+                <a:latin typeface="Calibri" pitchFamily="34" charset="0"/>
+              </a:defRPr>
+            </a:lvl5pPr>
+            <a:lvl6pPr marL="2514600" indent="-228600" fontAlgn="base">
+              <a:spcBef>
+                <a:spcPct val="0"/>
+              </a:spcBef>
+              <a:spcAft>
+                <a:spcPct val="0"/>
+              </a:spcAft>
+              <a:defRPr>
+                <a:solidFill>
+                  <a:schemeClr val="tx1"/>
+                </a:solidFill>
+                <a:latin typeface="Calibri" pitchFamily="34" charset="0"/>
+              </a:defRPr>
+            </a:lvl6pPr>
+            <a:lvl7pPr marL="2971800" indent="-228600" fontAlgn="base">
+              <a:spcBef>
+                <a:spcPct val="0"/>
+              </a:spcBef>
+              <a:spcAft>
+                <a:spcPct val="0"/>
+              </a:spcAft>
+              <a:defRPr>
+                <a:solidFill>
+                  <a:schemeClr val="tx1"/>
+                </a:solidFill>
+                <a:latin typeface="Calibri" pitchFamily="34" charset="0"/>
+              </a:defRPr>
+            </a:lvl7pPr>
+            <a:lvl8pPr marL="3429000" indent="-228600" fontAlgn="base">
+              <a:spcBef>
+                <a:spcPct val="0"/>
+              </a:spcBef>
+              <a:spcAft>
+                <a:spcPct val="0"/>
+              </a:spcAft>
+              <a:defRPr>
+                <a:solidFill>
+                  <a:schemeClr val="tx1"/>
+                </a:solidFill>
+                <a:latin typeface="Calibri" pitchFamily="34" charset="0"/>
+              </a:defRPr>
+            </a:lvl8pPr>
+            <a:lvl9pPr marL="3886200" indent="-228600" fontAlgn="base">
+              <a:spcBef>
+                <a:spcPct val="0"/>
+              </a:spcBef>
+              <a:spcAft>
+                <a:spcPct val="0"/>
+              </a:spcAft>
+              <a:defRPr>
+                <a:solidFill>
+                  <a:schemeClr val="tx1"/>
+                </a:solidFill>
+                <a:latin typeface="Calibri" pitchFamily="34" charset="0"/>
+              </a:defRPr>
+            </a:lvl9pPr>
+          </a:lstStyle>
+          <a:p>
+            <a:r>
+              <a:rPr lang="es-ES" sz="1200" b="1" dirty="0">
+                <a:solidFill>
+                  <a:srgbClr val="FFC000"/>
+                </a:solidFill>
+              </a:rPr>
+              <a:t>6</a:t>
+            </a:r>
+          </a:p>
+        </p:txBody>
+      </p:sp>
+      <p:sp>
+        <p:nvSpPr>
+          <p:cNvPr id="31" name="30 CuadroTexto"/>
+          <p:cNvSpPr txBox="1"/>
+          <p:nvPr/>
+        </p:nvSpPr>
+        <p:spPr>
+          <a:xfrm>
+            <a:off x="4467225" y="6181725"/>
+            <a:ext cx="315913" cy="277813"/>
+          </a:xfrm>
+          <a:prstGeom prst="rect">
+            <a:avLst/>
+          </a:prstGeom>
+          <a:noFill/>
+        </p:spPr>
+        <p:txBody>
+          <a:bodyPr wrap="none">
+            <a:spAutoFit/>
+          </a:bodyPr>
+          <a:lstStyle/>
+          <a:p>
+            <a:pPr fontAlgn="auto">
+              <a:spcBef>
+                <a:spcPts val="0"/>
+              </a:spcBef>
+              <a:spcAft>
+                <a:spcPts val="0"/>
+              </a:spcAft>
+              <a:defRPr/>
+            </a:pPr>
+            <a:r>
+              <a:rPr lang="es-HN" sz="1200" b="1" i="1" dirty="0">
+                <a:solidFill>
+                  <a:schemeClr val="bg1">
+                    <a:lumMod val="65000"/>
+                  </a:schemeClr>
+                </a:solidFill>
+                <a:latin typeface="+mn-lt"/>
+              </a:rPr>
+              <a:t>of</a:t>
+            </a:r>
+            <a:endParaRPr lang="es-ES" sz="1200" b="1" i="1" dirty="0">
+              <a:solidFill>
+                <a:schemeClr val="bg1">
+                  <a:lumMod val="65000"/>
+                </a:schemeClr>
+              </a:solidFill>
+              <a:latin typeface="+mn-lt"/>
+            </a:endParaRPr>
+          </a:p>
+        </p:txBody>
+      </p:sp>
+      <p:sp>
+        <p:nvSpPr>
+          <p:cNvPr id="32" name="31 CuadroTexto"/>
+          <p:cNvSpPr txBox="1"/>
+          <p:nvPr/>
+        </p:nvSpPr>
+        <p:spPr>
+          <a:xfrm>
+            <a:off x="4787900" y="6181725"/>
+            <a:ext cx="263214" cy="276999"/>
+          </a:xfrm>
+          <a:prstGeom prst="rect">
+            <a:avLst/>
+          </a:prstGeom>
+          <a:noFill/>
+        </p:spPr>
+        <p:txBody>
+          <a:bodyPr wrap="none">
+            <a:spAutoFit/>
+          </a:bodyPr>
+          <a:lstStyle/>
+          <a:p>
+            <a:pPr fontAlgn="auto">
+              <a:spcBef>
+                <a:spcPts val="0"/>
+              </a:spcBef>
+              <a:spcAft>
+                <a:spcPts val="0"/>
+              </a:spcAft>
+              <a:defRPr/>
+            </a:pPr>
+            <a:r>
+              <a:rPr lang="es-HN" sz="1200" b="1" dirty="0">
+                <a:solidFill>
+                  <a:schemeClr val="bg1">
+                    <a:lumMod val="50000"/>
+                  </a:schemeClr>
+                </a:solidFill>
+                <a:latin typeface="+mn-lt"/>
+              </a:rPr>
+              <a:t>9</a:t>
+            </a:r>
+            <a:endParaRPr lang="es-ES" sz="1200" b="1" dirty="0">
+              <a:solidFill>
+                <a:schemeClr val="bg1">
+                  <a:lumMod val="50000"/>
+                </a:schemeClr>
+              </a:solidFill>
+              <a:latin typeface="+mn-lt"/>
+            </a:endParaRPr>
+          </a:p>
+        </p:txBody>
+      </p:sp>
+      <p:pic>
+        <p:nvPicPr>
+          <p:cNvPr id="14353" name="Imagen 5" descr="C:\Users\Design\Documents\Edu\Product Launch\shadown.png"/>
+          <p:cNvPicPr>
+            <a:picLocks noChangeAspect="1" noChangeArrowheads="1"/>
+          </p:cNvPicPr>
+          <p:nvPr/>
+        </p:nvPicPr>
+        <p:blipFill>
+          <a:blip r:embed="rId5">
+            <a:extLst>
+              <a:ext uri="{28A0092B-C50C-407E-A947-70E740481C1C}">
+                <a14:useLocalDpi xmlns:a14="http://schemas.microsoft.com/office/drawing/2010/main" val="0"/>
+              </a:ext>
+            </a:extLst>
+          </a:blip>
+          <a:srcRect/>
+          <a:stretch>
+            <a:fillRect/>
+          </a:stretch>
+        </p:blipFill>
+        <p:spPr bwMode="auto">
+          <a:xfrm>
+            <a:off x="5127625" y="5983288"/>
+            <a:ext cx="763588" cy="720725"/>
+          </a:xfrm>
+          <a:prstGeom prst="rect">
+            <a:avLst/>
+          </a:prstGeom>
+          <a:noFill/>
+          <a:ln>
+            <a:noFill/>
+          </a:ln>
+          <a:extLst>
+            <a:ext uri="{909E8E84-426E-40DD-AFC4-6F175D3DCCD1}">
+              <a14:hiddenFill xmlns:a14="http://schemas.microsoft.com/office/drawing/2010/main">
+                <a:solidFill>
+                  <a:srgbClr val="FFFFFF"/>
+                </a:solidFill>
+              </a14:hiddenFill>
+            </a:ext>
+            <a:ext uri="{91240B29-F687-4F45-9708-019B960494DF}">
+              <a14:hiddenLine xmlns:a14="http://schemas.microsoft.com/office/drawing/2010/main" w="9525">
+                <a:solidFill>
+                  <a:srgbClr val="000000"/>
+                </a:solidFill>
+                <a:miter lim="800000"/>
+                <a:headEnd/>
+                <a:tailEnd/>
+              </a14:hiddenLine>
+            </a:ext>
+          </a:extLst>
+        </p:spPr>
+      </p:pic>
+      <p:pic>
+        <p:nvPicPr>
+          <p:cNvPr id="14354" name="Imagen 6" descr="C:\Users\Design\Documents\Edu\Product Launch\btns.png">
+            <a:hlinkClick r:id="" action="ppaction://hlinkshowjump?jump=nextslide"/>
+          </p:cNvPr>
+          <p:cNvPicPr>
+            <a:picLocks noChangeAspect="1" noChangeArrowheads="1"/>
+          </p:cNvPicPr>
+          <p:nvPr/>
+        </p:nvPicPr>
+        <p:blipFill>
+          <a:blip r:embed="rId6" cstate="print">
+            <a:extLst>
+              <a:ext uri="{28A0092B-C50C-407E-A947-70E740481C1C}">
+                <a14:useLocalDpi xmlns:a14="http://schemas.microsoft.com/office/drawing/2010/main" val="0"/>
+              </a:ext>
+            </a:extLst>
+          </a:blip>
+          <a:srcRect/>
+          <a:stretch>
+            <a:fillRect/>
+          </a:stretch>
+        </p:blipFill>
+        <p:spPr bwMode="auto">
+          <a:xfrm>
+            <a:off x="5124450" y="6251575"/>
+            <a:ext cx="177800" cy="176213"/>
+          </a:xfrm>
+          <a:prstGeom prst="rect">
+            <a:avLst/>
+          </a:prstGeom>
+          <a:noFill/>
+          <a:ln>
+            <a:noFill/>
+          </a:ln>
+          <a:extLst>
+            <a:ext uri="{909E8E84-426E-40DD-AFC4-6F175D3DCCD1}">
+              <a14:hiddenFill xmlns:a14="http://schemas.microsoft.com/office/drawing/2010/main">
+                <a:solidFill>
+                  <a:srgbClr val="FFFFFF"/>
+                </a:solidFill>
+              </a14:hiddenFill>
+            </a:ext>
+            <a:ext uri="{91240B29-F687-4F45-9708-019B960494DF}">
+              <a14:hiddenLine xmlns:a14="http://schemas.microsoft.com/office/drawing/2010/main" w="9525">
+                <a:solidFill>
+                  <a:srgbClr val="000000"/>
+                </a:solidFill>
+                <a:miter lim="800000"/>
+                <a:headEnd/>
+                <a:tailEnd/>
+              </a14:hiddenLine>
+            </a:ext>
+          </a:extLst>
+        </p:spPr>
+      </p:pic>
+      <p:pic>
+        <p:nvPicPr>
+          <p:cNvPr id="14355" name="Imagen 6" descr="C:\Users\Design\Documents\Edu\Product Launch\btns.png">
+            <a:hlinkClick r:id="" action="ppaction://hlinkshowjump?jump=previousslide"/>
+          </p:cNvPr>
+          <p:cNvPicPr>
+            <a:picLocks noChangeAspect="1" noChangeArrowheads="1"/>
+          </p:cNvPicPr>
+          <p:nvPr/>
+        </p:nvPicPr>
+        <p:blipFill>
+          <a:blip r:embed="rId7" cstate="print">
+            <a:extLst>
+              <a:ext uri="{28A0092B-C50C-407E-A947-70E740481C1C}">
+                <a14:useLocalDpi xmlns:a14="http://schemas.microsoft.com/office/drawing/2010/main" val="0"/>
+              </a:ext>
+            </a:extLst>
+          </a:blip>
+          <a:srcRect/>
+          <a:stretch>
+            <a:fillRect/>
+          </a:stretch>
+        </p:blipFill>
+        <p:spPr bwMode="auto">
+          <a:xfrm>
+            <a:off x="3933825" y="6251575"/>
+            <a:ext cx="176213" cy="176213"/>
+          </a:xfrm>
+          <a:prstGeom prst="rect">
+            <a:avLst/>
+          </a:prstGeom>
+          <a:noFill/>
+          <a:ln>
+            <a:noFill/>
+          </a:ln>
+          <a:extLst>
+            <a:ext uri="{909E8E84-426E-40DD-AFC4-6F175D3DCCD1}">
+              <a14:hiddenFill xmlns:a14="http://schemas.microsoft.com/office/drawing/2010/main">
+                <a:solidFill>
+                  <a:srgbClr val="FFFFFF"/>
+                </a:solidFill>
+              </a14:hiddenFill>
+            </a:ext>
+            <a:ext uri="{91240B29-F687-4F45-9708-019B960494DF}">
+              <a14:hiddenLine xmlns:a14="http://schemas.microsoft.com/office/drawing/2010/main" w="9525">
+                <a:solidFill>
+                  <a:srgbClr val="000000"/>
+                </a:solidFill>
+                <a:miter lim="800000"/>
+                <a:headEnd/>
+                <a:tailEnd/>
+              </a14:hiddenLine>
+            </a:ext>
+          </a:extLst>
+        </p:spPr>
+      </p:pic>
+      <p:pic>
+        <p:nvPicPr>
+          <p:cNvPr id="14356" name="Imagen 5" descr="C:\Users\Design\Documents\Edu\Product Launch\shadown.png"/>
+          <p:cNvPicPr>
+            <a:picLocks noChangeAspect="1" noChangeArrowheads="1"/>
+          </p:cNvPicPr>
+          <p:nvPr/>
+        </p:nvPicPr>
+        <p:blipFill>
+          <a:blip r:embed="rId8">
+            <a:extLst>
+              <a:ext uri="{28A0092B-C50C-407E-A947-70E740481C1C}">
+                <a14:useLocalDpi xmlns:a14="http://schemas.microsoft.com/office/drawing/2010/main" val="0"/>
+              </a:ext>
+            </a:extLst>
+          </a:blip>
+          <a:srcRect/>
+          <a:stretch>
+            <a:fillRect/>
+          </a:stretch>
+        </p:blipFill>
+        <p:spPr bwMode="auto">
+          <a:xfrm>
+            <a:off x="1649413" y="5756275"/>
+            <a:ext cx="1193800" cy="1128713"/>
+          </a:xfrm>
+          <a:prstGeom prst="rect">
+            <a:avLst/>
+          </a:prstGeom>
+          <a:noFill/>
+          <a:ln>
+            <a:noFill/>
+          </a:ln>
+          <a:extLst>
+            <a:ext uri="{909E8E84-426E-40DD-AFC4-6F175D3DCCD1}">
+              <a14:hiddenFill xmlns:a14="http://schemas.microsoft.com/office/drawing/2010/main">
+                <a:solidFill>
+                  <a:srgbClr val="FFFFFF"/>
+                </a:solidFill>
+              </a14:hiddenFill>
+            </a:ext>
+            <a:ext uri="{91240B29-F687-4F45-9708-019B960494DF}">
+              <a14:hiddenLine xmlns:a14="http://schemas.microsoft.com/office/drawing/2010/main" w="9525">
+                <a:solidFill>
+                  <a:srgbClr val="000000"/>
+                </a:solidFill>
+                <a:miter lim="800000"/>
+                <a:headEnd/>
+                <a:tailEnd/>
+              </a14:hiddenLine>
+            </a:ext>
+          </a:extLst>
+        </p:spPr>
+      </p:pic>
+      <p:sp>
+        <p:nvSpPr>
+          <p:cNvPr id="21" name="CustomShape 6">
+            <a:extLst>
+              <a:ext uri="{FF2B5EF4-FFF2-40B4-BE49-F238E27FC236}">
+                <a16:creationId xmlns:a16="http://schemas.microsoft.com/office/drawing/2014/main" id="{C4EC9EAF-C043-450D-8841-E8D670593A4E}"/>
+              </a:ext>
+            </a:extLst>
+          </p:cNvPr>
+          <p:cNvSpPr/>
+          <p:nvPr/>
+        </p:nvSpPr>
+        <p:spPr>
+          <a:xfrm>
+            <a:off x="546258" y="2382022"/>
+            <a:ext cx="8143560" cy="2238840"/>
+          </a:xfrm>
+          <a:prstGeom prst="rect">
+            <a:avLst/>
+          </a:prstGeom>
+          <a:noFill/>
+          <a:ln>
+            <a:noFill/>
+          </a:ln>
+        </p:spPr>
+        <p:style>
+          <a:lnRef idx="0">
+            <a:scrgbClr r="0" g="0" b="0"/>
+          </a:lnRef>
+          <a:fillRef idx="0">
+            <a:scrgbClr r="0" g="0" b="0"/>
+          </a:fillRef>
+          <a:effectRef idx="0">
+            <a:scrgbClr r="0" g="0" b="0"/>
+          </a:effectRef>
+          <a:fontRef idx="minor"/>
+        </p:style>
+        <p:txBody>
+          <a:bodyPr lIns="0" tIns="0" rIns="0" bIns="0"/>
+          <a:lstStyle/>
+          <a:p>
+            <a:pPr marL="216000" indent="-216000" algn="just">
+              <a:lnSpc>
+                <a:spcPct val="100000"/>
+              </a:lnSpc>
+              <a:buClr>
+                <a:srgbClr val="808080"/>
+              </a:buClr>
+              <a:buSzPct val="45000"/>
+              <a:buFont typeface="Wingdings" charset="2"/>
+              <a:buChar char=""/>
+            </a:pPr>
+            <a:endParaRPr lang="en-US" sz="1800" b="0" strike="noStrike" spc="-1" dirty="0">
+              <a:solidFill>
+                <a:srgbClr val="000000"/>
+              </a:solidFill>
+              <a:uFill>
+                <a:solidFill>
+                  <a:srgbClr val="FFFFFF"/>
+                </a:solidFill>
+              </a:uFill>
+              <a:latin typeface="Arial"/>
+            </a:endParaRPr>
+          </a:p>
+        </p:txBody>
+      </p:sp>
       <p:sp>
         <p:nvSpPr>
           <p:cNvPr id="20" name="1 Título">
@@ -13892,7 +15196,7 @@
                 </a:solidFill>
                 <a:latin typeface="Rockwell" pitchFamily="18" charset="0"/>
               </a:rPr>
-              <a:t>DEMOVIDEO MAX 1 MIN</a:t>
+              <a:t>DEMOVIDEO</a:t>
             </a:r>
             <a:endParaRPr lang="es-HN" sz="4930" b="1" dirty="0">
               <a:solidFill>
@@ -14209,7 +15513,7 @@
 </p:sld>
 </file>
 
-<file path=ppt/slides/slide7.xml><?xml version="1.0" encoding="utf-8"?>
+<file path=ppt/slides/slide8.xml><?xml version="1.0" encoding="utf-8"?>
 <p:sld xmlns:a="http://schemas.openxmlformats.org/drawingml/2006/main" xmlns:r="http://schemas.openxmlformats.org/officeDocument/2006/relationships" xmlns:p="http://schemas.openxmlformats.org/presentationml/2006/main">
   <p:cSld>
     <p:bg>
@@ -15435,7 +16739,7 @@
 </p:sld>
 </file>
 
-<file path=ppt/slides/slide8.xml><?xml version="1.0" encoding="utf-8"?>
+<file path=ppt/slides/slide9.xml><?xml version="1.0" encoding="utf-8"?>
 <p:sld xmlns:a="http://schemas.openxmlformats.org/drawingml/2006/main" xmlns:r="http://schemas.openxmlformats.org/officeDocument/2006/relationships" xmlns:p="http://schemas.openxmlformats.org/presentationml/2006/main">
   <p:cSld>
     <p:bg>

--- a/docs/presentation/Presentasjon oblig4.pptx
+++ b/docs/presentation/Presentasjon oblig4.pptx
@@ -3,18 +3,16 @@
 <p:presentation xmlns:a="http://schemas.openxmlformats.org/drawingml/2006/main" xmlns:r="http://schemas.openxmlformats.org/officeDocument/2006/relationships" xmlns:p="http://schemas.openxmlformats.org/presentationml/2006/main" saveSubsetFonts="1">
   <p:sldMasterIdLst>
     <p:sldMasterId id="2147483648" r:id="rId1"/>
-    <p:sldMasterId id="2147483660" r:id="rId2"/>
   </p:sldMasterIdLst>
   <p:sldIdLst>
-    <p:sldId id="257" r:id="rId3"/>
-    <p:sldId id="256" r:id="rId4"/>
-    <p:sldId id="266" r:id="rId5"/>
-    <p:sldId id="271" r:id="rId6"/>
-    <p:sldId id="272" r:id="rId7"/>
-    <p:sldId id="274" r:id="rId8"/>
-    <p:sldId id="273" r:id="rId9"/>
-    <p:sldId id="270" r:id="rId10"/>
-    <p:sldId id="263" r:id="rId11"/>
+    <p:sldId id="257" r:id="rId2"/>
+    <p:sldId id="256" r:id="rId3"/>
+    <p:sldId id="274" r:id="rId4"/>
+    <p:sldId id="275" r:id="rId5"/>
+    <p:sldId id="276" r:id="rId6"/>
+    <p:sldId id="273" r:id="rId7"/>
+    <p:sldId id="266" r:id="rId8"/>
+    <p:sldId id="263" r:id="rId9"/>
   </p:sldIdLst>
   <p:sldSz cx="9144000" cy="6858000" type="screen4x3"/>
   <p:notesSz cx="6858000" cy="9144000"/>
@@ -829,877 +827,6 @@
 </p:sldLayout>
 </file>
 
-<file path=ppt/slideLayouts/slideLayout12.xml><?xml version="1.0" encoding="utf-8"?>
-<p:sldLayout xmlns:a="http://schemas.openxmlformats.org/drawingml/2006/main" xmlns:r="http://schemas.openxmlformats.org/officeDocument/2006/relationships" xmlns:p="http://schemas.openxmlformats.org/presentationml/2006/main" type="blank" preserve="1">
-  <p:cSld name="Blank Slide">
-    <p:spTree>
-      <p:nvGrpSpPr>
-        <p:cNvPr id="1" name=""/>
-        <p:cNvGrpSpPr/>
-        <p:nvPr/>
-      </p:nvGrpSpPr>
-      <p:grpSpPr>
-        <a:xfrm>
-          <a:off x="0" y="0"/>
-          <a:ext cx="0" cy="0"/>
-          <a:chOff x="0" y="0"/>
-          <a:chExt cx="0" cy="0"/>
-        </a:xfrm>
-      </p:grpSpPr>
-    </p:spTree>
-    <p:extLst>
-      <p:ext uri="{BB962C8B-B14F-4D97-AF65-F5344CB8AC3E}">
-        <p14:creationId xmlns:p14="http://schemas.microsoft.com/office/powerpoint/2010/main" val="1402914501"/>
-      </p:ext>
-    </p:extLst>
-  </p:cSld>
-  <p:clrMapOvr>
-    <a:masterClrMapping/>
-  </p:clrMapOvr>
-</p:sldLayout>
-</file>
-
-<file path=ppt/slideLayouts/slideLayout13.xml><?xml version="1.0" encoding="utf-8"?>
-<p:sldLayout xmlns:a="http://schemas.openxmlformats.org/drawingml/2006/main" xmlns:r="http://schemas.openxmlformats.org/officeDocument/2006/relationships" xmlns:p="http://schemas.openxmlformats.org/presentationml/2006/main" type="tx" preserve="1">
-  <p:cSld name="Title Slide">
-    <p:spTree>
-      <p:nvGrpSpPr>
-        <p:cNvPr id="1" name=""/>
-        <p:cNvGrpSpPr/>
-        <p:nvPr/>
-      </p:nvGrpSpPr>
-      <p:grpSpPr>
-        <a:xfrm>
-          <a:off x="0" y="0"/>
-          <a:ext cx="0" cy="0"/>
-          <a:chOff x="0" y="0"/>
-          <a:chExt cx="0" cy="0"/>
-        </a:xfrm>
-      </p:grpSpPr>
-      <p:sp>
-        <p:nvSpPr>
-          <p:cNvPr id="44" name="PlaceHolder 1"/>
-          <p:cNvSpPr>
-            <a:spLocks noGrp="1"/>
-          </p:cNvSpPr>
-          <p:nvPr>
-            <p:ph type="title"/>
-          </p:nvPr>
-        </p:nvSpPr>
-        <p:spPr>
-          <a:xfrm>
-            <a:off x="457200" y="273600"/>
-            <a:ext cx="8229240" cy="1144800"/>
-          </a:xfrm>
-          <a:prstGeom prst="rect">
-            <a:avLst/>
-          </a:prstGeom>
-        </p:spPr>
-        <p:txBody>
-          <a:bodyPr lIns="0" tIns="0" rIns="0" bIns="0" anchor="ctr"/>
-          <a:lstStyle/>
-          <a:p>
-            <a:endParaRPr lang="es-ES" sz="4400" b="0" strike="noStrike" spc="-1">
-              <a:solidFill>
-                <a:srgbClr val="000000"/>
-              </a:solidFill>
-              <a:uFill>
-                <a:solidFill>
-                  <a:srgbClr val="FFFFFF"/>
-                </a:solidFill>
-              </a:uFill>
-              <a:latin typeface="Arial"/>
-            </a:endParaRPr>
-          </a:p>
-        </p:txBody>
-      </p:sp>
-      <p:sp>
-        <p:nvSpPr>
-          <p:cNvPr id="45" name="PlaceHolder 2"/>
-          <p:cNvSpPr>
-            <a:spLocks noGrp="1"/>
-          </p:cNvSpPr>
-          <p:nvPr>
-            <p:ph type="subTitle"/>
-          </p:nvPr>
-        </p:nvSpPr>
-        <p:spPr>
-          <a:xfrm>
-            <a:off x="457200" y="1604520"/>
-            <a:ext cx="8229240" cy="3977280"/>
-          </a:xfrm>
-          <a:prstGeom prst="rect">
-            <a:avLst/>
-          </a:prstGeom>
-        </p:spPr>
-        <p:txBody>
-          <a:bodyPr lIns="0" tIns="0" rIns="0" bIns="0" anchor="ctr"/>
-          <a:lstStyle/>
-          <a:p>
-            <a:pPr algn="ctr"/>
-            <a:endParaRPr lang="en-US" sz="3200" b="0" strike="noStrike" spc="-1">
-              <a:solidFill>
-                <a:srgbClr val="000000"/>
-              </a:solidFill>
-              <a:uFill>
-                <a:solidFill>
-                  <a:srgbClr val="FFFFFF"/>
-                </a:solidFill>
-              </a:uFill>
-              <a:latin typeface="Arial"/>
-            </a:endParaRPr>
-          </a:p>
-        </p:txBody>
-      </p:sp>
-    </p:spTree>
-    <p:extLst>
-      <p:ext uri="{BB962C8B-B14F-4D97-AF65-F5344CB8AC3E}">
-        <p14:creationId xmlns:p14="http://schemas.microsoft.com/office/powerpoint/2010/main" val="348606218"/>
-      </p:ext>
-    </p:extLst>
-  </p:cSld>
-  <p:clrMapOvr>
-    <a:masterClrMapping/>
-  </p:clrMapOvr>
-</p:sldLayout>
-</file>
-
-<file path=ppt/slideLayouts/slideLayout14.xml><?xml version="1.0" encoding="utf-8"?>
-<p:sldLayout xmlns:a="http://schemas.openxmlformats.org/drawingml/2006/main" xmlns:r="http://schemas.openxmlformats.org/officeDocument/2006/relationships" xmlns:p="http://schemas.openxmlformats.org/presentationml/2006/main" type="obj" preserve="1">
-  <p:cSld name="Title, Content">
-    <p:spTree>
-      <p:nvGrpSpPr>
-        <p:cNvPr id="1" name=""/>
-        <p:cNvGrpSpPr/>
-        <p:nvPr/>
-      </p:nvGrpSpPr>
-      <p:grpSpPr>
-        <a:xfrm>
-          <a:off x="0" y="0"/>
-          <a:ext cx="0" cy="0"/>
-          <a:chOff x="0" y="0"/>
-          <a:chExt cx="0" cy="0"/>
-        </a:xfrm>
-      </p:grpSpPr>
-      <p:sp>
-        <p:nvSpPr>
-          <p:cNvPr id="46" name="PlaceHolder 1"/>
-          <p:cNvSpPr>
-            <a:spLocks noGrp="1"/>
-          </p:cNvSpPr>
-          <p:nvPr>
-            <p:ph type="title"/>
-          </p:nvPr>
-        </p:nvSpPr>
-        <p:spPr>
-          <a:xfrm>
-            <a:off x="457200" y="273600"/>
-            <a:ext cx="8229240" cy="1144800"/>
-          </a:xfrm>
-          <a:prstGeom prst="rect">
-            <a:avLst/>
-          </a:prstGeom>
-        </p:spPr>
-        <p:txBody>
-          <a:bodyPr lIns="0" tIns="0" rIns="0" bIns="0" anchor="ctr"/>
-          <a:lstStyle/>
-          <a:p>
-            <a:endParaRPr lang="es-ES" sz="4400" b="0" strike="noStrike" spc="-1">
-              <a:solidFill>
-                <a:srgbClr val="000000"/>
-              </a:solidFill>
-              <a:uFill>
-                <a:solidFill>
-                  <a:srgbClr val="FFFFFF"/>
-                </a:solidFill>
-              </a:uFill>
-              <a:latin typeface="Arial"/>
-            </a:endParaRPr>
-          </a:p>
-        </p:txBody>
-      </p:sp>
-      <p:sp>
-        <p:nvSpPr>
-          <p:cNvPr id="47" name="PlaceHolder 2"/>
-          <p:cNvSpPr>
-            <a:spLocks noGrp="1"/>
-          </p:cNvSpPr>
-          <p:nvPr>
-            <p:ph type="body"/>
-          </p:nvPr>
-        </p:nvSpPr>
-        <p:spPr>
-          <a:xfrm>
-            <a:off x="457200" y="1604520"/>
-            <a:ext cx="8229240" cy="3977280"/>
-          </a:xfrm>
-          <a:prstGeom prst="rect">
-            <a:avLst/>
-          </a:prstGeom>
-        </p:spPr>
-        <p:txBody>
-          <a:bodyPr lIns="0" tIns="0" rIns="0" bIns="0"/>
-          <a:lstStyle/>
-          <a:p>
-            <a:endParaRPr lang="es-ES" sz="3200" b="0" strike="noStrike" spc="-1">
-              <a:solidFill>
-                <a:srgbClr val="000000"/>
-              </a:solidFill>
-              <a:uFill>
-                <a:solidFill>
-                  <a:srgbClr val="FFFFFF"/>
-                </a:solidFill>
-              </a:uFill>
-              <a:latin typeface="Calibri"/>
-            </a:endParaRPr>
-          </a:p>
-        </p:txBody>
-      </p:sp>
-    </p:spTree>
-    <p:extLst>
-      <p:ext uri="{BB962C8B-B14F-4D97-AF65-F5344CB8AC3E}">
-        <p14:creationId xmlns:p14="http://schemas.microsoft.com/office/powerpoint/2010/main" val="3103112320"/>
-      </p:ext>
-    </p:extLst>
-  </p:cSld>
-  <p:clrMapOvr>
-    <a:masterClrMapping/>
-  </p:clrMapOvr>
-</p:sldLayout>
-</file>
-
-<file path=ppt/slideLayouts/slideLayout15.xml><?xml version="1.0" encoding="utf-8"?>
-<p:sldLayout xmlns:a="http://schemas.openxmlformats.org/drawingml/2006/main" xmlns:r="http://schemas.openxmlformats.org/officeDocument/2006/relationships" xmlns:p="http://schemas.openxmlformats.org/presentationml/2006/main" type="twoObj" preserve="1">
-  <p:cSld name="Title, 2 Content">
-    <p:spTree>
-      <p:nvGrpSpPr>
-        <p:cNvPr id="1" name=""/>
-        <p:cNvGrpSpPr/>
-        <p:nvPr/>
-      </p:nvGrpSpPr>
-      <p:grpSpPr>
-        <a:xfrm>
-          <a:off x="0" y="0"/>
-          <a:ext cx="0" cy="0"/>
-          <a:chOff x="0" y="0"/>
-          <a:chExt cx="0" cy="0"/>
-        </a:xfrm>
-      </p:grpSpPr>
-      <p:sp>
-        <p:nvSpPr>
-          <p:cNvPr id="48" name="PlaceHolder 1"/>
-          <p:cNvSpPr>
-            <a:spLocks noGrp="1"/>
-          </p:cNvSpPr>
-          <p:nvPr>
-            <p:ph type="title"/>
-          </p:nvPr>
-        </p:nvSpPr>
-        <p:spPr>
-          <a:xfrm>
-            <a:off x="457200" y="273600"/>
-            <a:ext cx="8229240" cy="1144800"/>
-          </a:xfrm>
-          <a:prstGeom prst="rect">
-            <a:avLst/>
-          </a:prstGeom>
-        </p:spPr>
-        <p:txBody>
-          <a:bodyPr lIns="0" tIns="0" rIns="0" bIns="0" anchor="ctr"/>
-          <a:lstStyle/>
-          <a:p>
-            <a:endParaRPr lang="es-ES" sz="4400" b="0" strike="noStrike" spc="-1">
-              <a:solidFill>
-                <a:srgbClr val="000000"/>
-              </a:solidFill>
-              <a:uFill>
-                <a:solidFill>
-                  <a:srgbClr val="FFFFFF"/>
-                </a:solidFill>
-              </a:uFill>
-              <a:latin typeface="Arial"/>
-            </a:endParaRPr>
-          </a:p>
-        </p:txBody>
-      </p:sp>
-      <p:sp>
-        <p:nvSpPr>
-          <p:cNvPr id="49" name="PlaceHolder 2"/>
-          <p:cNvSpPr>
-            <a:spLocks noGrp="1"/>
-          </p:cNvSpPr>
-          <p:nvPr>
-            <p:ph type="body"/>
-          </p:nvPr>
-        </p:nvSpPr>
-        <p:spPr>
-          <a:xfrm>
-            <a:off x="457200" y="1604520"/>
-            <a:ext cx="4015800" cy="3977280"/>
-          </a:xfrm>
-          <a:prstGeom prst="rect">
-            <a:avLst/>
-          </a:prstGeom>
-        </p:spPr>
-        <p:txBody>
-          <a:bodyPr lIns="0" tIns="0" rIns="0" bIns="0"/>
-          <a:lstStyle/>
-          <a:p>
-            <a:endParaRPr lang="es-ES" sz="3200" b="0" strike="noStrike" spc="-1">
-              <a:solidFill>
-                <a:srgbClr val="000000"/>
-              </a:solidFill>
-              <a:uFill>
-                <a:solidFill>
-                  <a:srgbClr val="FFFFFF"/>
-                </a:solidFill>
-              </a:uFill>
-              <a:latin typeface="Calibri"/>
-            </a:endParaRPr>
-          </a:p>
-        </p:txBody>
-      </p:sp>
-      <p:sp>
-        <p:nvSpPr>
-          <p:cNvPr id="50" name="PlaceHolder 3"/>
-          <p:cNvSpPr>
-            <a:spLocks noGrp="1"/>
-          </p:cNvSpPr>
-          <p:nvPr>
-            <p:ph type="body"/>
-          </p:nvPr>
-        </p:nvSpPr>
-        <p:spPr>
-          <a:xfrm>
-            <a:off x="4674240" y="1604520"/>
-            <a:ext cx="4015800" cy="3977280"/>
-          </a:xfrm>
-          <a:prstGeom prst="rect">
-            <a:avLst/>
-          </a:prstGeom>
-        </p:spPr>
-        <p:txBody>
-          <a:bodyPr lIns="0" tIns="0" rIns="0" bIns="0"/>
-          <a:lstStyle/>
-          <a:p>
-            <a:endParaRPr lang="es-ES" sz="3200" b="0" strike="noStrike" spc="-1">
-              <a:solidFill>
-                <a:srgbClr val="000000"/>
-              </a:solidFill>
-              <a:uFill>
-                <a:solidFill>
-                  <a:srgbClr val="FFFFFF"/>
-                </a:solidFill>
-              </a:uFill>
-              <a:latin typeface="Calibri"/>
-            </a:endParaRPr>
-          </a:p>
-        </p:txBody>
-      </p:sp>
-    </p:spTree>
-    <p:extLst>
-      <p:ext uri="{BB962C8B-B14F-4D97-AF65-F5344CB8AC3E}">
-        <p14:creationId xmlns:p14="http://schemas.microsoft.com/office/powerpoint/2010/main" val="3347342284"/>
-      </p:ext>
-    </p:extLst>
-  </p:cSld>
-  <p:clrMapOvr>
-    <a:masterClrMapping/>
-  </p:clrMapOvr>
-</p:sldLayout>
-</file>
-
-<file path=ppt/slideLayouts/slideLayout16.xml><?xml version="1.0" encoding="utf-8"?>
-<p:sldLayout xmlns:a="http://schemas.openxmlformats.org/drawingml/2006/main" xmlns:r="http://schemas.openxmlformats.org/officeDocument/2006/relationships" xmlns:p="http://schemas.openxmlformats.org/presentationml/2006/main" type="titleOnly" preserve="1">
-  <p:cSld name="Title Only">
-    <p:spTree>
-      <p:nvGrpSpPr>
-        <p:cNvPr id="1" name=""/>
-        <p:cNvGrpSpPr/>
-        <p:nvPr/>
-      </p:nvGrpSpPr>
-      <p:grpSpPr>
-        <a:xfrm>
-          <a:off x="0" y="0"/>
-          <a:ext cx="0" cy="0"/>
-          <a:chOff x="0" y="0"/>
-          <a:chExt cx="0" cy="0"/>
-        </a:xfrm>
-      </p:grpSpPr>
-      <p:sp>
-        <p:nvSpPr>
-          <p:cNvPr id="51" name="PlaceHolder 1"/>
-          <p:cNvSpPr>
-            <a:spLocks noGrp="1"/>
-          </p:cNvSpPr>
-          <p:nvPr>
-            <p:ph type="title"/>
-          </p:nvPr>
-        </p:nvSpPr>
-        <p:spPr>
-          <a:xfrm>
-            <a:off x="457200" y="273600"/>
-            <a:ext cx="8229240" cy="1144800"/>
-          </a:xfrm>
-          <a:prstGeom prst="rect">
-            <a:avLst/>
-          </a:prstGeom>
-        </p:spPr>
-        <p:txBody>
-          <a:bodyPr lIns="0" tIns="0" rIns="0" bIns="0" anchor="ctr"/>
-          <a:lstStyle/>
-          <a:p>
-            <a:endParaRPr lang="es-ES" sz="4400" b="0" strike="noStrike" spc="-1">
-              <a:solidFill>
-                <a:srgbClr val="000000"/>
-              </a:solidFill>
-              <a:uFill>
-                <a:solidFill>
-                  <a:srgbClr val="FFFFFF"/>
-                </a:solidFill>
-              </a:uFill>
-              <a:latin typeface="Arial"/>
-            </a:endParaRPr>
-          </a:p>
-        </p:txBody>
-      </p:sp>
-    </p:spTree>
-    <p:extLst>
-      <p:ext uri="{BB962C8B-B14F-4D97-AF65-F5344CB8AC3E}">
-        <p14:creationId xmlns:p14="http://schemas.microsoft.com/office/powerpoint/2010/main" val="3069809369"/>
-      </p:ext>
-    </p:extLst>
-  </p:cSld>
-  <p:clrMapOvr>
-    <a:masterClrMapping/>
-  </p:clrMapOvr>
-</p:sldLayout>
-</file>
-
-<file path=ppt/slideLayouts/slideLayout17.xml><?xml version="1.0" encoding="utf-8"?>
-<p:sldLayout xmlns:a="http://schemas.openxmlformats.org/drawingml/2006/main" xmlns:r="http://schemas.openxmlformats.org/officeDocument/2006/relationships" xmlns:p="http://schemas.openxmlformats.org/presentationml/2006/main" type="objOnly" preserve="1">
-  <p:cSld name="Centered Text">
-    <p:spTree>
-      <p:nvGrpSpPr>
-        <p:cNvPr id="1" name=""/>
-        <p:cNvGrpSpPr/>
-        <p:nvPr/>
-      </p:nvGrpSpPr>
-      <p:grpSpPr>
-        <a:xfrm>
-          <a:off x="0" y="0"/>
-          <a:ext cx="0" cy="0"/>
-          <a:chOff x="0" y="0"/>
-          <a:chExt cx="0" cy="0"/>
-        </a:xfrm>
-      </p:grpSpPr>
-      <p:sp>
-        <p:nvSpPr>
-          <p:cNvPr id="52" name="PlaceHolder 1"/>
-          <p:cNvSpPr>
-            <a:spLocks noGrp="1"/>
-          </p:cNvSpPr>
-          <p:nvPr>
-            <p:ph type="subTitle"/>
-          </p:nvPr>
-        </p:nvSpPr>
-        <p:spPr>
-          <a:xfrm>
-            <a:off x="457200" y="273600"/>
-            <a:ext cx="8229240" cy="5307840"/>
-          </a:xfrm>
-          <a:prstGeom prst="rect">
-            <a:avLst/>
-          </a:prstGeom>
-        </p:spPr>
-        <p:txBody>
-          <a:bodyPr lIns="0" tIns="0" rIns="0" bIns="0" anchor="ctr"/>
-          <a:lstStyle/>
-          <a:p>
-            <a:pPr algn="ctr"/>
-            <a:endParaRPr lang="en-US" sz="3200" b="0" strike="noStrike" spc="-1">
-              <a:solidFill>
-                <a:srgbClr val="000000"/>
-              </a:solidFill>
-              <a:uFill>
-                <a:solidFill>
-                  <a:srgbClr val="FFFFFF"/>
-                </a:solidFill>
-              </a:uFill>
-              <a:latin typeface="Arial"/>
-            </a:endParaRPr>
-          </a:p>
-        </p:txBody>
-      </p:sp>
-    </p:spTree>
-    <p:extLst>
-      <p:ext uri="{BB962C8B-B14F-4D97-AF65-F5344CB8AC3E}">
-        <p14:creationId xmlns:p14="http://schemas.microsoft.com/office/powerpoint/2010/main" val="644994570"/>
-      </p:ext>
-    </p:extLst>
-  </p:cSld>
-  <p:clrMapOvr>
-    <a:masterClrMapping/>
-  </p:clrMapOvr>
-</p:sldLayout>
-</file>
-
-<file path=ppt/slideLayouts/slideLayout18.xml><?xml version="1.0" encoding="utf-8"?>
-<p:sldLayout xmlns:a="http://schemas.openxmlformats.org/drawingml/2006/main" xmlns:r="http://schemas.openxmlformats.org/officeDocument/2006/relationships" xmlns:p="http://schemas.openxmlformats.org/presentationml/2006/main" type="twoObjAndObj" preserve="1">
-  <p:cSld name="Title, 2 Content and Content">
-    <p:spTree>
-      <p:nvGrpSpPr>
-        <p:cNvPr id="1" name=""/>
-        <p:cNvGrpSpPr/>
-        <p:nvPr/>
-      </p:nvGrpSpPr>
-      <p:grpSpPr>
-        <a:xfrm>
-          <a:off x="0" y="0"/>
-          <a:ext cx="0" cy="0"/>
-          <a:chOff x="0" y="0"/>
-          <a:chExt cx="0" cy="0"/>
-        </a:xfrm>
-      </p:grpSpPr>
-      <p:sp>
-        <p:nvSpPr>
-          <p:cNvPr id="53" name="PlaceHolder 1"/>
-          <p:cNvSpPr>
-            <a:spLocks noGrp="1"/>
-          </p:cNvSpPr>
-          <p:nvPr>
-            <p:ph type="title"/>
-          </p:nvPr>
-        </p:nvSpPr>
-        <p:spPr>
-          <a:xfrm>
-            <a:off x="457200" y="273600"/>
-            <a:ext cx="8229240" cy="1144800"/>
-          </a:xfrm>
-          <a:prstGeom prst="rect">
-            <a:avLst/>
-          </a:prstGeom>
-        </p:spPr>
-        <p:txBody>
-          <a:bodyPr lIns="0" tIns="0" rIns="0" bIns="0" anchor="ctr"/>
-          <a:lstStyle/>
-          <a:p>
-            <a:endParaRPr lang="es-ES" sz="4400" b="0" strike="noStrike" spc="-1">
-              <a:solidFill>
-                <a:srgbClr val="000000"/>
-              </a:solidFill>
-              <a:uFill>
-                <a:solidFill>
-                  <a:srgbClr val="FFFFFF"/>
-                </a:solidFill>
-              </a:uFill>
-              <a:latin typeface="Arial"/>
-            </a:endParaRPr>
-          </a:p>
-        </p:txBody>
-      </p:sp>
-      <p:sp>
-        <p:nvSpPr>
-          <p:cNvPr id="54" name="PlaceHolder 2"/>
-          <p:cNvSpPr>
-            <a:spLocks noGrp="1"/>
-          </p:cNvSpPr>
-          <p:nvPr>
-            <p:ph type="body"/>
-          </p:nvPr>
-        </p:nvSpPr>
-        <p:spPr>
-          <a:xfrm>
-            <a:off x="457200" y="1604520"/>
-            <a:ext cx="4015800" cy="1896840"/>
-          </a:xfrm>
-          <a:prstGeom prst="rect">
-            <a:avLst/>
-          </a:prstGeom>
-        </p:spPr>
-        <p:txBody>
-          <a:bodyPr lIns="0" tIns="0" rIns="0" bIns="0"/>
-          <a:lstStyle/>
-          <a:p>
-            <a:endParaRPr lang="es-ES" sz="3200" b="0" strike="noStrike" spc="-1">
-              <a:solidFill>
-                <a:srgbClr val="000000"/>
-              </a:solidFill>
-              <a:uFill>
-                <a:solidFill>
-                  <a:srgbClr val="FFFFFF"/>
-                </a:solidFill>
-              </a:uFill>
-              <a:latin typeface="Calibri"/>
-            </a:endParaRPr>
-          </a:p>
-        </p:txBody>
-      </p:sp>
-      <p:sp>
-        <p:nvSpPr>
-          <p:cNvPr id="55" name="PlaceHolder 3"/>
-          <p:cNvSpPr>
-            <a:spLocks noGrp="1"/>
-          </p:cNvSpPr>
-          <p:nvPr>
-            <p:ph type="body"/>
-          </p:nvPr>
-        </p:nvSpPr>
-        <p:spPr>
-          <a:xfrm>
-            <a:off x="457200" y="3682080"/>
-            <a:ext cx="4015800" cy="1896840"/>
-          </a:xfrm>
-          <a:prstGeom prst="rect">
-            <a:avLst/>
-          </a:prstGeom>
-        </p:spPr>
-        <p:txBody>
-          <a:bodyPr lIns="0" tIns="0" rIns="0" bIns="0"/>
-          <a:lstStyle/>
-          <a:p>
-            <a:endParaRPr lang="es-ES" sz="3200" b="0" strike="noStrike" spc="-1">
-              <a:solidFill>
-                <a:srgbClr val="000000"/>
-              </a:solidFill>
-              <a:uFill>
-                <a:solidFill>
-                  <a:srgbClr val="FFFFFF"/>
-                </a:solidFill>
-              </a:uFill>
-              <a:latin typeface="Calibri"/>
-            </a:endParaRPr>
-          </a:p>
-        </p:txBody>
-      </p:sp>
-      <p:sp>
-        <p:nvSpPr>
-          <p:cNvPr id="56" name="PlaceHolder 4"/>
-          <p:cNvSpPr>
-            <a:spLocks noGrp="1"/>
-          </p:cNvSpPr>
-          <p:nvPr>
-            <p:ph type="body"/>
-          </p:nvPr>
-        </p:nvSpPr>
-        <p:spPr>
-          <a:xfrm>
-            <a:off x="4674240" y="1604520"/>
-            <a:ext cx="4015800" cy="3977280"/>
-          </a:xfrm>
-          <a:prstGeom prst="rect">
-            <a:avLst/>
-          </a:prstGeom>
-        </p:spPr>
-        <p:txBody>
-          <a:bodyPr lIns="0" tIns="0" rIns="0" bIns="0"/>
-          <a:lstStyle/>
-          <a:p>
-            <a:endParaRPr lang="es-ES" sz="3200" b="0" strike="noStrike" spc="-1">
-              <a:solidFill>
-                <a:srgbClr val="000000"/>
-              </a:solidFill>
-              <a:uFill>
-                <a:solidFill>
-                  <a:srgbClr val="FFFFFF"/>
-                </a:solidFill>
-              </a:uFill>
-              <a:latin typeface="Calibri"/>
-            </a:endParaRPr>
-          </a:p>
-        </p:txBody>
-      </p:sp>
-    </p:spTree>
-    <p:extLst>
-      <p:ext uri="{BB962C8B-B14F-4D97-AF65-F5344CB8AC3E}">
-        <p14:creationId xmlns:p14="http://schemas.microsoft.com/office/powerpoint/2010/main" val="2570692617"/>
-      </p:ext>
-    </p:extLst>
-  </p:cSld>
-  <p:clrMapOvr>
-    <a:masterClrMapping/>
-  </p:clrMapOvr>
-</p:sldLayout>
-</file>
-
-<file path=ppt/slideLayouts/slideLayout19.xml><?xml version="1.0" encoding="utf-8"?>
-<p:sldLayout xmlns:a="http://schemas.openxmlformats.org/drawingml/2006/main" xmlns:r="http://schemas.openxmlformats.org/officeDocument/2006/relationships" xmlns:p="http://schemas.openxmlformats.org/presentationml/2006/main" type="objAndTwoObj" preserve="1">
-  <p:cSld name="Title Content and 2 Content">
-    <p:spTree>
-      <p:nvGrpSpPr>
-        <p:cNvPr id="1" name=""/>
-        <p:cNvGrpSpPr/>
-        <p:nvPr/>
-      </p:nvGrpSpPr>
-      <p:grpSpPr>
-        <a:xfrm>
-          <a:off x="0" y="0"/>
-          <a:ext cx="0" cy="0"/>
-          <a:chOff x="0" y="0"/>
-          <a:chExt cx="0" cy="0"/>
-        </a:xfrm>
-      </p:grpSpPr>
-      <p:sp>
-        <p:nvSpPr>
-          <p:cNvPr id="57" name="PlaceHolder 1"/>
-          <p:cNvSpPr>
-            <a:spLocks noGrp="1"/>
-          </p:cNvSpPr>
-          <p:nvPr>
-            <p:ph type="title"/>
-          </p:nvPr>
-        </p:nvSpPr>
-        <p:spPr>
-          <a:xfrm>
-            <a:off x="457200" y="273600"/>
-            <a:ext cx="8229240" cy="1144800"/>
-          </a:xfrm>
-          <a:prstGeom prst="rect">
-            <a:avLst/>
-          </a:prstGeom>
-        </p:spPr>
-        <p:txBody>
-          <a:bodyPr lIns="0" tIns="0" rIns="0" bIns="0" anchor="ctr"/>
-          <a:lstStyle/>
-          <a:p>
-            <a:endParaRPr lang="es-ES" sz="4400" b="0" strike="noStrike" spc="-1">
-              <a:solidFill>
-                <a:srgbClr val="000000"/>
-              </a:solidFill>
-              <a:uFill>
-                <a:solidFill>
-                  <a:srgbClr val="FFFFFF"/>
-                </a:solidFill>
-              </a:uFill>
-              <a:latin typeface="Arial"/>
-            </a:endParaRPr>
-          </a:p>
-        </p:txBody>
-      </p:sp>
-      <p:sp>
-        <p:nvSpPr>
-          <p:cNvPr id="58" name="PlaceHolder 2"/>
-          <p:cNvSpPr>
-            <a:spLocks noGrp="1"/>
-          </p:cNvSpPr>
-          <p:nvPr>
-            <p:ph type="body"/>
-          </p:nvPr>
-        </p:nvSpPr>
-        <p:spPr>
-          <a:xfrm>
-            <a:off x="457200" y="1604520"/>
-            <a:ext cx="4015800" cy="3977280"/>
-          </a:xfrm>
-          <a:prstGeom prst="rect">
-            <a:avLst/>
-          </a:prstGeom>
-        </p:spPr>
-        <p:txBody>
-          <a:bodyPr lIns="0" tIns="0" rIns="0" bIns="0"/>
-          <a:lstStyle/>
-          <a:p>
-            <a:endParaRPr lang="es-ES" sz="3200" b="0" strike="noStrike" spc="-1">
-              <a:solidFill>
-                <a:srgbClr val="000000"/>
-              </a:solidFill>
-              <a:uFill>
-                <a:solidFill>
-                  <a:srgbClr val="FFFFFF"/>
-                </a:solidFill>
-              </a:uFill>
-              <a:latin typeface="Calibri"/>
-            </a:endParaRPr>
-          </a:p>
-        </p:txBody>
-      </p:sp>
-      <p:sp>
-        <p:nvSpPr>
-          <p:cNvPr id="59" name="PlaceHolder 3"/>
-          <p:cNvSpPr>
-            <a:spLocks noGrp="1"/>
-          </p:cNvSpPr>
-          <p:nvPr>
-            <p:ph type="body"/>
-          </p:nvPr>
-        </p:nvSpPr>
-        <p:spPr>
-          <a:xfrm>
-            <a:off x="4674240" y="1604520"/>
-            <a:ext cx="4015800" cy="1896840"/>
-          </a:xfrm>
-          <a:prstGeom prst="rect">
-            <a:avLst/>
-          </a:prstGeom>
-        </p:spPr>
-        <p:txBody>
-          <a:bodyPr lIns="0" tIns="0" rIns="0" bIns="0"/>
-          <a:lstStyle/>
-          <a:p>
-            <a:endParaRPr lang="es-ES" sz="3200" b="0" strike="noStrike" spc="-1">
-              <a:solidFill>
-                <a:srgbClr val="000000"/>
-              </a:solidFill>
-              <a:uFill>
-                <a:solidFill>
-                  <a:srgbClr val="FFFFFF"/>
-                </a:solidFill>
-              </a:uFill>
-              <a:latin typeface="Calibri"/>
-            </a:endParaRPr>
-          </a:p>
-        </p:txBody>
-      </p:sp>
-      <p:sp>
-        <p:nvSpPr>
-          <p:cNvPr id="60" name="PlaceHolder 4"/>
-          <p:cNvSpPr>
-            <a:spLocks noGrp="1"/>
-          </p:cNvSpPr>
-          <p:nvPr>
-            <p:ph type="body"/>
-          </p:nvPr>
-        </p:nvSpPr>
-        <p:spPr>
-          <a:xfrm>
-            <a:off x="4674240" y="3682080"/>
-            <a:ext cx="4015800" cy="1896840"/>
-          </a:xfrm>
-          <a:prstGeom prst="rect">
-            <a:avLst/>
-          </a:prstGeom>
-        </p:spPr>
-        <p:txBody>
-          <a:bodyPr lIns="0" tIns="0" rIns="0" bIns="0"/>
-          <a:lstStyle/>
-          <a:p>
-            <a:endParaRPr lang="es-ES" sz="3200" b="0" strike="noStrike" spc="-1">
-              <a:solidFill>
-                <a:srgbClr val="000000"/>
-              </a:solidFill>
-              <a:uFill>
-                <a:solidFill>
-                  <a:srgbClr val="FFFFFF"/>
-                </a:solidFill>
-              </a:uFill>
-              <a:latin typeface="Calibri"/>
-            </a:endParaRPr>
-          </a:p>
-        </p:txBody>
-      </p:sp>
-    </p:spTree>
-    <p:extLst>
-      <p:ext uri="{BB962C8B-B14F-4D97-AF65-F5344CB8AC3E}">
-        <p14:creationId xmlns:p14="http://schemas.microsoft.com/office/powerpoint/2010/main" val="3828811357"/>
-      </p:ext>
-    </p:extLst>
-  </p:cSld>
-  <p:clrMapOvr>
-    <a:masterClrMapping/>
-  </p:clrMapOvr>
-</p:sldLayout>
-</file>
-
 <file path=ppt/slideLayouts/slideLayout2.xml><?xml version="1.0" encoding="utf-8"?>
 <p:sldLayout xmlns:a="http://schemas.openxmlformats.org/drawingml/2006/main" xmlns:r="http://schemas.openxmlformats.org/officeDocument/2006/relationships" xmlns:p="http://schemas.openxmlformats.org/presentationml/2006/main" type="obj" preserve="1">
   <p:cSld name="Título y objetos">
@@ -1886,727 +1013,6 @@
     <p:extLst>
       <p:ext uri="{BB962C8B-B14F-4D97-AF65-F5344CB8AC3E}">
         <p14:creationId xmlns:p14="http://schemas.microsoft.com/office/powerpoint/2010/main" val="3913736882"/>
-      </p:ext>
-    </p:extLst>
-  </p:cSld>
-  <p:clrMapOvr>
-    <a:masterClrMapping/>
-  </p:clrMapOvr>
-</p:sldLayout>
-</file>
-
-<file path=ppt/slideLayouts/slideLayout20.xml><?xml version="1.0" encoding="utf-8"?>
-<p:sldLayout xmlns:a="http://schemas.openxmlformats.org/drawingml/2006/main" xmlns:r="http://schemas.openxmlformats.org/officeDocument/2006/relationships" xmlns:p="http://schemas.openxmlformats.org/presentationml/2006/main" type="twoObjOverTx" preserve="1">
-  <p:cSld name="Title, 2 Content over Content">
-    <p:spTree>
-      <p:nvGrpSpPr>
-        <p:cNvPr id="1" name=""/>
-        <p:cNvGrpSpPr/>
-        <p:nvPr/>
-      </p:nvGrpSpPr>
-      <p:grpSpPr>
-        <a:xfrm>
-          <a:off x="0" y="0"/>
-          <a:ext cx="0" cy="0"/>
-          <a:chOff x="0" y="0"/>
-          <a:chExt cx="0" cy="0"/>
-        </a:xfrm>
-      </p:grpSpPr>
-      <p:sp>
-        <p:nvSpPr>
-          <p:cNvPr id="61" name="PlaceHolder 1"/>
-          <p:cNvSpPr>
-            <a:spLocks noGrp="1"/>
-          </p:cNvSpPr>
-          <p:nvPr>
-            <p:ph type="title"/>
-          </p:nvPr>
-        </p:nvSpPr>
-        <p:spPr>
-          <a:xfrm>
-            <a:off x="457200" y="273600"/>
-            <a:ext cx="8229240" cy="1144800"/>
-          </a:xfrm>
-          <a:prstGeom prst="rect">
-            <a:avLst/>
-          </a:prstGeom>
-        </p:spPr>
-        <p:txBody>
-          <a:bodyPr lIns="0" tIns="0" rIns="0" bIns="0" anchor="ctr"/>
-          <a:lstStyle/>
-          <a:p>
-            <a:endParaRPr lang="es-ES" sz="4400" b="0" strike="noStrike" spc="-1">
-              <a:solidFill>
-                <a:srgbClr val="000000"/>
-              </a:solidFill>
-              <a:uFill>
-                <a:solidFill>
-                  <a:srgbClr val="FFFFFF"/>
-                </a:solidFill>
-              </a:uFill>
-              <a:latin typeface="Arial"/>
-            </a:endParaRPr>
-          </a:p>
-        </p:txBody>
-      </p:sp>
-      <p:sp>
-        <p:nvSpPr>
-          <p:cNvPr id="62" name="PlaceHolder 2"/>
-          <p:cNvSpPr>
-            <a:spLocks noGrp="1"/>
-          </p:cNvSpPr>
-          <p:nvPr>
-            <p:ph type="body"/>
-          </p:nvPr>
-        </p:nvSpPr>
-        <p:spPr>
-          <a:xfrm>
-            <a:off x="457200" y="1604520"/>
-            <a:ext cx="4015800" cy="1896840"/>
-          </a:xfrm>
-          <a:prstGeom prst="rect">
-            <a:avLst/>
-          </a:prstGeom>
-        </p:spPr>
-        <p:txBody>
-          <a:bodyPr lIns="0" tIns="0" rIns="0" bIns="0"/>
-          <a:lstStyle/>
-          <a:p>
-            <a:endParaRPr lang="es-ES" sz="3200" b="0" strike="noStrike" spc="-1">
-              <a:solidFill>
-                <a:srgbClr val="000000"/>
-              </a:solidFill>
-              <a:uFill>
-                <a:solidFill>
-                  <a:srgbClr val="FFFFFF"/>
-                </a:solidFill>
-              </a:uFill>
-              <a:latin typeface="Calibri"/>
-            </a:endParaRPr>
-          </a:p>
-        </p:txBody>
-      </p:sp>
-      <p:sp>
-        <p:nvSpPr>
-          <p:cNvPr id="63" name="PlaceHolder 3"/>
-          <p:cNvSpPr>
-            <a:spLocks noGrp="1"/>
-          </p:cNvSpPr>
-          <p:nvPr>
-            <p:ph type="body"/>
-          </p:nvPr>
-        </p:nvSpPr>
-        <p:spPr>
-          <a:xfrm>
-            <a:off x="4674240" y="1604520"/>
-            <a:ext cx="4015800" cy="1896840"/>
-          </a:xfrm>
-          <a:prstGeom prst="rect">
-            <a:avLst/>
-          </a:prstGeom>
-        </p:spPr>
-        <p:txBody>
-          <a:bodyPr lIns="0" tIns="0" rIns="0" bIns="0"/>
-          <a:lstStyle/>
-          <a:p>
-            <a:endParaRPr lang="es-ES" sz="3200" b="0" strike="noStrike" spc="-1">
-              <a:solidFill>
-                <a:srgbClr val="000000"/>
-              </a:solidFill>
-              <a:uFill>
-                <a:solidFill>
-                  <a:srgbClr val="FFFFFF"/>
-                </a:solidFill>
-              </a:uFill>
-              <a:latin typeface="Calibri"/>
-            </a:endParaRPr>
-          </a:p>
-        </p:txBody>
-      </p:sp>
-      <p:sp>
-        <p:nvSpPr>
-          <p:cNvPr id="64" name="PlaceHolder 4"/>
-          <p:cNvSpPr>
-            <a:spLocks noGrp="1"/>
-          </p:cNvSpPr>
-          <p:nvPr>
-            <p:ph type="body"/>
-          </p:nvPr>
-        </p:nvSpPr>
-        <p:spPr>
-          <a:xfrm>
-            <a:off x="457200" y="3682080"/>
-            <a:ext cx="8229240" cy="1896840"/>
-          </a:xfrm>
-          <a:prstGeom prst="rect">
-            <a:avLst/>
-          </a:prstGeom>
-        </p:spPr>
-        <p:txBody>
-          <a:bodyPr lIns="0" tIns="0" rIns="0" bIns="0"/>
-          <a:lstStyle/>
-          <a:p>
-            <a:endParaRPr lang="es-ES" sz="3200" b="0" strike="noStrike" spc="-1">
-              <a:solidFill>
-                <a:srgbClr val="000000"/>
-              </a:solidFill>
-              <a:uFill>
-                <a:solidFill>
-                  <a:srgbClr val="FFFFFF"/>
-                </a:solidFill>
-              </a:uFill>
-              <a:latin typeface="Calibri"/>
-            </a:endParaRPr>
-          </a:p>
-        </p:txBody>
-      </p:sp>
-    </p:spTree>
-    <p:extLst>
-      <p:ext uri="{BB962C8B-B14F-4D97-AF65-F5344CB8AC3E}">
-        <p14:creationId xmlns:p14="http://schemas.microsoft.com/office/powerpoint/2010/main" val="1705695227"/>
-      </p:ext>
-    </p:extLst>
-  </p:cSld>
-  <p:clrMapOvr>
-    <a:masterClrMapping/>
-  </p:clrMapOvr>
-</p:sldLayout>
-</file>
-
-<file path=ppt/slideLayouts/slideLayout21.xml><?xml version="1.0" encoding="utf-8"?>
-<p:sldLayout xmlns:a="http://schemas.openxmlformats.org/drawingml/2006/main" xmlns:r="http://schemas.openxmlformats.org/officeDocument/2006/relationships" xmlns:p="http://schemas.openxmlformats.org/presentationml/2006/main" type="objOverTx" preserve="1">
-  <p:cSld name="Title, Content over Content">
-    <p:spTree>
-      <p:nvGrpSpPr>
-        <p:cNvPr id="1" name=""/>
-        <p:cNvGrpSpPr/>
-        <p:nvPr/>
-      </p:nvGrpSpPr>
-      <p:grpSpPr>
-        <a:xfrm>
-          <a:off x="0" y="0"/>
-          <a:ext cx="0" cy="0"/>
-          <a:chOff x="0" y="0"/>
-          <a:chExt cx="0" cy="0"/>
-        </a:xfrm>
-      </p:grpSpPr>
-      <p:sp>
-        <p:nvSpPr>
-          <p:cNvPr id="65" name="PlaceHolder 1"/>
-          <p:cNvSpPr>
-            <a:spLocks noGrp="1"/>
-          </p:cNvSpPr>
-          <p:nvPr>
-            <p:ph type="title"/>
-          </p:nvPr>
-        </p:nvSpPr>
-        <p:spPr>
-          <a:xfrm>
-            <a:off x="457200" y="273600"/>
-            <a:ext cx="8229240" cy="1144800"/>
-          </a:xfrm>
-          <a:prstGeom prst="rect">
-            <a:avLst/>
-          </a:prstGeom>
-        </p:spPr>
-        <p:txBody>
-          <a:bodyPr lIns="0" tIns="0" rIns="0" bIns="0" anchor="ctr"/>
-          <a:lstStyle/>
-          <a:p>
-            <a:endParaRPr lang="es-ES" sz="4400" b="0" strike="noStrike" spc="-1">
-              <a:solidFill>
-                <a:srgbClr val="000000"/>
-              </a:solidFill>
-              <a:uFill>
-                <a:solidFill>
-                  <a:srgbClr val="FFFFFF"/>
-                </a:solidFill>
-              </a:uFill>
-              <a:latin typeface="Arial"/>
-            </a:endParaRPr>
-          </a:p>
-        </p:txBody>
-      </p:sp>
-      <p:sp>
-        <p:nvSpPr>
-          <p:cNvPr id="66" name="PlaceHolder 2"/>
-          <p:cNvSpPr>
-            <a:spLocks noGrp="1"/>
-          </p:cNvSpPr>
-          <p:nvPr>
-            <p:ph type="body"/>
-          </p:nvPr>
-        </p:nvSpPr>
-        <p:spPr>
-          <a:xfrm>
-            <a:off x="457200" y="1604520"/>
-            <a:ext cx="8229240" cy="1896840"/>
-          </a:xfrm>
-          <a:prstGeom prst="rect">
-            <a:avLst/>
-          </a:prstGeom>
-        </p:spPr>
-        <p:txBody>
-          <a:bodyPr lIns="0" tIns="0" rIns="0" bIns="0"/>
-          <a:lstStyle/>
-          <a:p>
-            <a:endParaRPr lang="es-ES" sz="3200" b="0" strike="noStrike" spc="-1">
-              <a:solidFill>
-                <a:srgbClr val="000000"/>
-              </a:solidFill>
-              <a:uFill>
-                <a:solidFill>
-                  <a:srgbClr val="FFFFFF"/>
-                </a:solidFill>
-              </a:uFill>
-              <a:latin typeface="Calibri"/>
-            </a:endParaRPr>
-          </a:p>
-        </p:txBody>
-      </p:sp>
-      <p:sp>
-        <p:nvSpPr>
-          <p:cNvPr id="67" name="PlaceHolder 3"/>
-          <p:cNvSpPr>
-            <a:spLocks noGrp="1"/>
-          </p:cNvSpPr>
-          <p:nvPr>
-            <p:ph type="body"/>
-          </p:nvPr>
-        </p:nvSpPr>
-        <p:spPr>
-          <a:xfrm>
-            <a:off x="457200" y="3682080"/>
-            <a:ext cx="8229240" cy="1896840"/>
-          </a:xfrm>
-          <a:prstGeom prst="rect">
-            <a:avLst/>
-          </a:prstGeom>
-        </p:spPr>
-        <p:txBody>
-          <a:bodyPr lIns="0" tIns="0" rIns="0" bIns="0"/>
-          <a:lstStyle/>
-          <a:p>
-            <a:endParaRPr lang="es-ES" sz="3200" b="0" strike="noStrike" spc="-1">
-              <a:solidFill>
-                <a:srgbClr val="000000"/>
-              </a:solidFill>
-              <a:uFill>
-                <a:solidFill>
-                  <a:srgbClr val="FFFFFF"/>
-                </a:solidFill>
-              </a:uFill>
-              <a:latin typeface="Calibri"/>
-            </a:endParaRPr>
-          </a:p>
-        </p:txBody>
-      </p:sp>
-    </p:spTree>
-    <p:extLst>
-      <p:ext uri="{BB962C8B-B14F-4D97-AF65-F5344CB8AC3E}">
-        <p14:creationId xmlns:p14="http://schemas.microsoft.com/office/powerpoint/2010/main" val="215294197"/>
-      </p:ext>
-    </p:extLst>
-  </p:cSld>
-  <p:clrMapOvr>
-    <a:masterClrMapping/>
-  </p:clrMapOvr>
-</p:sldLayout>
-</file>
-
-<file path=ppt/slideLayouts/slideLayout22.xml><?xml version="1.0" encoding="utf-8"?>
-<p:sldLayout xmlns:a="http://schemas.openxmlformats.org/drawingml/2006/main" xmlns:r="http://schemas.openxmlformats.org/officeDocument/2006/relationships" xmlns:p="http://schemas.openxmlformats.org/presentationml/2006/main" type="fourObj" preserve="1">
-  <p:cSld name="Title, 4 Content">
-    <p:spTree>
-      <p:nvGrpSpPr>
-        <p:cNvPr id="1" name=""/>
-        <p:cNvGrpSpPr/>
-        <p:nvPr/>
-      </p:nvGrpSpPr>
-      <p:grpSpPr>
-        <a:xfrm>
-          <a:off x="0" y="0"/>
-          <a:ext cx="0" cy="0"/>
-          <a:chOff x="0" y="0"/>
-          <a:chExt cx="0" cy="0"/>
-        </a:xfrm>
-      </p:grpSpPr>
-      <p:sp>
-        <p:nvSpPr>
-          <p:cNvPr id="68" name="PlaceHolder 1"/>
-          <p:cNvSpPr>
-            <a:spLocks noGrp="1"/>
-          </p:cNvSpPr>
-          <p:nvPr>
-            <p:ph type="title"/>
-          </p:nvPr>
-        </p:nvSpPr>
-        <p:spPr>
-          <a:xfrm>
-            <a:off x="457200" y="273600"/>
-            <a:ext cx="8229240" cy="1144800"/>
-          </a:xfrm>
-          <a:prstGeom prst="rect">
-            <a:avLst/>
-          </a:prstGeom>
-        </p:spPr>
-        <p:txBody>
-          <a:bodyPr lIns="0" tIns="0" rIns="0" bIns="0" anchor="ctr"/>
-          <a:lstStyle/>
-          <a:p>
-            <a:endParaRPr lang="es-ES" sz="4400" b="0" strike="noStrike" spc="-1">
-              <a:solidFill>
-                <a:srgbClr val="000000"/>
-              </a:solidFill>
-              <a:uFill>
-                <a:solidFill>
-                  <a:srgbClr val="FFFFFF"/>
-                </a:solidFill>
-              </a:uFill>
-              <a:latin typeface="Arial"/>
-            </a:endParaRPr>
-          </a:p>
-        </p:txBody>
-      </p:sp>
-      <p:sp>
-        <p:nvSpPr>
-          <p:cNvPr id="69" name="PlaceHolder 2"/>
-          <p:cNvSpPr>
-            <a:spLocks noGrp="1"/>
-          </p:cNvSpPr>
-          <p:nvPr>
-            <p:ph type="body"/>
-          </p:nvPr>
-        </p:nvSpPr>
-        <p:spPr>
-          <a:xfrm>
-            <a:off x="457200" y="1604520"/>
-            <a:ext cx="4015800" cy="1896840"/>
-          </a:xfrm>
-          <a:prstGeom prst="rect">
-            <a:avLst/>
-          </a:prstGeom>
-        </p:spPr>
-        <p:txBody>
-          <a:bodyPr lIns="0" tIns="0" rIns="0" bIns="0"/>
-          <a:lstStyle/>
-          <a:p>
-            <a:endParaRPr lang="es-ES" sz="3200" b="0" strike="noStrike" spc="-1">
-              <a:solidFill>
-                <a:srgbClr val="000000"/>
-              </a:solidFill>
-              <a:uFill>
-                <a:solidFill>
-                  <a:srgbClr val="FFFFFF"/>
-                </a:solidFill>
-              </a:uFill>
-              <a:latin typeface="Calibri"/>
-            </a:endParaRPr>
-          </a:p>
-        </p:txBody>
-      </p:sp>
-      <p:sp>
-        <p:nvSpPr>
-          <p:cNvPr id="70" name="PlaceHolder 3"/>
-          <p:cNvSpPr>
-            <a:spLocks noGrp="1"/>
-          </p:cNvSpPr>
-          <p:nvPr>
-            <p:ph type="body"/>
-          </p:nvPr>
-        </p:nvSpPr>
-        <p:spPr>
-          <a:xfrm>
-            <a:off x="4674240" y="1604520"/>
-            <a:ext cx="4015800" cy="1896840"/>
-          </a:xfrm>
-          <a:prstGeom prst="rect">
-            <a:avLst/>
-          </a:prstGeom>
-        </p:spPr>
-        <p:txBody>
-          <a:bodyPr lIns="0" tIns="0" rIns="0" bIns="0"/>
-          <a:lstStyle/>
-          <a:p>
-            <a:endParaRPr lang="es-ES" sz="3200" b="0" strike="noStrike" spc="-1">
-              <a:solidFill>
-                <a:srgbClr val="000000"/>
-              </a:solidFill>
-              <a:uFill>
-                <a:solidFill>
-                  <a:srgbClr val="FFFFFF"/>
-                </a:solidFill>
-              </a:uFill>
-              <a:latin typeface="Calibri"/>
-            </a:endParaRPr>
-          </a:p>
-        </p:txBody>
-      </p:sp>
-      <p:sp>
-        <p:nvSpPr>
-          <p:cNvPr id="71" name="PlaceHolder 4"/>
-          <p:cNvSpPr>
-            <a:spLocks noGrp="1"/>
-          </p:cNvSpPr>
-          <p:nvPr>
-            <p:ph type="body"/>
-          </p:nvPr>
-        </p:nvSpPr>
-        <p:spPr>
-          <a:xfrm>
-            <a:off x="4674240" y="3682080"/>
-            <a:ext cx="4015800" cy="1896840"/>
-          </a:xfrm>
-          <a:prstGeom prst="rect">
-            <a:avLst/>
-          </a:prstGeom>
-        </p:spPr>
-        <p:txBody>
-          <a:bodyPr lIns="0" tIns="0" rIns="0" bIns="0"/>
-          <a:lstStyle/>
-          <a:p>
-            <a:endParaRPr lang="es-ES" sz="3200" b="0" strike="noStrike" spc="-1">
-              <a:solidFill>
-                <a:srgbClr val="000000"/>
-              </a:solidFill>
-              <a:uFill>
-                <a:solidFill>
-                  <a:srgbClr val="FFFFFF"/>
-                </a:solidFill>
-              </a:uFill>
-              <a:latin typeface="Calibri"/>
-            </a:endParaRPr>
-          </a:p>
-        </p:txBody>
-      </p:sp>
-      <p:sp>
-        <p:nvSpPr>
-          <p:cNvPr id="72" name="PlaceHolder 5"/>
-          <p:cNvSpPr>
-            <a:spLocks noGrp="1"/>
-          </p:cNvSpPr>
-          <p:nvPr>
-            <p:ph type="body"/>
-          </p:nvPr>
-        </p:nvSpPr>
-        <p:spPr>
-          <a:xfrm>
-            <a:off x="457200" y="3682080"/>
-            <a:ext cx="4015800" cy="1896840"/>
-          </a:xfrm>
-          <a:prstGeom prst="rect">
-            <a:avLst/>
-          </a:prstGeom>
-        </p:spPr>
-        <p:txBody>
-          <a:bodyPr lIns="0" tIns="0" rIns="0" bIns="0"/>
-          <a:lstStyle/>
-          <a:p>
-            <a:endParaRPr lang="es-ES" sz="3200" b="0" strike="noStrike" spc="-1">
-              <a:solidFill>
-                <a:srgbClr val="000000"/>
-              </a:solidFill>
-              <a:uFill>
-                <a:solidFill>
-                  <a:srgbClr val="FFFFFF"/>
-                </a:solidFill>
-              </a:uFill>
-              <a:latin typeface="Calibri"/>
-            </a:endParaRPr>
-          </a:p>
-        </p:txBody>
-      </p:sp>
-    </p:spTree>
-    <p:extLst>
-      <p:ext uri="{BB962C8B-B14F-4D97-AF65-F5344CB8AC3E}">
-        <p14:creationId xmlns:p14="http://schemas.microsoft.com/office/powerpoint/2010/main" val="1743725283"/>
-      </p:ext>
-    </p:extLst>
-  </p:cSld>
-  <p:clrMapOvr>
-    <a:masterClrMapping/>
-  </p:clrMapOvr>
-</p:sldLayout>
-</file>
-
-<file path=ppt/slideLayouts/slideLayout23.xml><?xml version="1.0" encoding="utf-8"?>
-<p:sldLayout xmlns:a="http://schemas.openxmlformats.org/drawingml/2006/main" xmlns:r="http://schemas.openxmlformats.org/officeDocument/2006/relationships" xmlns:p="http://schemas.openxmlformats.org/presentationml/2006/main" type="blank" preserve="1">
-  <p:cSld name="Title, 6 Content">
-    <p:spTree>
-      <p:nvGrpSpPr>
-        <p:cNvPr id="1" name=""/>
-        <p:cNvGrpSpPr/>
-        <p:nvPr/>
-      </p:nvGrpSpPr>
-      <p:grpSpPr>
-        <a:xfrm>
-          <a:off x="0" y="0"/>
-          <a:ext cx="0" cy="0"/>
-          <a:chOff x="0" y="0"/>
-          <a:chExt cx="0" cy="0"/>
-        </a:xfrm>
-      </p:grpSpPr>
-      <p:sp>
-        <p:nvSpPr>
-          <p:cNvPr id="73" name="PlaceHolder 1"/>
-          <p:cNvSpPr>
-            <a:spLocks noGrp="1"/>
-          </p:cNvSpPr>
-          <p:nvPr>
-            <p:ph type="title"/>
-          </p:nvPr>
-        </p:nvSpPr>
-        <p:spPr>
-          <a:xfrm>
-            <a:off x="457200" y="273600"/>
-            <a:ext cx="8229240" cy="1144800"/>
-          </a:xfrm>
-          <a:prstGeom prst="rect">
-            <a:avLst/>
-          </a:prstGeom>
-        </p:spPr>
-        <p:txBody>
-          <a:bodyPr lIns="0" tIns="0" rIns="0" bIns="0" anchor="ctr"/>
-          <a:lstStyle/>
-          <a:p>
-            <a:endParaRPr lang="es-ES" sz="4400" b="0" strike="noStrike" spc="-1">
-              <a:solidFill>
-                <a:srgbClr val="000000"/>
-              </a:solidFill>
-              <a:uFill>
-                <a:solidFill>
-                  <a:srgbClr val="FFFFFF"/>
-                </a:solidFill>
-              </a:uFill>
-              <a:latin typeface="Arial"/>
-            </a:endParaRPr>
-          </a:p>
-        </p:txBody>
-      </p:sp>
-      <p:sp>
-        <p:nvSpPr>
-          <p:cNvPr id="74" name="PlaceHolder 2"/>
-          <p:cNvSpPr>
-            <a:spLocks noGrp="1"/>
-          </p:cNvSpPr>
-          <p:nvPr>
-            <p:ph type="body"/>
-          </p:nvPr>
-        </p:nvSpPr>
-        <p:spPr>
-          <a:xfrm>
-            <a:off x="457200" y="1604520"/>
-            <a:ext cx="8229240" cy="3977280"/>
-          </a:xfrm>
-          <a:prstGeom prst="rect">
-            <a:avLst/>
-          </a:prstGeom>
-        </p:spPr>
-        <p:txBody>
-          <a:bodyPr lIns="0" tIns="0" rIns="0" bIns="0"/>
-          <a:lstStyle/>
-          <a:p>
-            <a:endParaRPr lang="es-ES" sz="3200" b="0" strike="noStrike" spc="-1">
-              <a:solidFill>
-                <a:srgbClr val="000000"/>
-              </a:solidFill>
-              <a:uFill>
-                <a:solidFill>
-                  <a:srgbClr val="FFFFFF"/>
-                </a:solidFill>
-              </a:uFill>
-              <a:latin typeface="Calibri"/>
-            </a:endParaRPr>
-          </a:p>
-        </p:txBody>
-      </p:sp>
-      <p:sp>
-        <p:nvSpPr>
-          <p:cNvPr id="75" name="PlaceHolder 3"/>
-          <p:cNvSpPr>
-            <a:spLocks noGrp="1"/>
-          </p:cNvSpPr>
-          <p:nvPr>
-            <p:ph type="body"/>
-          </p:nvPr>
-        </p:nvSpPr>
-        <p:spPr>
-          <a:xfrm>
-            <a:off x="457200" y="1604520"/>
-            <a:ext cx="8229240" cy="3977280"/>
-          </a:xfrm>
-          <a:prstGeom prst="rect">
-            <a:avLst/>
-          </a:prstGeom>
-        </p:spPr>
-        <p:txBody>
-          <a:bodyPr lIns="0" tIns="0" rIns="0" bIns="0"/>
-          <a:lstStyle/>
-          <a:p>
-            <a:endParaRPr lang="es-ES" sz="3200" b="0" strike="noStrike" spc="-1">
-              <a:solidFill>
-                <a:srgbClr val="000000"/>
-              </a:solidFill>
-              <a:uFill>
-                <a:solidFill>
-                  <a:srgbClr val="FFFFFF"/>
-                </a:solidFill>
-              </a:uFill>
-              <a:latin typeface="Calibri"/>
-            </a:endParaRPr>
-          </a:p>
-        </p:txBody>
-      </p:sp>
-      <p:pic>
-        <p:nvPicPr>
-          <p:cNvPr id="76" name="Bilde 75"/>
-          <p:cNvPicPr/>
-          <p:nvPr/>
-        </p:nvPicPr>
-        <p:blipFill>
-          <a:blip r:embed="rId2"/>
-          <a:stretch/>
-        </p:blipFill>
-        <p:spPr>
-          <a:xfrm>
-            <a:off x="2079000" y="1604520"/>
-            <a:ext cx="4984920" cy="3977280"/>
-          </a:xfrm>
-          <a:prstGeom prst="rect">
-            <a:avLst/>
-          </a:prstGeom>
-          <a:ln>
-            <a:noFill/>
-          </a:ln>
-        </p:spPr>
-      </p:pic>
-      <p:pic>
-        <p:nvPicPr>
-          <p:cNvPr id="77" name="Bilde 76"/>
-          <p:cNvPicPr/>
-          <p:nvPr/>
-        </p:nvPicPr>
-        <p:blipFill>
-          <a:blip r:embed="rId2"/>
-          <a:stretch/>
-        </p:blipFill>
-        <p:spPr>
-          <a:xfrm>
-            <a:off x="2079000" y="1604520"/>
-            <a:ext cx="4984920" cy="3977280"/>
-          </a:xfrm>
-          <a:prstGeom prst="rect">
-            <a:avLst/>
-          </a:prstGeom>
-          <a:ln>
-            <a:noFill/>
-          </a:ln>
-        </p:spPr>
-      </p:pic>
-    </p:spTree>
-    <p:extLst>
-      <p:ext uri="{BB962C8B-B14F-4D97-AF65-F5344CB8AC3E}">
-        <p14:creationId xmlns:p14="http://schemas.microsoft.com/office/powerpoint/2010/main" val="3388453357"/>
       </p:ext>
     </p:extLst>
   </p:cSld>
@@ -5215,733 +3621,6 @@
 </p:sldMaster>
 </file>
 
-<file path=ppt/slideMasters/slideMaster2.xml><?xml version="1.0" encoding="utf-8"?>
-<p:sldMaster xmlns:a="http://schemas.openxmlformats.org/drawingml/2006/main" xmlns:r="http://schemas.openxmlformats.org/officeDocument/2006/relationships" xmlns:p="http://schemas.openxmlformats.org/presentationml/2006/main">
-  <p:cSld>
-    <p:bg>
-      <p:bgPr>
-        <a:solidFill>
-          <a:srgbClr val="FFFFFF"/>
-        </a:solidFill>
-        <a:effectLst/>
-      </p:bgPr>
-    </p:bg>
-    <p:spTree>
-      <p:nvGrpSpPr>
-        <p:cNvPr id="1" name=""/>
-        <p:cNvGrpSpPr/>
-        <p:nvPr/>
-      </p:nvGrpSpPr>
-      <p:grpSpPr>
-        <a:xfrm>
-          <a:off x="0" y="0"/>
-          <a:ext cx="0" cy="0"/>
-          <a:chOff x="0" y="0"/>
-          <a:chExt cx="0" cy="0"/>
-        </a:xfrm>
-      </p:grpSpPr>
-      <p:sp>
-        <p:nvSpPr>
-          <p:cNvPr id="39" name="PlaceHolder 1"/>
-          <p:cNvSpPr>
-            <a:spLocks noGrp="1"/>
-          </p:cNvSpPr>
-          <p:nvPr>
-            <p:ph type="title"/>
-          </p:nvPr>
-        </p:nvSpPr>
-        <p:spPr>
-          <a:xfrm>
-            <a:off x="685800" y="2130480"/>
-            <a:ext cx="7772040" cy="1469520"/>
-          </a:xfrm>
-          <a:prstGeom prst="rect">
-            <a:avLst/>
-          </a:prstGeom>
-        </p:spPr>
-        <p:txBody>
-          <a:bodyPr anchor="ctr"/>
-          <a:lstStyle/>
-          <a:p>
-            <a:pPr algn="ctr">
-              <a:lnSpc>
-                <a:spcPct val="100000"/>
-              </a:lnSpc>
-            </a:pPr>
-            <a:r>
-              <a:rPr lang="es-ES" sz="4400" b="0" strike="noStrike" spc="-1">
-                <a:solidFill>
-                  <a:srgbClr val="000000"/>
-                </a:solidFill>
-                <a:uFill>
-                  <a:solidFill>
-                    <a:srgbClr val="FFFFFF"/>
-                  </a:solidFill>
-                </a:uFill>
-                <a:latin typeface="Calibri"/>
-              </a:rPr>
-              <a:t>Haga clic para modificar el estilo de título del patrón</a:t>
-            </a:r>
-            <a:endParaRPr lang="es-ES" sz="4400" b="0" strike="noStrike" spc="-1">
-              <a:solidFill>
-                <a:srgbClr val="000000"/>
-              </a:solidFill>
-              <a:uFill>
-                <a:solidFill>
-                  <a:srgbClr val="FFFFFF"/>
-                </a:solidFill>
-              </a:uFill>
-              <a:latin typeface="Arial"/>
-            </a:endParaRPr>
-          </a:p>
-        </p:txBody>
-      </p:sp>
-      <p:sp>
-        <p:nvSpPr>
-          <p:cNvPr id="40" name="PlaceHolder 2"/>
-          <p:cNvSpPr>
-            <a:spLocks noGrp="1"/>
-          </p:cNvSpPr>
-          <p:nvPr>
-            <p:ph type="dt"/>
-          </p:nvPr>
-        </p:nvSpPr>
-        <p:spPr>
-          <a:xfrm>
-            <a:off x="457200" y="6356520"/>
-            <a:ext cx="2133360" cy="364680"/>
-          </a:xfrm>
-          <a:prstGeom prst="rect">
-            <a:avLst/>
-          </a:prstGeom>
-        </p:spPr>
-        <p:txBody>
-          <a:bodyPr anchor="ctr"/>
-          <a:lstStyle/>
-          <a:p>
-            <a:pPr>
-              <a:lnSpc>
-                <a:spcPct val="100000"/>
-              </a:lnSpc>
-            </a:pPr>
-            <a:r>
-              <a:rPr lang="en-US" sz="1200" b="0" strike="noStrike" spc="-1">
-                <a:solidFill>
-                  <a:srgbClr val="8B8B8B"/>
-                </a:solidFill>
-                <a:uFill>
-                  <a:solidFill>
-                    <a:srgbClr val="FFFFFF"/>
-                  </a:solidFill>
-                </a:uFill>
-                <a:latin typeface="Calibri"/>
-              </a:rPr>
-              <a:t>2/23/18</a:t>
-            </a:r>
-            <a:endParaRPr lang="en-US" sz="1200" b="0" strike="noStrike" spc="-1">
-              <a:solidFill>
-                <a:srgbClr val="000000"/>
-              </a:solidFill>
-              <a:uFill>
-                <a:solidFill>
-                  <a:srgbClr val="FFFFFF"/>
-                </a:solidFill>
-              </a:uFill>
-              <a:latin typeface="Times New Roman"/>
-            </a:endParaRPr>
-          </a:p>
-        </p:txBody>
-      </p:sp>
-      <p:sp>
-        <p:nvSpPr>
-          <p:cNvPr id="41" name="PlaceHolder 3"/>
-          <p:cNvSpPr>
-            <a:spLocks noGrp="1"/>
-          </p:cNvSpPr>
-          <p:nvPr>
-            <p:ph type="ftr"/>
-          </p:nvPr>
-        </p:nvSpPr>
-        <p:spPr>
-          <a:xfrm>
-            <a:off x="3124080" y="6356520"/>
-            <a:ext cx="2895120" cy="364680"/>
-          </a:xfrm>
-          <a:prstGeom prst="rect">
-            <a:avLst/>
-          </a:prstGeom>
-        </p:spPr>
-        <p:txBody>
-          <a:bodyPr anchor="ctr"/>
-          <a:lstStyle/>
-          <a:p>
-            <a:endParaRPr lang="en-US" sz="2400" b="0" strike="noStrike" spc="-1">
-              <a:solidFill>
-                <a:srgbClr val="000000"/>
-              </a:solidFill>
-              <a:uFill>
-                <a:solidFill>
-                  <a:srgbClr val="FFFFFF"/>
-                </a:solidFill>
-              </a:uFill>
-              <a:latin typeface="Times New Roman"/>
-            </a:endParaRPr>
-          </a:p>
-        </p:txBody>
-      </p:sp>
-      <p:sp>
-        <p:nvSpPr>
-          <p:cNvPr id="42" name="PlaceHolder 4"/>
-          <p:cNvSpPr>
-            <a:spLocks noGrp="1"/>
-          </p:cNvSpPr>
-          <p:nvPr>
-            <p:ph type="sldNum"/>
-          </p:nvPr>
-        </p:nvSpPr>
-        <p:spPr>
-          <a:xfrm>
-            <a:off x="6553080" y="6356520"/>
-            <a:ext cx="2133360" cy="364680"/>
-          </a:xfrm>
-          <a:prstGeom prst="rect">
-            <a:avLst/>
-          </a:prstGeom>
-        </p:spPr>
-        <p:txBody>
-          <a:bodyPr anchor="ctr"/>
-          <a:lstStyle/>
-          <a:p>
-            <a:pPr algn="r">
-              <a:lnSpc>
-                <a:spcPct val="100000"/>
-              </a:lnSpc>
-            </a:pPr>
-            <a:fld id="{BA66E960-6366-410E-AFE4-E6ABBC6F7DAD}" type="slidenum">
-              <a:rPr lang="en-US" sz="1200" b="0" strike="noStrike" spc="-1">
-                <a:solidFill>
-                  <a:srgbClr val="8B8B8B"/>
-                </a:solidFill>
-                <a:uFill>
-                  <a:solidFill>
-                    <a:srgbClr val="FFFFFF"/>
-                  </a:solidFill>
-                </a:uFill>
-                <a:latin typeface="Calibri"/>
-              </a:rPr>
-              <a:t>‹#›</a:t>
-            </a:fld>
-            <a:endParaRPr lang="en-US" sz="1200" b="0" strike="noStrike" spc="-1">
-              <a:solidFill>
-                <a:srgbClr val="000000"/>
-              </a:solidFill>
-              <a:uFill>
-                <a:solidFill>
-                  <a:srgbClr val="FFFFFF"/>
-                </a:solidFill>
-              </a:uFill>
-              <a:latin typeface="Times New Roman"/>
-            </a:endParaRPr>
-          </a:p>
-        </p:txBody>
-      </p:sp>
-      <p:sp>
-        <p:nvSpPr>
-          <p:cNvPr id="43" name="PlaceHolder 5"/>
-          <p:cNvSpPr>
-            <a:spLocks noGrp="1"/>
-          </p:cNvSpPr>
-          <p:nvPr>
-            <p:ph type="body"/>
-          </p:nvPr>
-        </p:nvSpPr>
-        <p:spPr>
-          <a:xfrm>
-            <a:off x="457200" y="1604520"/>
-            <a:ext cx="8229240" cy="3977280"/>
-          </a:xfrm>
-          <a:prstGeom prst="rect">
-            <a:avLst/>
-          </a:prstGeom>
-        </p:spPr>
-        <p:txBody>
-          <a:bodyPr lIns="0" tIns="0" rIns="0" bIns="0"/>
-          <a:lstStyle/>
-          <a:p>
-            <a:pPr marL="432000" indent="-324000">
-              <a:buClr>
-                <a:srgbClr val="000000"/>
-              </a:buClr>
-              <a:buSzPct val="45000"/>
-              <a:buFont typeface="Wingdings" charset="2"/>
-              <a:buChar char=""/>
-            </a:pPr>
-            <a:r>
-              <a:rPr lang="es-ES" sz="3200" b="0" strike="noStrike" spc="-1">
-                <a:solidFill>
-                  <a:srgbClr val="000000"/>
-                </a:solidFill>
-                <a:uFill>
-                  <a:solidFill>
-                    <a:srgbClr val="FFFFFF"/>
-                  </a:solidFill>
-                </a:uFill>
-                <a:latin typeface="Calibri"/>
-              </a:rPr>
-              <a:t>Click to edit the outline text format</a:t>
-            </a:r>
-          </a:p>
-          <a:p>
-            <a:pPr marL="864000" lvl="1" indent="-324000">
-              <a:buClr>
-                <a:srgbClr val="000000"/>
-              </a:buClr>
-              <a:buSzPct val="75000"/>
-              <a:buFont typeface="Symbol" charset="2"/>
-              <a:buChar char=""/>
-            </a:pPr>
-            <a:r>
-              <a:rPr lang="es-ES" sz="2400" b="0" strike="noStrike" spc="-1">
-                <a:solidFill>
-                  <a:srgbClr val="000000"/>
-                </a:solidFill>
-                <a:uFill>
-                  <a:solidFill>
-                    <a:srgbClr val="FFFFFF"/>
-                  </a:solidFill>
-                </a:uFill>
-                <a:latin typeface="Calibri"/>
-              </a:rPr>
-              <a:t>Second Outline Level</a:t>
-            </a:r>
-          </a:p>
-          <a:p>
-            <a:pPr marL="1296000" lvl="2" indent="-288000">
-              <a:buClr>
-                <a:srgbClr val="000000"/>
-              </a:buClr>
-              <a:buSzPct val="45000"/>
-              <a:buFont typeface="Wingdings" charset="2"/>
-              <a:buChar char=""/>
-            </a:pPr>
-            <a:r>
-              <a:rPr lang="es-ES" sz="2000" b="0" strike="noStrike" spc="-1">
-                <a:solidFill>
-                  <a:srgbClr val="000000"/>
-                </a:solidFill>
-                <a:uFill>
-                  <a:solidFill>
-                    <a:srgbClr val="FFFFFF"/>
-                  </a:solidFill>
-                </a:uFill>
-                <a:latin typeface="Calibri"/>
-              </a:rPr>
-              <a:t>Third Outline Level</a:t>
-            </a:r>
-          </a:p>
-          <a:p>
-            <a:pPr marL="1728000" lvl="3" indent="-216000">
-              <a:buClr>
-                <a:srgbClr val="000000"/>
-              </a:buClr>
-              <a:buSzPct val="75000"/>
-              <a:buFont typeface="Symbol" charset="2"/>
-              <a:buChar char=""/>
-            </a:pPr>
-            <a:r>
-              <a:rPr lang="es-ES" sz="2000" b="0" strike="noStrike" spc="-1">
-                <a:solidFill>
-                  <a:srgbClr val="000000"/>
-                </a:solidFill>
-                <a:uFill>
-                  <a:solidFill>
-                    <a:srgbClr val="FFFFFF"/>
-                  </a:solidFill>
-                </a:uFill>
-                <a:latin typeface="Calibri"/>
-              </a:rPr>
-              <a:t>Fourth Outline Level</a:t>
-            </a:r>
-          </a:p>
-          <a:p>
-            <a:pPr marL="2160000" lvl="4" indent="-216000">
-              <a:buClr>
-                <a:srgbClr val="000000"/>
-              </a:buClr>
-              <a:buSzPct val="45000"/>
-              <a:buFont typeface="Wingdings" charset="2"/>
-              <a:buChar char=""/>
-            </a:pPr>
-            <a:r>
-              <a:rPr lang="es-ES" sz="2000" b="0" strike="noStrike" spc="-1">
-                <a:solidFill>
-                  <a:srgbClr val="000000"/>
-                </a:solidFill>
-                <a:uFill>
-                  <a:solidFill>
-                    <a:srgbClr val="FFFFFF"/>
-                  </a:solidFill>
-                </a:uFill>
-                <a:latin typeface="Calibri"/>
-              </a:rPr>
-              <a:t>Fifth Outline Level</a:t>
-            </a:r>
-          </a:p>
-          <a:p>
-            <a:pPr marL="2592000" lvl="5" indent="-216000">
-              <a:buClr>
-                <a:srgbClr val="000000"/>
-              </a:buClr>
-              <a:buSzPct val="45000"/>
-              <a:buFont typeface="Wingdings" charset="2"/>
-              <a:buChar char=""/>
-            </a:pPr>
-            <a:r>
-              <a:rPr lang="es-ES" sz="2000" b="0" strike="noStrike" spc="-1">
-                <a:solidFill>
-                  <a:srgbClr val="000000"/>
-                </a:solidFill>
-                <a:uFill>
-                  <a:solidFill>
-                    <a:srgbClr val="FFFFFF"/>
-                  </a:solidFill>
-                </a:uFill>
-                <a:latin typeface="Calibri"/>
-              </a:rPr>
-              <a:t>Sixth Outline Level</a:t>
-            </a:r>
-          </a:p>
-          <a:p>
-            <a:pPr marL="3024000" lvl="6" indent="-216000">
-              <a:buClr>
-                <a:srgbClr val="000000"/>
-              </a:buClr>
-              <a:buSzPct val="45000"/>
-              <a:buFont typeface="Wingdings" charset="2"/>
-              <a:buChar char=""/>
-            </a:pPr>
-            <a:r>
-              <a:rPr lang="es-ES" sz="2000" b="0" strike="noStrike" spc="-1">
-                <a:solidFill>
-                  <a:srgbClr val="000000"/>
-                </a:solidFill>
-                <a:uFill>
-                  <a:solidFill>
-                    <a:srgbClr val="FFFFFF"/>
-                  </a:solidFill>
-                </a:uFill>
-                <a:latin typeface="Calibri"/>
-              </a:rPr>
-              <a:t>Seventh Outline Level</a:t>
-            </a:r>
-          </a:p>
-        </p:txBody>
-      </p:sp>
-    </p:spTree>
-    <p:extLst>
-      <p:ext uri="{BB962C8B-B14F-4D97-AF65-F5344CB8AC3E}">
-        <p14:creationId xmlns:p14="http://schemas.microsoft.com/office/powerpoint/2010/main" val="564207779"/>
-      </p:ext>
-    </p:extLst>
-  </p:cSld>
-  <p:clrMap bg1="lt1" tx1="dk1" bg2="lt2" tx2="dk2" accent1="accent1" accent2="accent2" accent3="accent3" accent4="accent4" accent5="accent5" accent6="accent6" hlink="hlink" folHlink="folHlink"/>
-  <p:sldLayoutIdLst>
-    <p:sldLayoutId id="2147483661" r:id="rId1"/>
-    <p:sldLayoutId id="2147483662" r:id="rId2"/>
-    <p:sldLayoutId id="2147483663" r:id="rId3"/>
-    <p:sldLayoutId id="2147483664" r:id="rId4"/>
-    <p:sldLayoutId id="2147483665" r:id="rId5"/>
-    <p:sldLayoutId id="2147483666" r:id="rId6"/>
-    <p:sldLayoutId id="2147483667" r:id="rId7"/>
-    <p:sldLayoutId id="2147483668" r:id="rId8"/>
-    <p:sldLayoutId id="2147483669" r:id="rId9"/>
-    <p:sldLayoutId id="2147483670" r:id="rId10"/>
-    <p:sldLayoutId id="2147483671" r:id="rId11"/>
-    <p:sldLayoutId id="2147483672" r:id="rId12"/>
-  </p:sldLayoutIdLst>
-  <p:txStyles>
-    <p:titleStyle>
-      <a:lvl1pPr algn="l" defTabSz="914400" rtl="0" eaLnBrk="1" latinLnBrk="0" hangingPunct="1">
-        <a:lnSpc>
-          <a:spcPct val="90000"/>
-        </a:lnSpc>
-        <a:spcBef>
-          <a:spcPct val="0"/>
-        </a:spcBef>
-        <a:buNone/>
-        <a:defRPr sz="4400" kern="1200">
-          <a:solidFill>
-            <a:schemeClr val="tx1"/>
-          </a:solidFill>
-          <a:latin typeface="+mj-lt"/>
-          <a:ea typeface="+mj-ea"/>
-          <a:cs typeface="+mj-cs"/>
-        </a:defRPr>
-      </a:lvl1pPr>
-    </p:titleStyle>
-    <p:bodyStyle>
-      <a:lvl1pPr marL="228600" indent="-228600" algn="l" defTabSz="914400" rtl="0" eaLnBrk="1" latinLnBrk="0" hangingPunct="1">
-        <a:lnSpc>
-          <a:spcPct val="90000"/>
-        </a:lnSpc>
-        <a:spcBef>
-          <a:spcPts val="1000"/>
-        </a:spcBef>
-        <a:buFont typeface="Arial" panose="020B0604020202020204" pitchFamily="34" charset="0"/>
-        <a:buChar char="•"/>
-        <a:defRPr sz="2800" kern="1200">
-          <a:solidFill>
-            <a:schemeClr val="tx1"/>
-          </a:solidFill>
-          <a:latin typeface="+mn-lt"/>
-          <a:ea typeface="+mn-ea"/>
-          <a:cs typeface="+mn-cs"/>
-        </a:defRPr>
-      </a:lvl1pPr>
-      <a:lvl2pPr marL="685800" indent="-228600" algn="l" defTabSz="914400" rtl="0" eaLnBrk="1" latinLnBrk="0" hangingPunct="1">
-        <a:lnSpc>
-          <a:spcPct val="90000"/>
-        </a:lnSpc>
-        <a:spcBef>
-          <a:spcPts val="500"/>
-        </a:spcBef>
-        <a:buFont typeface="Arial" panose="020B0604020202020204" pitchFamily="34" charset="0"/>
-        <a:buChar char="•"/>
-        <a:defRPr sz="2400" kern="1200">
-          <a:solidFill>
-            <a:schemeClr val="tx1"/>
-          </a:solidFill>
-          <a:latin typeface="+mn-lt"/>
-          <a:ea typeface="+mn-ea"/>
-          <a:cs typeface="+mn-cs"/>
-        </a:defRPr>
-      </a:lvl2pPr>
-      <a:lvl3pPr marL="1143000" indent="-228600" algn="l" defTabSz="914400" rtl="0" eaLnBrk="1" latinLnBrk="0" hangingPunct="1">
-        <a:lnSpc>
-          <a:spcPct val="90000"/>
-        </a:lnSpc>
-        <a:spcBef>
-          <a:spcPts val="500"/>
-        </a:spcBef>
-        <a:buFont typeface="Arial" panose="020B0604020202020204" pitchFamily="34" charset="0"/>
-        <a:buChar char="•"/>
-        <a:defRPr sz="2000" kern="1200">
-          <a:solidFill>
-            <a:schemeClr val="tx1"/>
-          </a:solidFill>
-          <a:latin typeface="+mn-lt"/>
-          <a:ea typeface="+mn-ea"/>
-          <a:cs typeface="+mn-cs"/>
-        </a:defRPr>
-      </a:lvl3pPr>
-      <a:lvl4pPr marL="1600200" indent="-228600" algn="l" defTabSz="914400" rtl="0" eaLnBrk="1" latinLnBrk="0" hangingPunct="1">
-        <a:lnSpc>
-          <a:spcPct val="90000"/>
-        </a:lnSpc>
-        <a:spcBef>
-          <a:spcPts val="500"/>
-        </a:spcBef>
-        <a:buFont typeface="Arial" panose="020B0604020202020204" pitchFamily="34" charset="0"/>
-        <a:buChar char="•"/>
-        <a:defRPr sz="1800" kern="1200">
-          <a:solidFill>
-            <a:schemeClr val="tx1"/>
-          </a:solidFill>
-          <a:latin typeface="+mn-lt"/>
-          <a:ea typeface="+mn-ea"/>
-          <a:cs typeface="+mn-cs"/>
-        </a:defRPr>
-      </a:lvl4pPr>
-      <a:lvl5pPr marL="2057400" indent="-228600" algn="l" defTabSz="914400" rtl="0" eaLnBrk="1" latinLnBrk="0" hangingPunct="1">
-        <a:lnSpc>
-          <a:spcPct val="90000"/>
-        </a:lnSpc>
-        <a:spcBef>
-          <a:spcPts val="500"/>
-        </a:spcBef>
-        <a:buFont typeface="Arial" panose="020B0604020202020204" pitchFamily="34" charset="0"/>
-        <a:buChar char="•"/>
-        <a:defRPr sz="1800" kern="1200">
-          <a:solidFill>
-            <a:schemeClr val="tx1"/>
-          </a:solidFill>
-          <a:latin typeface="+mn-lt"/>
-          <a:ea typeface="+mn-ea"/>
-          <a:cs typeface="+mn-cs"/>
-        </a:defRPr>
-      </a:lvl5pPr>
-      <a:lvl6pPr marL="2514600" indent="-228600" algn="l" defTabSz="914400" rtl="0" eaLnBrk="1" latinLnBrk="0" hangingPunct="1">
-        <a:lnSpc>
-          <a:spcPct val="90000"/>
-        </a:lnSpc>
-        <a:spcBef>
-          <a:spcPts val="500"/>
-        </a:spcBef>
-        <a:buFont typeface="Arial" panose="020B0604020202020204" pitchFamily="34" charset="0"/>
-        <a:buChar char="•"/>
-        <a:defRPr sz="1800" kern="1200">
-          <a:solidFill>
-            <a:schemeClr val="tx1"/>
-          </a:solidFill>
-          <a:latin typeface="+mn-lt"/>
-          <a:ea typeface="+mn-ea"/>
-          <a:cs typeface="+mn-cs"/>
-        </a:defRPr>
-      </a:lvl6pPr>
-      <a:lvl7pPr marL="2971800" indent="-228600" algn="l" defTabSz="914400" rtl="0" eaLnBrk="1" latinLnBrk="0" hangingPunct="1">
-        <a:lnSpc>
-          <a:spcPct val="90000"/>
-        </a:lnSpc>
-        <a:spcBef>
-          <a:spcPts val="500"/>
-        </a:spcBef>
-        <a:buFont typeface="Arial" panose="020B0604020202020204" pitchFamily="34" charset="0"/>
-        <a:buChar char="•"/>
-        <a:defRPr sz="1800" kern="1200">
-          <a:solidFill>
-            <a:schemeClr val="tx1"/>
-          </a:solidFill>
-          <a:latin typeface="+mn-lt"/>
-          <a:ea typeface="+mn-ea"/>
-          <a:cs typeface="+mn-cs"/>
-        </a:defRPr>
-      </a:lvl7pPr>
-      <a:lvl8pPr marL="3429000" indent="-228600" algn="l" defTabSz="914400" rtl="0" eaLnBrk="1" latinLnBrk="0" hangingPunct="1">
-        <a:lnSpc>
-          <a:spcPct val="90000"/>
-        </a:lnSpc>
-        <a:spcBef>
-          <a:spcPts val="500"/>
-        </a:spcBef>
-        <a:buFont typeface="Arial" panose="020B0604020202020204" pitchFamily="34" charset="0"/>
-        <a:buChar char="•"/>
-        <a:defRPr sz="1800" kern="1200">
-          <a:solidFill>
-            <a:schemeClr val="tx1"/>
-          </a:solidFill>
-          <a:latin typeface="+mn-lt"/>
-          <a:ea typeface="+mn-ea"/>
-          <a:cs typeface="+mn-cs"/>
-        </a:defRPr>
-      </a:lvl8pPr>
-      <a:lvl9pPr marL="3886200" indent="-228600" algn="l" defTabSz="914400" rtl="0" eaLnBrk="1" latinLnBrk="0" hangingPunct="1">
-        <a:lnSpc>
-          <a:spcPct val="90000"/>
-        </a:lnSpc>
-        <a:spcBef>
-          <a:spcPts val="500"/>
-        </a:spcBef>
-        <a:buFont typeface="Arial" panose="020B0604020202020204" pitchFamily="34" charset="0"/>
-        <a:buChar char="•"/>
-        <a:defRPr sz="1800" kern="1200">
-          <a:solidFill>
-            <a:schemeClr val="tx1"/>
-          </a:solidFill>
-          <a:latin typeface="+mn-lt"/>
-          <a:ea typeface="+mn-ea"/>
-          <a:cs typeface="+mn-cs"/>
-        </a:defRPr>
-      </a:lvl9pPr>
-    </p:bodyStyle>
-    <p:otherStyle>
-      <a:defPPr>
-        <a:defRPr lang="nb-NO"/>
-      </a:defPPr>
-      <a:lvl1pPr marL="0" algn="l" defTabSz="914400" rtl="0" eaLnBrk="1" latinLnBrk="0" hangingPunct="1">
-        <a:defRPr sz="1800" kern="1200">
-          <a:solidFill>
-            <a:schemeClr val="tx1"/>
-          </a:solidFill>
-          <a:latin typeface="+mn-lt"/>
-          <a:ea typeface="+mn-ea"/>
-          <a:cs typeface="+mn-cs"/>
-        </a:defRPr>
-      </a:lvl1pPr>
-      <a:lvl2pPr marL="457200" algn="l" defTabSz="914400" rtl="0" eaLnBrk="1" latinLnBrk="0" hangingPunct="1">
-        <a:defRPr sz="1800" kern="1200">
-          <a:solidFill>
-            <a:schemeClr val="tx1"/>
-          </a:solidFill>
-          <a:latin typeface="+mn-lt"/>
-          <a:ea typeface="+mn-ea"/>
-          <a:cs typeface="+mn-cs"/>
-        </a:defRPr>
-      </a:lvl2pPr>
-      <a:lvl3pPr marL="914400" algn="l" defTabSz="914400" rtl="0" eaLnBrk="1" latinLnBrk="0" hangingPunct="1">
-        <a:defRPr sz="1800" kern="1200">
-          <a:solidFill>
-            <a:schemeClr val="tx1"/>
-          </a:solidFill>
-          <a:latin typeface="+mn-lt"/>
-          <a:ea typeface="+mn-ea"/>
-          <a:cs typeface="+mn-cs"/>
-        </a:defRPr>
-      </a:lvl3pPr>
-      <a:lvl4pPr marL="1371600" algn="l" defTabSz="914400" rtl="0" eaLnBrk="1" latinLnBrk="0" hangingPunct="1">
-        <a:defRPr sz="1800" kern="1200">
-          <a:solidFill>
-            <a:schemeClr val="tx1"/>
-          </a:solidFill>
-          <a:latin typeface="+mn-lt"/>
-          <a:ea typeface="+mn-ea"/>
-          <a:cs typeface="+mn-cs"/>
-        </a:defRPr>
-      </a:lvl4pPr>
-      <a:lvl5pPr marL="1828800" algn="l" defTabSz="914400" rtl="0" eaLnBrk="1" latinLnBrk="0" hangingPunct="1">
-        <a:defRPr sz="1800" kern="1200">
-          <a:solidFill>
-            <a:schemeClr val="tx1"/>
-          </a:solidFill>
-          <a:latin typeface="+mn-lt"/>
-          <a:ea typeface="+mn-ea"/>
-          <a:cs typeface="+mn-cs"/>
-        </a:defRPr>
-      </a:lvl5pPr>
-      <a:lvl6pPr marL="2286000" algn="l" defTabSz="914400" rtl="0" eaLnBrk="1" latinLnBrk="0" hangingPunct="1">
-        <a:defRPr sz="1800" kern="1200">
-          <a:solidFill>
-            <a:schemeClr val="tx1"/>
-          </a:solidFill>
-          <a:latin typeface="+mn-lt"/>
-          <a:ea typeface="+mn-ea"/>
-          <a:cs typeface="+mn-cs"/>
-        </a:defRPr>
-      </a:lvl6pPr>
-      <a:lvl7pPr marL="2743200" algn="l" defTabSz="914400" rtl="0" eaLnBrk="1" latinLnBrk="0" hangingPunct="1">
-        <a:defRPr sz="1800" kern="1200">
-          <a:solidFill>
-            <a:schemeClr val="tx1"/>
-          </a:solidFill>
-          <a:latin typeface="+mn-lt"/>
-          <a:ea typeface="+mn-ea"/>
-          <a:cs typeface="+mn-cs"/>
-        </a:defRPr>
-      </a:lvl7pPr>
-      <a:lvl8pPr marL="3200400" algn="l" defTabSz="914400" rtl="0" eaLnBrk="1" latinLnBrk="0" hangingPunct="1">
-        <a:defRPr sz="1800" kern="1200">
-          <a:solidFill>
-            <a:schemeClr val="tx1"/>
-          </a:solidFill>
-          <a:latin typeface="+mn-lt"/>
-          <a:ea typeface="+mn-ea"/>
-          <a:cs typeface="+mn-cs"/>
-        </a:defRPr>
-      </a:lvl8pPr>
-      <a:lvl9pPr marL="3657600" algn="l" defTabSz="914400" rtl="0" eaLnBrk="1" latinLnBrk="0" hangingPunct="1">
-        <a:defRPr sz="1800" kern="1200">
-          <a:solidFill>
-            <a:schemeClr val="tx1"/>
-          </a:solidFill>
-          <a:latin typeface="+mn-lt"/>
-          <a:ea typeface="+mn-ea"/>
-          <a:cs typeface="+mn-cs"/>
-        </a:defRPr>
-      </a:lvl9pPr>
-    </p:otherStyle>
-  </p:txStyles>
-</p:sldMaster>
-</file>
-
 <file path=ppt/slides/slide1.xml><?xml version="1.0" encoding="utf-8"?>
 <p:sld xmlns:a="http://schemas.openxmlformats.org/drawingml/2006/main" xmlns:r="http://schemas.openxmlformats.org/officeDocument/2006/relationships" xmlns:p="http://schemas.openxmlformats.org/presentationml/2006/main">
   <p:cSld>
@@ -6432,6 +4111,42 @@
               </a14:hiddenLine>
             </a:ext>
           </a:extLst>
+        </p:spPr>
+      </p:pic>
+      <p:pic>
+        <p:nvPicPr>
+          <p:cNvPr id="3" name="Bilde 2">
+            <a:extLst>
+              <a:ext uri="{FF2B5EF4-FFF2-40B4-BE49-F238E27FC236}">
+                <a16:creationId xmlns:a16="http://schemas.microsoft.com/office/drawing/2014/main" id="{990621C9-9473-4D63-9E44-63167B776181}"/>
+              </a:ext>
+            </a:extLst>
+          </p:cNvPr>
+          <p:cNvPicPr>
+            <a:picLocks noChangeAspect="1"/>
+          </p:cNvPicPr>
+          <p:nvPr/>
+        </p:nvPicPr>
+        <p:blipFill>
+          <a:blip r:embed="rId4">
+            <a:extLst>
+              <a:ext uri="{28A0092B-C50C-407E-A947-70E740481C1C}">
+                <a14:useLocalDpi xmlns:a14="http://schemas.microsoft.com/office/drawing/2010/main" val="0"/>
+              </a:ext>
+            </a:extLst>
+          </a:blip>
+          <a:stretch>
+            <a:fillRect/>
+          </a:stretch>
+        </p:blipFill>
+        <p:spPr>
+          <a:xfrm>
+            <a:off x="3304846" y="1340768"/>
+            <a:ext cx="5440691" cy="448057"/>
+          </a:xfrm>
+          <a:prstGeom prst="rect">
+            <a:avLst/>
+          </a:prstGeom>
         </p:spPr>
       </p:pic>
     </p:spTree>
@@ -7025,27 +4740,6 @@
               </a:spcAft>
               <a:defRPr/>
             </a:pPr>
-            <a:r>
-              <a:rPr lang="es-HN" sz="4930" b="1" dirty="0">
-                <a:solidFill>
-                  <a:schemeClr val="tx1">
-                    <a:lumMod val="75000"/>
-                    <a:lumOff val="25000"/>
-                  </a:schemeClr>
-                </a:solidFill>
-                <a:latin typeface="Rockwell" pitchFamily="18" charset="0"/>
-              </a:rPr>
-              <a:t>GRUPPE </a:t>
-            </a:r>
-            <a:r>
-              <a:rPr lang="es-HN" sz="5400" b="1" dirty="0">
-                <a:solidFill>
-                  <a:srgbClr val="FFC000"/>
-                </a:solidFill>
-                <a:latin typeface="Rockwell" pitchFamily="18" charset="0"/>
-              </a:rPr>
-              <a:t>6</a:t>
-            </a:r>
             <a:endParaRPr lang="es-HN" sz="4930" b="1" dirty="0">
               <a:solidFill>
                 <a:srgbClr val="FFC000"/>
@@ -7055,95 +4749,6 @@
           </a:p>
         </p:txBody>
       </p:sp>
-      <p:grpSp>
-        <p:nvGrpSpPr>
-          <p:cNvPr id="14340" name="13 Grupo"/>
-          <p:cNvGrpSpPr>
-            <a:grpSpLocks/>
-          </p:cNvGrpSpPr>
-          <p:nvPr/>
-        </p:nvGrpSpPr>
-        <p:grpSpPr bwMode="auto">
-          <a:xfrm>
-            <a:off x="4618038" y="2276475"/>
-            <a:ext cx="6350" cy="3017838"/>
-            <a:chOff x="4276603" y="1491264"/>
-            <a:chExt cx="319" cy="3377896"/>
-          </a:xfrm>
-        </p:grpSpPr>
-        <p:cxnSp>
-          <p:nvCxnSpPr>
-            <p:cNvPr id="10" name="9 Conector recto"/>
-            <p:cNvCxnSpPr/>
-            <p:nvPr/>
-          </p:nvCxnSpPr>
-          <p:spPr>
-            <a:xfrm>
-              <a:off x="4276603" y="1491264"/>
-              <a:ext cx="0" cy="3377896"/>
-            </a:xfrm>
-            <a:prstGeom prst="line">
-              <a:avLst/>
-            </a:prstGeom>
-            <a:ln>
-              <a:solidFill>
-                <a:schemeClr val="bg1">
-                  <a:lumMod val="85000"/>
-                </a:schemeClr>
-              </a:solidFill>
-            </a:ln>
-          </p:spPr>
-          <p:style>
-            <a:lnRef idx="1">
-              <a:schemeClr val="dk1"/>
-            </a:lnRef>
-            <a:fillRef idx="0">
-              <a:schemeClr val="dk1"/>
-            </a:fillRef>
-            <a:effectRef idx="0">
-              <a:schemeClr val="dk1"/>
-            </a:effectRef>
-            <a:fontRef idx="minor">
-              <a:schemeClr val="tx1"/>
-            </a:fontRef>
-          </p:style>
-        </p:cxnSp>
-        <p:cxnSp>
-          <p:nvCxnSpPr>
-            <p:cNvPr id="11" name="10 Conector recto"/>
-            <p:cNvCxnSpPr/>
-            <p:nvPr/>
-          </p:nvCxnSpPr>
-          <p:spPr>
-            <a:xfrm>
-              <a:off x="4276922" y="1491264"/>
-              <a:ext cx="0" cy="3377896"/>
-            </a:xfrm>
-            <a:prstGeom prst="line">
-              <a:avLst/>
-            </a:prstGeom>
-            <a:ln>
-              <a:solidFill>
-                <a:schemeClr val="bg1"/>
-              </a:solidFill>
-            </a:ln>
-          </p:spPr>
-          <p:style>
-            <a:lnRef idx="1">
-              <a:schemeClr val="dk1"/>
-            </a:lnRef>
-            <a:fillRef idx="0">
-              <a:schemeClr val="dk1"/>
-            </a:fillRef>
-            <a:effectRef idx="0">
-              <a:schemeClr val="dk1"/>
-            </a:effectRef>
-            <a:fontRef idx="minor">
-              <a:schemeClr val="tx1"/>
-            </a:fontRef>
-          </p:style>
-        </p:cxnSp>
-      </p:grpSp>
       <p:sp>
         <p:nvSpPr>
           <p:cNvPr id="26" name="1 Título"/>
@@ -7806,7 +5411,7 @@
         <p:spPr>
           <a:xfrm>
             <a:off x="546258" y="2382022"/>
-            <a:ext cx="8143560" cy="2238840"/>
+            <a:ext cx="8143560" cy="3098028"/>
           </a:xfrm>
           <a:prstGeom prst="rect">
             <a:avLst/>
@@ -7844,7 +5449,7 @@
               <a:buChar char=""/>
             </a:pPr>
             <a:r>
-              <a:rPr lang="en-US" b="0" strike="noStrike" spc="-1" dirty="0" err="1">
+              <a:rPr lang="en-US" sz="2200" b="0" strike="noStrike" spc="-1" dirty="0" err="1">
                 <a:solidFill>
                   <a:srgbClr val="808080"/>
                 </a:solidFill>
@@ -7853,12 +5458,11 @@
                     <a:srgbClr val="FFFFFF"/>
                   </a:solidFill>
                 </a:uFill>
-                <a:latin typeface="Calibri"/>
               </a:rPr>
               <a:t>Sverre</a:t>
             </a:r>
             <a:r>
-              <a:rPr lang="en-US" b="0" strike="noStrike" spc="-1" dirty="0">
+              <a:rPr lang="en-US" sz="2200" b="0" strike="noStrike" spc="-1" dirty="0">
                 <a:solidFill>
                   <a:srgbClr val="808080"/>
                 </a:solidFill>
@@ -7867,11 +5471,10 @@
                     <a:srgbClr val="FFFFFF"/>
                   </a:solidFill>
                 </a:uFill>
-                <a:latin typeface="Calibri"/>
               </a:rPr>
-              <a:t> – Code</a:t>
+              <a:t>       – Code</a:t>
             </a:r>
-            <a:endParaRPr lang="en-US" sz="2400" b="0" strike="noStrike" spc="-1" dirty="0">
+            <a:endParaRPr lang="en-US" sz="2200" b="0" strike="noStrike" spc="-1" dirty="0">
               <a:solidFill>
                 <a:srgbClr val="000000"/>
               </a:solidFill>
@@ -7880,7 +5483,6 @@
                   <a:srgbClr val="FFFFFF"/>
                 </a:solidFill>
               </a:uFill>
-              <a:latin typeface="Arial"/>
             </a:endParaRPr>
           </a:p>
           <a:p>
@@ -7896,7 +5498,7 @@
               <a:buChar char=""/>
             </a:pPr>
             <a:r>
-              <a:rPr lang="en-US" b="0" strike="noStrike" spc="-1" dirty="0" err="1">
+              <a:rPr lang="en-US" sz="2200" b="0" strike="noStrike" spc="-1" dirty="0" err="1">
                 <a:solidFill>
                   <a:srgbClr val="808080"/>
                 </a:solidFill>
@@ -7905,12 +5507,11 @@
                     <a:srgbClr val="FFFFFF"/>
                   </a:solidFill>
                 </a:uFill>
-                <a:latin typeface="Calibri"/>
               </a:rPr>
               <a:t>Loc</a:t>
             </a:r>
             <a:r>
-              <a:rPr lang="en-US" b="0" strike="noStrike" spc="-1" dirty="0">
+              <a:rPr lang="en-US" sz="2200" b="0" strike="noStrike" spc="-1" dirty="0">
                 <a:solidFill>
                   <a:srgbClr val="808080"/>
                 </a:solidFill>
@@ -7919,11 +5520,36 @@
                     <a:srgbClr val="FFFFFF"/>
                   </a:solidFill>
                 </a:uFill>
-                <a:latin typeface="Calibri"/>
               </a:rPr>
-              <a:t> - Graphics</a:t>
+              <a:t>            </a:t>
             </a:r>
-            <a:endParaRPr lang="en-US" sz="2400" b="0" strike="noStrike" spc="-1" dirty="0">
+            <a:r>
+              <a:rPr lang="en-US" sz="2200" spc="-1" dirty="0">
+                <a:solidFill>
+                  <a:srgbClr val="808080"/>
+                </a:solidFill>
+                <a:uFill>
+                  <a:solidFill>
+                    <a:srgbClr val="FFFFFF"/>
+                  </a:solidFill>
+                </a:uFill>
+              </a:rPr>
+              <a:t>–  </a:t>
+            </a:r>
+            <a:r>
+              <a:rPr lang="en-US" sz="2200" b="0" strike="noStrike" spc="-1" dirty="0">
+                <a:solidFill>
+                  <a:srgbClr val="808080"/>
+                </a:solidFill>
+                <a:uFill>
+                  <a:solidFill>
+                    <a:srgbClr val="FFFFFF"/>
+                  </a:solidFill>
+                </a:uFill>
+              </a:rPr>
+              <a:t>Graphics</a:t>
+            </a:r>
+            <a:endParaRPr lang="en-US" sz="2200" b="0" strike="noStrike" spc="-1" dirty="0">
               <a:solidFill>
                 <a:srgbClr val="000000"/>
               </a:solidFill>
@@ -7932,7 +5558,6 @@
                   <a:srgbClr val="FFFFFF"/>
                 </a:solidFill>
               </a:uFill>
-              <a:latin typeface="Arial"/>
             </a:endParaRPr>
           </a:p>
           <a:p>
@@ -7948,7 +5573,7 @@
               <a:buChar char=""/>
             </a:pPr>
             <a:r>
-              <a:rPr lang="en-US" b="0" strike="noStrike" spc="-1" dirty="0">
+              <a:rPr lang="en-US" sz="2200" b="0" strike="noStrike" spc="-1" dirty="0">
                 <a:solidFill>
                   <a:srgbClr val="808080"/>
                 </a:solidFill>
@@ -7957,12 +5582,11 @@
                     <a:srgbClr val="FFFFFF"/>
                   </a:solidFill>
                 </a:uFill>
-                <a:latin typeface="Calibri"/>
               </a:rPr>
               <a:t>Benjamin – </a:t>
             </a:r>
             <a:r>
-              <a:rPr lang="en-US" spc="-1" dirty="0">
+              <a:rPr lang="en-US" sz="2200" spc="-1" dirty="0">
                 <a:solidFill>
                   <a:srgbClr val="808080"/>
                 </a:solidFill>
@@ -7971,11 +5595,10 @@
                     <a:srgbClr val="FFFFFF"/>
                   </a:solidFill>
                 </a:uFill>
-                <a:latin typeface="Calibri"/>
               </a:rPr>
               <a:t>SQL</a:t>
             </a:r>
-            <a:endParaRPr lang="en-US" sz="2400" b="0" strike="noStrike" spc="-1" dirty="0">
+            <a:endParaRPr lang="en-US" sz="2200" b="0" strike="noStrike" spc="-1" dirty="0">
               <a:solidFill>
                 <a:srgbClr val="000000"/>
               </a:solidFill>
@@ -7984,7 +5607,6 @@
                   <a:srgbClr val="FFFFFF"/>
                 </a:solidFill>
               </a:uFill>
-              <a:latin typeface="Arial"/>
             </a:endParaRPr>
           </a:p>
           <a:p>
@@ -8000,7 +5622,7 @@
               <a:buChar char=""/>
             </a:pPr>
             <a:r>
-              <a:rPr lang="en-US" b="0" strike="noStrike" spc="-1" dirty="0" err="1">
+              <a:rPr lang="en-US" sz="2200" b="0" strike="noStrike" spc="-1" dirty="0" err="1">
                 <a:solidFill>
                   <a:srgbClr val="808080"/>
                 </a:solidFill>
@@ -8009,12 +5631,11 @@
                     <a:srgbClr val="FFFFFF"/>
                   </a:solidFill>
                 </a:uFill>
-                <a:latin typeface="Calibri"/>
               </a:rPr>
               <a:t>Eirik</a:t>
             </a:r>
             <a:r>
-              <a:rPr lang="en-US" b="0" strike="noStrike" spc="-1" dirty="0">
+              <a:rPr lang="en-US" sz="2200" b="0" strike="noStrike" spc="-1" dirty="0">
                 <a:solidFill>
                   <a:srgbClr val="808080"/>
                 </a:solidFill>
@@ -8023,11 +5644,10 @@
                     <a:srgbClr val="FFFFFF"/>
                   </a:solidFill>
                 </a:uFill>
-                <a:latin typeface="Calibri"/>
               </a:rPr>
-              <a:t> – Code</a:t>
+              <a:t>          – Code</a:t>
             </a:r>
-            <a:endParaRPr lang="en-US" sz="2400" b="0" strike="noStrike" spc="-1" dirty="0">
+            <a:endParaRPr lang="en-US" sz="2200" b="0" strike="noStrike" spc="-1" dirty="0">
               <a:solidFill>
                 <a:srgbClr val="000000"/>
               </a:solidFill>
@@ -8036,7 +5656,6 @@
                   <a:srgbClr val="FFFFFF"/>
                 </a:solidFill>
               </a:uFill>
-              <a:latin typeface="Arial"/>
             </a:endParaRPr>
           </a:p>
           <a:p>
@@ -8052,7 +5671,7 @@
               <a:buChar char=""/>
             </a:pPr>
             <a:r>
-              <a:rPr lang="en-US" b="0" strike="noStrike" spc="-1" dirty="0" err="1">
+              <a:rPr lang="en-US" sz="2200" b="0" strike="noStrike" spc="-1" dirty="0">
                 <a:solidFill>
                   <a:srgbClr val="808080"/>
                 </a:solidFill>
@@ -8061,23 +5680,8 @@
                     <a:srgbClr val="FFFFFF"/>
                   </a:solidFill>
                 </a:uFill>
-                <a:latin typeface="Calibri"/>
               </a:rPr>
-              <a:t>Stian</a:t>
-            </a:r>
-            <a:r>
-              <a:rPr lang="en-US" b="0" strike="noStrike" spc="-1" dirty="0">
-                <a:solidFill>
-                  <a:srgbClr val="808080"/>
-                </a:solidFill>
-                <a:uFill>
-                  <a:solidFill>
-                    <a:srgbClr val="FFFFFF"/>
-                  </a:solidFill>
-                </a:uFill>
-                <a:latin typeface="Calibri"/>
-              </a:rPr>
-              <a:t> – AI &amp; Version control</a:t>
+              <a:t>Stian         – AI &amp; Version control</a:t>
             </a:r>
           </a:p>
           <a:p>
@@ -8093,7 +5697,7 @@
               <a:buChar char=""/>
             </a:pPr>
             <a:r>
-              <a:rPr lang="en-US" spc="-1" dirty="0">
+              <a:rPr lang="en-US" sz="2200" spc="-1" dirty="0">
                 <a:solidFill>
                   <a:srgbClr val="808080"/>
                 </a:solidFill>
@@ -8102,12 +5706,11 @@
                     <a:srgbClr val="FFFFFF"/>
                   </a:solidFill>
                 </a:uFill>
-                <a:latin typeface="Calibri"/>
               </a:rPr>
               <a:t>V</a:t>
             </a:r>
             <a:r>
-              <a:rPr lang="en-US" b="0" strike="noStrike" spc="-1" dirty="0">
+              <a:rPr lang="en-US" sz="2200" b="0" strike="noStrike" spc="-1" dirty="0">
                 <a:solidFill>
                   <a:srgbClr val="808080"/>
                 </a:solidFill>
@@ -8116,12 +5719,11 @@
                     <a:srgbClr val="FFFFFF"/>
                   </a:solidFill>
                 </a:uFill>
-                <a:latin typeface="Calibri"/>
               </a:rPr>
-              <a:t>egard – Documentation</a:t>
+              <a:t>egard      – Documentation</a:t>
             </a:r>
             <a:r>
-              <a:rPr lang="en-US" spc="-1" dirty="0">
+              <a:rPr lang="en-US" sz="2200" spc="-1" dirty="0">
                 <a:solidFill>
                   <a:srgbClr val="808080"/>
                 </a:solidFill>
@@ -8130,12 +5732,11 @@
                     <a:srgbClr val="FFFFFF"/>
                   </a:solidFill>
                 </a:uFill>
-                <a:latin typeface="Calibri"/>
               </a:rPr>
               <a:t> &amp;</a:t>
             </a:r>
             <a:r>
-              <a:rPr lang="en-US" b="0" strike="noStrike" spc="-1" dirty="0">
+              <a:rPr lang="en-US" sz="2200" b="0" strike="noStrike" spc="-1" dirty="0">
                 <a:solidFill>
                   <a:srgbClr val="808080"/>
                 </a:solidFill>
@@ -8144,11 +5745,10 @@
                     <a:srgbClr val="FFFFFF"/>
                   </a:solidFill>
                 </a:uFill>
-                <a:latin typeface="Calibri"/>
               </a:rPr>
               <a:t> UI</a:t>
             </a:r>
-            <a:endParaRPr lang="en-US" spc="-1" dirty="0">
+            <a:endParaRPr lang="en-US" sz="2200" spc="-1" dirty="0">
               <a:solidFill>
                 <a:srgbClr val="808080"/>
               </a:solidFill>
@@ -8157,7 +5757,6 @@
                   <a:srgbClr val="FFFFFF"/>
                 </a:solidFill>
               </a:uFill>
-              <a:latin typeface="Calibri"/>
             </a:endParaRPr>
           </a:p>
           <a:p>
@@ -8173,7 +5772,7 @@
               <a:buChar char=""/>
             </a:pPr>
             <a:r>
-              <a:rPr lang="en-US" b="0" strike="noStrike" spc="-1" dirty="0">
+              <a:rPr lang="en-US" sz="2200" b="0" strike="noStrike" spc="-1" dirty="0">
                 <a:solidFill>
                   <a:srgbClr val="808080"/>
                 </a:solidFill>
@@ -8182,11 +5781,10 @@
                     <a:srgbClr val="FFFFFF"/>
                   </a:solidFill>
                 </a:uFill>
-                <a:latin typeface="Calibri"/>
               </a:rPr>
-              <a:t>Robin E – Sound</a:t>
+              <a:t>Robin E     – Sound</a:t>
             </a:r>
-            <a:endParaRPr lang="en-US" sz="2400" b="0" strike="noStrike" spc="-1" dirty="0">
+            <a:endParaRPr lang="en-US" sz="2200" b="0" strike="noStrike" spc="-1" dirty="0">
               <a:solidFill>
                 <a:srgbClr val="000000"/>
               </a:solidFill>
@@ -8195,7 +5793,6 @@
                   <a:srgbClr val="FFFFFF"/>
                 </a:solidFill>
               </a:uFill>
-              <a:latin typeface="Arial"/>
             </a:endParaRPr>
           </a:p>
           <a:p>
@@ -8211,7 +5808,7 @@
               <a:buChar char=""/>
             </a:pPr>
             <a:r>
-              <a:rPr lang="en-US" b="0" strike="noStrike" spc="-1" dirty="0">
+              <a:rPr lang="en-US" sz="2200" b="0" strike="noStrike" spc="-1" dirty="0">
                 <a:solidFill>
                   <a:srgbClr val="808080"/>
                 </a:solidFill>
@@ -8220,12 +5817,11 @@
                     <a:srgbClr val="FFFFFF"/>
                   </a:solidFill>
                 </a:uFill>
-                <a:latin typeface="Calibri"/>
               </a:rPr>
-              <a:t>Robin G – </a:t>
+              <a:t>Robin G    – </a:t>
             </a:r>
             <a:r>
-              <a:rPr lang="en-US" spc="-1" dirty="0">
+              <a:rPr lang="en-US" sz="2200" spc="-1" dirty="0">
                 <a:solidFill>
                   <a:srgbClr val="808080"/>
                 </a:solidFill>
@@ -8234,11 +5830,10 @@
                     <a:srgbClr val="FFFFFF"/>
                   </a:solidFill>
                 </a:uFill>
-                <a:latin typeface="Calibri"/>
               </a:rPr>
               <a:t>UI</a:t>
             </a:r>
-            <a:endParaRPr lang="en-US" sz="2400" b="0" strike="noStrike" spc="-1" dirty="0">
+            <a:endParaRPr lang="en-US" sz="2200" b="0" strike="noStrike" spc="-1" dirty="0">
               <a:solidFill>
                 <a:srgbClr val="000000"/>
               </a:solidFill>
@@ -8247,11 +5842,46 @@
                   <a:srgbClr val="FFFFFF"/>
                 </a:solidFill>
               </a:uFill>
-              <a:latin typeface="Arial"/>
             </a:endParaRPr>
           </a:p>
         </p:txBody>
       </p:sp>
+      <p:pic>
+        <p:nvPicPr>
+          <p:cNvPr id="18" name="Bilde 17">
+            <a:extLst>
+              <a:ext uri="{FF2B5EF4-FFF2-40B4-BE49-F238E27FC236}">
+                <a16:creationId xmlns:a16="http://schemas.microsoft.com/office/drawing/2014/main" id="{88705E3A-CA4F-4D3E-AC24-7F7766D84653}"/>
+              </a:ext>
+            </a:extLst>
+          </p:cNvPr>
+          <p:cNvPicPr>
+            <a:picLocks noChangeAspect="1"/>
+          </p:cNvPicPr>
+          <p:nvPr/>
+        </p:nvPicPr>
+        <p:blipFill>
+          <a:blip r:embed="rId9">
+            <a:extLst>
+              <a:ext uri="{28A0092B-C50C-407E-A947-70E740481C1C}">
+                <a14:useLocalDpi xmlns:a14="http://schemas.microsoft.com/office/drawing/2010/main" val="0"/>
+              </a:ext>
+            </a:extLst>
+          </a:blip>
+          <a:stretch>
+            <a:fillRect/>
+          </a:stretch>
+        </p:blipFill>
+        <p:spPr>
+          <a:xfrm>
+            <a:off x="978474" y="604877"/>
+            <a:ext cx="7187052" cy="591875"/>
+          </a:xfrm>
+          <a:prstGeom prst="rect">
+            <a:avLst/>
+          </a:prstGeom>
+        </p:spPr>
+      </p:pic>
     </p:spTree>
   </p:cSld>
   <p:clrMapOvr>
@@ -8281,10 +5911,15 @@
                             </p:stCondLst>
                             <p:childTnLst>
                               <p:par>
-                                <p:cTn id="5" presetID="29" presetClass="entr" presetSubtype="0" fill="hold" grpId="0" nodeType="withEffect">
+                                <p:cTn id="5" presetID="29" presetClass="entr" presetSubtype="0" fill="hold" grpId="0" nodeType="withEffect" nodePh="1">
                                   <p:stCondLst>
                                     <p:cond delay="0"/>
                                   </p:stCondLst>
+                                  <p:endCondLst>
+                                    <p:cond evt="begin" delay="0">
+                                      <p:tn val="5"/>
+                                    </p:cond>
+                                  </p:endCondLst>
                                   <p:childTnLst>
                                     <p:set>
                                       <p:cBhvr>
@@ -8556,281 +6191,6 @@
       </p:pic>
       <p:sp>
         <p:nvSpPr>
-          <p:cNvPr id="7" name="1 Título"/>
-          <p:cNvSpPr txBox="1">
-            <a:spLocks/>
-          </p:cNvSpPr>
-          <p:nvPr/>
-        </p:nvSpPr>
-        <p:spPr>
-          <a:xfrm>
-            <a:off x="398462" y="260350"/>
-            <a:ext cx="5829721" cy="863600"/>
-          </a:xfrm>
-          <a:prstGeom prst="rect">
-            <a:avLst/>
-          </a:prstGeom>
-        </p:spPr>
-        <p:txBody>
-          <a:bodyPr anchor="ctr"/>
-          <a:lstStyle>
-            <a:lvl1pPr algn="ctr" defTabSz="914400" rtl="0" eaLnBrk="1" latinLnBrk="0" hangingPunct="1">
-              <a:spcBef>
-                <a:spcPct val="0"/>
-              </a:spcBef>
-              <a:buNone/>
-              <a:defRPr sz="4400" kern="1200">
-                <a:solidFill>
-                  <a:schemeClr val="tx1"/>
-                </a:solidFill>
-                <a:latin typeface="+mj-lt"/>
-                <a:ea typeface="+mj-ea"/>
-                <a:cs typeface="+mj-cs"/>
-              </a:defRPr>
-            </a:lvl1pPr>
-          </a:lstStyle>
-          <a:p>
-            <a:pPr algn="l" fontAlgn="auto">
-              <a:lnSpc>
-                <a:spcPts val="5760"/>
-              </a:lnSpc>
-              <a:spcBef>
-                <a:spcPts val="0"/>
-              </a:spcBef>
-              <a:spcAft>
-                <a:spcPts val="0"/>
-              </a:spcAft>
-              <a:defRPr/>
-            </a:pPr>
-            <a:r>
-              <a:rPr lang="es-HN" sz="4930" b="1" dirty="0">
-                <a:solidFill>
-                  <a:schemeClr val="tx1">
-                    <a:lumMod val="75000"/>
-                    <a:lumOff val="25000"/>
-                  </a:schemeClr>
-                </a:solidFill>
-                <a:latin typeface="Rockwell" pitchFamily="18" charset="0"/>
-              </a:rPr>
-              <a:t>RESULTS &amp;</a:t>
-            </a:r>
-            <a:endParaRPr lang="es-HN" sz="4930" b="1" dirty="0">
-              <a:solidFill>
-                <a:srgbClr val="FFC000"/>
-              </a:solidFill>
-              <a:latin typeface="Rockwell" pitchFamily="18" charset="0"/>
-            </a:endParaRPr>
-          </a:p>
-        </p:txBody>
-      </p:sp>
-      <p:grpSp>
-        <p:nvGrpSpPr>
-          <p:cNvPr id="14340" name="13 Grupo"/>
-          <p:cNvGrpSpPr>
-            <a:grpSpLocks/>
-          </p:cNvGrpSpPr>
-          <p:nvPr/>
-        </p:nvGrpSpPr>
-        <p:grpSpPr bwMode="auto">
-          <a:xfrm>
-            <a:off x="4618038" y="2276475"/>
-            <a:ext cx="6350" cy="3017838"/>
-            <a:chOff x="4276603" y="1491264"/>
-            <a:chExt cx="319" cy="3377896"/>
-          </a:xfrm>
-        </p:grpSpPr>
-        <p:cxnSp>
-          <p:nvCxnSpPr>
-            <p:cNvPr id="10" name="9 Conector recto"/>
-            <p:cNvCxnSpPr/>
-            <p:nvPr/>
-          </p:nvCxnSpPr>
-          <p:spPr>
-            <a:xfrm>
-              <a:off x="4276603" y="1491264"/>
-              <a:ext cx="0" cy="3377896"/>
-            </a:xfrm>
-            <a:prstGeom prst="line">
-              <a:avLst/>
-            </a:prstGeom>
-            <a:ln>
-              <a:solidFill>
-                <a:schemeClr val="bg1">
-                  <a:lumMod val="85000"/>
-                </a:schemeClr>
-              </a:solidFill>
-            </a:ln>
-          </p:spPr>
-          <p:style>
-            <a:lnRef idx="1">
-              <a:schemeClr val="dk1"/>
-            </a:lnRef>
-            <a:fillRef idx="0">
-              <a:schemeClr val="dk1"/>
-            </a:fillRef>
-            <a:effectRef idx="0">
-              <a:schemeClr val="dk1"/>
-            </a:effectRef>
-            <a:fontRef idx="minor">
-              <a:schemeClr val="tx1"/>
-            </a:fontRef>
-          </p:style>
-        </p:cxnSp>
-        <p:cxnSp>
-          <p:nvCxnSpPr>
-            <p:cNvPr id="11" name="10 Conector recto"/>
-            <p:cNvCxnSpPr/>
-            <p:nvPr/>
-          </p:nvCxnSpPr>
-          <p:spPr>
-            <a:xfrm>
-              <a:off x="4276922" y="1491264"/>
-              <a:ext cx="0" cy="3377896"/>
-            </a:xfrm>
-            <a:prstGeom prst="line">
-              <a:avLst/>
-            </a:prstGeom>
-            <a:ln>
-              <a:solidFill>
-                <a:schemeClr val="bg1"/>
-              </a:solidFill>
-            </a:ln>
-          </p:spPr>
-          <p:style>
-            <a:lnRef idx="1">
-              <a:schemeClr val="dk1"/>
-            </a:lnRef>
-            <a:fillRef idx="0">
-              <a:schemeClr val="dk1"/>
-            </a:fillRef>
-            <a:effectRef idx="0">
-              <a:schemeClr val="dk1"/>
-            </a:effectRef>
-            <a:fontRef idx="minor">
-              <a:schemeClr val="tx1"/>
-            </a:fontRef>
-          </p:style>
-        </p:cxnSp>
-      </p:grpSp>
-      <p:sp>
-        <p:nvSpPr>
-          <p:cNvPr id="20" name="1 Título"/>
-          <p:cNvSpPr txBox="1">
-            <a:spLocks/>
-          </p:cNvSpPr>
-          <p:nvPr/>
-        </p:nvSpPr>
-        <p:spPr>
-          <a:xfrm>
-            <a:off x="395288" y="736600"/>
-            <a:ext cx="5184824" cy="863600"/>
-          </a:xfrm>
-          <a:prstGeom prst="rect">
-            <a:avLst/>
-          </a:prstGeom>
-        </p:spPr>
-        <p:txBody>
-          <a:bodyPr anchor="ctr"/>
-          <a:lstStyle>
-            <a:lvl1pPr algn="ctr" defTabSz="914400" rtl="0" eaLnBrk="1" latinLnBrk="0" hangingPunct="1">
-              <a:spcBef>
-                <a:spcPct val="0"/>
-              </a:spcBef>
-              <a:buNone/>
-              <a:defRPr sz="4400" kern="1200">
-                <a:solidFill>
-                  <a:schemeClr val="tx1"/>
-                </a:solidFill>
-                <a:latin typeface="+mj-lt"/>
-                <a:ea typeface="+mj-ea"/>
-                <a:cs typeface="+mj-cs"/>
-              </a:defRPr>
-            </a:lvl1pPr>
-          </a:lstStyle>
-          <a:p>
-            <a:pPr algn="l" fontAlgn="auto">
-              <a:lnSpc>
-                <a:spcPts val="5760"/>
-              </a:lnSpc>
-              <a:spcBef>
-                <a:spcPts val="0"/>
-              </a:spcBef>
-              <a:spcAft>
-                <a:spcPts val="0"/>
-              </a:spcAft>
-              <a:defRPr/>
-            </a:pPr>
-            <a:r>
-              <a:rPr lang="es-HN" b="1" dirty="0">
-                <a:solidFill>
-                  <a:srgbClr val="FFC000"/>
-                </a:solidFill>
-                <a:latin typeface="Rockwell" pitchFamily="18" charset="0"/>
-              </a:rPr>
-              <a:t>CHALLENGES</a:t>
-            </a:r>
-          </a:p>
-        </p:txBody>
-      </p:sp>
-      <p:sp>
-        <p:nvSpPr>
-          <p:cNvPr id="24" name="1 Título"/>
-          <p:cNvSpPr txBox="1">
-            <a:spLocks/>
-          </p:cNvSpPr>
-          <p:nvPr/>
-        </p:nvSpPr>
-        <p:spPr>
-          <a:xfrm>
-            <a:off x="395288" y="1298575"/>
-            <a:ext cx="4519612" cy="474663"/>
-          </a:xfrm>
-          <a:prstGeom prst="rect">
-            <a:avLst/>
-          </a:prstGeom>
-        </p:spPr>
-        <p:txBody>
-          <a:bodyPr anchor="ctr"/>
-          <a:lstStyle>
-            <a:lvl1pPr algn="ctr" defTabSz="914400" rtl="0" eaLnBrk="1" latinLnBrk="0" hangingPunct="1">
-              <a:spcBef>
-                <a:spcPct val="0"/>
-              </a:spcBef>
-              <a:buNone/>
-              <a:defRPr sz="4400" kern="1200">
-                <a:solidFill>
-                  <a:schemeClr val="tx1"/>
-                </a:solidFill>
-                <a:latin typeface="+mj-lt"/>
-                <a:ea typeface="+mj-ea"/>
-                <a:cs typeface="+mj-cs"/>
-              </a:defRPr>
-            </a:lvl1pPr>
-          </a:lstStyle>
-          <a:p>
-            <a:pPr algn="l" fontAlgn="auto">
-              <a:lnSpc>
-                <a:spcPts val="5760"/>
-              </a:lnSpc>
-              <a:spcBef>
-                <a:spcPts val="0"/>
-              </a:spcBef>
-              <a:spcAft>
-                <a:spcPts val="0"/>
-              </a:spcAft>
-              <a:defRPr/>
-            </a:pPr>
-            <a:endParaRPr lang="es-HN" sz="1600" b="1" dirty="0">
-              <a:solidFill>
-                <a:srgbClr val="FFC000"/>
-              </a:solidFill>
-              <a:latin typeface="Rockwell" pitchFamily="18" charset="0"/>
-            </a:endParaRPr>
-          </a:p>
-        </p:txBody>
-      </p:sp>
-      <p:sp>
-        <p:nvSpPr>
           <p:cNvPr id="26" name="1 Título"/>
           <p:cNvSpPr txBox="1">
             <a:spLocks/>
@@ -9596,232 +6956,40 @@
           </a:p>
         </p:txBody>
       </p:sp>
-      <p:sp>
-        <p:nvSpPr>
-          <p:cNvPr id="22" name="CustomShape 6">
+      <p:pic>
+        <p:nvPicPr>
+          <p:cNvPr id="19" name="Bilde 18">
             <a:extLst>
               <a:ext uri="{FF2B5EF4-FFF2-40B4-BE49-F238E27FC236}">
-                <a16:creationId xmlns:a16="http://schemas.microsoft.com/office/drawing/2014/main" id="{58309304-4AF7-445F-BCF0-EAC7BCF03BC6}"/>
+                <a16:creationId xmlns:a16="http://schemas.microsoft.com/office/drawing/2014/main" id="{8D6057DE-7947-4F5F-8F45-C24BAD868D32}"/>
               </a:ext>
             </a:extLst>
           </p:cNvPr>
-          <p:cNvSpPr/>
+          <p:cNvPicPr>
+            <a:picLocks noChangeAspect="1"/>
+          </p:cNvPicPr>
           <p:nvPr/>
-        </p:nvSpPr>
+        </p:nvPicPr>
+        <p:blipFill>
+          <a:blip r:embed="rId9"/>
+          <a:stretch>
+            <a:fillRect/>
+          </a:stretch>
+        </p:blipFill>
         <p:spPr>
           <a:xfrm>
-            <a:off x="698658" y="2534422"/>
-            <a:ext cx="8143560" cy="2238840"/>
+            <a:off x="0" y="0"/>
+            <a:ext cx="9144000" cy="5726691"/>
           </a:xfrm>
           <a:prstGeom prst="rect">
             <a:avLst/>
           </a:prstGeom>
-          <a:noFill/>
-          <a:ln>
-            <a:noFill/>
-          </a:ln>
         </p:spPr>
-        <p:style>
-          <a:lnRef idx="0">
-            <a:scrgbClr r="0" g="0" b="0"/>
-          </a:lnRef>
-          <a:fillRef idx="0">
-            <a:scrgbClr r="0" g="0" b="0"/>
-          </a:fillRef>
-          <a:effectRef idx="0">
-            <a:scrgbClr r="0" g="0" b="0"/>
-          </a:effectRef>
-          <a:fontRef idx="minor"/>
-        </p:style>
-        <p:txBody>
-          <a:bodyPr lIns="0" tIns="0" rIns="0" bIns="0"/>
-          <a:lstStyle/>
-          <a:p>
-            <a:pPr marL="216000" indent="-216000" algn="just">
-              <a:lnSpc>
-                <a:spcPct val="100000"/>
-              </a:lnSpc>
-              <a:buClr>
-                <a:srgbClr val="808080"/>
-              </a:buClr>
-              <a:buSzPct val="45000"/>
-              <a:buFont typeface="Wingdings" charset="2"/>
-              <a:buChar char=""/>
-            </a:pPr>
-            <a:r>
-              <a:rPr lang="en-US" spc="-1" dirty="0">
-                <a:solidFill>
-                  <a:srgbClr val="808080"/>
-                </a:solidFill>
-                <a:uFill>
-                  <a:solidFill>
-                    <a:srgbClr val="FFFFFF"/>
-                  </a:solidFill>
-                </a:uFill>
-                <a:latin typeface="Calibri"/>
-              </a:rPr>
-              <a:t>From Maven to Gradle</a:t>
-            </a:r>
-          </a:p>
-          <a:p>
-            <a:pPr marL="216000" indent="-216000" algn="just">
-              <a:lnSpc>
-                <a:spcPct val="100000"/>
-              </a:lnSpc>
-              <a:buClr>
-                <a:srgbClr val="808080"/>
-              </a:buClr>
-              <a:buSzPct val="45000"/>
-              <a:buFont typeface="Wingdings" charset="2"/>
-              <a:buChar char=""/>
-            </a:pPr>
-            <a:r>
-              <a:rPr lang="en-US" spc="-1" dirty="0">
-                <a:solidFill>
-                  <a:srgbClr val="808080"/>
-                </a:solidFill>
-                <a:uFill>
-                  <a:solidFill>
-                    <a:srgbClr val="FFFFFF"/>
-                  </a:solidFill>
-                </a:uFill>
-                <a:latin typeface="Calibri"/>
-              </a:rPr>
-              <a:t>Improved use of issues</a:t>
-            </a:r>
-          </a:p>
-          <a:p>
-            <a:pPr marL="216000" indent="-216000" algn="just">
-              <a:lnSpc>
-                <a:spcPct val="100000"/>
-              </a:lnSpc>
-              <a:buClr>
-                <a:srgbClr val="808080"/>
-              </a:buClr>
-              <a:buSzPct val="45000"/>
-              <a:buFont typeface="Wingdings" charset="2"/>
-              <a:buChar char=""/>
-            </a:pPr>
-            <a:endParaRPr lang="en-US" spc="-1" dirty="0">
-              <a:solidFill>
-                <a:srgbClr val="808080"/>
-              </a:solidFill>
-              <a:uFill>
-                <a:solidFill>
-                  <a:srgbClr val="FFFFFF"/>
-                </a:solidFill>
-              </a:uFill>
-              <a:latin typeface="Calibri"/>
-            </a:endParaRPr>
-          </a:p>
-          <a:p>
-            <a:pPr marL="216000" indent="-216000" algn="just">
-              <a:lnSpc>
-                <a:spcPct val="100000"/>
-              </a:lnSpc>
-              <a:buClr>
-                <a:srgbClr val="808080"/>
-              </a:buClr>
-              <a:buSzPct val="45000"/>
-              <a:buFont typeface="Wingdings" charset="2"/>
-              <a:buChar char=""/>
-            </a:pPr>
-            <a:endParaRPr lang="en-US" spc="-1" dirty="0">
-              <a:solidFill>
-                <a:srgbClr val="808080"/>
-              </a:solidFill>
-              <a:uFill>
-                <a:solidFill>
-                  <a:srgbClr val="FFFFFF"/>
-                </a:solidFill>
-              </a:uFill>
-              <a:latin typeface="Calibri"/>
-            </a:endParaRPr>
-          </a:p>
-          <a:p>
-            <a:pPr marL="216000" indent="-216000" algn="just">
-              <a:lnSpc>
-                <a:spcPct val="100000"/>
-              </a:lnSpc>
-              <a:buClr>
-                <a:srgbClr val="808080"/>
-              </a:buClr>
-              <a:buSzPct val="45000"/>
-              <a:buFont typeface="Wingdings" charset="2"/>
-              <a:buChar char=""/>
-            </a:pPr>
-            <a:r>
-              <a:rPr lang="en-US" spc="-1" dirty="0">
-                <a:solidFill>
-                  <a:srgbClr val="808080"/>
-                </a:solidFill>
-                <a:uFill>
-                  <a:solidFill>
-                    <a:srgbClr val="FFFFFF"/>
-                  </a:solidFill>
-                </a:uFill>
-                <a:latin typeface="Calibri"/>
-              </a:rPr>
-              <a:t>UI competence</a:t>
-            </a:r>
-          </a:p>
-          <a:p>
-            <a:pPr marL="216000" indent="-216000" algn="just">
-              <a:lnSpc>
-                <a:spcPct val="100000"/>
-              </a:lnSpc>
-              <a:buClr>
-                <a:srgbClr val="808080"/>
-              </a:buClr>
-              <a:buSzPct val="45000"/>
-              <a:buFont typeface="Wingdings" charset="2"/>
-              <a:buChar char=""/>
-            </a:pPr>
-            <a:r>
-              <a:rPr lang="en-US" spc="-1" dirty="0">
-                <a:solidFill>
-                  <a:srgbClr val="808080"/>
-                </a:solidFill>
-                <a:uFill>
-                  <a:solidFill>
-                    <a:srgbClr val="FFFFFF"/>
-                  </a:solidFill>
-                </a:uFill>
-                <a:latin typeface="Calibri"/>
-              </a:rPr>
-              <a:t>Role entrenchment</a:t>
-            </a:r>
-          </a:p>
-          <a:p>
-            <a:pPr marL="216000" indent="-216000" algn="just">
-              <a:lnSpc>
-                <a:spcPct val="100000"/>
-              </a:lnSpc>
-              <a:buClr>
-                <a:srgbClr val="808080"/>
-              </a:buClr>
-              <a:buSzPct val="45000"/>
-              <a:buFont typeface="Wingdings" charset="2"/>
-              <a:buChar char=""/>
-            </a:pPr>
-            <a:endParaRPr lang="en-US" sz="2400" b="0" strike="noStrike" spc="-1" dirty="0">
-              <a:solidFill>
-                <a:srgbClr val="000000"/>
-              </a:solidFill>
-              <a:uFill>
-                <a:solidFill>
-                  <a:srgbClr val="FFFFFF"/>
-                </a:solidFill>
-              </a:uFill>
-              <a:latin typeface="Arial"/>
-            </a:endParaRPr>
-          </a:p>
-        </p:txBody>
-      </p:sp>
+      </p:pic>
     </p:spTree>
     <p:extLst>
       <p:ext uri="{BB962C8B-B14F-4D97-AF65-F5344CB8AC3E}">
-        <p14:creationId xmlns:p14="http://schemas.microsoft.com/office/powerpoint/2010/main" val="3468885975"/>
+        <p14:creationId xmlns:p14="http://schemas.microsoft.com/office/powerpoint/2010/main" val="2079067534"/>
       </p:ext>
     </p:extLst>
   </p:cSld>
@@ -9852,221 +7020,19 @@
                             </p:stCondLst>
                             <p:childTnLst>
                               <p:par>
-                                <p:cTn id="5" presetID="29" presetClass="entr" presetSubtype="0" fill="hold" grpId="0" nodeType="withEffect">
-                                  <p:stCondLst>
-                                    <p:cond delay="0"/>
-                                  </p:stCondLst>
-                                  <p:childTnLst>
-                                    <p:set>
-                                      <p:cBhvr>
-                                        <p:cTn id="6" dur="1" fill="hold">
-                                          <p:stCondLst>
-                                            <p:cond delay="0"/>
-                                          </p:stCondLst>
-                                        </p:cTn>
-                                        <p:tgtEl>
-                                          <p:spTgt spid="20"/>
-                                        </p:tgtEl>
-                                        <p:attrNameLst>
-                                          <p:attrName>style.visibility</p:attrName>
-                                        </p:attrNameLst>
-                                      </p:cBhvr>
-                                      <p:to>
-                                        <p:strVal val="visible"/>
-                                      </p:to>
-                                    </p:set>
-                                    <p:anim calcmode="lin" valueType="num">
-                                      <p:cBhvr>
-                                        <p:cTn id="7" dur="1000" fill="hold"/>
-                                        <p:tgtEl>
-                                          <p:spTgt spid="20"/>
-                                        </p:tgtEl>
-                                        <p:attrNameLst>
-                                          <p:attrName>ppt_x</p:attrName>
-                                        </p:attrNameLst>
-                                      </p:cBhvr>
-                                      <p:tavLst>
-                                        <p:tav tm="0">
-                                          <p:val>
-                                            <p:strVal val="#ppt_x-.2"/>
-                                          </p:val>
-                                        </p:tav>
-                                        <p:tav tm="100000">
-                                          <p:val>
-                                            <p:strVal val="#ppt_x"/>
-                                          </p:val>
-                                        </p:tav>
-                                      </p:tavLst>
-                                    </p:anim>
-                                    <p:anim calcmode="lin" valueType="num">
-                                      <p:cBhvr>
-                                        <p:cTn id="8" dur="1000" fill="hold"/>
-                                        <p:tgtEl>
-                                          <p:spTgt spid="20"/>
-                                        </p:tgtEl>
-                                        <p:attrNameLst>
-                                          <p:attrName>ppt_y</p:attrName>
-                                        </p:attrNameLst>
-                                      </p:cBhvr>
-                                      <p:tavLst>
-                                        <p:tav tm="0">
-                                          <p:val>
-                                            <p:strVal val="#ppt_y"/>
-                                          </p:val>
-                                        </p:tav>
-                                        <p:tav tm="100000">
-                                          <p:val>
-                                            <p:strVal val="#ppt_y"/>
-                                          </p:val>
-                                        </p:tav>
-                                      </p:tavLst>
-                                    </p:anim>
-                                    <p:animEffect transition="in" filter="wipe(right)" prLst="gradientSize: 0.1">
-                                      <p:cBhvr>
-                                        <p:cTn id="9" dur="1000"/>
-                                        <p:tgtEl>
-                                          <p:spTgt spid="20"/>
-                                        </p:tgtEl>
-                                      </p:cBhvr>
-                                    </p:animEffect>
-                                  </p:childTnLst>
-                                </p:cTn>
-                              </p:par>
-                              <p:par>
-                                <p:cTn id="10" presetID="29" presetClass="entr" presetSubtype="0" fill="hold" grpId="0" nodeType="withEffect">
-                                  <p:stCondLst>
-                                    <p:cond delay="0"/>
-                                  </p:stCondLst>
-                                  <p:childTnLst>
-                                    <p:set>
-                                      <p:cBhvr>
-                                        <p:cTn id="11" dur="1" fill="hold">
-                                          <p:stCondLst>
-                                            <p:cond delay="0"/>
-                                          </p:stCondLst>
-                                        </p:cTn>
-                                        <p:tgtEl>
-                                          <p:spTgt spid="7"/>
-                                        </p:tgtEl>
-                                        <p:attrNameLst>
-                                          <p:attrName>style.visibility</p:attrName>
-                                        </p:attrNameLst>
-                                      </p:cBhvr>
-                                      <p:to>
-                                        <p:strVal val="visible"/>
-                                      </p:to>
-                                    </p:set>
-                                    <p:anim calcmode="lin" valueType="num">
-                                      <p:cBhvr>
-                                        <p:cTn id="12" dur="1000" fill="hold"/>
-                                        <p:tgtEl>
-                                          <p:spTgt spid="7"/>
-                                        </p:tgtEl>
-                                        <p:attrNameLst>
-                                          <p:attrName>ppt_x</p:attrName>
-                                        </p:attrNameLst>
-                                      </p:cBhvr>
-                                      <p:tavLst>
-                                        <p:tav tm="0">
-                                          <p:val>
-                                            <p:strVal val="#ppt_x-.2"/>
-                                          </p:val>
-                                        </p:tav>
-                                        <p:tav tm="100000">
-                                          <p:val>
-                                            <p:strVal val="#ppt_x"/>
-                                          </p:val>
-                                        </p:tav>
-                                      </p:tavLst>
-                                    </p:anim>
-                                    <p:anim calcmode="lin" valueType="num">
-                                      <p:cBhvr>
-                                        <p:cTn id="13" dur="1000" fill="hold"/>
-                                        <p:tgtEl>
-                                          <p:spTgt spid="7"/>
-                                        </p:tgtEl>
-                                        <p:attrNameLst>
-                                          <p:attrName>ppt_y</p:attrName>
-                                        </p:attrNameLst>
-                                      </p:cBhvr>
-                                      <p:tavLst>
-                                        <p:tav tm="0">
-                                          <p:val>
-                                            <p:strVal val="#ppt_y"/>
-                                          </p:val>
-                                        </p:tav>
-                                        <p:tav tm="100000">
-                                          <p:val>
-                                            <p:strVal val="#ppt_y"/>
-                                          </p:val>
-                                        </p:tav>
-                                      </p:tavLst>
-                                    </p:anim>
-                                    <p:animEffect transition="in" filter="wipe(right)" prLst="gradientSize: 0.1">
-                                      <p:cBhvr>
-                                        <p:cTn id="14" dur="1000"/>
-                                        <p:tgtEl>
-                                          <p:spTgt spid="7"/>
-                                        </p:tgtEl>
-                                      </p:cBhvr>
-                                    </p:animEffect>
-                                  </p:childTnLst>
-                                </p:cTn>
-                              </p:par>
-                              <p:par>
-                                <p:cTn id="15" presetID="10" presetClass="entr" presetSubtype="0" fill="hold" grpId="0" nodeType="withEffect" nodePh="1">
+                                <p:cTn id="5" presetID="10" presetClass="entr" presetSubtype="0" fill="hold" grpId="0" nodeType="withEffect" nodePh="1">
                                   <p:stCondLst>
                                     <p:cond delay="0"/>
                                   </p:stCondLst>
                                   <p:endCondLst>
                                     <p:cond evt="begin" delay="0">
-                                      <p:tn val="15"/>
+                                      <p:tn val="5"/>
                                     </p:cond>
                                   </p:endCondLst>
                                   <p:childTnLst>
                                     <p:set>
                                       <p:cBhvr>
-                                        <p:cTn id="16" dur="1" fill="hold">
-                                          <p:stCondLst>
-                                            <p:cond delay="0"/>
-                                          </p:stCondLst>
-                                        </p:cTn>
-                                        <p:tgtEl>
-                                          <p:spTgt spid="24"/>
-                                        </p:tgtEl>
-                                        <p:attrNameLst>
-                                          <p:attrName>style.visibility</p:attrName>
-                                        </p:attrNameLst>
-                                      </p:cBhvr>
-                                      <p:to>
-                                        <p:strVal val="visible"/>
-                                      </p:to>
-                                    </p:set>
-                                    <p:animEffect transition="in" filter="fade">
-                                      <p:cBhvr>
-                                        <p:cTn id="17" dur="2000"/>
-                                        <p:tgtEl>
-                                          <p:spTgt spid="24"/>
-                                        </p:tgtEl>
-                                      </p:cBhvr>
-                                    </p:animEffect>
-                                  </p:childTnLst>
-                                </p:cTn>
-                              </p:par>
-                              <p:par>
-                                <p:cTn id="18" presetID="10" presetClass="entr" presetSubtype="0" fill="hold" grpId="0" nodeType="withEffect" nodePh="1">
-                                  <p:stCondLst>
-                                    <p:cond delay="0"/>
-                                  </p:stCondLst>
-                                  <p:endCondLst>
-                                    <p:cond evt="begin" delay="0">
-                                      <p:tn val="18"/>
-                                    </p:cond>
-                                  </p:endCondLst>
-                                  <p:childTnLst>
-                                    <p:set>
-                                      <p:cBhvr>
-                                        <p:cTn id="19" dur="1" fill="hold">
+                                        <p:cTn id="6" dur="1" fill="hold">
                                           <p:stCondLst>
                                             <p:cond delay="0"/>
                                           </p:stCondLst>
@@ -10084,7 +7050,7 @@
                                     </p:set>
                                     <p:animEffect transition="in" filter="fade">
                                       <p:cBhvr>
-                                        <p:cTn id="20" dur="2000"/>
+                                        <p:cTn id="7" dur="2000"/>
                                         <p:tgtEl>
                                           <p:spTgt spid="26"/>
                                         </p:tgtEl>
@@ -10094,19 +7060,19 @@
                                 </p:cTn>
                               </p:par>
                               <p:par>
-                                <p:cTn id="21" presetID="10" presetClass="entr" presetSubtype="0" fill="hold" grpId="0" nodeType="withEffect" nodePh="1">
+                                <p:cTn id="8" presetID="10" presetClass="entr" presetSubtype="0" fill="hold" grpId="0" nodeType="withEffect" nodePh="1">
                                   <p:stCondLst>
                                     <p:cond delay="0"/>
                                   </p:stCondLst>
                                   <p:endCondLst>
                                     <p:cond evt="begin" delay="0">
-                                      <p:tn val="21"/>
+                                      <p:tn val="8"/>
                                     </p:cond>
                                   </p:endCondLst>
                                   <p:childTnLst>
                                     <p:set>
                                       <p:cBhvr>
-                                        <p:cTn id="22" dur="1" fill="hold">
+                                        <p:cTn id="9" dur="1" fill="hold">
                                           <p:stCondLst>
                                             <p:cond delay="0"/>
                                           </p:stCondLst>
@@ -10124,7 +7090,7 @@
                                     </p:set>
                                     <p:animEffect transition="in" filter="fade">
                                       <p:cBhvr>
-                                        <p:cTn id="23" dur="2000"/>
+                                        <p:cTn id="10" dur="2000"/>
                                         <p:tgtEl>
                                           <p:spTgt spid="27"/>
                                         </p:tgtEl>
@@ -10134,14 +7100,14 @@
                                 </p:cTn>
                               </p:par>
                               <p:par>
-                                <p:cTn id="24" presetID="10" presetClass="entr" fill="hold" nodeType="withEffect">
+                                <p:cTn id="11" presetID="10" presetClass="entr" fill="hold" nodeType="withEffect">
                                   <p:stCondLst>
                                     <p:cond delay="0"/>
                                   </p:stCondLst>
                                   <p:childTnLst>
                                     <p:set>
                                       <p:cBhvr>
-                                        <p:cTn id="25" dur="1" fill="hold">
+                                        <p:cTn id="12" dur="1" fill="hold">
                                           <p:stCondLst>
                                             <p:cond delay="0"/>
                                           </p:stCondLst>
@@ -10159,44 +7125,9 @@
                                     </p:set>
                                     <p:animEffect transition="in" filter="fade">
                                       <p:cBhvr additive="repl">
-                                        <p:cTn id="26" dur="2000"/>
+                                        <p:cTn id="13" dur="2000"/>
                                         <p:tgtEl>
                                           <p:spTgt spid="21"/>
-                                        </p:tgtEl>
-                                      </p:cBhvr>
-                                    </p:animEffect>
-                                  </p:childTnLst>
-                                </p:cTn>
-                              </p:par>
-                              <p:par>
-                                <p:cTn id="27" presetID="10" presetClass="entr" fill="hold" nodeType="withEffect">
-                                  <p:stCondLst>
-                                    <p:cond delay="0"/>
-                                  </p:stCondLst>
-                                  <p:childTnLst>
-                                    <p:set>
-                                      <p:cBhvr>
-                                        <p:cTn id="28" dur="1" fill="hold">
-                                          <p:stCondLst>
-                                            <p:cond delay="0"/>
-                                          </p:stCondLst>
-                                        </p:cTn>
-                                        <p:tgtEl>
-                                          <p:spTgt spid="22"/>
-                                        </p:tgtEl>
-                                        <p:attrNameLst>
-                                          <p:attrName>style.visibility</p:attrName>
-                                        </p:attrNameLst>
-                                      </p:cBhvr>
-                                      <p:to>
-                                        <p:strVal val="visible"/>
-                                      </p:to>
-                                    </p:set>
-                                    <p:animEffect transition="in" filter="fade">
-                                      <p:cBhvr additive="repl">
-                                        <p:cTn id="29" dur="2000"/>
-                                        <p:tgtEl>
-                                          <p:spTgt spid="22"/>
                                         </p:tgtEl>
                                       </p:cBhvr>
                                     </p:animEffect>
@@ -10231,9 +7162,6 @@
       </p:par>
     </p:tnLst>
     <p:bldLst>
-      <p:bldP spid="7" grpId="0"/>
-      <p:bldP spid="20" grpId="0"/>
-      <p:bldP spid="24" grpId="0"/>
       <p:bldP spid="26" grpId="0"/>
       <p:bldP spid="27" grpId="0"/>
     </p:bldLst>
@@ -10324,152 +7252,6 @@
           </a:extLst>
         </p:spPr>
       </p:pic>
-      <p:grpSp>
-        <p:nvGrpSpPr>
-          <p:cNvPr id="14340" name="13 Grupo"/>
-          <p:cNvGrpSpPr>
-            <a:grpSpLocks/>
-          </p:cNvGrpSpPr>
-          <p:nvPr/>
-        </p:nvGrpSpPr>
-        <p:grpSpPr bwMode="auto">
-          <a:xfrm>
-            <a:off x="4618038" y="2276475"/>
-            <a:ext cx="6350" cy="3017838"/>
-            <a:chOff x="4276603" y="1491264"/>
-            <a:chExt cx="319" cy="3377896"/>
-          </a:xfrm>
-        </p:grpSpPr>
-        <p:cxnSp>
-          <p:nvCxnSpPr>
-            <p:cNvPr id="10" name="9 Conector recto"/>
-            <p:cNvCxnSpPr/>
-            <p:nvPr/>
-          </p:nvCxnSpPr>
-          <p:spPr>
-            <a:xfrm>
-              <a:off x="4276603" y="1491264"/>
-              <a:ext cx="0" cy="3377896"/>
-            </a:xfrm>
-            <a:prstGeom prst="line">
-              <a:avLst/>
-            </a:prstGeom>
-            <a:ln>
-              <a:solidFill>
-                <a:schemeClr val="bg1">
-                  <a:lumMod val="85000"/>
-                </a:schemeClr>
-              </a:solidFill>
-            </a:ln>
-          </p:spPr>
-          <p:style>
-            <a:lnRef idx="1">
-              <a:schemeClr val="dk1"/>
-            </a:lnRef>
-            <a:fillRef idx="0">
-              <a:schemeClr val="dk1"/>
-            </a:fillRef>
-            <a:effectRef idx="0">
-              <a:schemeClr val="dk1"/>
-            </a:effectRef>
-            <a:fontRef idx="minor">
-              <a:schemeClr val="tx1"/>
-            </a:fontRef>
-          </p:style>
-        </p:cxnSp>
-        <p:cxnSp>
-          <p:nvCxnSpPr>
-            <p:cNvPr id="11" name="10 Conector recto"/>
-            <p:cNvCxnSpPr/>
-            <p:nvPr/>
-          </p:nvCxnSpPr>
-          <p:spPr>
-            <a:xfrm>
-              <a:off x="4276922" y="1491264"/>
-              <a:ext cx="0" cy="3377896"/>
-            </a:xfrm>
-            <a:prstGeom prst="line">
-              <a:avLst/>
-            </a:prstGeom>
-            <a:ln>
-              <a:solidFill>
-                <a:schemeClr val="bg1"/>
-              </a:solidFill>
-            </a:ln>
-          </p:spPr>
-          <p:style>
-            <a:lnRef idx="1">
-              <a:schemeClr val="dk1"/>
-            </a:lnRef>
-            <a:fillRef idx="0">
-              <a:schemeClr val="dk1"/>
-            </a:fillRef>
-            <a:effectRef idx="0">
-              <a:schemeClr val="dk1"/>
-            </a:effectRef>
-            <a:fontRef idx="minor">
-              <a:schemeClr val="tx1"/>
-            </a:fontRef>
-          </p:style>
-        </p:cxnSp>
-      </p:grpSp>
-      <p:sp>
-        <p:nvSpPr>
-          <p:cNvPr id="24" name="1 Título"/>
-          <p:cNvSpPr txBox="1">
-            <a:spLocks/>
-          </p:cNvSpPr>
-          <p:nvPr/>
-        </p:nvSpPr>
-        <p:spPr>
-          <a:xfrm>
-            <a:off x="395288" y="1298575"/>
-            <a:ext cx="4519612" cy="474663"/>
-          </a:xfrm>
-          <a:prstGeom prst="rect">
-            <a:avLst/>
-          </a:prstGeom>
-        </p:spPr>
-        <p:txBody>
-          <a:bodyPr anchor="ctr"/>
-          <a:lstStyle>
-            <a:lvl1pPr algn="ctr" defTabSz="914400" rtl="0" eaLnBrk="1" latinLnBrk="0" hangingPunct="1">
-              <a:spcBef>
-                <a:spcPct val="0"/>
-              </a:spcBef>
-              <a:buNone/>
-              <a:defRPr sz="4400" kern="1200">
-                <a:solidFill>
-                  <a:schemeClr val="tx1"/>
-                </a:solidFill>
-                <a:latin typeface="+mj-lt"/>
-                <a:ea typeface="+mj-ea"/>
-                <a:cs typeface="+mj-cs"/>
-              </a:defRPr>
-            </a:lvl1pPr>
-          </a:lstStyle>
-          <a:p>
-            <a:pPr algn="l" fontAlgn="auto">
-              <a:lnSpc>
-                <a:spcPts val="5760"/>
-              </a:lnSpc>
-              <a:spcBef>
-                <a:spcPts val="0"/>
-              </a:spcBef>
-              <a:spcAft>
-                <a:spcPts val="0"/>
-              </a:spcAft>
-              <a:defRPr/>
-            </a:pPr>
-            <a:endParaRPr lang="es-HN" sz="1600" b="1" dirty="0">
-              <a:solidFill>
-                <a:srgbClr val="FFC000"/>
-              </a:solidFill>
-              <a:latin typeface="Rockwell" pitchFamily="18" charset="0"/>
-            </a:endParaRPr>
-          </a:p>
-        </p:txBody>
-      </p:sp>
       <p:sp>
         <p:nvSpPr>
           <p:cNvPr id="26" name="1 Título"/>
@@ -10835,7 +7617,7 @@
                   <a:srgbClr val="FFC000"/>
                 </a:solidFill>
               </a:rPr>
-              <a:t>3</a:t>
+              <a:t>2</a:t>
             </a:r>
             <a:endParaRPr lang="es-ES" sz="1200" b="1" dirty="0">
               <a:solidFill>
@@ -11237,75 +8019,12 @@
           </a:p>
         </p:txBody>
       </p:sp>
-      <p:sp>
-        <p:nvSpPr>
-          <p:cNvPr id="20" name="1 Título">
+      <p:pic>
+        <p:nvPicPr>
+          <p:cNvPr id="16" name="Bilde 15">
             <a:extLst>
               <a:ext uri="{FF2B5EF4-FFF2-40B4-BE49-F238E27FC236}">
-                <a16:creationId xmlns:a16="http://schemas.microsoft.com/office/drawing/2014/main" id="{9F7CD112-909C-4657-A96D-872A91089A47}"/>
-              </a:ext>
-            </a:extLst>
-          </p:cNvPr>
-          <p:cNvSpPr txBox="1">
-            <a:spLocks/>
-          </p:cNvSpPr>
-          <p:nvPr/>
-        </p:nvSpPr>
-        <p:spPr>
-          <a:xfrm>
-            <a:off x="251520" y="1191394"/>
-            <a:ext cx="5829721" cy="863600"/>
-          </a:xfrm>
-          <a:prstGeom prst="rect">
-            <a:avLst/>
-          </a:prstGeom>
-        </p:spPr>
-        <p:txBody>
-          <a:bodyPr anchor="ctr"/>
-          <a:lstStyle>
-            <a:lvl1pPr algn="ctr" defTabSz="914400" rtl="0" eaLnBrk="1" latinLnBrk="0" hangingPunct="1">
-              <a:spcBef>
-                <a:spcPct val="0"/>
-              </a:spcBef>
-              <a:buNone/>
-              <a:defRPr sz="4400" kern="1200">
-                <a:solidFill>
-                  <a:schemeClr val="tx1"/>
-                </a:solidFill>
-                <a:latin typeface="+mj-lt"/>
-                <a:ea typeface="+mj-ea"/>
-                <a:cs typeface="+mj-cs"/>
-              </a:defRPr>
-            </a:lvl1pPr>
-          </a:lstStyle>
-          <a:p>
-            <a:pPr algn="l" fontAlgn="auto">
-              <a:lnSpc>
-                <a:spcPts val="5760"/>
-              </a:lnSpc>
-              <a:spcBef>
-                <a:spcPts val="0"/>
-              </a:spcBef>
-              <a:spcAft>
-                <a:spcPts val="0"/>
-              </a:spcAft>
-              <a:defRPr/>
-            </a:pPr>
-            <a:endParaRPr lang="es-HN" sz="4930" b="1" dirty="0">
-              <a:solidFill>
-                <a:srgbClr val="FFC000"/>
-              </a:solidFill>
-              <a:latin typeface="Rockwell" pitchFamily="18" charset="0"/>
-            </a:endParaRPr>
-          </a:p>
-        </p:txBody>
-      </p:sp>
-      <p:pic>
-        <p:nvPicPr>
-          <p:cNvPr id="2" name="Bilde 1">
-            <a:extLst>
-              <a:ext uri="{FF2B5EF4-FFF2-40B4-BE49-F238E27FC236}">
-                <a16:creationId xmlns:a16="http://schemas.microsoft.com/office/drawing/2014/main" id="{1A1AB84D-04FD-4E14-A74A-ADC9C19EC330}"/>
+                <a16:creationId xmlns:a16="http://schemas.microsoft.com/office/drawing/2014/main" id="{4A8EA303-0799-4C7E-91E9-DB11F2ED8DF2}"/>
               </a:ext>
             </a:extLst>
           </p:cNvPr>
@@ -11322,8 +8041,8 @@
         </p:blipFill>
         <p:spPr>
           <a:xfrm>
-            <a:off x="0" y="565654"/>
-            <a:ext cx="9144000" cy="5726691"/>
+            <a:off x="0" y="0"/>
+            <a:ext cx="9144000" cy="5723119"/>
           </a:xfrm>
           <a:prstGeom prst="rect">
             <a:avLst/>
@@ -11333,7 +8052,7 @@
     </p:spTree>
     <p:extLst>
       <p:ext uri="{BB962C8B-B14F-4D97-AF65-F5344CB8AC3E}">
-        <p14:creationId xmlns:p14="http://schemas.microsoft.com/office/powerpoint/2010/main" val="4053077897"/>
+        <p14:creationId xmlns:p14="http://schemas.microsoft.com/office/powerpoint/2010/main" val="3301015051"/>
       </p:ext>
     </p:extLst>
   </p:cSld>
@@ -11382,7 +8101,7 @@
                                           </p:stCondLst>
                                         </p:cTn>
                                         <p:tgtEl>
-                                          <p:spTgt spid="24"/>
+                                          <p:spTgt spid="26"/>
                                         </p:tgtEl>
                                         <p:attrNameLst>
                                           <p:attrName>style.visibility</p:attrName>
@@ -11396,7 +8115,7 @@
                                       <p:cBhvr>
                                         <p:cTn id="7" dur="2000"/>
                                         <p:tgtEl>
-                                          <p:spTgt spid="24"/>
+                                          <p:spTgt spid="26"/>
                                         </p:tgtEl>
                                       </p:cBhvr>
                                     </p:animEffect>
@@ -11422,7 +8141,7 @@
                                           </p:stCondLst>
                                         </p:cTn>
                                         <p:tgtEl>
-                                          <p:spTgt spid="26"/>
+                                          <p:spTgt spid="27"/>
                                         </p:tgtEl>
                                         <p:attrNameLst>
                                           <p:attrName>style.visibility</p:attrName>
@@ -11436,46 +8155,6 @@
                                       <p:cBhvr>
                                         <p:cTn id="10" dur="2000"/>
                                         <p:tgtEl>
-                                          <p:spTgt spid="26"/>
-                                        </p:tgtEl>
-                                      </p:cBhvr>
-                                    </p:animEffect>
-                                  </p:childTnLst>
-                                </p:cTn>
-                              </p:par>
-                              <p:par>
-                                <p:cTn id="11" presetID="10" presetClass="entr" presetSubtype="0" fill="hold" grpId="0" nodeType="withEffect" nodePh="1">
-                                  <p:stCondLst>
-                                    <p:cond delay="0"/>
-                                  </p:stCondLst>
-                                  <p:endCondLst>
-                                    <p:cond evt="begin" delay="0">
-                                      <p:tn val="11"/>
-                                    </p:cond>
-                                  </p:endCondLst>
-                                  <p:childTnLst>
-                                    <p:set>
-                                      <p:cBhvr>
-                                        <p:cTn id="12" dur="1" fill="hold">
-                                          <p:stCondLst>
-                                            <p:cond delay="0"/>
-                                          </p:stCondLst>
-                                        </p:cTn>
-                                        <p:tgtEl>
-                                          <p:spTgt spid="27"/>
-                                        </p:tgtEl>
-                                        <p:attrNameLst>
-                                          <p:attrName>style.visibility</p:attrName>
-                                        </p:attrNameLst>
-                                      </p:cBhvr>
-                                      <p:to>
-                                        <p:strVal val="visible"/>
-                                      </p:to>
-                                    </p:set>
-                                    <p:animEffect transition="in" filter="fade">
-                                      <p:cBhvr>
-                                        <p:cTn id="13" dur="2000"/>
-                                        <p:tgtEl>
                                           <p:spTgt spid="27"/>
                                         </p:tgtEl>
                                       </p:cBhvr>
@@ -11484,14 +8163,14 @@
                                 </p:cTn>
                               </p:par>
                               <p:par>
-                                <p:cTn id="14" presetID="10" presetClass="entr" fill="hold" nodeType="withEffect">
+                                <p:cTn id="11" presetID="10" presetClass="entr" fill="hold" nodeType="withEffect">
                                   <p:stCondLst>
                                     <p:cond delay="0"/>
                                   </p:stCondLst>
                                   <p:childTnLst>
                                     <p:set>
                                       <p:cBhvr>
-                                        <p:cTn id="15" dur="1" fill="hold">
+                                        <p:cTn id="12" dur="1" fill="hold">
                                           <p:stCondLst>
                                             <p:cond delay="0"/>
                                           </p:stCondLst>
@@ -11509,95 +8188,9 @@
                                     </p:set>
                                     <p:animEffect transition="in" filter="fade">
                                       <p:cBhvr additive="repl">
-                                        <p:cTn id="16" dur="2000"/>
+                                        <p:cTn id="13" dur="2000"/>
                                         <p:tgtEl>
                                           <p:spTgt spid="21"/>
-                                        </p:tgtEl>
-                                      </p:cBhvr>
-                                    </p:animEffect>
-                                  </p:childTnLst>
-                                </p:cTn>
-                              </p:par>
-                              <p:par>
-                                <p:cTn id="17" presetID="29" presetClass="entr" presetSubtype="0" fill="hold" grpId="0" nodeType="withEffect" nodePh="1">
-                                  <p:stCondLst>
-                                    <p:cond delay="0"/>
-                                  </p:stCondLst>
-                                  <p:endCondLst>
-                                    <p:cond evt="begin" delay="0">
-                                      <p:tn val="17"/>
-                                    </p:cond>
-                                  </p:endCondLst>
-                                  <p:childTnLst>
-                                    <p:set>
-                                      <p:cBhvr>
-                                        <p:cTn id="18" dur="1" fill="hold">
-                                          <p:stCondLst>
-                                            <p:cond delay="0"/>
-                                          </p:stCondLst>
-                                        </p:cTn>
-                                        <p:tgtEl>
-                                          <p:spTgt spid="20"/>
-                                        </p:tgtEl>
-                                        <p:attrNameLst>
-                                          <p:attrName>style.visibility</p:attrName>
-                                        </p:attrNameLst>
-                                      </p:cBhvr>
-                                      <p:to>
-                                        <p:strVal val="visible"/>
-                                      </p:to>
-                                    </p:set>
-                                    <p:anim calcmode="lin" valueType="num">
-                                      <p:cBhvr>
-                                        <p:cTn id="19" dur="1000" fill="hold"/>
-                                        <p:tgtEl>
-                                          <p:spTgt spid="20"/>
-                                        </p:tgtEl>
-                                        <p:attrNameLst>
-                                          <p:attrName>ppt_x</p:attrName>
-                                        </p:attrNameLst>
-                                      </p:cBhvr>
-                                      <p:tavLst>
-                                        <p:tav tm="0">
-                                          <p:val>
-                                            <p:strVal val="#ppt_x-.2"/>
-                                          </p:val>
-                                        </p:tav>
-                                        <p:tav tm="100000">
-                                          <p:val>
-                                            <p:strVal val="#ppt_x"/>
-                                          </p:val>
-                                        </p:tav>
-                                      </p:tavLst>
-                                    </p:anim>
-                                    <p:anim calcmode="lin" valueType="num">
-                                      <p:cBhvr>
-                                        <p:cTn id="20" dur="1000" fill="hold"/>
-                                        <p:tgtEl>
-                                          <p:spTgt spid="20"/>
-                                        </p:tgtEl>
-                                        <p:attrNameLst>
-                                          <p:attrName>ppt_y</p:attrName>
-                                        </p:attrNameLst>
-                                      </p:cBhvr>
-                                      <p:tavLst>
-                                        <p:tav tm="0">
-                                          <p:val>
-                                            <p:strVal val="#ppt_y"/>
-                                          </p:val>
-                                        </p:tav>
-                                        <p:tav tm="100000">
-                                          <p:val>
-                                            <p:strVal val="#ppt_y"/>
-                                          </p:val>
-                                        </p:tav>
-                                      </p:tavLst>
-                                    </p:anim>
-                                    <p:animEffect transition="in" filter="wipe(right)" prLst="gradientSize: 0.1">
-                                      <p:cBhvr>
-                                        <p:cTn id="21" dur="1000"/>
-                                        <p:tgtEl>
-                                          <p:spTgt spid="20"/>
                                         </p:tgtEl>
                                       </p:cBhvr>
                                     </p:animEffect>
@@ -11632,10 +8225,8 @@
       </p:par>
     </p:tnLst>
     <p:bldLst>
-      <p:bldP spid="24" grpId="0"/>
       <p:bldP spid="26" grpId="0"/>
       <p:bldP spid="27" grpId="0"/>
-      <p:bldP spid="20" grpId="0"/>
     </p:bldLst>
   </p:timing>
 </p:sld>
@@ -11724,152 +8315,6 @@
           </a:extLst>
         </p:spPr>
       </p:pic>
-      <p:grpSp>
-        <p:nvGrpSpPr>
-          <p:cNvPr id="14340" name="13 Grupo"/>
-          <p:cNvGrpSpPr>
-            <a:grpSpLocks/>
-          </p:cNvGrpSpPr>
-          <p:nvPr/>
-        </p:nvGrpSpPr>
-        <p:grpSpPr bwMode="auto">
-          <a:xfrm>
-            <a:off x="4618038" y="2276475"/>
-            <a:ext cx="6350" cy="3017838"/>
-            <a:chOff x="4276603" y="1491264"/>
-            <a:chExt cx="319" cy="3377896"/>
-          </a:xfrm>
-        </p:grpSpPr>
-        <p:cxnSp>
-          <p:nvCxnSpPr>
-            <p:cNvPr id="10" name="9 Conector recto"/>
-            <p:cNvCxnSpPr/>
-            <p:nvPr/>
-          </p:nvCxnSpPr>
-          <p:spPr>
-            <a:xfrm>
-              <a:off x="4276603" y="1491264"/>
-              <a:ext cx="0" cy="3377896"/>
-            </a:xfrm>
-            <a:prstGeom prst="line">
-              <a:avLst/>
-            </a:prstGeom>
-            <a:ln>
-              <a:solidFill>
-                <a:schemeClr val="bg1">
-                  <a:lumMod val="85000"/>
-                </a:schemeClr>
-              </a:solidFill>
-            </a:ln>
-          </p:spPr>
-          <p:style>
-            <a:lnRef idx="1">
-              <a:schemeClr val="dk1"/>
-            </a:lnRef>
-            <a:fillRef idx="0">
-              <a:schemeClr val="dk1"/>
-            </a:fillRef>
-            <a:effectRef idx="0">
-              <a:schemeClr val="dk1"/>
-            </a:effectRef>
-            <a:fontRef idx="minor">
-              <a:schemeClr val="tx1"/>
-            </a:fontRef>
-          </p:style>
-        </p:cxnSp>
-        <p:cxnSp>
-          <p:nvCxnSpPr>
-            <p:cNvPr id="11" name="10 Conector recto"/>
-            <p:cNvCxnSpPr/>
-            <p:nvPr/>
-          </p:nvCxnSpPr>
-          <p:spPr>
-            <a:xfrm>
-              <a:off x="4276922" y="1491264"/>
-              <a:ext cx="0" cy="3377896"/>
-            </a:xfrm>
-            <a:prstGeom prst="line">
-              <a:avLst/>
-            </a:prstGeom>
-            <a:ln>
-              <a:solidFill>
-                <a:schemeClr val="bg1"/>
-              </a:solidFill>
-            </a:ln>
-          </p:spPr>
-          <p:style>
-            <a:lnRef idx="1">
-              <a:schemeClr val="dk1"/>
-            </a:lnRef>
-            <a:fillRef idx="0">
-              <a:schemeClr val="dk1"/>
-            </a:fillRef>
-            <a:effectRef idx="0">
-              <a:schemeClr val="dk1"/>
-            </a:effectRef>
-            <a:fontRef idx="minor">
-              <a:schemeClr val="tx1"/>
-            </a:fontRef>
-          </p:style>
-        </p:cxnSp>
-      </p:grpSp>
-      <p:sp>
-        <p:nvSpPr>
-          <p:cNvPr id="24" name="1 Título"/>
-          <p:cNvSpPr txBox="1">
-            <a:spLocks/>
-          </p:cNvSpPr>
-          <p:nvPr/>
-        </p:nvSpPr>
-        <p:spPr>
-          <a:xfrm>
-            <a:off x="395288" y="1298575"/>
-            <a:ext cx="4519612" cy="474663"/>
-          </a:xfrm>
-          <a:prstGeom prst="rect">
-            <a:avLst/>
-          </a:prstGeom>
-        </p:spPr>
-        <p:txBody>
-          <a:bodyPr anchor="ctr"/>
-          <a:lstStyle>
-            <a:lvl1pPr algn="ctr" defTabSz="914400" rtl="0" eaLnBrk="1" latinLnBrk="0" hangingPunct="1">
-              <a:spcBef>
-                <a:spcPct val="0"/>
-              </a:spcBef>
-              <a:buNone/>
-              <a:defRPr sz="4400" kern="1200">
-                <a:solidFill>
-                  <a:schemeClr val="tx1"/>
-                </a:solidFill>
-                <a:latin typeface="+mj-lt"/>
-                <a:ea typeface="+mj-ea"/>
-                <a:cs typeface="+mj-cs"/>
-              </a:defRPr>
-            </a:lvl1pPr>
-          </a:lstStyle>
-          <a:p>
-            <a:pPr algn="l" fontAlgn="auto">
-              <a:lnSpc>
-                <a:spcPts val="5760"/>
-              </a:lnSpc>
-              <a:spcBef>
-                <a:spcPts val="0"/>
-              </a:spcBef>
-              <a:spcAft>
-                <a:spcPts val="0"/>
-              </a:spcAft>
-              <a:defRPr/>
-            </a:pPr>
-            <a:endParaRPr lang="es-HN" sz="1600" b="1" dirty="0">
-              <a:solidFill>
-                <a:srgbClr val="FFC000"/>
-              </a:solidFill>
-              <a:latin typeface="Rockwell" pitchFamily="18" charset="0"/>
-            </a:endParaRPr>
-          </a:p>
-        </p:txBody>
-      </p:sp>
       <p:sp>
         <p:nvSpPr>
           <p:cNvPr id="26" name="1 Título"/>
@@ -12096,7 +8541,7 @@
         </p:nvSpPr>
         <p:spPr bwMode="auto">
           <a:xfrm>
-            <a:off x="4211960" y="6181725"/>
+            <a:off x="4205288" y="6181725"/>
             <a:ext cx="263214" cy="276999"/>
           </a:xfrm>
           <a:prstGeom prst="rect">
@@ -12235,7 +8680,7 @@
                   <a:srgbClr val="FFC000"/>
                 </a:solidFill>
               </a:rPr>
-              <a:t>5</a:t>
+              <a:t>2</a:t>
             </a:r>
             <a:endParaRPr lang="es-ES" sz="1200" b="1" dirty="0">
               <a:solidFill>
@@ -12307,7 +8752,7 @@
         <p:spPr>
           <a:xfrm>
             <a:off x="4787900" y="6181725"/>
-            <a:ext cx="263214" cy="276999"/>
+            <a:ext cx="263525" cy="277813"/>
           </a:xfrm>
           <a:prstGeom prst="rect">
             <a:avLst/>
@@ -12338,7 +8783,7 @@
                 </a:solidFill>
                 <a:latin typeface="+mn-lt"/>
               </a:rPr>
-              <a:t>8</a:t>
+              <a:t>6</a:t>
             </a:r>
             <a:endParaRPr lang="es-ES" sz="1200" b="1" dirty="0">
               <a:solidFill>
@@ -12639,10 +9084,10 @@
       </p:sp>
       <p:pic>
         <p:nvPicPr>
-          <p:cNvPr id="2" name="Bilde 1">
+          <p:cNvPr id="17" name="Bilde 16">
             <a:extLst>
               <a:ext uri="{FF2B5EF4-FFF2-40B4-BE49-F238E27FC236}">
-                <a16:creationId xmlns:a16="http://schemas.microsoft.com/office/drawing/2014/main" id="{A164626F-54F8-4449-A28A-A42E11554335}"/>
+                <a16:creationId xmlns:a16="http://schemas.microsoft.com/office/drawing/2014/main" id="{A91A4BF0-76BE-4848-B5CC-662D444970AF}"/>
               </a:ext>
             </a:extLst>
           </p:cNvPr>
@@ -12659,8 +9104,8 @@
         </p:blipFill>
         <p:spPr>
           <a:xfrm>
-            <a:off x="0" y="567440"/>
-            <a:ext cx="9144000" cy="5723119"/>
+            <a:off x="0" y="0"/>
+            <a:ext cx="9144000" cy="5753282"/>
           </a:xfrm>
           <a:prstGeom prst="rect">
             <a:avLst/>
@@ -12670,7 +9115,7 @@
     </p:spTree>
     <p:extLst>
       <p:ext uri="{BB962C8B-B14F-4D97-AF65-F5344CB8AC3E}">
-        <p14:creationId xmlns:p14="http://schemas.microsoft.com/office/powerpoint/2010/main" val="178540755"/>
+        <p14:creationId xmlns:p14="http://schemas.microsoft.com/office/powerpoint/2010/main" val="2493750378"/>
       </p:ext>
     </p:extLst>
   </p:cSld>
@@ -12719,7 +9164,7 @@
                                           </p:stCondLst>
                                         </p:cTn>
                                         <p:tgtEl>
-                                          <p:spTgt spid="24"/>
+                                          <p:spTgt spid="26"/>
                                         </p:tgtEl>
                                         <p:attrNameLst>
                                           <p:attrName>style.visibility</p:attrName>
@@ -12733,7 +9178,7 @@
                                       <p:cBhvr>
                                         <p:cTn id="7" dur="2000"/>
                                         <p:tgtEl>
-                                          <p:spTgt spid="24"/>
+                                          <p:spTgt spid="26"/>
                                         </p:tgtEl>
                                       </p:cBhvr>
                                     </p:animEffect>
@@ -12759,7 +9204,7 @@
                                           </p:stCondLst>
                                         </p:cTn>
                                         <p:tgtEl>
-                                          <p:spTgt spid="26"/>
+                                          <p:spTgt spid="27"/>
                                         </p:tgtEl>
                                         <p:attrNameLst>
                                           <p:attrName>style.visibility</p:attrName>
@@ -12773,46 +9218,6 @@
                                       <p:cBhvr>
                                         <p:cTn id="10" dur="2000"/>
                                         <p:tgtEl>
-                                          <p:spTgt spid="26"/>
-                                        </p:tgtEl>
-                                      </p:cBhvr>
-                                    </p:animEffect>
-                                  </p:childTnLst>
-                                </p:cTn>
-                              </p:par>
-                              <p:par>
-                                <p:cTn id="11" presetID="10" presetClass="entr" presetSubtype="0" fill="hold" grpId="0" nodeType="withEffect" nodePh="1">
-                                  <p:stCondLst>
-                                    <p:cond delay="0"/>
-                                  </p:stCondLst>
-                                  <p:endCondLst>
-                                    <p:cond evt="begin" delay="0">
-                                      <p:tn val="11"/>
-                                    </p:cond>
-                                  </p:endCondLst>
-                                  <p:childTnLst>
-                                    <p:set>
-                                      <p:cBhvr>
-                                        <p:cTn id="12" dur="1" fill="hold">
-                                          <p:stCondLst>
-                                            <p:cond delay="0"/>
-                                          </p:stCondLst>
-                                        </p:cTn>
-                                        <p:tgtEl>
-                                          <p:spTgt spid="27"/>
-                                        </p:tgtEl>
-                                        <p:attrNameLst>
-                                          <p:attrName>style.visibility</p:attrName>
-                                        </p:attrNameLst>
-                                      </p:cBhvr>
-                                      <p:to>
-                                        <p:strVal val="visible"/>
-                                      </p:to>
-                                    </p:set>
-                                    <p:animEffect transition="in" filter="fade">
-                                      <p:cBhvr>
-                                        <p:cTn id="13" dur="2000"/>
-                                        <p:tgtEl>
                                           <p:spTgt spid="27"/>
                                         </p:tgtEl>
                                       </p:cBhvr>
@@ -12821,14 +9226,14 @@
                                 </p:cTn>
                               </p:par>
                               <p:par>
-                                <p:cTn id="14" presetID="10" presetClass="entr" fill="hold" nodeType="withEffect">
+                                <p:cTn id="11" presetID="10" presetClass="entr" fill="hold" nodeType="withEffect">
                                   <p:stCondLst>
                                     <p:cond delay="0"/>
                                   </p:stCondLst>
                                   <p:childTnLst>
                                     <p:set>
                                       <p:cBhvr>
-                                        <p:cTn id="15" dur="1" fill="hold">
+                                        <p:cTn id="12" dur="1" fill="hold">
                                           <p:stCondLst>
                                             <p:cond delay="0"/>
                                           </p:stCondLst>
@@ -12846,7 +9251,7 @@
                                     </p:set>
                                     <p:animEffect transition="in" filter="fade">
                                       <p:cBhvr additive="repl">
-                                        <p:cTn id="16" dur="2000"/>
+                                        <p:cTn id="13" dur="2000"/>
                                         <p:tgtEl>
                                           <p:spTgt spid="21"/>
                                         </p:tgtEl>
@@ -12883,7 +9288,6 @@
       </p:par>
     </p:tnLst>
     <p:bldLst>
-      <p:bldP spid="24" grpId="0"/>
       <p:bldP spid="26" grpId="0"/>
       <p:bldP spid="27" grpId="0"/>
     </p:bldLst>
@@ -12974,95 +9378,6 @@
           </a:extLst>
         </p:spPr>
       </p:pic>
-      <p:grpSp>
-        <p:nvGrpSpPr>
-          <p:cNvPr id="14340" name="13 Grupo"/>
-          <p:cNvGrpSpPr>
-            <a:grpSpLocks/>
-          </p:cNvGrpSpPr>
-          <p:nvPr/>
-        </p:nvGrpSpPr>
-        <p:grpSpPr bwMode="auto">
-          <a:xfrm>
-            <a:off x="4618038" y="2276475"/>
-            <a:ext cx="6350" cy="3017838"/>
-            <a:chOff x="4276603" y="1491264"/>
-            <a:chExt cx="319" cy="3377896"/>
-          </a:xfrm>
-        </p:grpSpPr>
-        <p:cxnSp>
-          <p:nvCxnSpPr>
-            <p:cNvPr id="10" name="9 Conector recto"/>
-            <p:cNvCxnSpPr/>
-            <p:nvPr/>
-          </p:nvCxnSpPr>
-          <p:spPr>
-            <a:xfrm>
-              <a:off x="4276603" y="1491264"/>
-              <a:ext cx="0" cy="3377896"/>
-            </a:xfrm>
-            <a:prstGeom prst="line">
-              <a:avLst/>
-            </a:prstGeom>
-            <a:ln>
-              <a:solidFill>
-                <a:schemeClr val="bg1">
-                  <a:lumMod val="85000"/>
-                </a:schemeClr>
-              </a:solidFill>
-            </a:ln>
-          </p:spPr>
-          <p:style>
-            <a:lnRef idx="1">
-              <a:schemeClr val="dk1"/>
-            </a:lnRef>
-            <a:fillRef idx="0">
-              <a:schemeClr val="dk1"/>
-            </a:fillRef>
-            <a:effectRef idx="0">
-              <a:schemeClr val="dk1"/>
-            </a:effectRef>
-            <a:fontRef idx="minor">
-              <a:schemeClr val="tx1"/>
-            </a:fontRef>
-          </p:style>
-        </p:cxnSp>
-        <p:cxnSp>
-          <p:nvCxnSpPr>
-            <p:cNvPr id="11" name="10 Conector recto"/>
-            <p:cNvCxnSpPr/>
-            <p:nvPr/>
-          </p:nvCxnSpPr>
-          <p:spPr>
-            <a:xfrm>
-              <a:off x="4276922" y="1491264"/>
-              <a:ext cx="0" cy="3377896"/>
-            </a:xfrm>
-            <a:prstGeom prst="line">
-              <a:avLst/>
-            </a:prstGeom>
-            <a:ln>
-              <a:solidFill>
-                <a:schemeClr val="bg1"/>
-              </a:solidFill>
-            </a:ln>
-          </p:spPr>
-          <p:style>
-            <a:lnRef idx="1">
-              <a:schemeClr val="dk1"/>
-            </a:lnRef>
-            <a:fillRef idx="0">
-              <a:schemeClr val="dk1"/>
-            </a:fillRef>
-            <a:effectRef idx="0">
-              <a:schemeClr val="dk1"/>
-            </a:effectRef>
-            <a:fontRef idx="minor">
-              <a:schemeClr val="tx1"/>
-            </a:fontRef>
-          </p:style>
-        </p:cxnSp>
-      </p:grpSp>
       <p:sp>
         <p:nvSpPr>
           <p:cNvPr id="24" name="1 Título"/>
@@ -13480,18 +9795,13 @@
           </a:lstStyle>
           <a:p>
             <a:r>
-              <a:rPr lang="es-HN" sz="1200" b="1" dirty="0">
+              <a:rPr lang="es-ES" sz="1200" b="1" dirty="0">
                 <a:solidFill>
                   <a:srgbClr val="FFC000"/>
                 </a:solidFill>
               </a:rPr>
-              <a:t>5</a:t>
+              <a:t>6</a:t>
             </a:r>
-            <a:endParaRPr lang="es-ES" sz="1200" b="1" dirty="0">
-              <a:solidFill>
-                <a:srgbClr val="FFC000"/>
-              </a:solidFill>
-            </a:endParaRPr>
           </a:p>
         </p:txBody>
       </p:sp>
@@ -13588,7 +9898,7 @@
                 </a:solidFill>
                 <a:latin typeface="+mn-lt"/>
               </a:rPr>
-              <a:t>8</a:t>
+              <a:t>9</a:t>
             </a:r>
             <a:endParaRPr lang="es-ES" sz="1200" b="1" dirty="0">
               <a:solidFill>
@@ -13887,1251 +10197,6 @@
           </a:p>
         </p:txBody>
       </p:sp>
-      <p:pic>
-        <p:nvPicPr>
-          <p:cNvPr id="2" name="Bilde 1">
-            <a:extLst>
-              <a:ext uri="{FF2B5EF4-FFF2-40B4-BE49-F238E27FC236}">
-                <a16:creationId xmlns:a16="http://schemas.microsoft.com/office/drawing/2014/main" id="{42B15F6D-749E-4FB4-8859-23F0AFF4C9F7}"/>
-              </a:ext>
-            </a:extLst>
-          </p:cNvPr>
-          <p:cNvPicPr>
-            <a:picLocks noChangeAspect="1"/>
-          </p:cNvPicPr>
-          <p:nvPr/>
-        </p:nvPicPr>
-        <p:blipFill>
-          <a:blip r:embed="rId9"/>
-          <a:stretch>
-            <a:fillRect/>
-          </a:stretch>
-        </p:blipFill>
-        <p:spPr>
-          <a:xfrm>
-            <a:off x="0" y="552359"/>
-            <a:ext cx="9144000" cy="5753282"/>
-          </a:xfrm>
-          <a:prstGeom prst="rect">
-            <a:avLst/>
-          </a:prstGeom>
-        </p:spPr>
-      </p:pic>
-    </p:spTree>
-    <p:extLst>
-      <p:ext uri="{BB962C8B-B14F-4D97-AF65-F5344CB8AC3E}">
-        <p14:creationId xmlns:p14="http://schemas.microsoft.com/office/powerpoint/2010/main" val="3226816333"/>
-      </p:ext>
-    </p:extLst>
-  </p:cSld>
-  <p:clrMapOvr>
-    <a:masterClrMapping/>
-  </p:clrMapOvr>
-  <p:timing>
-    <p:tnLst>
-      <p:par>
-        <p:cTn id="1" dur="indefinite" restart="never" nodeType="tmRoot">
-          <p:childTnLst>
-            <p:seq concurrent="1" nextAc="seek">
-              <p:cTn id="2" dur="indefinite" nodeType="mainSeq">
-                <p:childTnLst>
-                  <p:par>
-                    <p:cTn id="3" fill="hold" nodeType="clickPar">
-                      <p:stCondLst>
-                        <p:cond delay="indefinite"/>
-                        <p:cond evt="onBegin" delay="0">
-                          <p:tn val="2"/>
-                        </p:cond>
-                      </p:stCondLst>
-                      <p:childTnLst>
-                        <p:par>
-                          <p:cTn id="4" fill="hold" nodeType="withGroup">
-                            <p:stCondLst>
-                              <p:cond delay="0"/>
-                            </p:stCondLst>
-                            <p:childTnLst>
-                              <p:par>
-                                <p:cTn id="5" presetID="10" presetClass="entr" presetSubtype="0" fill="hold" grpId="0" nodeType="withEffect" nodePh="1">
-                                  <p:stCondLst>
-                                    <p:cond delay="0"/>
-                                  </p:stCondLst>
-                                  <p:endCondLst>
-                                    <p:cond evt="begin" delay="0">
-                                      <p:tn val="5"/>
-                                    </p:cond>
-                                  </p:endCondLst>
-                                  <p:childTnLst>
-                                    <p:set>
-                                      <p:cBhvr>
-                                        <p:cTn id="6" dur="1" fill="hold">
-                                          <p:stCondLst>
-                                            <p:cond delay="0"/>
-                                          </p:stCondLst>
-                                        </p:cTn>
-                                        <p:tgtEl>
-                                          <p:spTgt spid="24"/>
-                                        </p:tgtEl>
-                                        <p:attrNameLst>
-                                          <p:attrName>style.visibility</p:attrName>
-                                        </p:attrNameLst>
-                                      </p:cBhvr>
-                                      <p:to>
-                                        <p:strVal val="visible"/>
-                                      </p:to>
-                                    </p:set>
-                                    <p:animEffect transition="in" filter="fade">
-                                      <p:cBhvr>
-                                        <p:cTn id="7" dur="2000"/>
-                                        <p:tgtEl>
-                                          <p:spTgt spid="24"/>
-                                        </p:tgtEl>
-                                      </p:cBhvr>
-                                    </p:animEffect>
-                                  </p:childTnLst>
-                                </p:cTn>
-                              </p:par>
-                              <p:par>
-                                <p:cTn id="8" presetID="10" presetClass="entr" presetSubtype="0" fill="hold" grpId="0" nodeType="withEffect" nodePh="1">
-                                  <p:stCondLst>
-                                    <p:cond delay="0"/>
-                                  </p:stCondLst>
-                                  <p:endCondLst>
-                                    <p:cond evt="begin" delay="0">
-                                      <p:tn val="8"/>
-                                    </p:cond>
-                                  </p:endCondLst>
-                                  <p:childTnLst>
-                                    <p:set>
-                                      <p:cBhvr>
-                                        <p:cTn id="9" dur="1" fill="hold">
-                                          <p:stCondLst>
-                                            <p:cond delay="0"/>
-                                          </p:stCondLst>
-                                        </p:cTn>
-                                        <p:tgtEl>
-                                          <p:spTgt spid="26"/>
-                                        </p:tgtEl>
-                                        <p:attrNameLst>
-                                          <p:attrName>style.visibility</p:attrName>
-                                        </p:attrNameLst>
-                                      </p:cBhvr>
-                                      <p:to>
-                                        <p:strVal val="visible"/>
-                                      </p:to>
-                                    </p:set>
-                                    <p:animEffect transition="in" filter="fade">
-                                      <p:cBhvr>
-                                        <p:cTn id="10" dur="2000"/>
-                                        <p:tgtEl>
-                                          <p:spTgt spid="26"/>
-                                        </p:tgtEl>
-                                      </p:cBhvr>
-                                    </p:animEffect>
-                                  </p:childTnLst>
-                                </p:cTn>
-                              </p:par>
-                              <p:par>
-                                <p:cTn id="11" presetID="10" presetClass="entr" presetSubtype="0" fill="hold" grpId="0" nodeType="withEffect" nodePh="1">
-                                  <p:stCondLst>
-                                    <p:cond delay="0"/>
-                                  </p:stCondLst>
-                                  <p:endCondLst>
-                                    <p:cond evt="begin" delay="0">
-                                      <p:tn val="11"/>
-                                    </p:cond>
-                                  </p:endCondLst>
-                                  <p:childTnLst>
-                                    <p:set>
-                                      <p:cBhvr>
-                                        <p:cTn id="12" dur="1" fill="hold">
-                                          <p:stCondLst>
-                                            <p:cond delay="0"/>
-                                          </p:stCondLst>
-                                        </p:cTn>
-                                        <p:tgtEl>
-                                          <p:spTgt spid="27"/>
-                                        </p:tgtEl>
-                                        <p:attrNameLst>
-                                          <p:attrName>style.visibility</p:attrName>
-                                        </p:attrNameLst>
-                                      </p:cBhvr>
-                                      <p:to>
-                                        <p:strVal val="visible"/>
-                                      </p:to>
-                                    </p:set>
-                                    <p:animEffect transition="in" filter="fade">
-                                      <p:cBhvr>
-                                        <p:cTn id="13" dur="2000"/>
-                                        <p:tgtEl>
-                                          <p:spTgt spid="27"/>
-                                        </p:tgtEl>
-                                      </p:cBhvr>
-                                    </p:animEffect>
-                                  </p:childTnLst>
-                                </p:cTn>
-                              </p:par>
-                              <p:par>
-                                <p:cTn id="14" presetID="10" presetClass="entr" fill="hold" nodeType="withEffect">
-                                  <p:stCondLst>
-                                    <p:cond delay="0"/>
-                                  </p:stCondLst>
-                                  <p:childTnLst>
-                                    <p:set>
-                                      <p:cBhvr>
-                                        <p:cTn id="15" dur="1" fill="hold">
-                                          <p:stCondLst>
-                                            <p:cond delay="0"/>
-                                          </p:stCondLst>
-                                        </p:cTn>
-                                        <p:tgtEl>
-                                          <p:spTgt spid="21"/>
-                                        </p:tgtEl>
-                                        <p:attrNameLst>
-                                          <p:attrName>style.visibility</p:attrName>
-                                        </p:attrNameLst>
-                                      </p:cBhvr>
-                                      <p:to>
-                                        <p:strVal val="visible"/>
-                                      </p:to>
-                                    </p:set>
-                                    <p:animEffect transition="in" filter="fade">
-                                      <p:cBhvr additive="repl">
-                                        <p:cTn id="16" dur="2000"/>
-                                        <p:tgtEl>
-                                          <p:spTgt spid="21"/>
-                                        </p:tgtEl>
-                                      </p:cBhvr>
-                                    </p:animEffect>
-                                  </p:childTnLst>
-                                </p:cTn>
-                              </p:par>
-                            </p:childTnLst>
-                          </p:cTn>
-                        </p:par>
-                      </p:childTnLst>
-                    </p:cTn>
-                  </p:par>
-                </p:childTnLst>
-              </p:cTn>
-              <p:prevCondLst>
-                <p:cond evt="onPrev" delay="0">
-                  <p:tgtEl>
-                    <p:sldTgt/>
-                  </p:tgtEl>
-                </p:cond>
-              </p:prevCondLst>
-              <p:nextCondLst>
-                <p:cond evt="onNext" delay="0">
-                  <p:tgtEl>
-                    <p:sldTgt/>
-                  </p:tgtEl>
-                </p:cond>
-              </p:nextCondLst>
-            </p:seq>
-          </p:childTnLst>
-        </p:cTn>
-      </p:par>
-    </p:tnLst>
-    <p:bldLst>
-      <p:bldP spid="24" grpId="0"/>
-      <p:bldP spid="26" grpId="0"/>
-      <p:bldP spid="27" grpId="0"/>
-    </p:bldLst>
-  </p:timing>
-</p:sld>
-</file>
-
-<file path=ppt/slides/slide7.xml><?xml version="1.0" encoding="utf-8"?>
-<p:sld xmlns:a="http://schemas.openxmlformats.org/drawingml/2006/main" xmlns:r="http://schemas.openxmlformats.org/officeDocument/2006/relationships" xmlns:p="http://schemas.openxmlformats.org/presentationml/2006/main">
-  <p:cSld>
-    <p:bg>
-      <p:bgPr>
-        <a:blipFill dpi="0" rotWithShape="0">
-          <a:blip r:embed="rId2"/>
-          <a:srcRect/>
-          <a:stretch>
-            <a:fillRect/>
-          </a:stretch>
-        </a:blipFill>
-        <a:effectLst/>
-      </p:bgPr>
-    </p:bg>
-    <p:spTree>
-      <p:nvGrpSpPr>
-        <p:cNvPr id="1" name=""/>
-        <p:cNvGrpSpPr/>
-        <p:nvPr/>
-      </p:nvGrpSpPr>
-      <p:grpSpPr>
-        <a:xfrm>
-          <a:off x="0" y="0"/>
-          <a:ext cx="0" cy="0"/>
-          <a:chOff x="0" y="0"/>
-          <a:chExt cx="0" cy="0"/>
-        </a:xfrm>
-      </p:grpSpPr>
-      <p:pic>
-        <p:nvPicPr>
-          <p:cNvPr id="14338" name="Imagen 5" descr="C:\Users\Design\Documents\Edu\Product Launch\shadown.png"/>
-          <p:cNvPicPr>
-            <a:picLocks noChangeAspect="1" noChangeArrowheads="1"/>
-          </p:cNvPicPr>
-          <p:nvPr/>
-        </p:nvPicPr>
-        <p:blipFill>
-          <a:blip r:embed="rId3">
-            <a:extLst>
-              <a:ext uri="{28A0092B-C50C-407E-A947-70E740481C1C}">
-                <a14:useLocalDpi xmlns:a14="http://schemas.microsoft.com/office/drawing/2010/main" val="0"/>
-              </a:ext>
-            </a:extLst>
-          </a:blip>
-          <a:srcRect/>
-          <a:stretch>
-            <a:fillRect/>
-          </a:stretch>
-        </p:blipFill>
-        <p:spPr bwMode="auto">
-          <a:xfrm>
-            <a:off x="3354388" y="5965825"/>
-            <a:ext cx="762000" cy="719138"/>
-          </a:xfrm>
-          <a:prstGeom prst="rect">
-            <a:avLst/>
-          </a:prstGeom>
-          <a:noFill/>
-          <a:ln>
-            <a:noFill/>
-          </a:ln>
-          <a:extLst>
-            <a:ext uri="{909E8E84-426E-40DD-AFC4-6F175D3DCCD1}">
-              <a14:hiddenFill xmlns:a14="http://schemas.microsoft.com/office/drawing/2010/main">
-                <a:solidFill>
-                  <a:srgbClr val="FFFFFF"/>
-                </a:solidFill>
-              </a14:hiddenFill>
-            </a:ext>
-            <a:ext uri="{91240B29-F687-4F45-9708-019B960494DF}">
-              <a14:hiddenLine xmlns:a14="http://schemas.microsoft.com/office/drawing/2010/main" w="9525">
-                <a:solidFill>
-                  <a:srgbClr val="000000"/>
-                </a:solidFill>
-                <a:miter lim="800000"/>
-                <a:headEnd/>
-                <a:tailEnd/>
-              </a14:hiddenLine>
-            </a:ext>
-          </a:extLst>
-        </p:spPr>
-      </p:pic>
-      <p:grpSp>
-        <p:nvGrpSpPr>
-          <p:cNvPr id="14340" name="13 Grupo"/>
-          <p:cNvGrpSpPr>
-            <a:grpSpLocks/>
-          </p:cNvGrpSpPr>
-          <p:nvPr/>
-        </p:nvGrpSpPr>
-        <p:grpSpPr bwMode="auto">
-          <a:xfrm>
-            <a:off x="4618038" y="2276475"/>
-            <a:ext cx="6350" cy="3017838"/>
-            <a:chOff x="4276603" y="1491264"/>
-            <a:chExt cx="319" cy="3377896"/>
-          </a:xfrm>
-        </p:grpSpPr>
-        <p:cxnSp>
-          <p:nvCxnSpPr>
-            <p:cNvPr id="10" name="9 Conector recto"/>
-            <p:cNvCxnSpPr/>
-            <p:nvPr/>
-          </p:nvCxnSpPr>
-          <p:spPr>
-            <a:xfrm>
-              <a:off x="4276603" y="1491264"/>
-              <a:ext cx="0" cy="3377896"/>
-            </a:xfrm>
-            <a:prstGeom prst="line">
-              <a:avLst/>
-            </a:prstGeom>
-            <a:ln>
-              <a:solidFill>
-                <a:schemeClr val="bg1">
-                  <a:lumMod val="85000"/>
-                </a:schemeClr>
-              </a:solidFill>
-            </a:ln>
-          </p:spPr>
-          <p:style>
-            <a:lnRef idx="1">
-              <a:schemeClr val="dk1"/>
-            </a:lnRef>
-            <a:fillRef idx="0">
-              <a:schemeClr val="dk1"/>
-            </a:fillRef>
-            <a:effectRef idx="0">
-              <a:schemeClr val="dk1"/>
-            </a:effectRef>
-            <a:fontRef idx="minor">
-              <a:schemeClr val="tx1"/>
-            </a:fontRef>
-          </p:style>
-        </p:cxnSp>
-        <p:cxnSp>
-          <p:nvCxnSpPr>
-            <p:cNvPr id="11" name="10 Conector recto"/>
-            <p:cNvCxnSpPr/>
-            <p:nvPr/>
-          </p:nvCxnSpPr>
-          <p:spPr>
-            <a:xfrm>
-              <a:off x="4276922" y="1491264"/>
-              <a:ext cx="0" cy="3377896"/>
-            </a:xfrm>
-            <a:prstGeom prst="line">
-              <a:avLst/>
-            </a:prstGeom>
-            <a:ln>
-              <a:solidFill>
-                <a:schemeClr val="bg1"/>
-              </a:solidFill>
-            </a:ln>
-          </p:spPr>
-          <p:style>
-            <a:lnRef idx="1">
-              <a:schemeClr val="dk1"/>
-            </a:lnRef>
-            <a:fillRef idx="0">
-              <a:schemeClr val="dk1"/>
-            </a:fillRef>
-            <a:effectRef idx="0">
-              <a:schemeClr val="dk1"/>
-            </a:effectRef>
-            <a:fontRef idx="minor">
-              <a:schemeClr val="tx1"/>
-            </a:fontRef>
-          </p:style>
-        </p:cxnSp>
-      </p:grpSp>
-      <p:sp>
-        <p:nvSpPr>
-          <p:cNvPr id="24" name="1 Título"/>
-          <p:cNvSpPr txBox="1">
-            <a:spLocks/>
-          </p:cNvSpPr>
-          <p:nvPr/>
-        </p:nvSpPr>
-        <p:spPr>
-          <a:xfrm>
-            <a:off x="395288" y="1298575"/>
-            <a:ext cx="4519612" cy="474663"/>
-          </a:xfrm>
-          <a:prstGeom prst="rect">
-            <a:avLst/>
-          </a:prstGeom>
-        </p:spPr>
-        <p:txBody>
-          <a:bodyPr anchor="ctr"/>
-          <a:lstStyle>
-            <a:lvl1pPr algn="ctr" defTabSz="914400" rtl="0" eaLnBrk="1" latinLnBrk="0" hangingPunct="1">
-              <a:spcBef>
-                <a:spcPct val="0"/>
-              </a:spcBef>
-              <a:buNone/>
-              <a:defRPr sz="4400" kern="1200">
-                <a:solidFill>
-                  <a:schemeClr val="tx1"/>
-                </a:solidFill>
-                <a:latin typeface="+mj-lt"/>
-                <a:ea typeface="+mj-ea"/>
-                <a:cs typeface="+mj-cs"/>
-              </a:defRPr>
-            </a:lvl1pPr>
-          </a:lstStyle>
-          <a:p>
-            <a:pPr algn="l" fontAlgn="auto">
-              <a:lnSpc>
-                <a:spcPts val="5760"/>
-              </a:lnSpc>
-              <a:spcBef>
-                <a:spcPts val="0"/>
-              </a:spcBef>
-              <a:spcAft>
-                <a:spcPts val="0"/>
-              </a:spcAft>
-              <a:defRPr/>
-            </a:pPr>
-            <a:endParaRPr lang="es-HN" sz="1600" b="1" dirty="0">
-              <a:solidFill>
-                <a:srgbClr val="FFC000"/>
-              </a:solidFill>
-              <a:latin typeface="Rockwell" pitchFamily="18" charset="0"/>
-            </a:endParaRPr>
-          </a:p>
-        </p:txBody>
-      </p:sp>
-      <p:sp>
-        <p:nvSpPr>
-          <p:cNvPr id="26" name="1 Título"/>
-          <p:cNvSpPr txBox="1">
-            <a:spLocks/>
-          </p:cNvSpPr>
-          <p:nvPr/>
-        </p:nvSpPr>
-        <p:spPr>
-          <a:xfrm>
-            <a:off x="4913313" y="3817938"/>
-            <a:ext cx="2663825" cy="474662"/>
-          </a:xfrm>
-          <a:prstGeom prst="rect">
-            <a:avLst/>
-          </a:prstGeom>
-        </p:spPr>
-        <p:txBody>
-          <a:bodyPr anchor="ctr"/>
-          <a:lstStyle>
-            <a:lvl1pPr algn="ctr" defTabSz="914400" rtl="0" eaLnBrk="1" latinLnBrk="0" hangingPunct="1">
-              <a:spcBef>
-                <a:spcPct val="0"/>
-              </a:spcBef>
-              <a:buNone/>
-              <a:defRPr sz="4400" kern="1200">
-                <a:solidFill>
-                  <a:schemeClr val="tx1"/>
-                </a:solidFill>
-                <a:latin typeface="+mj-lt"/>
-                <a:ea typeface="+mj-ea"/>
-                <a:cs typeface="+mj-cs"/>
-              </a:defRPr>
-            </a:lvl1pPr>
-          </a:lstStyle>
-          <a:p>
-            <a:pPr algn="l" fontAlgn="auto">
-              <a:spcBef>
-                <a:spcPts val="0"/>
-              </a:spcBef>
-              <a:spcAft>
-                <a:spcPts val="0"/>
-              </a:spcAft>
-              <a:defRPr/>
-            </a:pPr>
-            <a:endParaRPr lang="es-HN" sz="1050" b="1" dirty="0">
-              <a:solidFill>
-                <a:srgbClr val="FFC000"/>
-              </a:solidFill>
-              <a:latin typeface="Rockwell" pitchFamily="18" charset="0"/>
-            </a:endParaRPr>
-          </a:p>
-        </p:txBody>
-      </p:sp>
-      <p:sp>
-        <p:nvSpPr>
-          <p:cNvPr id="27" name="1 Título"/>
-          <p:cNvSpPr txBox="1">
-            <a:spLocks/>
-          </p:cNvSpPr>
-          <p:nvPr/>
-        </p:nvSpPr>
-        <p:spPr>
-          <a:xfrm>
-            <a:off x="317500" y="2059930"/>
-            <a:ext cx="2663825" cy="474663"/>
-          </a:xfrm>
-          <a:prstGeom prst="rect">
-            <a:avLst/>
-          </a:prstGeom>
-        </p:spPr>
-        <p:txBody>
-          <a:bodyPr anchor="ctr"/>
-          <a:lstStyle>
-            <a:lvl1pPr algn="ctr" defTabSz="914400" rtl="0" eaLnBrk="1" latinLnBrk="0" hangingPunct="1">
-              <a:spcBef>
-                <a:spcPct val="0"/>
-              </a:spcBef>
-              <a:buNone/>
-              <a:defRPr sz="4400" kern="1200">
-                <a:solidFill>
-                  <a:schemeClr val="tx1"/>
-                </a:solidFill>
-                <a:latin typeface="+mj-lt"/>
-                <a:ea typeface="+mj-ea"/>
-                <a:cs typeface="+mj-cs"/>
-              </a:defRPr>
-            </a:lvl1pPr>
-          </a:lstStyle>
-          <a:p>
-            <a:pPr algn="l" fontAlgn="auto">
-              <a:spcBef>
-                <a:spcPts val="0"/>
-              </a:spcBef>
-              <a:spcAft>
-                <a:spcPts val="0"/>
-              </a:spcAft>
-              <a:defRPr/>
-            </a:pPr>
-            <a:endParaRPr lang="es-HN" sz="1950" b="1" dirty="0">
-              <a:solidFill>
-                <a:srgbClr val="FFC000"/>
-              </a:solidFill>
-              <a:latin typeface="Rockwell" pitchFamily="18" charset="0"/>
-            </a:endParaRPr>
-          </a:p>
-        </p:txBody>
-      </p:sp>
-      <p:pic>
-        <p:nvPicPr>
-          <p:cNvPr id="14348" name="27 Imagen"/>
-          <p:cNvPicPr>
-            <a:picLocks noChangeAspect="1"/>
-          </p:cNvPicPr>
-          <p:nvPr/>
-        </p:nvPicPr>
-        <p:blipFill>
-          <a:blip r:embed="rId4">
-            <a:extLst>
-              <a:ext uri="{28A0092B-C50C-407E-A947-70E740481C1C}">
-                <a14:useLocalDpi xmlns:a14="http://schemas.microsoft.com/office/drawing/2010/main" val="0"/>
-              </a:ext>
-            </a:extLst>
-          </a:blip>
-          <a:srcRect/>
-          <a:stretch>
-            <a:fillRect/>
-          </a:stretch>
-        </p:blipFill>
-        <p:spPr bwMode="auto">
-          <a:xfrm>
-            <a:off x="4167188" y="6170613"/>
-            <a:ext cx="363537" cy="303212"/>
-          </a:xfrm>
-          <a:prstGeom prst="rect">
-            <a:avLst/>
-          </a:prstGeom>
-          <a:noFill/>
-          <a:ln>
-            <a:noFill/>
-          </a:ln>
-          <a:extLst>
-            <a:ext uri="{909E8E84-426E-40DD-AFC4-6F175D3DCCD1}">
-              <a14:hiddenFill xmlns:a14="http://schemas.microsoft.com/office/drawing/2010/main">
-                <a:solidFill>
-                  <a:srgbClr val="FFFFFF"/>
-                </a:solidFill>
-              </a14:hiddenFill>
-            </a:ext>
-            <a:ext uri="{91240B29-F687-4F45-9708-019B960494DF}">
-              <a14:hiddenLine xmlns:a14="http://schemas.microsoft.com/office/drawing/2010/main" w="9525">
-                <a:solidFill>
-                  <a:srgbClr val="000000"/>
-                </a:solidFill>
-                <a:miter lim="800000"/>
-                <a:headEnd/>
-                <a:tailEnd/>
-              </a14:hiddenLine>
-            </a:ext>
-          </a:extLst>
-        </p:spPr>
-      </p:pic>
-      <p:pic>
-        <p:nvPicPr>
-          <p:cNvPr id="14349" name="28 Imagen"/>
-          <p:cNvPicPr>
-            <a:picLocks noChangeAspect="1"/>
-          </p:cNvPicPr>
-          <p:nvPr/>
-        </p:nvPicPr>
-        <p:blipFill>
-          <a:blip r:embed="rId4">
-            <a:extLst>
-              <a:ext uri="{28A0092B-C50C-407E-A947-70E740481C1C}">
-                <a14:useLocalDpi xmlns:a14="http://schemas.microsoft.com/office/drawing/2010/main" val="0"/>
-              </a:ext>
-            </a:extLst>
-          </a:blip>
-          <a:srcRect/>
-          <a:stretch>
-            <a:fillRect/>
-          </a:stretch>
-        </p:blipFill>
-        <p:spPr bwMode="auto">
-          <a:xfrm>
-            <a:off x="4741863" y="6170613"/>
-            <a:ext cx="363537" cy="303212"/>
-          </a:xfrm>
-          <a:prstGeom prst="rect">
-            <a:avLst/>
-          </a:prstGeom>
-          <a:noFill/>
-          <a:ln>
-            <a:noFill/>
-          </a:ln>
-          <a:extLst>
-            <a:ext uri="{909E8E84-426E-40DD-AFC4-6F175D3DCCD1}">
-              <a14:hiddenFill xmlns:a14="http://schemas.microsoft.com/office/drawing/2010/main">
-                <a:solidFill>
-                  <a:srgbClr val="FFFFFF"/>
-                </a:solidFill>
-              </a14:hiddenFill>
-            </a:ext>
-            <a:ext uri="{91240B29-F687-4F45-9708-019B960494DF}">
-              <a14:hiddenLine xmlns:a14="http://schemas.microsoft.com/office/drawing/2010/main" w="9525">
-                <a:solidFill>
-                  <a:srgbClr val="000000"/>
-                </a:solidFill>
-                <a:miter lim="800000"/>
-                <a:headEnd/>
-                <a:tailEnd/>
-              </a14:hiddenLine>
-            </a:ext>
-          </a:extLst>
-        </p:spPr>
-      </p:pic>
-      <p:sp>
-        <p:nvSpPr>
-          <p:cNvPr id="14350" name="29 CuadroTexto"/>
-          <p:cNvSpPr txBox="1">
-            <a:spLocks noChangeArrowheads="1"/>
-          </p:cNvSpPr>
-          <p:nvPr/>
-        </p:nvSpPr>
-        <p:spPr bwMode="auto">
-          <a:xfrm>
-            <a:off x="4211960" y="6181725"/>
-            <a:ext cx="263214" cy="276999"/>
-          </a:xfrm>
-          <a:prstGeom prst="rect">
-            <a:avLst/>
-          </a:prstGeom>
-          <a:noFill/>
-          <a:ln>
-            <a:noFill/>
-          </a:ln>
-          <a:extLst>
-            <a:ext uri="{909E8E84-426E-40DD-AFC4-6F175D3DCCD1}">
-              <a14:hiddenFill xmlns:a14="http://schemas.microsoft.com/office/drawing/2010/main">
-                <a:solidFill>
-                  <a:srgbClr val="FFFFFF"/>
-                </a:solidFill>
-              </a14:hiddenFill>
-            </a:ext>
-            <a:ext uri="{91240B29-F687-4F45-9708-019B960494DF}">
-              <a14:hiddenLine xmlns:a14="http://schemas.microsoft.com/office/drawing/2010/main" w="9525">
-                <a:solidFill>
-                  <a:srgbClr val="000000"/>
-                </a:solidFill>
-                <a:miter lim="800000"/>
-                <a:headEnd/>
-                <a:tailEnd/>
-              </a14:hiddenLine>
-            </a:ext>
-          </a:extLst>
-        </p:spPr>
-        <p:txBody>
-          <a:bodyPr wrap="none">
-            <a:spAutoFit/>
-          </a:bodyPr>
-          <a:lstStyle>
-            <a:lvl1pPr>
-              <a:defRPr>
-                <a:solidFill>
-                  <a:schemeClr val="tx1"/>
-                </a:solidFill>
-                <a:latin typeface="Calibri" pitchFamily="34" charset="0"/>
-              </a:defRPr>
-            </a:lvl1pPr>
-            <a:lvl2pPr marL="742950" indent="-285750">
-              <a:defRPr>
-                <a:solidFill>
-                  <a:schemeClr val="tx1"/>
-                </a:solidFill>
-                <a:latin typeface="Calibri" pitchFamily="34" charset="0"/>
-              </a:defRPr>
-            </a:lvl2pPr>
-            <a:lvl3pPr marL="1143000" indent="-228600">
-              <a:defRPr>
-                <a:solidFill>
-                  <a:schemeClr val="tx1"/>
-                </a:solidFill>
-                <a:latin typeface="Calibri" pitchFamily="34" charset="0"/>
-              </a:defRPr>
-            </a:lvl3pPr>
-            <a:lvl4pPr marL="1600200" indent="-228600">
-              <a:defRPr>
-                <a:solidFill>
-                  <a:schemeClr val="tx1"/>
-                </a:solidFill>
-                <a:latin typeface="Calibri" pitchFamily="34" charset="0"/>
-              </a:defRPr>
-            </a:lvl4pPr>
-            <a:lvl5pPr marL="2057400" indent="-228600">
-              <a:defRPr>
-                <a:solidFill>
-                  <a:schemeClr val="tx1"/>
-                </a:solidFill>
-                <a:latin typeface="Calibri" pitchFamily="34" charset="0"/>
-              </a:defRPr>
-            </a:lvl5pPr>
-            <a:lvl6pPr marL="2514600" indent="-228600" fontAlgn="base">
-              <a:spcBef>
-                <a:spcPct val="0"/>
-              </a:spcBef>
-              <a:spcAft>
-                <a:spcPct val="0"/>
-              </a:spcAft>
-              <a:defRPr>
-                <a:solidFill>
-                  <a:schemeClr val="tx1"/>
-                </a:solidFill>
-                <a:latin typeface="Calibri" pitchFamily="34" charset="0"/>
-              </a:defRPr>
-            </a:lvl6pPr>
-            <a:lvl7pPr marL="2971800" indent="-228600" fontAlgn="base">
-              <a:spcBef>
-                <a:spcPct val="0"/>
-              </a:spcBef>
-              <a:spcAft>
-                <a:spcPct val="0"/>
-              </a:spcAft>
-              <a:defRPr>
-                <a:solidFill>
-                  <a:schemeClr val="tx1"/>
-                </a:solidFill>
-                <a:latin typeface="Calibri" pitchFamily="34" charset="0"/>
-              </a:defRPr>
-            </a:lvl7pPr>
-            <a:lvl8pPr marL="3429000" indent="-228600" fontAlgn="base">
-              <a:spcBef>
-                <a:spcPct val="0"/>
-              </a:spcBef>
-              <a:spcAft>
-                <a:spcPct val="0"/>
-              </a:spcAft>
-              <a:defRPr>
-                <a:solidFill>
-                  <a:schemeClr val="tx1"/>
-                </a:solidFill>
-                <a:latin typeface="Calibri" pitchFamily="34" charset="0"/>
-              </a:defRPr>
-            </a:lvl8pPr>
-            <a:lvl9pPr marL="3886200" indent="-228600" fontAlgn="base">
-              <a:spcBef>
-                <a:spcPct val="0"/>
-              </a:spcBef>
-              <a:spcAft>
-                <a:spcPct val="0"/>
-              </a:spcAft>
-              <a:defRPr>
-                <a:solidFill>
-                  <a:schemeClr val="tx1"/>
-                </a:solidFill>
-                <a:latin typeface="Calibri" pitchFamily="34" charset="0"/>
-              </a:defRPr>
-            </a:lvl9pPr>
-          </a:lstStyle>
-          <a:p>
-            <a:r>
-              <a:rPr lang="es-ES" sz="1200" b="1" dirty="0">
-                <a:solidFill>
-                  <a:srgbClr val="FFC000"/>
-                </a:solidFill>
-              </a:rPr>
-              <a:t>6</a:t>
-            </a:r>
-          </a:p>
-        </p:txBody>
-      </p:sp>
-      <p:sp>
-        <p:nvSpPr>
-          <p:cNvPr id="31" name="30 CuadroTexto"/>
-          <p:cNvSpPr txBox="1"/>
-          <p:nvPr/>
-        </p:nvSpPr>
-        <p:spPr>
-          <a:xfrm>
-            <a:off x="4467225" y="6181725"/>
-            <a:ext cx="315913" cy="277813"/>
-          </a:xfrm>
-          <a:prstGeom prst="rect">
-            <a:avLst/>
-          </a:prstGeom>
-          <a:noFill/>
-        </p:spPr>
-        <p:txBody>
-          <a:bodyPr wrap="none">
-            <a:spAutoFit/>
-          </a:bodyPr>
-          <a:lstStyle/>
-          <a:p>
-            <a:pPr fontAlgn="auto">
-              <a:spcBef>
-                <a:spcPts val="0"/>
-              </a:spcBef>
-              <a:spcAft>
-                <a:spcPts val="0"/>
-              </a:spcAft>
-              <a:defRPr/>
-            </a:pPr>
-            <a:r>
-              <a:rPr lang="es-HN" sz="1200" b="1" i="1" dirty="0">
-                <a:solidFill>
-                  <a:schemeClr val="bg1">
-                    <a:lumMod val="65000"/>
-                  </a:schemeClr>
-                </a:solidFill>
-                <a:latin typeface="+mn-lt"/>
-              </a:rPr>
-              <a:t>of</a:t>
-            </a:r>
-            <a:endParaRPr lang="es-ES" sz="1200" b="1" i="1" dirty="0">
-              <a:solidFill>
-                <a:schemeClr val="bg1">
-                  <a:lumMod val="65000"/>
-                </a:schemeClr>
-              </a:solidFill>
-              <a:latin typeface="+mn-lt"/>
-            </a:endParaRPr>
-          </a:p>
-        </p:txBody>
-      </p:sp>
-      <p:sp>
-        <p:nvSpPr>
-          <p:cNvPr id="32" name="31 CuadroTexto"/>
-          <p:cNvSpPr txBox="1"/>
-          <p:nvPr/>
-        </p:nvSpPr>
-        <p:spPr>
-          <a:xfrm>
-            <a:off x="4787900" y="6181725"/>
-            <a:ext cx="263214" cy="276999"/>
-          </a:xfrm>
-          <a:prstGeom prst="rect">
-            <a:avLst/>
-          </a:prstGeom>
-          <a:noFill/>
-        </p:spPr>
-        <p:txBody>
-          <a:bodyPr wrap="none">
-            <a:spAutoFit/>
-          </a:bodyPr>
-          <a:lstStyle/>
-          <a:p>
-            <a:pPr fontAlgn="auto">
-              <a:spcBef>
-                <a:spcPts val="0"/>
-              </a:spcBef>
-              <a:spcAft>
-                <a:spcPts val="0"/>
-              </a:spcAft>
-              <a:defRPr/>
-            </a:pPr>
-            <a:r>
-              <a:rPr lang="es-HN" sz="1200" b="1" dirty="0">
-                <a:solidFill>
-                  <a:schemeClr val="bg1">
-                    <a:lumMod val="50000"/>
-                  </a:schemeClr>
-                </a:solidFill>
-                <a:latin typeface="+mn-lt"/>
-              </a:rPr>
-              <a:t>9</a:t>
-            </a:r>
-            <a:endParaRPr lang="es-ES" sz="1200" b="1" dirty="0">
-              <a:solidFill>
-                <a:schemeClr val="bg1">
-                  <a:lumMod val="50000"/>
-                </a:schemeClr>
-              </a:solidFill>
-              <a:latin typeface="+mn-lt"/>
-            </a:endParaRPr>
-          </a:p>
-        </p:txBody>
-      </p:sp>
-      <p:pic>
-        <p:nvPicPr>
-          <p:cNvPr id="14353" name="Imagen 5" descr="C:\Users\Design\Documents\Edu\Product Launch\shadown.png"/>
-          <p:cNvPicPr>
-            <a:picLocks noChangeAspect="1" noChangeArrowheads="1"/>
-          </p:cNvPicPr>
-          <p:nvPr/>
-        </p:nvPicPr>
-        <p:blipFill>
-          <a:blip r:embed="rId5">
-            <a:extLst>
-              <a:ext uri="{28A0092B-C50C-407E-A947-70E740481C1C}">
-                <a14:useLocalDpi xmlns:a14="http://schemas.microsoft.com/office/drawing/2010/main" val="0"/>
-              </a:ext>
-            </a:extLst>
-          </a:blip>
-          <a:srcRect/>
-          <a:stretch>
-            <a:fillRect/>
-          </a:stretch>
-        </p:blipFill>
-        <p:spPr bwMode="auto">
-          <a:xfrm>
-            <a:off x="5127625" y="5983288"/>
-            <a:ext cx="763588" cy="720725"/>
-          </a:xfrm>
-          <a:prstGeom prst="rect">
-            <a:avLst/>
-          </a:prstGeom>
-          <a:noFill/>
-          <a:ln>
-            <a:noFill/>
-          </a:ln>
-          <a:extLst>
-            <a:ext uri="{909E8E84-426E-40DD-AFC4-6F175D3DCCD1}">
-              <a14:hiddenFill xmlns:a14="http://schemas.microsoft.com/office/drawing/2010/main">
-                <a:solidFill>
-                  <a:srgbClr val="FFFFFF"/>
-                </a:solidFill>
-              </a14:hiddenFill>
-            </a:ext>
-            <a:ext uri="{91240B29-F687-4F45-9708-019B960494DF}">
-              <a14:hiddenLine xmlns:a14="http://schemas.microsoft.com/office/drawing/2010/main" w="9525">
-                <a:solidFill>
-                  <a:srgbClr val="000000"/>
-                </a:solidFill>
-                <a:miter lim="800000"/>
-                <a:headEnd/>
-                <a:tailEnd/>
-              </a14:hiddenLine>
-            </a:ext>
-          </a:extLst>
-        </p:spPr>
-      </p:pic>
-      <p:pic>
-        <p:nvPicPr>
-          <p:cNvPr id="14354" name="Imagen 6" descr="C:\Users\Design\Documents\Edu\Product Launch\btns.png">
-            <a:hlinkClick r:id="" action="ppaction://hlinkshowjump?jump=nextslide"/>
-          </p:cNvPr>
-          <p:cNvPicPr>
-            <a:picLocks noChangeAspect="1" noChangeArrowheads="1"/>
-          </p:cNvPicPr>
-          <p:nvPr/>
-        </p:nvPicPr>
-        <p:blipFill>
-          <a:blip r:embed="rId6" cstate="print">
-            <a:extLst>
-              <a:ext uri="{28A0092B-C50C-407E-A947-70E740481C1C}">
-                <a14:useLocalDpi xmlns:a14="http://schemas.microsoft.com/office/drawing/2010/main" val="0"/>
-              </a:ext>
-            </a:extLst>
-          </a:blip>
-          <a:srcRect/>
-          <a:stretch>
-            <a:fillRect/>
-          </a:stretch>
-        </p:blipFill>
-        <p:spPr bwMode="auto">
-          <a:xfrm>
-            <a:off x="5124450" y="6251575"/>
-            <a:ext cx="177800" cy="176213"/>
-          </a:xfrm>
-          <a:prstGeom prst="rect">
-            <a:avLst/>
-          </a:prstGeom>
-          <a:noFill/>
-          <a:ln>
-            <a:noFill/>
-          </a:ln>
-          <a:extLst>
-            <a:ext uri="{909E8E84-426E-40DD-AFC4-6F175D3DCCD1}">
-              <a14:hiddenFill xmlns:a14="http://schemas.microsoft.com/office/drawing/2010/main">
-                <a:solidFill>
-                  <a:srgbClr val="FFFFFF"/>
-                </a:solidFill>
-              </a14:hiddenFill>
-            </a:ext>
-            <a:ext uri="{91240B29-F687-4F45-9708-019B960494DF}">
-              <a14:hiddenLine xmlns:a14="http://schemas.microsoft.com/office/drawing/2010/main" w="9525">
-                <a:solidFill>
-                  <a:srgbClr val="000000"/>
-                </a:solidFill>
-                <a:miter lim="800000"/>
-                <a:headEnd/>
-                <a:tailEnd/>
-              </a14:hiddenLine>
-            </a:ext>
-          </a:extLst>
-        </p:spPr>
-      </p:pic>
-      <p:pic>
-        <p:nvPicPr>
-          <p:cNvPr id="14355" name="Imagen 6" descr="C:\Users\Design\Documents\Edu\Product Launch\btns.png">
-            <a:hlinkClick r:id="" action="ppaction://hlinkshowjump?jump=previousslide"/>
-          </p:cNvPr>
-          <p:cNvPicPr>
-            <a:picLocks noChangeAspect="1" noChangeArrowheads="1"/>
-          </p:cNvPicPr>
-          <p:nvPr/>
-        </p:nvPicPr>
-        <p:blipFill>
-          <a:blip r:embed="rId7" cstate="print">
-            <a:extLst>
-              <a:ext uri="{28A0092B-C50C-407E-A947-70E740481C1C}">
-                <a14:useLocalDpi xmlns:a14="http://schemas.microsoft.com/office/drawing/2010/main" val="0"/>
-              </a:ext>
-            </a:extLst>
-          </a:blip>
-          <a:srcRect/>
-          <a:stretch>
-            <a:fillRect/>
-          </a:stretch>
-        </p:blipFill>
-        <p:spPr bwMode="auto">
-          <a:xfrm>
-            <a:off x="3933825" y="6251575"/>
-            <a:ext cx="176213" cy="176213"/>
-          </a:xfrm>
-          <a:prstGeom prst="rect">
-            <a:avLst/>
-          </a:prstGeom>
-          <a:noFill/>
-          <a:ln>
-            <a:noFill/>
-          </a:ln>
-          <a:extLst>
-            <a:ext uri="{909E8E84-426E-40DD-AFC4-6F175D3DCCD1}">
-              <a14:hiddenFill xmlns:a14="http://schemas.microsoft.com/office/drawing/2010/main">
-                <a:solidFill>
-                  <a:srgbClr val="FFFFFF"/>
-                </a:solidFill>
-              </a14:hiddenFill>
-            </a:ext>
-            <a:ext uri="{91240B29-F687-4F45-9708-019B960494DF}">
-              <a14:hiddenLine xmlns:a14="http://schemas.microsoft.com/office/drawing/2010/main" w="9525">
-                <a:solidFill>
-                  <a:srgbClr val="000000"/>
-                </a:solidFill>
-                <a:miter lim="800000"/>
-                <a:headEnd/>
-                <a:tailEnd/>
-              </a14:hiddenLine>
-            </a:ext>
-          </a:extLst>
-        </p:spPr>
-      </p:pic>
-      <p:pic>
-        <p:nvPicPr>
-          <p:cNvPr id="14356" name="Imagen 5" descr="C:\Users\Design\Documents\Edu\Product Launch\shadown.png"/>
-          <p:cNvPicPr>
-            <a:picLocks noChangeAspect="1" noChangeArrowheads="1"/>
-          </p:cNvPicPr>
-          <p:nvPr/>
-        </p:nvPicPr>
-        <p:blipFill>
-          <a:blip r:embed="rId8">
-            <a:extLst>
-              <a:ext uri="{28A0092B-C50C-407E-A947-70E740481C1C}">
-                <a14:useLocalDpi xmlns:a14="http://schemas.microsoft.com/office/drawing/2010/main" val="0"/>
-              </a:ext>
-            </a:extLst>
-          </a:blip>
-          <a:srcRect/>
-          <a:stretch>
-            <a:fillRect/>
-          </a:stretch>
-        </p:blipFill>
-        <p:spPr bwMode="auto">
-          <a:xfrm>
-            <a:off x="1649413" y="5756275"/>
-            <a:ext cx="1193800" cy="1128713"/>
-          </a:xfrm>
-          <a:prstGeom prst="rect">
-            <a:avLst/>
-          </a:prstGeom>
-          <a:noFill/>
-          <a:ln>
-            <a:noFill/>
-          </a:ln>
-          <a:extLst>
-            <a:ext uri="{909E8E84-426E-40DD-AFC4-6F175D3DCCD1}">
-              <a14:hiddenFill xmlns:a14="http://schemas.microsoft.com/office/drawing/2010/main">
-                <a:solidFill>
-                  <a:srgbClr val="FFFFFF"/>
-                </a:solidFill>
-              </a14:hiddenFill>
-            </a:ext>
-            <a:ext uri="{91240B29-F687-4F45-9708-019B960494DF}">
-              <a14:hiddenLine xmlns:a14="http://schemas.microsoft.com/office/drawing/2010/main" w="9525">
-                <a:solidFill>
-                  <a:srgbClr val="000000"/>
-                </a:solidFill>
-                <a:miter lim="800000"/>
-                <a:headEnd/>
-                <a:tailEnd/>
-              </a14:hiddenLine>
-            </a:ext>
-          </a:extLst>
-        </p:spPr>
-      </p:pic>
-      <p:sp>
-        <p:nvSpPr>
-          <p:cNvPr id="21" name="CustomShape 6">
-            <a:extLst>
-              <a:ext uri="{FF2B5EF4-FFF2-40B4-BE49-F238E27FC236}">
-                <a16:creationId xmlns:a16="http://schemas.microsoft.com/office/drawing/2014/main" id="{C4EC9EAF-C043-450D-8841-E8D670593A4E}"/>
-              </a:ext>
-            </a:extLst>
-          </p:cNvPr>
-          <p:cNvSpPr/>
-          <p:nvPr/>
-        </p:nvSpPr>
-        <p:spPr>
-          <a:xfrm>
-            <a:off x="546258" y="2382022"/>
-            <a:ext cx="8143560" cy="2238840"/>
-          </a:xfrm>
-          <a:prstGeom prst="rect">
-            <a:avLst/>
-          </a:prstGeom>
-          <a:noFill/>
-          <a:ln>
-            <a:noFill/>
-          </a:ln>
-        </p:spPr>
-        <p:style>
-          <a:lnRef idx="0">
-            <a:scrgbClr r="0" g="0" b="0"/>
-          </a:lnRef>
-          <a:fillRef idx="0">
-            <a:scrgbClr r="0" g="0" b="0"/>
-          </a:fillRef>
-          <a:effectRef idx="0">
-            <a:scrgbClr r="0" g="0" b="0"/>
-          </a:effectRef>
-          <a:fontRef idx="minor"/>
-        </p:style>
-        <p:txBody>
-          <a:bodyPr lIns="0" tIns="0" rIns="0" bIns="0"/>
-          <a:lstStyle/>
-          <a:p>
-            <a:pPr marL="216000" indent="-216000" algn="just">
-              <a:lnSpc>
-                <a:spcPct val="100000"/>
-              </a:lnSpc>
-              <a:buClr>
-                <a:srgbClr val="808080"/>
-              </a:buClr>
-              <a:buSzPct val="45000"/>
-              <a:buFont typeface="Wingdings" charset="2"/>
-              <a:buChar char=""/>
-            </a:pPr>
-            <a:endParaRPr lang="en-US" sz="1800" b="0" strike="noStrike" spc="-1" dirty="0">
-              <a:solidFill>
-                <a:srgbClr val="000000"/>
-              </a:solidFill>
-              <a:uFill>
-                <a:solidFill>
-                  <a:srgbClr val="FFFFFF"/>
-                </a:solidFill>
-              </a:uFill>
-              <a:latin typeface="Arial"/>
-            </a:endParaRPr>
-          </a:p>
-        </p:txBody>
-      </p:sp>
       <p:sp>
         <p:nvSpPr>
           <p:cNvPr id="20" name="1 Título">
@@ -15188,22 +10253,10 @@
             </a:pPr>
             <a:r>
               <a:rPr lang="es-HN" sz="4930" b="1" dirty="0">
-                <a:solidFill>
-                  <a:schemeClr val="tx1">
-                    <a:lumMod val="75000"/>
-                    <a:lumOff val="25000"/>
-                  </a:schemeClr>
-                </a:solidFill>
                 <a:latin typeface="Rockwell" pitchFamily="18" charset="0"/>
               </a:rPr>
-              <a:t>DEMOVIDEO</a:t>
+              <a:t>Demo video</a:t>
             </a:r>
-            <a:endParaRPr lang="es-HN" sz="4930" b="1" dirty="0">
-              <a:solidFill>
-                <a:srgbClr val="FFC000"/>
-              </a:solidFill>
-              <a:latin typeface="Rockwell" pitchFamily="18" charset="0"/>
-            </a:endParaRPr>
           </a:p>
         </p:txBody>
       </p:sp>
@@ -15513,13 +10566,14 @@
 </p:sld>
 </file>
 
-<file path=ppt/slides/slide8.xml><?xml version="1.0" encoding="utf-8"?>
+<file path=ppt/slides/slide7.xml><?xml version="1.0" encoding="utf-8"?>
 <p:sld xmlns:a="http://schemas.openxmlformats.org/drawingml/2006/main" xmlns:r="http://schemas.openxmlformats.org/officeDocument/2006/relationships" xmlns:p="http://schemas.openxmlformats.org/presentationml/2006/main">
   <p:cSld>
     <p:bg>
       <p:bgPr>
-        <a:blipFill>
+        <a:blipFill dpi="0" rotWithShape="0">
           <a:blip r:embed="rId2"/>
+          <a:srcRect/>
           <a:stretch>
             <a:fillRect/>
           </a:stretch>
@@ -15543,37 +10597,964 @@
       </p:grpSpPr>
       <p:pic>
         <p:nvPicPr>
-          <p:cNvPr id="284" name="Imagen 5"/>
-          <p:cNvPicPr/>
+          <p:cNvPr id="14338" name="Imagen 5" descr="C:\Users\Design\Documents\Edu\Product Launch\shadown.png"/>
+          <p:cNvPicPr>
+            <a:picLocks noChangeAspect="1" noChangeArrowheads="1"/>
+          </p:cNvPicPr>
           <p:nvPr/>
         </p:nvPicPr>
         <p:blipFill>
-          <a:blip r:embed="rId3"/>
-          <a:stretch/>
+          <a:blip r:embed="rId3">
+            <a:extLst>
+              <a:ext uri="{28A0092B-C50C-407E-A947-70E740481C1C}">
+                <a14:useLocalDpi xmlns:a14="http://schemas.microsoft.com/office/drawing/2010/main" val="0"/>
+              </a:ext>
+            </a:extLst>
+          </a:blip>
+          <a:srcRect/>
+          <a:stretch>
+            <a:fillRect/>
+          </a:stretch>
         </p:blipFill>
-        <p:spPr>
+        <p:spPr bwMode="auto">
           <a:xfrm>
-            <a:off x="3354480" y="5965920"/>
-            <a:ext cx="761760" cy="718920"/>
+            <a:off x="3354388" y="5965825"/>
+            <a:ext cx="762000" cy="719138"/>
           </a:xfrm>
           <a:prstGeom prst="rect">
             <a:avLst/>
           </a:prstGeom>
+          <a:noFill/>
           <a:ln>
             <a:noFill/>
           </a:ln>
+          <a:extLst>
+            <a:ext uri="{909E8E84-426E-40DD-AFC4-6F175D3DCCD1}">
+              <a14:hiddenFill xmlns:a14="http://schemas.microsoft.com/office/drawing/2010/main">
+                <a:solidFill>
+                  <a:srgbClr val="FFFFFF"/>
+                </a:solidFill>
+              </a14:hiddenFill>
+            </a:ext>
+            <a:ext uri="{91240B29-F687-4F45-9708-019B960494DF}">
+              <a14:hiddenLine xmlns:a14="http://schemas.microsoft.com/office/drawing/2010/main" w="9525">
+                <a:solidFill>
+                  <a:srgbClr val="000000"/>
+                </a:solidFill>
+                <a:miter lim="800000"/>
+                <a:headEnd/>
+                <a:tailEnd/>
+              </a14:hiddenLine>
+            </a:ext>
+          </a:extLst>
         </p:spPr>
       </p:pic>
       <p:sp>
         <p:nvSpPr>
-          <p:cNvPr id="285" name="CustomShape 1"/>
+          <p:cNvPr id="7" name="1 Título"/>
+          <p:cNvSpPr txBox="1">
+            <a:spLocks/>
+          </p:cNvSpPr>
+          <p:nvPr/>
+        </p:nvSpPr>
+        <p:spPr>
+          <a:xfrm>
+            <a:off x="398462" y="260350"/>
+            <a:ext cx="5829721" cy="863600"/>
+          </a:xfrm>
+          <a:prstGeom prst="rect">
+            <a:avLst/>
+          </a:prstGeom>
+        </p:spPr>
+        <p:txBody>
+          <a:bodyPr anchor="ctr"/>
+          <a:lstStyle>
+            <a:lvl1pPr algn="ctr" defTabSz="914400" rtl="0" eaLnBrk="1" latinLnBrk="0" hangingPunct="1">
+              <a:spcBef>
+                <a:spcPct val="0"/>
+              </a:spcBef>
+              <a:buNone/>
+              <a:defRPr sz="4400" kern="1200">
+                <a:solidFill>
+                  <a:schemeClr val="tx1"/>
+                </a:solidFill>
+                <a:latin typeface="+mj-lt"/>
+                <a:ea typeface="+mj-ea"/>
+                <a:cs typeface="+mj-cs"/>
+              </a:defRPr>
+            </a:lvl1pPr>
+          </a:lstStyle>
+          <a:p>
+            <a:pPr algn="l" fontAlgn="auto">
+              <a:lnSpc>
+                <a:spcPts val="5760"/>
+              </a:lnSpc>
+              <a:spcBef>
+                <a:spcPts val="0"/>
+              </a:spcBef>
+              <a:spcAft>
+                <a:spcPts val="0"/>
+              </a:spcAft>
+              <a:defRPr/>
+            </a:pPr>
+            <a:r>
+              <a:rPr lang="es-HN" sz="4930" b="1" dirty="0">
+                <a:solidFill>
+                  <a:schemeClr val="tx1">
+                    <a:lumMod val="75000"/>
+                    <a:lumOff val="25000"/>
+                  </a:schemeClr>
+                </a:solidFill>
+                <a:latin typeface="Rockwell" pitchFamily="18" charset="0"/>
+              </a:rPr>
+              <a:t>RESULTS &amp;</a:t>
+            </a:r>
+            <a:endParaRPr lang="es-HN" sz="4930" b="1" dirty="0">
+              <a:solidFill>
+                <a:srgbClr val="FFC000"/>
+              </a:solidFill>
+              <a:latin typeface="Rockwell" pitchFamily="18" charset="0"/>
+            </a:endParaRPr>
+          </a:p>
+        </p:txBody>
+      </p:sp>
+      <p:sp>
+        <p:nvSpPr>
+          <p:cNvPr id="20" name="1 Título"/>
+          <p:cNvSpPr txBox="1">
+            <a:spLocks/>
+          </p:cNvSpPr>
+          <p:nvPr/>
+        </p:nvSpPr>
+        <p:spPr>
+          <a:xfrm>
+            <a:off x="395288" y="736600"/>
+            <a:ext cx="5184824" cy="863600"/>
+          </a:xfrm>
+          <a:prstGeom prst="rect">
+            <a:avLst/>
+          </a:prstGeom>
+        </p:spPr>
+        <p:txBody>
+          <a:bodyPr anchor="ctr"/>
+          <a:lstStyle>
+            <a:lvl1pPr algn="ctr" defTabSz="914400" rtl="0" eaLnBrk="1" latinLnBrk="0" hangingPunct="1">
+              <a:spcBef>
+                <a:spcPct val="0"/>
+              </a:spcBef>
+              <a:buNone/>
+              <a:defRPr sz="4400" kern="1200">
+                <a:solidFill>
+                  <a:schemeClr val="tx1"/>
+                </a:solidFill>
+                <a:latin typeface="+mj-lt"/>
+                <a:ea typeface="+mj-ea"/>
+                <a:cs typeface="+mj-cs"/>
+              </a:defRPr>
+            </a:lvl1pPr>
+          </a:lstStyle>
+          <a:p>
+            <a:pPr algn="l" fontAlgn="auto">
+              <a:lnSpc>
+                <a:spcPts val="5760"/>
+              </a:lnSpc>
+              <a:spcBef>
+                <a:spcPts val="0"/>
+              </a:spcBef>
+              <a:spcAft>
+                <a:spcPts val="0"/>
+              </a:spcAft>
+              <a:defRPr/>
+            </a:pPr>
+            <a:r>
+              <a:rPr lang="es-HN" b="1" dirty="0">
+                <a:solidFill>
+                  <a:srgbClr val="FFC000"/>
+                </a:solidFill>
+                <a:latin typeface="Rockwell" pitchFamily="18" charset="0"/>
+              </a:rPr>
+              <a:t>CHALLENGES</a:t>
+            </a:r>
+          </a:p>
+        </p:txBody>
+      </p:sp>
+      <p:sp>
+        <p:nvSpPr>
+          <p:cNvPr id="24" name="1 Título"/>
+          <p:cNvSpPr txBox="1">
+            <a:spLocks/>
+          </p:cNvSpPr>
+          <p:nvPr/>
+        </p:nvSpPr>
+        <p:spPr>
+          <a:xfrm>
+            <a:off x="395288" y="1298575"/>
+            <a:ext cx="4519612" cy="474663"/>
+          </a:xfrm>
+          <a:prstGeom prst="rect">
+            <a:avLst/>
+          </a:prstGeom>
+        </p:spPr>
+        <p:txBody>
+          <a:bodyPr anchor="ctr"/>
+          <a:lstStyle>
+            <a:lvl1pPr algn="ctr" defTabSz="914400" rtl="0" eaLnBrk="1" latinLnBrk="0" hangingPunct="1">
+              <a:spcBef>
+                <a:spcPct val="0"/>
+              </a:spcBef>
+              <a:buNone/>
+              <a:defRPr sz="4400" kern="1200">
+                <a:solidFill>
+                  <a:schemeClr val="tx1"/>
+                </a:solidFill>
+                <a:latin typeface="+mj-lt"/>
+                <a:ea typeface="+mj-ea"/>
+                <a:cs typeface="+mj-cs"/>
+              </a:defRPr>
+            </a:lvl1pPr>
+          </a:lstStyle>
+          <a:p>
+            <a:pPr algn="l" fontAlgn="auto">
+              <a:lnSpc>
+                <a:spcPts val="5760"/>
+              </a:lnSpc>
+              <a:spcBef>
+                <a:spcPts val="0"/>
+              </a:spcBef>
+              <a:spcAft>
+                <a:spcPts val="0"/>
+              </a:spcAft>
+              <a:defRPr/>
+            </a:pPr>
+            <a:r>
+              <a:rPr lang="es-HN" sz="1600" b="1" dirty="0">
+                <a:solidFill>
+                  <a:srgbClr val="FFC000"/>
+                </a:solidFill>
+                <a:latin typeface="Rockwell" pitchFamily="18" charset="0"/>
+              </a:rPr>
+              <a:t>A retrospective</a:t>
+            </a:r>
+          </a:p>
+        </p:txBody>
+      </p:sp>
+      <p:sp>
+        <p:nvSpPr>
+          <p:cNvPr id="26" name="1 Título"/>
+          <p:cNvSpPr txBox="1">
+            <a:spLocks/>
+          </p:cNvSpPr>
+          <p:nvPr/>
+        </p:nvSpPr>
+        <p:spPr>
+          <a:xfrm>
+            <a:off x="4913313" y="3817938"/>
+            <a:ext cx="2663825" cy="474662"/>
+          </a:xfrm>
+          <a:prstGeom prst="rect">
+            <a:avLst/>
+          </a:prstGeom>
+        </p:spPr>
+        <p:txBody>
+          <a:bodyPr anchor="ctr"/>
+          <a:lstStyle>
+            <a:lvl1pPr algn="ctr" defTabSz="914400" rtl="0" eaLnBrk="1" latinLnBrk="0" hangingPunct="1">
+              <a:spcBef>
+                <a:spcPct val="0"/>
+              </a:spcBef>
+              <a:buNone/>
+              <a:defRPr sz="4400" kern="1200">
+                <a:solidFill>
+                  <a:schemeClr val="tx1"/>
+                </a:solidFill>
+                <a:latin typeface="+mj-lt"/>
+                <a:ea typeface="+mj-ea"/>
+                <a:cs typeface="+mj-cs"/>
+              </a:defRPr>
+            </a:lvl1pPr>
+          </a:lstStyle>
+          <a:p>
+            <a:pPr algn="l" fontAlgn="auto">
+              <a:spcBef>
+                <a:spcPts val="0"/>
+              </a:spcBef>
+              <a:spcAft>
+                <a:spcPts val="0"/>
+              </a:spcAft>
+              <a:defRPr/>
+            </a:pPr>
+            <a:endParaRPr lang="es-HN" sz="1050" b="1" dirty="0">
+              <a:solidFill>
+                <a:srgbClr val="FFC000"/>
+              </a:solidFill>
+              <a:latin typeface="Rockwell" pitchFamily="18" charset="0"/>
+            </a:endParaRPr>
+          </a:p>
+        </p:txBody>
+      </p:sp>
+      <p:sp>
+        <p:nvSpPr>
+          <p:cNvPr id="27" name="1 Título"/>
+          <p:cNvSpPr txBox="1">
+            <a:spLocks/>
+          </p:cNvSpPr>
+          <p:nvPr/>
+        </p:nvSpPr>
+        <p:spPr>
+          <a:xfrm>
+            <a:off x="317500" y="2059930"/>
+            <a:ext cx="2663825" cy="474663"/>
+          </a:xfrm>
+          <a:prstGeom prst="rect">
+            <a:avLst/>
+          </a:prstGeom>
+        </p:spPr>
+        <p:txBody>
+          <a:bodyPr anchor="ctr"/>
+          <a:lstStyle>
+            <a:lvl1pPr algn="ctr" defTabSz="914400" rtl="0" eaLnBrk="1" latinLnBrk="0" hangingPunct="1">
+              <a:spcBef>
+                <a:spcPct val="0"/>
+              </a:spcBef>
+              <a:buNone/>
+              <a:defRPr sz="4400" kern="1200">
+                <a:solidFill>
+                  <a:schemeClr val="tx1"/>
+                </a:solidFill>
+                <a:latin typeface="+mj-lt"/>
+                <a:ea typeface="+mj-ea"/>
+                <a:cs typeface="+mj-cs"/>
+              </a:defRPr>
+            </a:lvl1pPr>
+          </a:lstStyle>
+          <a:p>
+            <a:pPr algn="l" fontAlgn="auto">
+              <a:spcBef>
+                <a:spcPts val="0"/>
+              </a:spcBef>
+              <a:spcAft>
+                <a:spcPts val="0"/>
+              </a:spcAft>
+              <a:defRPr/>
+            </a:pPr>
+            <a:endParaRPr lang="es-HN" sz="1950" b="1" dirty="0">
+              <a:solidFill>
+                <a:srgbClr val="FFC000"/>
+              </a:solidFill>
+              <a:latin typeface="Rockwell" pitchFamily="18" charset="0"/>
+            </a:endParaRPr>
+          </a:p>
+        </p:txBody>
+      </p:sp>
+      <p:pic>
+        <p:nvPicPr>
+          <p:cNvPr id="14348" name="27 Imagen"/>
+          <p:cNvPicPr>
+            <a:picLocks noChangeAspect="1"/>
+          </p:cNvPicPr>
+          <p:nvPr/>
+        </p:nvPicPr>
+        <p:blipFill>
+          <a:blip r:embed="rId4">
+            <a:extLst>
+              <a:ext uri="{28A0092B-C50C-407E-A947-70E740481C1C}">
+                <a14:useLocalDpi xmlns:a14="http://schemas.microsoft.com/office/drawing/2010/main" val="0"/>
+              </a:ext>
+            </a:extLst>
+          </a:blip>
+          <a:srcRect/>
+          <a:stretch>
+            <a:fillRect/>
+          </a:stretch>
+        </p:blipFill>
+        <p:spPr bwMode="auto">
+          <a:xfrm>
+            <a:off x="4167188" y="6170613"/>
+            <a:ext cx="363537" cy="303212"/>
+          </a:xfrm>
+          <a:prstGeom prst="rect">
+            <a:avLst/>
+          </a:prstGeom>
+          <a:noFill/>
+          <a:ln>
+            <a:noFill/>
+          </a:ln>
+          <a:extLst>
+            <a:ext uri="{909E8E84-426E-40DD-AFC4-6F175D3DCCD1}">
+              <a14:hiddenFill xmlns:a14="http://schemas.microsoft.com/office/drawing/2010/main">
+                <a:solidFill>
+                  <a:srgbClr val="FFFFFF"/>
+                </a:solidFill>
+              </a14:hiddenFill>
+            </a:ext>
+            <a:ext uri="{91240B29-F687-4F45-9708-019B960494DF}">
+              <a14:hiddenLine xmlns:a14="http://schemas.microsoft.com/office/drawing/2010/main" w="9525">
+                <a:solidFill>
+                  <a:srgbClr val="000000"/>
+                </a:solidFill>
+                <a:miter lim="800000"/>
+                <a:headEnd/>
+                <a:tailEnd/>
+              </a14:hiddenLine>
+            </a:ext>
+          </a:extLst>
+        </p:spPr>
+      </p:pic>
+      <p:pic>
+        <p:nvPicPr>
+          <p:cNvPr id="14349" name="28 Imagen"/>
+          <p:cNvPicPr>
+            <a:picLocks noChangeAspect="1"/>
+          </p:cNvPicPr>
+          <p:nvPr/>
+        </p:nvPicPr>
+        <p:blipFill>
+          <a:blip r:embed="rId4">
+            <a:extLst>
+              <a:ext uri="{28A0092B-C50C-407E-A947-70E740481C1C}">
+                <a14:useLocalDpi xmlns:a14="http://schemas.microsoft.com/office/drawing/2010/main" val="0"/>
+              </a:ext>
+            </a:extLst>
+          </a:blip>
+          <a:srcRect/>
+          <a:stretch>
+            <a:fillRect/>
+          </a:stretch>
+        </p:blipFill>
+        <p:spPr bwMode="auto">
+          <a:xfrm>
+            <a:off x="4741863" y="6170613"/>
+            <a:ext cx="363537" cy="303212"/>
+          </a:xfrm>
+          <a:prstGeom prst="rect">
+            <a:avLst/>
+          </a:prstGeom>
+          <a:noFill/>
+          <a:ln>
+            <a:noFill/>
+          </a:ln>
+          <a:extLst>
+            <a:ext uri="{909E8E84-426E-40DD-AFC4-6F175D3DCCD1}">
+              <a14:hiddenFill xmlns:a14="http://schemas.microsoft.com/office/drawing/2010/main">
+                <a:solidFill>
+                  <a:srgbClr val="FFFFFF"/>
+                </a:solidFill>
+              </a14:hiddenFill>
+            </a:ext>
+            <a:ext uri="{91240B29-F687-4F45-9708-019B960494DF}">
+              <a14:hiddenLine xmlns:a14="http://schemas.microsoft.com/office/drawing/2010/main" w="9525">
+                <a:solidFill>
+                  <a:srgbClr val="000000"/>
+                </a:solidFill>
+                <a:miter lim="800000"/>
+                <a:headEnd/>
+                <a:tailEnd/>
+              </a14:hiddenLine>
+            </a:ext>
+          </a:extLst>
+        </p:spPr>
+      </p:pic>
+      <p:sp>
+        <p:nvSpPr>
+          <p:cNvPr id="14350" name="29 CuadroTexto"/>
+          <p:cNvSpPr txBox="1">
+            <a:spLocks noChangeArrowheads="1"/>
+          </p:cNvSpPr>
+          <p:nvPr/>
+        </p:nvSpPr>
+        <p:spPr bwMode="auto">
+          <a:xfrm>
+            <a:off x="4205288" y="6181725"/>
+            <a:ext cx="263214" cy="276999"/>
+          </a:xfrm>
+          <a:prstGeom prst="rect">
+            <a:avLst/>
+          </a:prstGeom>
+          <a:noFill/>
+          <a:ln>
+            <a:noFill/>
+          </a:ln>
+          <a:extLst>
+            <a:ext uri="{909E8E84-426E-40DD-AFC4-6F175D3DCCD1}">
+              <a14:hiddenFill xmlns:a14="http://schemas.microsoft.com/office/drawing/2010/main">
+                <a:solidFill>
+                  <a:srgbClr val="FFFFFF"/>
+                </a:solidFill>
+              </a14:hiddenFill>
+            </a:ext>
+            <a:ext uri="{91240B29-F687-4F45-9708-019B960494DF}">
+              <a14:hiddenLine xmlns:a14="http://schemas.microsoft.com/office/drawing/2010/main" w="9525">
+                <a:solidFill>
+                  <a:srgbClr val="000000"/>
+                </a:solidFill>
+                <a:miter lim="800000"/>
+                <a:headEnd/>
+                <a:tailEnd/>
+              </a14:hiddenLine>
+            </a:ext>
+          </a:extLst>
+        </p:spPr>
+        <p:txBody>
+          <a:bodyPr wrap="none">
+            <a:spAutoFit/>
+          </a:bodyPr>
+          <a:lstStyle>
+            <a:lvl1pPr>
+              <a:defRPr>
+                <a:solidFill>
+                  <a:schemeClr val="tx1"/>
+                </a:solidFill>
+                <a:latin typeface="Calibri" pitchFamily="34" charset="0"/>
+              </a:defRPr>
+            </a:lvl1pPr>
+            <a:lvl2pPr marL="742950" indent="-285750">
+              <a:defRPr>
+                <a:solidFill>
+                  <a:schemeClr val="tx1"/>
+                </a:solidFill>
+                <a:latin typeface="Calibri" pitchFamily="34" charset="0"/>
+              </a:defRPr>
+            </a:lvl2pPr>
+            <a:lvl3pPr marL="1143000" indent="-228600">
+              <a:defRPr>
+                <a:solidFill>
+                  <a:schemeClr val="tx1"/>
+                </a:solidFill>
+                <a:latin typeface="Calibri" pitchFamily="34" charset="0"/>
+              </a:defRPr>
+            </a:lvl3pPr>
+            <a:lvl4pPr marL="1600200" indent="-228600">
+              <a:defRPr>
+                <a:solidFill>
+                  <a:schemeClr val="tx1"/>
+                </a:solidFill>
+                <a:latin typeface="Calibri" pitchFamily="34" charset="0"/>
+              </a:defRPr>
+            </a:lvl4pPr>
+            <a:lvl5pPr marL="2057400" indent="-228600">
+              <a:defRPr>
+                <a:solidFill>
+                  <a:schemeClr val="tx1"/>
+                </a:solidFill>
+                <a:latin typeface="Calibri" pitchFamily="34" charset="0"/>
+              </a:defRPr>
+            </a:lvl5pPr>
+            <a:lvl6pPr marL="2514600" indent="-228600" fontAlgn="base">
+              <a:spcBef>
+                <a:spcPct val="0"/>
+              </a:spcBef>
+              <a:spcAft>
+                <a:spcPct val="0"/>
+              </a:spcAft>
+              <a:defRPr>
+                <a:solidFill>
+                  <a:schemeClr val="tx1"/>
+                </a:solidFill>
+                <a:latin typeface="Calibri" pitchFamily="34" charset="0"/>
+              </a:defRPr>
+            </a:lvl6pPr>
+            <a:lvl7pPr marL="2971800" indent="-228600" fontAlgn="base">
+              <a:spcBef>
+                <a:spcPct val="0"/>
+              </a:spcBef>
+              <a:spcAft>
+                <a:spcPct val="0"/>
+              </a:spcAft>
+              <a:defRPr>
+                <a:solidFill>
+                  <a:schemeClr val="tx1"/>
+                </a:solidFill>
+                <a:latin typeface="Calibri" pitchFamily="34" charset="0"/>
+              </a:defRPr>
+            </a:lvl7pPr>
+            <a:lvl8pPr marL="3429000" indent="-228600" fontAlgn="base">
+              <a:spcBef>
+                <a:spcPct val="0"/>
+              </a:spcBef>
+              <a:spcAft>
+                <a:spcPct val="0"/>
+              </a:spcAft>
+              <a:defRPr>
+                <a:solidFill>
+                  <a:schemeClr val="tx1"/>
+                </a:solidFill>
+                <a:latin typeface="Calibri" pitchFamily="34" charset="0"/>
+              </a:defRPr>
+            </a:lvl8pPr>
+            <a:lvl9pPr marL="3886200" indent="-228600" fontAlgn="base">
+              <a:spcBef>
+                <a:spcPct val="0"/>
+              </a:spcBef>
+              <a:spcAft>
+                <a:spcPct val="0"/>
+              </a:spcAft>
+              <a:defRPr>
+                <a:solidFill>
+                  <a:schemeClr val="tx1"/>
+                </a:solidFill>
+                <a:latin typeface="Calibri" pitchFamily="34" charset="0"/>
+              </a:defRPr>
+            </a:lvl9pPr>
+          </a:lstStyle>
+          <a:p>
+            <a:r>
+              <a:rPr lang="es-HN" sz="1200" b="1" dirty="0">
+                <a:solidFill>
+                  <a:srgbClr val="FFC000"/>
+                </a:solidFill>
+              </a:rPr>
+              <a:t>2</a:t>
+            </a:r>
+            <a:endParaRPr lang="es-ES" sz="1200" b="1" dirty="0">
+              <a:solidFill>
+                <a:srgbClr val="FFC000"/>
+              </a:solidFill>
+            </a:endParaRPr>
+          </a:p>
+        </p:txBody>
+      </p:sp>
+      <p:sp>
+        <p:nvSpPr>
+          <p:cNvPr id="31" name="30 CuadroTexto"/>
+          <p:cNvSpPr txBox="1"/>
+          <p:nvPr/>
+        </p:nvSpPr>
+        <p:spPr>
+          <a:xfrm>
+            <a:off x="4467225" y="6181725"/>
+            <a:ext cx="315913" cy="277813"/>
+          </a:xfrm>
+          <a:prstGeom prst="rect">
+            <a:avLst/>
+          </a:prstGeom>
+          <a:noFill/>
+        </p:spPr>
+        <p:txBody>
+          <a:bodyPr wrap="none">
+            <a:spAutoFit/>
+          </a:bodyPr>
+          <a:lstStyle/>
+          <a:p>
+            <a:pPr fontAlgn="auto">
+              <a:spcBef>
+                <a:spcPts val="0"/>
+              </a:spcBef>
+              <a:spcAft>
+                <a:spcPts val="0"/>
+              </a:spcAft>
+              <a:defRPr/>
+            </a:pPr>
+            <a:r>
+              <a:rPr lang="es-HN" sz="1200" b="1" i="1" dirty="0">
+                <a:solidFill>
+                  <a:schemeClr val="bg1">
+                    <a:lumMod val="65000"/>
+                  </a:schemeClr>
+                </a:solidFill>
+                <a:latin typeface="+mn-lt"/>
+              </a:rPr>
+              <a:t>of</a:t>
+            </a:r>
+            <a:endParaRPr lang="es-ES" sz="1200" b="1" i="1" dirty="0">
+              <a:solidFill>
+                <a:schemeClr val="bg1">
+                  <a:lumMod val="65000"/>
+                </a:schemeClr>
+              </a:solidFill>
+              <a:latin typeface="+mn-lt"/>
+            </a:endParaRPr>
+          </a:p>
+        </p:txBody>
+      </p:sp>
+      <p:sp>
+        <p:nvSpPr>
+          <p:cNvPr id="32" name="31 CuadroTexto"/>
+          <p:cNvSpPr txBox="1"/>
+          <p:nvPr/>
+        </p:nvSpPr>
+        <p:spPr>
+          <a:xfrm>
+            <a:off x="4787900" y="6181725"/>
+            <a:ext cx="263525" cy="277813"/>
+          </a:xfrm>
+          <a:prstGeom prst="rect">
+            <a:avLst/>
+          </a:prstGeom>
+          <a:noFill/>
+        </p:spPr>
+        <p:txBody>
+          <a:bodyPr wrap="none">
+            <a:spAutoFit/>
+          </a:bodyPr>
+          <a:lstStyle/>
+          <a:p>
+            <a:pPr fontAlgn="auto">
+              <a:spcBef>
+                <a:spcPts val="0"/>
+              </a:spcBef>
+              <a:spcAft>
+                <a:spcPts val="0"/>
+              </a:spcAft>
+              <a:defRPr/>
+            </a:pPr>
+            <a:r>
+              <a:rPr lang="es-HN" sz="1200" b="1" dirty="0">
+                <a:solidFill>
+                  <a:schemeClr val="bg1">
+                    <a:lumMod val="50000"/>
+                  </a:schemeClr>
+                </a:solidFill>
+                <a:latin typeface="+mn-lt"/>
+              </a:rPr>
+              <a:t>6</a:t>
+            </a:r>
+            <a:endParaRPr lang="es-ES" sz="1200" b="1" dirty="0">
+              <a:solidFill>
+                <a:schemeClr val="bg1">
+                  <a:lumMod val="50000"/>
+                </a:schemeClr>
+              </a:solidFill>
+              <a:latin typeface="+mn-lt"/>
+            </a:endParaRPr>
+          </a:p>
+        </p:txBody>
+      </p:sp>
+      <p:pic>
+        <p:nvPicPr>
+          <p:cNvPr id="14353" name="Imagen 5" descr="C:\Users\Design\Documents\Edu\Product Launch\shadown.png"/>
+          <p:cNvPicPr>
+            <a:picLocks noChangeAspect="1" noChangeArrowheads="1"/>
+          </p:cNvPicPr>
+          <p:nvPr/>
+        </p:nvPicPr>
+        <p:blipFill>
+          <a:blip r:embed="rId5">
+            <a:extLst>
+              <a:ext uri="{28A0092B-C50C-407E-A947-70E740481C1C}">
+                <a14:useLocalDpi xmlns:a14="http://schemas.microsoft.com/office/drawing/2010/main" val="0"/>
+              </a:ext>
+            </a:extLst>
+          </a:blip>
+          <a:srcRect/>
+          <a:stretch>
+            <a:fillRect/>
+          </a:stretch>
+        </p:blipFill>
+        <p:spPr bwMode="auto">
+          <a:xfrm>
+            <a:off x="5127625" y="5983288"/>
+            <a:ext cx="763588" cy="720725"/>
+          </a:xfrm>
+          <a:prstGeom prst="rect">
+            <a:avLst/>
+          </a:prstGeom>
+          <a:noFill/>
+          <a:ln>
+            <a:noFill/>
+          </a:ln>
+          <a:extLst>
+            <a:ext uri="{909E8E84-426E-40DD-AFC4-6F175D3DCCD1}">
+              <a14:hiddenFill xmlns:a14="http://schemas.microsoft.com/office/drawing/2010/main">
+                <a:solidFill>
+                  <a:srgbClr val="FFFFFF"/>
+                </a:solidFill>
+              </a14:hiddenFill>
+            </a:ext>
+            <a:ext uri="{91240B29-F687-4F45-9708-019B960494DF}">
+              <a14:hiddenLine xmlns:a14="http://schemas.microsoft.com/office/drawing/2010/main" w="9525">
+                <a:solidFill>
+                  <a:srgbClr val="000000"/>
+                </a:solidFill>
+                <a:miter lim="800000"/>
+                <a:headEnd/>
+                <a:tailEnd/>
+              </a14:hiddenLine>
+            </a:ext>
+          </a:extLst>
+        </p:spPr>
+      </p:pic>
+      <p:pic>
+        <p:nvPicPr>
+          <p:cNvPr id="14354" name="Imagen 6" descr="C:\Users\Design\Documents\Edu\Product Launch\btns.png">
+            <a:hlinkClick r:id="" action="ppaction://hlinkshowjump?jump=nextslide"/>
+          </p:cNvPr>
+          <p:cNvPicPr>
+            <a:picLocks noChangeAspect="1" noChangeArrowheads="1"/>
+          </p:cNvPicPr>
+          <p:nvPr/>
+        </p:nvPicPr>
+        <p:blipFill>
+          <a:blip r:embed="rId6" cstate="print">
+            <a:extLst>
+              <a:ext uri="{28A0092B-C50C-407E-A947-70E740481C1C}">
+                <a14:useLocalDpi xmlns:a14="http://schemas.microsoft.com/office/drawing/2010/main" val="0"/>
+              </a:ext>
+            </a:extLst>
+          </a:blip>
+          <a:srcRect/>
+          <a:stretch>
+            <a:fillRect/>
+          </a:stretch>
+        </p:blipFill>
+        <p:spPr bwMode="auto">
+          <a:xfrm>
+            <a:off x="5124450" y="6251575"/>
+            <a:ext cx="177800" cy="176213"/>
+          </a:xfrm>
+          <a:prstGeom prst="rect">
+            <a:avLst/>
+          </a:prstGeom>
+          <a:noFill/>
+          <a:ln>
+            <a:noFill/>
+          </a:ln>
+          <a:extLst>
+            <a:ext uri="{909E8E84-426E-40DD-AFC4-6F175D3DCCD1}">
+              <a14:hiddenFill xmlns:a14="http://schemas.microsoft.com/office/drawing/2010/main">
+                <a:solidFill>
+                  <a:srgbClr val="FFFFFF"/>
+                </a:solidFill>
+              </a14:hiddenFill>
+            </a:ext>
+            <a:ext uri="{91240B29-F687-4F45-9708-019B960494DF}">
+              <a14:hiddenLine xmlns:a14="http://schemas.microsoft.com/office/drawing/2010/main" w="9525">
+                <a:solidFill>
+                  <a:srgbClr val="000000"/>
+                </a:solidFill>
+                <a:miter lim="800000"/>
+                <a:headEnd/>
+                <a:tailEnd/>
+              </a14:hiddenLine>
+            </a:ext>
+          </a:extLst>
+        </p:spPr>
+      </p:pic>
+      <p:pic>
+        <p:nvPicPr>
+          <p:cNvPr id="14355" name="Imagen 6" descr="C:\Users\Design\Documents\Edu\Product Launch\btns.png">
+            <a:hlinkClick r:id="" action="ppaction://hlinkshowjump?jump=previousslide"/>
+          </p:cNvPr>
+          <p:cNvPicPr>
+            <a:picLocks noChangeAspect="1" noChangeArrowheads="1"/>
+          </p:cNvPicPr>
+          <p:nvPr/>
+        </p:nvPicPr>
+        <p:blipFill>
+          <a:blip r:embed="rId7" cstate="print">
+            <a:extLst>
+              <a:ext uri="{28A0092B-C50C-407E-A947-70E740481C1C}">
+                <a14:useLocalDpi xmlns:a14="http://schemas.microsoft.com/office/drawing/2010/main" val="0"/>
+              </a:ext>
+            </a:extLst>
+          </a:blip>
+          <a:srcRect/>
+          <a:stretch>
+            <a:fillRect/>
+          </a:stretch>
+        </p:blipFill>
+        <p:spPr bwMode="auto">
+          <a:xfrm>
+            <a:off x="3933825" y="6251575"/>
+            <a:ext cx="176213" cy="176213"/>
+          </a:xfrm>
+          <a:prstGeom prst="rect">
+            <a:avLst/>
+          </a:prstGeom>
+          <a:noFill/>
+          <a:ln>
+            <a:noFill/>
+          </a:ln>
+          <a:extLst>
+            <a:ext uri="{909E8E84-426E-40DD-AFC4-6F175D3DCCD1}">
+              <a14:hiddenFill xmlns:a14="http://schemas.microsoft.com/office/drawing/2010/main">
+                <a:solidFill>
+                  <a:srgbClr val="FFFFFF"/>
+                </a:solidFill>
+              </a14:hiddenFill>
+            </a:ext>
+            <a:ext uri="{91240B29-F687-4F45-9708-019B960494DF}">
+              <a14:hiddenLine xmlns:a14="http://schemas.microsoft.com/office/drawing/2010/main" w="9525">
+                <a:solidFill>
+                  <a:srgbClr val="000000"/>
+                </a:solidFill>
+                <a:miter lim="800000"/>
+                <a:headEnd/>
+                <a:tailEnd/>
+              </a14:hiddenLine>
+            </a:ext>
+          </a:extLst>
+        </p:spPr>
+      </p:pic>
+      <p:pic>
+        <p:nvPicPr>
+          <p:cNvPr id="14356" name="Imagen 5" descr="C:\Users\Design\Documents\Edu\Product Launch\shadown.png"/>
+          <p:cNvPicPr>
+            <a:picLocks noChangeAspect="1" noChangeArrowheads="1"/>
+          </p:cNvPicPr>
+          <p:nvPr/>
+        </p:nvPicPr>
+        <p:blipFill>
+          <a:blip r:embed="rId8">
+            <a:extLst>
+              <a:ext uri="{28A0092B-C50C-407E-A947-70E740481C1C}">
+                <a14:useLocalDpi xmlns:a14="http://schemas.microsoft.com/office/drawing/2010/main" val="0"/>
+              </a:ext>
+            </a:extLst>
+          </a:blip>
+          <a:srcRect/>
+          <a:stretch>
+            <a:fillRect/>
+          </a:stretch>
+        </p:blipFill>
+        <p:spPr bwMode="auto">
+          <a:xfrm>
+            <a:off x="1649413" y="5756275"/>
+            <a:ext cx="1193800" cy="1128713"/>
+          </a:xfrm>
+          <a:prstGeom prst="rect">
+            <a:avLst/>
+          </a:prstGeom>
+          <a:noFill/>
+          <a:ln>
+            <a:noFill/>
+          </a:ln>
+          <a:extLst>
+            <a:ext uri="{909E8E84-426E-40DD-AFC4-6F175D3DCCD1}">
+              <a14:hiddenFill xmlns:a14="http://schemas.microsoft.com/office/drawing/2010/main">
+                <a:solidFill>
+                  <a:srgbClr val="FFFFFF"/>
+                </a:solidFill>
+              </a14:hiddenFill>
+            </a:ext>
+            <a:ext uri="{91240B29-F687-4F45-9708-019B960494DF}">
+              <a14:hiddenLine xmlns:a14="http://schemas.microsoft.com/office/drawing/2010/main" w="9525">
+                <a:solidFill>
+                  <a:srgbClr val="000000"/>
+                </a:solidFill>
+                <a:miter lim="800000"/>
+                <a:headEnd/>
+                <a:tailEnd/>
+              </a14:hiddenLine>
+            </a:ext>
+          </a:extLst>
+        </p:spPr>
+      </p:pic>
+      <p:sp>
+        <p:nvSpPr>
+          <p:cNvPr id="21" name="CustomShape 6">
+            <a:extLst>
+              <a:ext uri="{FF2B5EF4-FFF2-40B4-BE49-F238E27FC236}">
+                <a16:creationId xmlns:a16="http://schemas.microsoft.com/office/drawing/2014/main" id="{C4EC9EAF-C043-450D-8841-E8D670593A4E}"/>
+              </a:ext>
+            </a:extLst>
+          </p:cNvPr>
           <p:cNvSpPr/>
           <p:nvPr/>
         </p:nvSpPr>
         <p:spPr>
           <a:xfrm>
-            <a:off x="398520" y="260280"/>
-            <a:ext cx="5109840" cy="863280"/>
+            <a:off x="546258" y="2382022"/>
+            <a:ext cx="8143560" cy="2238840"/>
           </a:xfrm>
           <a:prstGeom prst="rect">
             <a:avLst/>
@@ -15596,54 +11577,24 @@
           <a:fontRef idx="minor"/>
         </p:style>
         <p:txBody>
-          <a:bodyPr lIns="90000" tIns="45000" rIns="90000" bIns="45000" anchor="ctr"/>
+          <a:bodyPr lIns="0" tIns="0" rIns="0" bIns="0"/>
           <a:lstStyle/>
           <a:p>
-            <a:pPr marL="0" marR="0" lvl="0" indent="0" algn="l" defTabSz="914400" rtl="0" eaLnBrk="1" fontAlgn="auto" latinLnBrk="0" hangingPunct="1">
+            <a:pPr marL="216000" indent="-216000" algn="just">
               <a:lnSpc>
-                <a:spcPts val="2032"/>
+                <a:spcPct val="100000"/>
               </a:lnSpc>
-              <a:spcBef>
-                <a:spcPts val="0"/>
-              </a:spcBef>
-              <a:spcAft>
-                <a:spcPts val="0"/>
-              </a:spcAft>
-              <a:buClrTx/>
-              <a:buSzTx/>
-              <a:buFontTx/>
-              <a:buNone/>
-              <a:tabLst/>
-              <a:defRPr/>
+              <a:buClr>
+                <a:srgbClr val="808080"/>
+              </a:buClr>
+              <a:buSzPct val="45000"/>
+              <a:buFont typeface="Wingdings" charset="2"/>
+              <a:buChar char=""/>
             </a:pPr>
-            <a:r>
-              <a:rPr kumimoji="0" lang="en-US" sz="4930" b="1" i="0" u="none" strike="noStrike" kern="1200" cap="none" spc="-1" normalizeH="0" baseline="0" noProof="0">
-                <a:ln>
-                  <a:noFill/>
-                </a:ln>
-                <a:solidFill>
-                  <a:srgbClr val="404040"/>
-                </a:solidFill>
-                <a:effectLst/>
-                <a:uLnTx/>
-                <a:uFill>
-                  <a:solidFill>
-                    <a:srgbClr val="FFFFFF"/>
-                  </a:solidFill>
-                </a:uFill>
-                <a:latin typeface="Rockwell"/>
-              </a:rPr>
-              <a:t>Retrospective</a:t>
-            </a:r>
-            <a:endParaRPr kumimoji="0" lang="en-US" sz="1800" b="0" i="0" u="none" strike="noStrike" kern="1200" cap="none" spc="-1" normalizeH="0" baseline="0" noProof="0">
-              <a:ln>
-                <a:noFill/>
-              </a:ln>
+            <a:endParaRPr lang="en-US" sz="1800" b="0" strike="noStrike" spc="-1" dirty="0">
               <a:solidFill>
                 <a:srgbClr val="000000"/>
               </a:solidFill>
-              <a:effectLst/>
-              <a:uLnTx/>
               <a:uFill>
                 <a:solidFill>
                   <a:srgbClr val="FFFFFF"/>
@@ -15656,14 +11607,20 @@
       </p:sp>
       <p:sp>
         <p:nvSpPr>
-          <p:cNvPr id="286" name="CustomShape 2"/>
+          <p:cNvPr id="22" name="CustomShape 6">
+            <a:extLst>
+              <a:ext uri="{FF2B5EF4-FFF2-40B4-BE49-F238E27FC236}">
+                <a16:creationId xmlns:a16="http://schemas.microsoft.com/office/drawing/2014/main" id="{58309304-4AF7-445F-BCF0-EAC7BCF03BC6}"/>
+              </a:ext>
+            </a:extLst>
+          </p:cNvPr>
           <p:cNvSpPr/>
           <p:nvPr/>
         </p:nvSpPr>
         <p:spPr>
           <a:xfrm>
-            <a:off x="395280" y="736560"/>
-            <a:ext cx="5832360" cy="863280"/>
+            <a:off x="698658" y="2534422"/>
+            <a:ext cx="8143560" cy="3126826"/>
           </a:xfrm>
           <a:prstGeom prst="rect">
             <a:avLst/>
@@ -15686,243 +11643,23 @@
           <a:fontRef idx="minor"/>
         </p:style>
         <p:txBody>
-          <a:bodyPr lIns="90000" tIns="45000" rIns="90000" bIns="45000" anchor="ctr"/>
+          <a:bodyPr lIns="0" tIns="0" rIns="0" bIns="0"/>
           <a:lstStyle/>
           <a:p>
-            <a:pPr marL="0" marR="0" lvl="0" indent="0" algn="l" defTabSz="914400" rtl="0" eaLnBrk="1" fontAlgn="auto" latinLnBrk="0" hangingPunct="1">
-              <a:lnSpc>
-                <a:spcPts val="2032"/>
-              </a:lnSpc>
-              <a:spcBef>
-                <a:spcPts val="0"/>
-              </a:spcBef>
-              <a:spcAft>
-                <a:spcPts val="0"/>
-              </a:spcAft>
-              <a:buClrTx/>
-              <a:buSzTx/>
-              <a:buFontTx/>
-              <a:buNone/>
-              <a:tabLst/>
-              <a:defRPr/>
-            </a:pPr>
-            <a:r>
-              <a:rPr kumimoji="0" lang="en-US" sz="3600" b="1" i="0" u="none" strike="noStrike" kern="1200" cap="none" spc="-1" normalizeH="0" baseline="0" noProof="0" dirty="0">
-                <a:ln>
-                  <a:noFill/>
-                </a:ln>
-                <a:solidFill>
-                  <a:srgbClr val="FFC000"/>
-                </a:solidFill>
-                <a:effectLst/>
-                <a:uLnTx/>
-                <a:uFill>
-                  <a:solidFill>
-                    <a:srgbClr val="FFFFFF"/>
-                  </a:solidFill>
-                </a:uFill>
-                <a:latin typeface="Rockwell"/>
-              </a:rPr>
-              <a:t>Next Iteration</a:t>
-            </a:r>
-            <a:endParaRPr kumimoji="0" lang="en-US" sz="1800" b="0" i="0" u="none" strike="noStrike" kern="1200" cap="none" spc="-1" normalizeH="0" baseline="0" noProof="0" dirty="0">
-              <a:ln>
-                <a:noFill/>
-              </a:ln>
-              <a:solidFill>
-                <a:srgbClr val="000000"/>
-              </a:solidFill>
-              <a:effectLst/>
-              <a:uLnTx/>
-              <a:uFill>
-                <a:solidFill>
-                  <a:srgbClr val="FFFFFF"/>
-                </a:solidFill>
-              </a:uFill>
-              <a:latin typeface="Arial"/>
-            </a:endParaRPr>
-          </a:p>
-        </p:txBody>
-      </p:sp>
-      <p:sp>
-        <p:nvSpPr>
-          <p:cNvPr id="287" name="CustomShape 3"/>
-          <p:cNvSpPr/>
-          <p:nvPr/>
-        </p:nvSpPr>
-        <p:spPr>
-          <a:xfrm>
-            <a:off x="484200" y="1298520"/>
-            <a:ext cx="4519080" cy="474480"/>
-          </a:xfrm>
-          <a:prstGeom prst="rect">
-            <a:avLst/>
-          </a:prstGeom>
-          <a:noFill/>
-          <a:ln>
-            <a:noFill/>
-          </a:ln>
-        </p:spPr>
-        <p:style>
-          <a:lnRef idx="0">
-            <a:scrgbClr r="0" g="0" b="0"/>
-          </a:lnRef>
-          <a:fillRef idx="0">
-            <a:scrgbClr r="0" g="0" b="0"/>
-          </a:fillRef>
-          <a:effectRef idx="0">
-            <a:scrgbClr r="0" g="0" b="0"/>
-          </a:effectRef>
-          <a:fontRef idx="minor"/>
-        </p:style>
-        <p:txBody>
-          <a:bodyPr lIns="90000" tIns="45000" rIns="90000" bIns="45000" anchor="ctr"/>
-          <a:lstStyle/>
-          <a:p>
-            <a:pPr marL="0" marR="0" lvl="0" indent="0" algn="l" defTabSz="914400" rtl="0" eaLnBrk="1" fontAlgn="auto" latinLnBrk="0" hangingPunct="1">
-              <a:lnSpc>
-                <a:spcPts val="2032"/>
-              </a:lnSpc>
-              <a:spcBef>
-                <a:spcPts val="0"/>
-              </a:spcBef>
-              <a:spcAft>
-                <a:spcPts val="0"/>
-              </a:spcAft>
-              <a:buClrTx/>
-              <a:buSzTx/>
-              <a:buFontTx/>
-              <a:buNone/>
-              <a:tabLst/>
-              <a:defRPr/>
-            </a:pPr>
-            <a:endParaRPr kumimoji="0" lang="en-US" sz="1800" b="0" i="0" u="none" strike="noStrike" kern="1200" cap="none" spc="-1" normalizeH="0" baseline="0" noProof="0" dirty="0">
-              <a:ln>
-                <a:noFill/>
-              </a:ln>
-              <a:solidFill>
-                <a:srgbClr val="000000"/>
-              </a:solidFill>
-              <a:effectLst/>
-              <a:uLnTx/>
-              <a:uFill>
-                <a:solidFill>
-                  <a:srgbClr val="FFFFFF"/>
-                </a:solidFill>
-              </a:uFill>
-              <a:latin typeface="Arial"/>
-            </a:endParaRPr>
-          </a:p>
-        </p:txBody>
-      </p:sp>
-      <p:pic>
-        <p:nvPicPr>
-          <p:cNvPr id="288" name="27 Imagen"/>
-          <p:cNvPicPr/>
-          <p:nvPr/>
-        </p:nvPicPr>
-        <p:blipFill>
-          <a:blip r:embed="rId4"/>
-          <a:stretch/>
-        </p:blipFill>
-        <p:spPr>
-          <a:xfrm>
-            <a:off x="4167360" y="6170760"/>
-            <a:ext cx="363240" cy="302760"/>
-          </a:xfrm>
-          <a:prstGeom prst="rect">
-            <a:avLst/>
-          </a:prstGeom>
-          <a:ln>
-            <a:noFill/>
-          </a:ln>
-        </p:spPr>
-      </p:pic>
-      <p:pic>
-        <p:nvPicPr>
-          <p:cNvPr id="289" name="28 Imagen"/>
-          <p:cNvPicPr/>
-          <p:nvPr/>
-        </p:nvPicPr>
-        <p:blipFill>
-          <a:blip r:embed="rId4"/>
-          <a:stretch/>
-        </p:blipFill>
-        <p:spPr>
-          <a:xfrm>
-            <a:off x="4741920" y="6170760"/>
-            <a:ext cx="363240" cy="302760"/>
-          </a:xfrm>
-          <a:prstGeom prst="rect">
-            <a:avLst/>
-          </a:prstGeom>
-          <a:ln>
-            <a:noFill/>
-          </a:ln>
-        </p:spPr>
-      </p:pic>
-      <p:sp>
-        <p:nvSpPr>
-          <p:cNvPr id="290" name="CustomShape 4"/>
-          <p:cNvSpPr/>
-          <p:nvPr/>
-        </p:nvSpPr>
-        <p:spPr>
-          <a:xfrm>
-            <a:off x="4193640" y="6181560"/>
-            <a:ext cx="286200" cy="272880"/>
-          </a:xfrm>
-          <a:prstGeom prst="rect">
-            <a:avLst/>
-          </a:prstGeom>
-          <a:noFill/>
-          <a:ln>
-            <a:noFill/>
-          </a:ln>
-        </p:spPr>
-        <p:style>
-          <a:lnRef idx="0">
-            <a:scrgbClr r="0" g="0" b="0"/>
-          </a:lnRef>
-          <a:fillRef idx="0">
-            <a:scrgbClr r="0" g="0" b="0"/>
-          </a:fillRef>
-          <a:effectRef idx="0">
-            <a:scrgbClr r="0" g="0" b="0"/>
-          </a:effectRef>
-          <a:fontRef idx="minor"/>
-        </p:style>
-        <p:txBody>
-          <a:bodyPr wrap="none" lIns="90000" tIns="45000" rIns="90000" bIns="45000"/>
-          <a:lstStyle/>
-          <a:p>
-            <a:pPr marL="0" marR="0" lvl="0" indent="0" algn="l" defTabSz="914400" rtl="0" eaLnBrk="1" fontAlgn="auto" latinLnBrk="0" hangingPunct="1">
+            <a:pPr algn="just">
               <a:lnSpc>
                 <a:spcPct val="100000"/>
               </a:lnSpc>
-              <a:spcBef>
-                <a:spcPts val="0"/>
-              </a:spcBef>
-              <a:spcAft>
-                <a:spcPts val="0"/>
-              </a:spcAft>
-              <a:buClrTx/>
-              <a:buSzTx/>
-              <a:buFontTx/>
-              <a:buNone/>
-              <a:tabLst/>
-              <a:defRPr/>
+              <a:buClr>
+                <a:srgbClr val="808080"/>
+              </a:buClr>
+              <a:buSzPct val="45000"/>
             </a:pPr>
             <a:r>
-              <a:rPr kumimoji="0" lang="en-US" sz="1200" b="1" i="0" u="none" strike="noStrike" kern="1200" cap="none" spc="-1" normalizeH="0" baseline="0" noProof="0">
-                <a:ln>
-                  <a:noFill/>
-                </a:ln>
-                <a:solidFill>
-                  <a:srgbClr val="FFC000"/>
-                </a:solidFill>
-                <a:effectLst/>
-                <a:uLnTx/>
+              <a:rPr lang="en-US" spc="-1" dirty="0">
+                <a:solidFill>
+                  <a:srgbClr val="808080"/>
+                </a:solidFill>
                 <a:uFill>
                   <a:solidFill>
                     <a:srgbClr val="FFFFFF"/>
@@ -15930,89 +11667,26 @@
                 </a:uFill>
                 <a:latin typeface="Calibri"/>
               </a:rPr>
-              <a:t>8</a:t>
+              <a:t>Good</a:t>
             </a:r>
-            <a:endParaRPr kumimoji="0" lang="en-US" sz="1800" b="0" i="0" u="none" strike="noStrike" kern="1200" cap="none" spc="-1" normalizeH="0" baseline="0" noProof="0">
-              <a:ln>
-                <a:noFill/>
-              </a:ln>
-              <a:solidFill>
-                <a:srgbClr val="000000"/>
-              </a:solidFill>
-              <a:effectLst/>
-              <a:uLnTx/>
-              <a:uFill>
-                <a:solidFill>
-                  <a:srgbClr val="FFFFFF"/>
-                </a:solidFill>
-              </a:uFill>
-              <a:latin typeface="Arial"/>
-            </a:endParaRPr>
-          </a:p>
-        </p:txBody>
-      </p:sp>
-      <p:sp>
-        <p:nvSpPr>
-          <p:cNvPr id="291" name="CustomShape 5"/>
-          <p:cNvSpPr/>
-          <p:nvPr/>
-        </p:nvSpPr>
-        <p:spPr>
-          <a:xfrm>
-            <a:off x="4449240" y="6181560"/>
-            <a:ext cx="351720" cy="272880"/>
-          </a:xfrm>
-          <a:prstGeom prst="rect">
-            <a:avLst/>
-          </a:prstGeom>
-          <a:noFill/>
-          <a:ln>
-            <a:noFill/>
-          </a:ln>
-        </p:spPr>
-        <p:style>
-          <a:lnRef idx="0">
-            <a:scrgbClr r="0" g="0" b="0"/>
-          </a:lnRef>
-          <a:fillRef idx="0">
-            <a:scrgbClr r="0" g="0" b="0"/>
-          </a:fillRef>
-          <a:effectRef idx="0">
-            <a:scrgbClr r="0" g="0" b="0"/>
-          </a:effectRef>
-          <a:fontRef idx="minor"/>
-        </p:style>
-        <p:txBody>
-          <a:bodyPr wrap="none" lIns="90000" tIns="45000" rIns="90000" bIns="45000"/>
-          <a:lstStyle/>
-          <a:p>
-            <a:pPr marL="0" marR="0" lvl="0" indent="0" algn="l" defTabSz="914400" rtl="0" eaLnBrk="1" fontAlgn="auto" latinLnBrk="0" hangingPunct="1">
+          </a:p>
+          <a:p>
+            <a:pPr marL="216000" indent="-216000" algn="just">
               <a:lnSpc>
                 <a:spcPct val="100000"/>
               </a:lnSpc>
-              <a:spcBef>
-                <a:spcPts val="0"/>
-              </a:spcBef>
-              <a:spcAft>
-                <a:spcPts val="0"/>
-              </a:spcAft>
-              <a:buClrTx/>
-              <a:buSzTx/>
-              <a:buFontTx/>
-              <a:buNone/>
-              <a:tabLst/>
-              <a:defRPr/>
+              <a:buClr>
+                <a:srgbClr val="808080"/>
+              </a:buClr>
+              <a:buSzPct val="45000"/>
+              <a:buFont typeface="Wingdings" charset="2"/>
+              <a:buChar char=""/>
             </a:pPr>
             <a:r>
-              <a:rPr kumimoji="0" lang="en-US" sz="1200" b="1" i="1" u="none" strike="noStrike" kern="1200" cap="none" spc="-1" normalizeH="0" baseline="0" noProof="0">
-                <a:ln>
-                  <a:noFill/>
-                </a:ln>
-                <a:solidFill>
-                  <a:srgbClr val="A6A6A6"/>
-                </a:solidFill>
-                <a:effectLst/>
-                <a:uLnTx/>
+              <a:rPr lang="en-US" spc="-1" dirty="0">
+                <a:solidFill>
+                  <a:srgbClr val="808080"/>
+                </a:solidFill>
                 <a:uFill>
                   <a:solidFill>
                     <a:srgbClr val="FFFFFF"/>
@@ -16020,89 +11694,26 @@
                 </a:uFill>
                 <a:latin typeface="Calibri"/>
               </a:rPr>
-              <a:t>of</a:t>
+              <a:t>From Maven to Gradle</a:t>
             </a:r>
-            <a:endParaRPr kumimoji="0" lang="en-US" sz="1800" b="0" i="0" u="none" strike="noStrike" kern="1200" cap="none" spc="-1" normalizeH="0" baseline="0" noProof="0">
-              <a:ln>
-                <a:noFill/>
-              </a:ln>
-              <a:solidFill>
-                <a:srgbClr val="000000"/>
-              </a:solidFill>
-              <a:effectLst/>
-              <a:uLnTx/>
-              <a:uFill>
-                <a:solidFill>
-                  <a:srgbClr val="FFFFFF"/>
-                </a:solidFill>
-              </a:uFill>
-              <a:latin typeface="Arial"/>
-            </a:endParaRPr>
-          </a:p>
-        </p:txBody>
-      </p:sp>
-      <p:sp>
-        <p:nvSpPr>
-          <p:cNvPr id="292" name="CustomShape 6"/>
-          <p:cNvSpPr/>
-          <p:nvPr/>
-        </p:nvSpPr>
-        <p:spPr>
-          <a:xfrm>
-            <a:off x="4776480" y="6181560"/>
-            <a:ext cx="286200" cy="272880"/>
-          </a:xfrm>
-          <a:prstGeom prst="rect">
-            <a:avLst/>
-          </a:prstGeom>
-          <a:noFill/>
-          <a:ln>
-            <a:noFill/>
-          </a:ln>
-        </p:spPr>
-        <p:style>
-          <a:lnRef idx="0">
-            <a:scrgbClr r="0" g="0" b="0"/>
-          </a:lnRef>
-          <a:fillRef idx="0">
-            <a:scrgbClr r="0" g="0" b="0"/>
-          </a:fillRef>
-          <a:effectRef idx="0">
-            <a:scrgbClr r="0" g="0" b="0"/>
-          </a:effectRef>
-          <a:fontRef idx="minor"/>
-        </p:style>
-        <p:txBody>
-          <a:bodyPr wrap="none" lIns="90000" tIns="45000" rIns="90000" bIns="45000"/>
-          <a:lstStyle/>
-          <a:p>
-            <a:pPr marL="0" marR="0" lvl="0" indent="0" algn="l" defTabSz="914400" rtl="0" eaLnBrk="1" fontAlgn="auto" latinLnBrk="0" hangingPunct="1">
+          </a:p>
+          <a:p>
+            <a:pPr marL="216000" indent="-216000" algn="just">
               <a:lnSpc>
                 <a:spcPct val="100000"/>
               </a:lnSpc>
-              <a:spcBef>
-                <a:spcPts val="0"/>
-              </a:spcBef>
-              <a:spcAft>
-                <a:spcPts val="0"/>
-              </a:spcAft>
-              <a:buClrTx/>
-              <a:buSzTx/>
-              <a:buFontTx/>
-              <a:buNone/>
-              <a:tabLst/>
-              <a:defRPr/>
+              <a:buClr>
+                <a:srgbClr val="808080"/>
+              </a:buClr>
+              <a:buSzPct val="45000"/>
+              <a:buFont typeface="Wingdings" charset="2"/>
+              <a:buChar char=""/>
             </a:pPr>
             <a:r>
-              <a:rPr kumimoji="0" lang="en-US" sz="1200" b="1" i="0" u="none" strike="noStrike" kern="1200" cap="none" spc="-1" normalizeH="0" baseline="0" noProof="0">
-                <a:ln>
-                  <a:noFill/>
-                </a:ln>
+              <a:rPr lang="en-US" spc="-1" dirty="0">
                 <a:solidFill>
                   <a:srgbClr val="808080"/>
                 </a:solidFill>
-                <a:effectLst/>
-                <a:uLnTx/>
                 <a:uFill>
                   <a:solidFill>
                     <a:srgbClr val="FFFFFF"/>
@@ -16110,220 +11721,23 @@
                 </a:uFill>
                 <a:latin typeface="Calibri"/>
               </a:rPr>
-              <a:t>8</a:t>
+              <a:t>Continuous Integration</a:t>
             </a:r>
-            <a:endParaRPr kumimoji="0" lang="en-US" sz="1800" b="0" i="0" u="none" strike="noStrike" kern="1200" cap="none" spc="-1" normalizeH="0" baseline="0" noProof="0">
-              <a:ln>
-                <a:noFill/>
-              </a:ln>
-              <a:solidFill>
-                <a:srgbClr val="000000"/>
-              </a:solidFill>
-              <a:effectLst/>
-              <a:uLnTx/>
-              <a:uFill>
-                <a:solidFill>
-                  <a:srgbClr val="FFFFFF"/>
-                </a:solidFill>
-              </a:uFill>
-              <a:latin typeface="Arial"/>
-            </a:endParaRPr>
-          </a:p>
-        </p:txBody>
-      </p:sp>
-      <p:pic>
-        <p:nvPicPr>
-          <p:cNvPr id="293" name="Imagen 5"/>
-          <p:cNvPicPr/>
-          <p:nvPr/>
-        </p:nvPicPr>
-        <p:blipFill>
-          <a:blip r:embed="rId5"/>
-          <a:stretch/>
-        </p:blipFill>
-        <p:spPr>
-          <a:xfrm>
-            <a:off x="5127480" y="5983200"/>
-            <a:ext cx="763200" cy="720360"/>
-          </a:xfrm>
-          <a:prstGeom prst="rect">
-            <a:avLst/>
-          </a:prstGeom>
-          <a:ln>
-            <a:noFill/>
-          </a:ln>
-        </p:spPr>
-      </p:pic>
-      <p:pic>
-        <p:nvPicPr>
-          <p:cNvPr id="294" name="Imagen 6"/>
-          <p:cNvPicPr/>
-          <p:nvPr/>
-        </p:nvPicPr>
-        <p:blipFill>
-          <a:blip r:embed="rId6"/>
-          <a:stretch/>
-        </p:blipFill>
-        <p:spPr>
-          <a:xfrm>
-            <a:off x="3933720" y="6251400"/>
-            <a:ext cx="175680" cy="175680"/>
-          </a:xfrm>
-          <a:prstGeom prst="rect">
-            <a:avLst/>
-          </a:prstGeom>
-          <a:ln>
-            <a:noFill/>
-          </a:ln>
-        </p:spPr>
-      </p:pic>
-      <p:pic>
-        <p:nvPicPr>
-          <p:cNvPr id="295" name="Imagen 5"/>
-          <p:cNvPicPr/>
-          <p:nvPr/>
-        </p:nvPicPr>
-        <p:blipFill>
-          <a:blip r:embed="rId7"/>
-          <a:stretch/>
-        </p:blipFill>
-        <p:spPr>
-          <a:xfrm>
-            <a:off x="1649520" y="5756400"/>
-            <a:ext cx="1193400" cy="1128240"/>
-          </a:xfrm>
-          <a:prstGeom prst="rect">
-            <a:avLst/>
-          </a:prstGeom>
-          <a:ln>
-            <a:noFill/>
-          </a:ln>
-        </p:spPr>
-      </p:pic>
-      <p:sp>
-        <p:nvSpPr>
-          <p:cNvPr id="296" name="Line 7"/>
-          <p:cNvSpPr/>
-          <p:nvPr/>
-        </p:nvSpPr>
-        <p:spPr>
-          <a:xfrm>
-            <a:off x="4427280" y="1873080"/>
-            <a:ext cx="360" cy="3716280"/>
-          </a:xfrm>
-          <a:prstGeom prst="line">
-            <a:avLst/>
-          </a:prstGeom>
-          <a:ln w="9360">
-            <a:solidFill>
-              <a:srgbClr val="D9D9D9"/>
-            </a:solidFill>
-            <a:round/>
-          </a:ln>
-        </p:spPr>
-        <p:style>
-          <a:lnRef idx="0">
-            <a:scrgbClr r="0" g="0" b="0"/>
-          </a:lnRef>
-          <a:fillRef idx="0">
-            <a:scrgbClr r="0" g="0" b="0"/>
-          </a:fillRef>
-          <a:effectRef idx="0">
-            <a:scrgbClr r="0" g="0" b="0"/>
-          </a:effectRef>
-          <a:fontRef idx="minor"/>
-        </p:style>
-      </p:sp>
-      <p:sp>
-        <p:nvSpPr>
-          <p:cNvPr id="297" name="Line 8"/>
-          <p:cNvSpPr/>
-          <p:nvPr/>
-        </p:nvSpPr>
-        <p:spPr>
-          <a:xfrm>
-            <a:off x="4421160" y="1873080"/>
-            <a:ext cx="360" cy="3716280"/>
-          </a:xfrm>
-          <a:prstGeom prst="line">
-            <a:avLst/>
-          </a:prstGeom>
-          <a:ln w="9360">
-            <a:solidFill>
-              <a:srgbClr val="FFFFFF"/>
-            </a:solidFill>
-            <a:round/>
-          </a:ln>
-        </p:spPr>
-        <p:style>
-          <a:lnRef idx="0">
-            <a:scrgbClr r="0" g="0" b="0"/>
-          </a:lnRef>
-          <a:fillRef idx="0">
-            <a:scrgbClr r="0" g="0" b="0"/>
-          </a:fillRef>
-          <a:effectRef idx="0">
-            <a:scrgbClr r="0" g="0" b="0"/>
-          </a:effectRef>
-          <a:fontRef idx="minor"/>
-        </p:style>
-      </p:sp>
-      <p:sp>
-        <p:nvSpPr>
-          <p:cNvPr id="298" name="CustomShape 9"/>
-          <p:cNvSpPr/>
-          <p:nvPr/>
-        </p:nvSpPr>
-        <p:spPr>
-          <a:xfrm>
-            <a:off x="477720" y="1979640"/>
-            <a:ext cx="3553920" cy="1512360"/>
-          </a:xfrm>
-          <a:prstGeom prst="rect">
-            <a:avLst/>
-          </a:prstGeom>
-          <a:noFill/>
-          <a:ln>
-            <a:noFill/>
-          </a:ln>
-        </p:spPr>
-        <p:style>
-          <a:lnRef idx="0">
-            <a:scrgbClr r="0" g="0" b="0"/>
-          </a:lnRef>
-          <a:fillRef idx="0">
-            <a:scrgbClr r="0" g="0" b="0"/>
-          </a:fillRef>
-          <a:effectRef idx="0">
-            <a:scrgbClr r="0" g="0" b="0"/>
-          </a:effectRef>
-          <a:fontRef idx="minor"/>
-        </p:style>
-        <p:txBody>
-          <a:bodyPr lIns="90000" tIns="45000" rIns="90000" bIns="45000"/>
-          <a:lstStyle/>
-          <a:p>
-            <a:pPr marL="216000" marR="0" lvl="0" indent="-216000" algn="just" defTabSz="914400" rtl="0" eaLnBrk="1" fontAlgn="auto" latinLnBrk="0" hangingPunct="1">
+          </a:p>
+          <a:p>
+            <a:pPr marL="216000" indent="-216000" algn="just">
               <a:lnSpc>
-                <a:spcPct val="120000"/>
+                <a:spcPct val="100000"/>
               </a:lnSpc>
-              <a:spcBef>
-                <a:spcPts val="0"/>
-              </a:spcBef>
-              <a:spcAft>
-                <a:spcPts val="0"/>
-              </a:spcAft>
               <a:buClr>
                 <a:srgbClr val="808080"/>
               </a:buClr>
               <a:buSzPct val="45000"/>
               <a:buFont typeface="Wingdings" charset="2"/>
               <a:buChar char=""/>
-              <a:tabLst/>
-              <a:defRPr/>
             </a:pPr>
             <a:r>
-              <a:rPr lang="en-US" sz="1200" spc="-1" noProof="0" dirty="0">
+              <a:rPr lang="en-US" spc="-1" dirty="0">
                 <a:solidFill>
                   <a:srgbClr val="808080"/>
                 </a:solidFill>
@@ -16334,39 +11748,48 @@
                 </a:uFill>
                 <a:latin typeface="Calibri"/>
               </a:rPr>
-              <a:t>Get better at the tools we are using</a:t>
+              <a:t>Improved use of issues</a:t>
             </a:r>
           </a:p>
           <a:p>
-            <a:pPr marL="216000" marR="0" lvl="0" indent="-216000" algn="just" defTabSz="914400" rtl="0" eaLnBrk="1" fontAlgn="auto" latinLnBrk="0" hangingPunct="1">
+            <a:pPr marL="216000" indent="-216000" algn="just">
               <a:lnSpc>
-                <a:spcPct val="120000"/>
+                <a:spcPct val="100000"/>
               </a:lnSpc>
-              <a:spcBef>
-                <a:spcPts val="0"/>
-              </a:spcBef>
-              <a:spcAft>
-                <a:spcPts val="0"/>
-              </a:spcAft>
               <a:buClr>
                 <a:srgbClr val="808080"/>
               </a:buClr>
               <a:buSzPct val="45000"/>
               <a:buFont typeface="Wingdings" charset="2"/>
               <a:buChar char=""/>
-              <a:tabLst/>
-              <a:defRPr/>
+            </a:pPr>
+            <a:endParaRPr lang="en-US" spc="-1" dirty="0">
+              <a:solidFill>
+                <a:srgbClr val="808080"/>
+              </a:solidFill>
+              <a:uFill>
+                <a:solidFill>
+                  <a:srgbClr val="FFFFFF"/>
+                </a:solidFill>
+              </a:uFill>
+              <a:latin typeface="Calibri"/>
+            </a:endParaRPr>
+          </a:p>
+          <a:p>
+            <a:pPr algn="just">
+              <a:lnSpc>
+                <a:spcPct val="100000"/>
+              </a:lnSpc>
+              <a:buClr>
+                <a:srgbClr val="808080"/>
+              </a:buClr>
+              <a:buSzPct val="45000"/>
             </a:pPr>
             <a:r>
-              <a:rPr kumimoji="0" lang="en-US" sz="1200" b="0" i="0" u="none" strike="noStrike" kern="1200" cap="none" spc="-1" normalizeH="0" baseline="0" dirty="0">
-                <a:ln>
-                  <a:noFill/>
-                </a:ln>
+              <a:rPr lang="en-US" spc="-1" dirty="0">
                 <a:solidFill>
                   <a:srgbClr val="808080"/>
                 </a:solidFill>
-                <a:effectLst/>
-                <a:uLnTx/>
                 <a:uFill>
                   <a:solidFill>
                     <a:srgbClr val="FFFFFF"/>
@@ -16374,18 +11797,26 @@
                 </a:uFill>
                 <a:latin typeface="Calibri"/>
               </a:rPr>
-              <a:t>Shift away from role-based</a:t>
+              <a:t>Bad</a:t>
             </a:r>
+          </a:p>
+          <a:p>
+            <a:pPr marL="216000" indent="-216000" algn="just">
+              <a:lnSpc>
+                <a:spcPct val="100000"/>
+              </a:lnSpc>
+              <a:buClr>
+                <a:srgbClr val="808080"/>
+              </a:buClr>
+              <a:buSzPct val="45000"/>
+              <a:buFont typeface="Wingdings" charset="2"/>
+              <a:buChar char=""/>
+            </a:pPr>
             <a:r>
-              <a:rPr kumimoji="0" lang="en-US" sz="1200" b="0" i="0" u="none" strike="noStrike" kern="1200" cap="none" spc="-1" normalizeH="0" dirty="0">
-                <a:ln>
-                  <a:noFill/>
-                </a:ln>
+              <a:rPr lang="en-US" spc="-1" dirty="0">
                 <a:solidFill>
                   <a:srgbClr val="808080"/>
                 </a:solidFill>
-                <a:effectLst/>
-                <a:uLnTx/>
                 <a:uFill>
                   <a:solidFill>
                     <a:srgbClr val="FFFFFF"/>
@@ -16393,54 +11824,96 @@
                 </a:uFill>
                 <a:latin typeface="Calibri"/>
               </a:rPr>
-              <a:t> system</a:t>
+              <a:t>UI competence and frontend shift</a:t>
             </a:r>
-            <a:endParaRPr kumimoji="0" lang="en-US" sz="1800" b="0" i="0" u="none" strike="noStrike" kern="1200" cap="none" spc="-1" normalizeH="0" baseline="0" noProof="0" dirty="0">
-              <a:ln>
-                <a:noFill/>
-              </a:ln>
-              <a:solidFill>
-                <a:srgbClr val="000000"/>
-              </a:solidFill>
-              <a:effectLst/>
-              <a:uLnTx/>
-              <a:uFill>
-                <a:solidFill>
-                  <a:srgbClr val="FFFFFF"/>
-                </a:solidFill>
-              </a:uFill>
-              <a:latin typeface="Arial"/>
-            </a:endParaRPr>
+          </a:p>
+          <a:p>
+            <a:pPr marL="216000" indent="-216000" algn="just">
+              <a:lnSpc>
+                <a:spcPct val="100000"/>
+              </a:lnSpc>
+              <a:buClr>
+                <a:srgbClr val="808080"/>
+              </a:buClr>
+              <a:buSzPct val="45000"/>
+              <a:buFont typeface="Wingdings" charset="2"/>
+              <a:buChar char=""/>
+            </a:pPr>
+            <a:r>
+              <a:rPr lang="en-US" spc="-1" dirty="0">
+                <a:solidFill>
+                  <a:srgbClr val="808080"/>
+                </a:solidFill>
+                <a:uFill>
+                  <a:solidFill>
+                    <a:srgbClr val="FFFFFF"/>
+                  </a:solidFill>
+                </a:uFill>
+                <a:latin typeface="Calibri"/>
+              </a:rPr>
+              <a:t>Role entrenchment in general</a:t>
+            </a:r>
+          </a:p>
+          <a:p>
+            <a:pPr marL="216000" indent="-216000" algn="just">
+              <a:lnSpc>
+                <a:spcPct val="100000"/>
+              </a:lnSpc>
+              <a:buClr>
+                <a:srgbClr val="808080"/>
+              </a:buClr>
+              <a:buSzPct val="45000"/>
+              <a:buFont typeface="Wingdings" charset="2"/>
+              <a:buChar char=""/>
+            </a:pPr>
+            <a:r>
+              <a:rPr lang="en-US" spc="-1" dirty="0">
+                <a:solidFill>
+                  <a:srgbClr val="808080"/>
+                </a:solidFill>
+                <a:uFill>
+                  <a:solidFill>
+                    <a:srgbClr val="FFFFFF"/>
+                  </a:solidFill>
+                </a:uFill>
+                <a:latin typeface="Calibri"/>
+              </a:rPr>
+              <a:t>Bad scheduling</a:t>
+            </a:r>
+          </a:p>
+          <a:p>
+            <a:pPr marL="216000" indent="-216000" algn="just">
+              <a:lnSpc>
+                <a:spcPct val="100000"/>
+              </a:lnSpc>
+              <a:buClr>
+                <a:srgbClr val="808080"/>
+              </a:buClr>
+              <a:buSzPct val="45000"/>
+              <a:buFont typeface="Wingdings" charset="2"/>
+              <a:buChar char=""/>
+            </a:pPr>
+            <a:r>
+              <a:rPr lang="en-US" spc="-1" dirty="0">
+                <a:solidFill>
+                  <a:srgbClr val="808080"/>
+                </a:solidFill>
+                <a:uFill>
+                  <a:solidFill>
+                    <a:srgbClr val="FFFFFF"/>
+                  </a:solidFill>
+                </a:uFill>
+                <a:latin typeface="Calibri"/>
+              </a:rPr>
+              <a:t>Test neglection</a:t>
+            </a:r>
           </a:p>
         </p:txBody>
       </p:sp>
-      <p:pic>
-        <p:nvPicPr>
-          <p:cNvPr id="299" name="Imagen 6"/>
-          <p:cNvPicPr/>
-          <p:nvPr/>
-        </p:nvPicPr>
-        <p:blipFill>
-          <a:blip r:embed="rId8"/>
-          <a:stretch/>
-        </p:blipFill>
-        <p:spPr>
-          <a:xfrm>
-            <a:off x="5124600" y="6251400"/>
-            <a:ext cx="177480" cy="175680"/>
-          </a:xfrm>
-          <a:prstGeom prst="rect">
-            <a:avLst/>
-          </a:prstGeom>
-          <a:ln>
-            <a:noFill/>
-          </a:ln>
-        </p:spPr>
-      </p:pic>
     </p:spTree>
     <p:extLst>
       <p:ext uri="{BB962C8B-B14F-4D97-AF65-F5344CB8AC3E}">
-        <p14:creationId xmlns:p14="http://schemas.microsoft.com/office/powerpoint/2010/main" val="828667984"/>
+        <p14:creationId xmlns:p14="http://schemas.microsoft.com/office/powerpoint/2010/main" val="3468885975"/>
       </p:ext>
     </p:extLst>
   </p:cSld>
@@ -16452,23 +11925,26 @@
       <p:par>
         <p:cTn id="1" dur="indefinite" restart="never" nodeType="tmRoot">
           <p:childTnLst>
-            <p:seq>
-              <p:cTn id="2" nodeType="mainSeq">
+            <p:seq concurrent="1" nextAc="seek">
+              <p:cTn id="2" dur="indefinite" nodeType="mainSeq">
                 <p:childTnLst>
                   <p:par>
-                    <p:cTn id="3" fill="freeze">
+                    <p:cTn id="3" fill="hold" nodeType="clickPar">
                       <p:stCondLst>
-                        <p:cond delay="0"/>
+                        <p:cond delay="indefinite"/>
+                        <p:cond evt="onBegin" delay="0">
+                          <p:tn val="2"/>
+                        </p:cond>
                       </p:stCondLst>
                       <p:childTnLst>
                         <p:par>
-                          <p:cTn id="4" fill="freeze">
+                          <p:cTn id="4" fill="hold" nodeType="withGroup">
                             <p:stCondLst>
                               <p:cond delay="0"/>
                             </p:stCondLst>
                             <p:childTnLst>
                               <p:par>
-                                <p:cTn id="5" presetID="29" presetClass="entr" fill="hold" nodeType="withEffect">
+                                <p:cTn id="5" presetID="29" presetClass="entr" presetSubtype="0" fill="hold" grpId="0" nodeType="withEffect">
                                   <p:stCondLst>
                                     <p:cond delay="0"/>
                                   </p:stCondLst>
@@ -16481,7 +11957,7 @@
                                           </p:stCondLst>
                                         </p:cTn>
                                         <p:tgtEl>
-                                          <p:spTgt spid="286"/>
+                                          <p:spTgt spid="20"/>
                                         </p:tgtEl>
                                         <p:attrNameLst>
                                           <p:attrName>style.visibility</p:attrName>
@@ -16492,10 +11968,10 @@
                                       </p:to>
                                     </p:set>
                                     <p:anim calcmode="lin" valueType="num">
-                                      <p:cBhvr additive="repl">
+                                      <p:cBhvr>
                                         <p:cTn id="7" dur="1000" fill="hold"/>
                                         <p:tgtEl>
-                                          <p:spTgt spid="286"/>
+                                          <p:spTgt spid="20"/>
                                         </p:tgtEl>
                                         <p:attrNameLst>
                                           <p:attrName>ppt_x</p:attrName>
@@ -16515,10 +11991,10 @@
                                       </p:tavLst>
                                     </p:anim>
                                     <p:anim calcmode="lin" valueType="num">
-                                      <p:cBhvr additive="repl">
+                                      <p:cBhvr>
                                         <p:cTn id="8" dur="1000" fill="hold"/>
                                         <p:tgtEl>
-                                          <p:spTgt spid="286"/>
+                                          <p:spTgt spid="20"/>
                                         </p:tgtEl>
                                         <p:attrNameLst>
                                           <p:attrName>ppt_y</p:attrName>
@@ -16537,11 +12013,11 @@
                                         </p:tav>
                                       </p:tavLst>
                                     </p:anim>
-                                    <p:animEffect transition="out" filter="wipe(right)">
-                                      <p:cBhvr additive="repl">
+                                    <p:animEffect transition="in" filter="wipe(right)" prLst="gradientSize: 0.1">
+                                      <p:cBhvr>
                                         <p:cTn id="9" dur="1000"/>
                                         <p:tgtEl>
-                                          <p:spTgt spid="286"/>
+                                          <p:spTgt spid="20"/>
                                         </p:tgtEl>
                                       </p:cBhvr>
                                     </p:animEffect>
@@ -16549,7 +12025,7 @@
                                 </p:cTn>
                               </p:par>
                               <p:par>
-                                <p:cTn id="10" presetID="29" presetClass="entr" fill="hold" nodeType="withEffect">
+                                <p:cTn id="10" presetID="29" presetClass="entr" presetSubtype="0" fill="hold" grpId="0" nodeType="withEffect">
                                   <p:stCondLst>
                                     <p:cond delay="0"/>
                                   </p:stCondLst>
@@ -16562,7 +12038,7 @@
                                           </p:stCondLst>
                                         </p:cTn>
                                         <p:tgtEl>
-                                          <p:spTgt spid="285"/>
+                                          <p:spTgt spid="7"/>
                                         </p:tgtEl>
                                         <p:attrNameLst>
                                           <p:attrName>style.visibility</p:attrName>
@@ -16573,10 +12049,10 @@
                                       </p:to>
                                     </p:set>
                                     <p:anim calcmode="lin" valueType="num">
-                                      <p:cBhvr additive="repl">
+                                      <p:cBhvr>
                                         <p:cTn id="12" dur="1000" fill="hold"/>
                                         <p:tgtEl>
-                                          <p:spTgt spid="285"/>
+                                          <p:spTgt spid="7"/>
                                         </p:tgtEl>
                                         <p:attrNameLst>
                                           <p:attrName>ppt_x</p:attrName>
@@ -16596,10 +12072,10 @@
                                       </p:tavLst>
                                     </p:anim>
                                     <p:anim calcmode="lin" valueType="num">
-                                      <p:cBhvr additive="repl">
+                                      <p:cBhvr>
                                         <p:cTn id="13" dur="1000" fill="hold"/>
                                         <p:tgtEl>
-                                          <p:spTgt spid="285"/>
+                                          <p:spTgt spid="7"/>
                                         </p:tgtEl>
                                         <p:attrNameLst>
                                           <p:attrName>ppt_y</p:attrName>
@@ -16618,41 +12094,147 @@
                                         </p:tav>
                                       </p:tavLst>
                                     </p:anim>
-                                    <p:animEffect transition="out" filter="wipe(right)">
-                                      <p:cBhvr additive="repl">
+                                    <p:animEffect transition="in" filter="wipe(right)" prLst="gradientSize: 0.1">
+                                      <p:cBhvr>
                                         <p:cTn id="14" dur="1000"/>
                                         <p:tgtEl>
-                                          <p:spTgt spid="285"/>
+                                          <p:spTgt spid="7"/>
                                         </p:tgtEl>
                                       </p:cBhvr>
                                     </p:animEffect>
                                   </p:childTnLst>
                                 </p:cTn>
                               </p:par>
-                            </p:childTnLst>
-                          </p:cTn>
-                        </p:par>
-                        <p:par>
-                          <p:cTn id="15" fill="freeze">
-                            <p:stCondLst>
-                              <p:cond delay="1000"/>
-                            </p:stCondLst>
-                            <p:childTnLst>
                               <p:par>
-                                <p:cTn id="16" presetID="10" presetClass="entr" fill="hold" nodeType="afterEffect">
+                                <p:cTn id="15" presetID="10" presetClass="entr" presetSubtype="0" fill="hold" grpId="0" nodeType="withEffect">
                                   <p:stCondLst>
                                     <p:cond delay="0"/>
                                   </p:stCondLst>
                                   <p:childTnLst>
                                     <p:set>
                                       <p:cBhvr>
-                                        <p:cTn id="17" dur="1" fill="hold">
+                                        <p:cTn id="16" dur="1" fill="hold">
                                           <p:stCondLst>
                                             <p:cond delay="0"/>
                                           </p:stCondLst>
                                         </p:cTn>
                                         <p:tgtEl>
-                                          <p:spTgt spid="287"/>
+                                          <p:spTgt spid="24"/>
+                                        </p:tgtEl>
+                                        <p:attrNameLst>
+                                          <p:attrName>style.visibility</p:attrName>
+                                        </p:attrNameLst>
+                                      </p:cBhvr>
+                                      <p:to>
+                                        <p:strVal val="visible"/>
+                                      </p:to>
+                                    </p:set>
+                                    <p:animEffect transition="in" filter="fade">
+                                      <p:cBhvr>
+                                        <p:cTn id="17" dur="2000"/>
+                                        <p:tgtEl>
+                                          <p:spTgt spid="24"/>
+                                        </p:tgtEl>
+                                      </p:cBhvr>
+                                    </p:animEffect>
+                                  </p:childTnLst>
+                                </p:cTn>
+                              </p:par>
+                              <p:par>
+                                <p:cTn id="18" presetID="10" presetClass="entr" presetSubtype="0" fill="hold" grpId="0" nodeType="withEffect" nodePh="1">
+                                  <p:stCondLst>
+                                    <p:cond delay="0"/>
+                                  </p:stCondLst>
+                                  <p:endCondLst>
+                                    <p:cond evt="begin" delay="0">
+                                      <p:tn val="18"/>
+                                    </p:cond>
+                                  </p:endCondLst>
+                                  <p:childTnLst>
+                                    <p:set>
+                                      <p:cBhvr>
+                                        <p:cTn id="19" dur="1" fill="hold">
+                                          <p:stCondLst>
+                                            <p:cond delay="0"/>
+                                          </p:stCondLst>
+                                        </p:cTn>
+                                        <p:tgtEl>
+                                          <p:spTgt spid="26"/>
+                                        </p:tgtEl>
+                                        <p:attrNameLst>
+                                          <p:attrName>style.visibility</p:attrName>
+                                        </p:attrNameLst>
+                                      </p:cBhvr>
+                                      <p:to>
+                                        <p:strVal val="visible"/>
+                                      </p:to>
+                                    </p:set>
+                                    <p:animEffect transition="in" filter="fade">
+                                      <p:cBhvr>
+                                        <p:cTn id="20" dur="2000"/>
+                                        <p:tgtEl>
+                                          <p:spTgt spid="26"/>
+                                        </p:tgtEl>
+                                      </p:cBhvr>
+                                    </p:animEffect>
+                                  </p:childTnLst>
+                                </p:cTn>
+                              </p:par>
+                              <p:par>
+                                <p:cTn id="21" presetID="10" presetClass="entr" presetSubtype="0" fill="hold" grpId="0" nodeType="withEffect" nodePh="1">
+                                  <p:stCondLst>
+                                    <p:cond delay="0"/>
+                                  </p:stCondLst>
+                                  <p:endCondLst>
+                                    <p:cond evt="begin" delay="0">
+                                      <p:tn val="21"/>
+                                    </p:cond>
+                                  </p:endCondLst>
+                                  <p:childTnLst>
+                                    <p:set>
+                                      <p:cBhvr>
+                                        <p:cTn id="22" dur="1" fill="hold">
+                                          <p:stCondLst>
+                                            <p:cond delay="0"/>
+                                          </p:stCondLst>
+                                        </p:cTn>
+                                        <p:tgtEl>
+                                          <p:spTgt spid="27"/>
+                                        </p:tgtEl>
+                                        <p:attrNameLst>
+                                          <p:attrName>style.visibility</p:attrName>
+                                        </p:attrNameLst>
+                                      </p:cBhvr>
+                                      <p:to>
+                                        <p:strVal val="visible"/>
+                                      </p:to>
+                                    </p:set>
+                                    <p:animEffect transition="in" filter="fade">
+                                      <p:cBhvr>
+                                        <p:cTn id="23" dur="2000"/>
+                                        <p:tgtEl>
+                                          <p:spTgt spid="27"/>
+                                        </p:tgtEl>
+                                      </p:cBhvr>
+                                    </p:animEffect>
+                                  </p:childTnLst>
+                                </p:cTn>
+                              </p:par>
+                              <p:par>
+                                <p:cTn id="24" presetID="10" presetClass="entr" fill="hold" nodeType="withEffect">
+                                  <p:stCondLst>
+                                    <p:cond delay="0"/>
+                                  </p:stCondLst>
+                                  <p:childTnLst>
+                                    <p:set>
+                                      <p:cBhvr>
+                                        <p:cTn id="25" dur="1" fill="hold">
+                                          <p:stCondLst>
+                                            <p:cond delay="0"/>
+                                          </p:stCondLst>
+                                        </p:cTn>
+                                        <p:tgtEl>
+                                          <p:spTgt spid="21"/>
                                         </p:tgtEl>
                                         <p:attrNameLst>
                                           <p:attrName>style.visibility</p:attrName>
@@ -16664,9 +12246,9 @@
                                     </p:set>
                                     <p:animEffect transition="in" filter="fade">
                                       <p:cBhvr additive="repl">
-                                        <p:cTn id="18" dur="2000"/>
+                                        <p:cTn id="26" dur="2000"/>
                                         <p:tgtEl>
-                                          <p:spTgt spid="287"/>
+                                          <p:spTgt spid="21"/>
                                         </p:tgtEl>
                                       </p:cBhvr>
                                     </p:animEffect>
@@ -16674,20 +12256,20 @@
                                 </p:cTn>
                               </p:par>
                               <p:par>
-                                <p:cTn id="19" presetID="10" presetClass="entr" fill="hold" nodeType="withEffect">
+                                <p:cTn id="27" presetID="10" presetClass="entr" fill="hold" nodeType="withEffect">
                                   <p:stCondLst>
                                     <p:cond delay="0"/>
                                   </p:stCondLst>
                                   <p:childTnLst>
                                     <p:set>
                                       <p:cBhvr>
-                                        <p:cTn id="20" dur="1" fill="hold">
+                                        <p:cTn id="28" dur="1" fill="hold">
                                           <p:stCondLst>
                                             <p:cond delay="0"/>
                                           </p:stCondLst>
                                         </p:cTn>
                                         <p:tgtEl>
-                                          <p:spTgt spid="298"/>
+                                          <p:spTgt spid="22"/>
                                         </p:tgtEl>
                                         <p:attrNameLst>
                                           <p:attrName>style.visibility</p:attrName>
@@ -16699,9 +12281,9 @@
                                     </p:set>
                                     <p:animEffect transition="in" filter="fade">
                                       <p:cBhvr additive="repl">
-                                        <p:cTn id="21" dur="2000"/>
+                                        <p:cTn id="29" dur="2000"/>
                                         <p:tgtEl>
-                                          <p:spTgt spid="298"/>
+                                          <p:spTgt spid="22"/>
                                         </p:tgtEl>
                                       </p:cBhvr>
                                     </p:animEffect>
@@ -16735,11 +12317,18 @@
         </p:cTn>
       </p:par>
     </p:tnLst>
+    <p:bldLst>
+      <p:bldP spid="7" grpId="0"/>
+      <p:bldP spid="20" grpId="0"/>
+      <p:bldP spid="24" grpId="0"/>
+      <p:bldP spid="26" grpId="0"/>
+      <p:bldP spid="27" grpId="0"/>
+    </p:bldLst>
   </p:timing>
 </p:sld>
 </file>
 
-<file path=ppt/slides/slide9.xml><?xml version="1.0" encoding="utf-8"?>
+<file path=ppt/slides/slide8.xml><?xml version="1.0" encoding="utf-8"?>
 <p:sld xmlns:a="http://schemas.openxmlformats.org/drawingml/2006/main" xmlns:r="http://schemas.openxmlformats.org/officeDocument/2006/relationships" xmlns:p="http://schemas.openxmlformats.org/presentationml/2006/main">
   <p:cSld>
     <p:bg>
@@ -17403,229 +12992,4 @@
   <a:objectDefaults/>
   <a:extraClrSchemeLst/>
 </a:theme>
-</file>
-
-<file path=ppt/theme/theme2.xml><?xml version="1.0" encoding="utf-8"?>
-<a:theme xmlns:a="http://schemas.openxmlformats.org/drawingml/2006/main" name="Office Theme">
-  <a:themeElements>
-    <a:clrScheme name="Office">
-      <a:dk1>
-        <a:sysClr val="windowText" lastClr="000000"/>
-      </a:dk1>
-      <a:lt1>
-        <a:sysClr val="window" lastClr="FFFFFF"/>
-      </a:lt1>
-      <a:dk2>
-        <a:srgbClr val="1F497D"/>
-      </a:dk2>
-      <a:lt2>
-        <a:srgbClr val="EEECE1"/>
-      </a:lt2>
-      <a:accent1>
-        <a:srgbClr val="4F81BD"/>
-      </a:accent1>
-      <a:accent2>
-        <a:srgbClr val="C0504D"/>
-      </a:accent2>
-      <a:accent3>
-        <a:srgbClr val="9BBB59"/>
-      </a:accent3>
-      <a:accent4>
-        <a:srgbClr val="8064A2"/>
-      </a:accent4>
-      <a:accent5>
-        <a:srgbClr val="4BACC6"/>
-      </a:accent5>
-      <a:accent6>
-        <a:srgbClr val="F79646"/>
-      </a:accent6>
-      <a:hlink>
-        <a:srgbClr val="0000FF"/>
-      </a:hlink>
-      <a:folHlink>
-        <a:srgbClr val="800080"/>
-      </a:folHlink>
-    </a:clrScheme>
-    <a:fontScheme name="Office">
-      <a:majorFont>
-        <a:latin typeface="Arial"/>
-        <a:ea typeface="DejaVu Sans"/>
-        <a:cs typeface="DejaVu Sans"/>
-      </a:majorFont>
-      <a:minorFont>
-        <a:latin typeface="Arial"/>
-        <a:ea typeface="DejaVu Sans"/>
-        <a:cs typeface="DejaVu Sans"/>
-      </a:minorFont>
-    </a:fontScheme>
-    <a:fmtScheme name="Office">
-      <a:fillStyleLst>
-        <a:solidFill>
-          <a:schemeClr val="phClr"/>
-        </a:solidFill>
-        <a:gradFill rotWithShape="1">
-          <a:gsLst>
-            <a:gs pos="0">
-              <a:schemeClr val="phClr">
-                <a:tint val="50000"/>
-                <a:satMod val="300000"/>
-              </a:schemeClr>
-            </a:gs>
-            <a:gs pos="35000">
-              <a:schemeClr val="phClr">
-                <a:tint val="37000"/>
-                <a:satMod val="300000"/>
-              </a:schemeClr>
-            </a:gs>
-            <a:gs pos="100000">
-              <a:schemeClr val="phClr">
-                <a:tint val="15000"/>
-                <a:satMod val="350000"/>
-              </a:schemeClr>
-            </a:gs>
-          </a:gsLst>
-          <a:lin ang="16200000" scaled="1"/>
-        </a:gradFill>
-        <a:gradFill rotWithShape="1">
-          <a:gsLst>
-            <a:gs pos="0">
-              <a:schemeClr val="phClr">
-                <a:shade val="51000"/>
-                <a:satMod val="130000"/>
-              </a:schemeClr>
-            </a:gs>
-            <a:gs pos="80000">
-              <a:schemeClr val="phClr">
-                <a:shade val="93000"/>
-                <a:satMod val="130000"/>
-              </a:schemeClr>
-            </a:gs>
-            <a:gs pos="100000">
-              <a:schemeClr val="phClr">
-                <a:shade val="94000"/>
-                <a:satMod val="135000"/>
-              </a:schemeClr>
-            </a:gs>
-          </a:gsLst>
-          <a:lin ang="16200000" scaled="0"/>
-        </a:gradFill>
-      </a:fillStyleLst>
-      <a:lnStyleLst>
-        <a:ln w="9525" cap="flat" cmpd="sng" algn="ctr">
-          <a:solidFill>
-            <a:schemeClr val="phClr">
-              <a:shade val="95000"/>
-              <a:satMod val="105000"/>
-            </a:schemeClr>
-          </a:solidFill>
-          <a:prstDash val="solid"/>
-        </a:ln>
-        <a:ln w="25400" cap="flat" cmpd="sng" algn="ctr">
-          <a:solidFill>
-            <a:schemeClr val="phClr"/>
-          </a:solidFill>
-          <a:prstDash val="solid"/>
-        </a:ln>
-        <a:ln w="38100" cap="flat" cmpd="sng" algn="ctr">
-          <a:solidFill>
-            <a:schemeClr val="phClr"/>
-          </a:solidFill>
-          <a:prstDash val="solid"/>
-        </a:ln>
-      </a:lnStyleLst>
-      <a:effectStyleLst>
-        <a:effectStyle>
-          <a:effectLst>
-            <a:outerShdw blurRad="40000" dist="20000" dir="5400000" rotWithShape="0">
-              <a:srgbClr val="000000">
-                <a:alpha val="38000"/>
-              </a:srgbClr>
-            </a:outerShdw>
-          </a:effectLst>
-        </a:effectStyle>
-        <a:effectStyle>
-          <a:effectLst>
-            <a:outerShdw blurRad="40000" dist="23000" dir="5400000" rotWithShape="0">
-              <a:srgbClr val="000000">
-                <a:alpha val="35000"/>
-              </a:srgbClr>
-            </a:outerShdw>
-          </a:effectLst>
-        </a:effectStyle>
-        <a:effectStyle>
-          <a:effectLst>
-            <a:outerShdw blurRad="40000" dist="23000" dir="5400000" rotWithShape="0">
-              <a:srgbClr val="000000">
-                <a:alpha val="35000"/>
-              </a:srgbClr>
-            </a:outerShdw>
-          </a:effectLst>
-          <a:scene3d>
-            <a:camera prst="orthographicFront">
-              <a:rot lat="0" lon="0" rev="0"/>
-            </a:camera>
-            <a:lightRig rig="threePt" dir="t">
-              <a:rot lat="0" lon="0" rev="1200000"/>
-            </a:lightRig>
-          </a:scene3d>
-          <a:sp3d>
-            <a:bevelT w="63500" h="25400"/>
-          </a:sp3d>
-        </a:effectStyle>
-      </a:effectStyleLst>
-      <a:bgFillStyleLst>
-        <a:solidFill>
-          <a:schemeClr val="phClr"/>
-        </a:solidFill>
-        <a:gradFill rotWithShape="1">
-          <a:gsLst>
-            <a:gs pos="0">
-              <a:schemeClr val="phClr">
-                <a:tint val="40000"/>
-                <a:satMod val="350000"/>
-              </a:schemeClr>
-            </a:gs>
-            <a:gs pos="40000">
-              <a:schemeClr val="phClr">
-                <a:tint val="45000"/>
-                <a:shade val="99000"/>
-                <a:satMod val="350000"/>
-              </a:schemeClr>
-            </a:gs>
-            <a:gs pos="100000">
-              <a:schemeClr val="phClr">
-                <a:shade val="20000"/>
-                <a:satMod val="255000"/>
-              </a:schemeClr>
-            </a:gs>
-          </a:gsLst>
-          <a:path path="circle">
-            <a:fillToRect l="50000" t="-80000" r="50000" b="180000"/>
-          </a:path>
-        </a:gradFill>
-        <a:gradFill rotWithShape="1">
-          <a:gsLst>
-            <a:gs pos="0">
-              <a:schemeClr val="phClr">
-                <a:tint val="80000"/>
-                <a:satMod val="300000"/>
-              </a:schemeClr>
-            </a:gs>
-            <a:gs pos="100000">
-              <a:schemeClr val="phClr">
-                <a:shade val="30000"/>
-                <a:satMod val="200000"/>
-              </a:schemeClr>
-            </a:gs>
-          </a:gsLst>
-          <a:path path="circle">
-            <a:fillToRect l="50000" t="50000" r="50000" b="50000"/>
-          </a:path>
-        </a:gradFill>
-      </a:bgFillStyleLst>
-    </a:fmtScheme>
-  </a:themeElements>
-  <a:objectDefaults/>
-  <a:extraClrSchemeLst/>
-</a:theme>
 </file>